--- a/Qt Introduction.pptx
+++ b/Qt Introduction.pptx
@@ -15,17 +15,17 @@
     <p:sldId id="304" r:id="rId7"/>
     <p:sldId id="318" r:id="rId8"/>
     <p:sldId id="273" r:id="rId9"/>
-    <p:sldId id="302" r:id="rId10"/>
-    <p:sldId id="271" r:id="rId11"/>
-    <p:sldId id="309" r:id="rId12"/>
-    <p:sldId id="310" r:id="rId13"/>
-    <p:sldId id="311" r:id="rId14"/>
-    <p:sldId id="312" r:id="rId15"/>
-    <p:sldId id="313" r:id="rId16"/>
-    <p:sldId id="314" r:id="rId17"/>
-    <p:sldId id="315" r:id="rId18"/>
-    <p:sldId id="316" r:id="rId19"/>
-    <p:sldId id="319" r:id="rId20"/>
+    <p:sldId id="271" r:id="rId10"/>
+    <p:sldId id="309" r:id="rId11"/>
+    <p:sldId id="310" r:id="rId12"/>
+    <p:sldId id="311" r:id="rId13"/>
+    <p:sldId id="312" r:id="rId14"/>
+    <p:sldId id="313" r:id="rId15"/>
+    <p:sldId id="314" r:id="rId16"/>
+    <p:sldId id="315" r:id="rId17"/>
+    <p:sldId id="316" r:id="rId18"/>
+    <p:sldId id="319" r:id="rId19"/>
+    <p:sldId id="320" r:id="rId20"/>
     <p:sldId id="306" r:id="rId21"/>
   </p:sldIdLst>
   <p:sldSz cx="9144000" cy="5143500" type="screen16x9"/>
@@ -279,7 +279,7 @@
                 <a:latin typeface="Lato" panose="020F0502020204030203" pitchFamily="34" charset="0"/>
               </a:rPr>
               <a:pPr/>
-              <a:t>9/28/2021</a:t>
+              <a:t>10/7/2021</a:t>
             </a:fld>
             <a:endParaRPr lang="en-US" dirty="0">
               <a:latin typeface="Lato" panose="020F0502020204030203" pitchFamily="34" charset="0"/>
@@ -418,7 +418,7 @@
             <a:fld id="{CB707A1A-24F1-4A76-9BBF-2BC941EA698A}" type="datetimeFigureOut">
               <a:rPr lang="en-US" smtClean="0"/>
               <a:pPr/>
-              <a:t>9/28/2021</a:t>
+              <a:t>10/7/2021</a:t>
             </a:fld>
             <a:endParaRPr lang="en-US" dirty="0"/>
           </a:p>
@@ -868,7 +868,7 @@
             <a:fld id="{0CB6685D-1DC3-467A-9755-A4FC0193B359}" type="slidenum">
               <a:rPr lang="en-US" smtClean="0"/>
               <a:pPr/>
-              <a:t>14</a:t>
+              <a:t>13</a:t>
             </a:fld>
             <a:endParaRPr lang="en-US" dirty="0"/>
           </a:p>
@@ -953,7 +953,7 @@
             <a:fld id="{0CB6685D-1DC3-467A-9755-A4FC0193B359}" type="slidenum">
               <a:rPr lang="en-US" smtClean="0"/>
               <a:pPr/>
-              <a:t>6</a:t>
+              <a:t>5</a:t>
             </a:fld>
             <a:endParaRPr lang="en-US" dirty="0"/>
           </a:p>
@@ -1038,7 +1038,7 @@
             <a:fld id="{0CB6685D-1DC3-467A-9755-A4FC0193B359}" type="slidenum">
               <a:rPr lang="en-US" smtClean="0"/>
               <a:pPr/>
-              <a:t>7</a:t>
+              <a:t>6</a:t>
             </a:fld>
             <a:endParaRPr lang="en-US" dirty="0"/>
           </a:p>
@@ -1123,7 +1123,7 @@
             <a:fld id="{0CB6685D-1DC3-467A-9755-A4FC0193B359}" type="slidenum">
               <a:rPr lang="en-US" smtClean="0"/>
               <a:pPr/>
-              <a:t>8</a:t>
+              <a:t>7</a:t>
             </a:fld>
             <a:endParaRPr lang="en-US" dirty="0"/>
           </a:p>
@@ -1208,7 +1208,7 @@
             <a:fld id="{0CB6685D-1DC3-467A-9755-A4FC0193B359}" type="slidenum">
               <a:rPr lang="en-US" smtClean="0"/>
               <a:pPr/>
-              <a:t>9</a:t>
+              <a:t>8</a:t>
             </a:fld>
             <a:endParaRPr lang="en-US" dirty="0"/>
           </a:p>
@@ -1293,7 +1293,7 @@
             <a:fld id="{0CB6685D-1DC3-467A-9755-A4FC0193B359}" type="slidenum">
               <a:rPr lang="en-US" smtClean="0"/>
               <a:pPr/>
-              <a:t>10</a:t>
+              <a:t>9</a:t>
             </a:fld>
             <a:endParaRPr lang="en-US" dirty="0"/>
           </a:p>
@@ -1378,7 +1378,7 @@
             <a:fld id="{0CB6685D-1DC3-467A-9755-A4FC0193B359}" type="slidenum">
               <a:rPr lang="en-US" smtClean="0"/>
               <a:pPr/>
-              <a:t>11</a:t>
+              <a:t>10</a:t>
             </a:fld>
             <a:endParaRPr lang="en-US" dirty="0"/>
           </a:p>
@@ -1463,7 +1463,7 @@
             <a:fld id="{0CB6685D-1DC3-467A-9755-A4FC0193B359}" type="slidenum">
               <a:rPr lang="en-US" smtClean="0"/>
               <a:pPr/>
-              <a:t>12</a:t>
+              <a:t>11</a:t>
             </a:fld>
             <a:endParaRPr lang="en-US" dirty="0"/>
           </a:p>
@@ -1548,7 +1548,7 @@
             <a:fld id="{0CB6685D-1DC3-467A-9755-A4FC0193B359}" type="slidenum">
               <a:rPr lang="en-US" smtClean="0"/>
               <a:pPr/>
-              <a:t>13</a:t>
+              <a:t>12</a:t>
             </a:fld>
             <a:endParaRPr lang="en-US" dirty="0"/>
           </a:p>
@@ -1657,7 +1657,7 @@
             <a:blip r:embed="rId3">
               <a:extLst>
                 <a:ext uri="{96DAC541-7B7A-43D3-8B79-37D633B846F1}">
-                  <asvg:svgBlip xmlns="" xmlns:asvg="http://schemas.microsoft.com/office/drawing/2016/SVG/main" r:embed="rId4"/>
+                  <asvg:svgBlip xmlns:asvg="http://schemas.microsoft.com/office/drawing/2016/SVG/main" xmlns="" r:embed="rId4"/>
                 </a:ext>
               </a:extLst>
             </a:blip>
@@ -1693,7 +1693,7 @@
             <a:blip r:embed="rId5">
               <a:extLst>
                 <a:ext uri="{96DAC541-7B7A-43D3-8B79-37D633B846F1}">
-                  <asvg:svgBlip xmlns="" xmlns:asvg="http://schemas.microsoft.com/office/drawing/2016/SVG/main" r:embed="rId6"/>
+                  <asvg:svgBlip xmlns:asvg="http://schemas.microsoft.com/office/drawing/2016/SVG/main" xmlns="" r:embed="rId6"/>
                 </a:ext>
               </a:extLst>
             </a:blip>
@@ -2005,7 +2005,7 @@
             <a:blip r:embed="rId3">
               <a:extLst>
                 <a:ext uri="{96DAC541-7B7A-43D3-8B79-37D633B846F1}">
-                  <asvg:svgBlip xmlns="" xmlns:asvg="http://schemas.microsoft.com/office/drawing/2016/SVG/main" r:embed="rId4"/>
+                  <asvg:svgBlip xmlns:asvg="http://schemas.microsoft.com/office/drawing/2016/SVG/main" xmlns="" r:embed="rId4"/>
                 </a:ext>
               </a:extLst>
             </a:blip>
@@ -2041,7 +2041,7 @@
             <a:blip r:embed="rId5">
               <a:extLst>
                 <a:ext uri="{96DAC541-7B7A-43D3-8B79-37D633B846F1}">
-                  <asvg:svgBlip xmlns="" xmlns:asvg="http://schemas.microsoft.com/office/drawing/2016/SVG/main" r:embed="rId6"/>
+                  <asvg:svgBlip xmlns:asvg="http://schemas.microsoft.com/office/drawing/2016/SVG/main" xmlns="" r:embed="rId6"/>
                 </a:ext>
               </a:extLst>
             </a:blip>
@@ -2336,7 +2336,7 @@
           <a:blip r:embed="rId3">
             <a:extLst>
               <a:ext uri="{96DAC541-7B7A-43D3-8B79-37D633B846F1}">
-                <asvg:svgBlip xmlns="" xmlns:asvg="http://schemas.microsoft.com/office/drawing/2016/SVG/main" r:embed="rId4"/>
+                <asvg:svgBlip xmlns:asvg="http://schemas.microsoft.com/office/drawing/2016/SVG/main" xmlns="" r:embed="rId4"/>
               </a:ext>
             </a:extLst>
           </a:blip>
@@ -2372,7 +2372,7 @@
           <a:blip r:embed="rId5">
             <a:extLst>
               <a:ext uri="{96DAC541-7B7A-43D3-8B79-37D633B846F1}">
-                <asvg:svgBlip xmlns="" xmlns:asvg="http://schemas.microsoft.com/office/drawing/2016/SVG/main" r:embed="rId6"/>
+                <asvg:svgBlip xmlns:asvg="http://schemas.microsoft.com/office/drawing/2016/SVG/main" xmlns="" r:embed="rId6"/>
               </a:ext>
             </a:extLst>
           </a:blip>
@@ -2667,7 +2667,7 @@
           <a:blip r:embed="rId3">
             <a:extLst>
               <a:ext uri="{96DAC541-7B7A-43D3-8B79-37D633B846F1}">
-                <asvg:svgBlip xmlns="" xmlns:asvg="http://schemas.microsoft.com/office/drawing/2016/SVG/main" r:embed="rId4"/>
+                <asvg:svgBlip xmlns:asvg="http://schemas.microsoft.com/office/drawing/2016/SVG/main" xmlns="" r:embed="rId4"/>
               </a:ext>
             </a:extLst>
           </a:blip>
@@ -2703,7 +2703,7 @@
           <a:blip r:embed="rId5">
             <a:extLst>
               <a:ext uri="{96DAC541-7B7A-43D3-8B79-37D633B846F1}">
-                <asvg:svgBlip xmlns="" xmlns:asvg="http://schemas.microsoft.com/office/drawing/2016/SVG/main" r:embed="rId6"/>
+                <asvg:svgBlip xmlns:asvg="http://schemas.microsoft.com/office/drawing/2016/SVG/main" xmlns="" r:embed="rId6"/>
               </a:ext>
             </a:extLst>
           </a:blip>
@@ -2997,7 +2997,7 @@
           <a:blip r:embed="rId3">
             <a:extLst>
               <a:ext uri="{96DAC541-7B7A-43D3-8B79-37D633B846F1}">
-                <asvg:svgBlip xmlns="" xmlns:asvg="http://schemas.microsoft.com/office/drawing/2016/SVG/main" r:embed="rId4"/>
+                <asvg:svgBlip xmlns:asvg="http://schemas.microsoft.com/office/drawing/2016/SVG/main" xmlns="" r:embed="rId4"/>
               </a:ext>
             </a:extLst>
           </a:blip>
@@ -3154,7 +3154,7 @@
           <a:blip r:embed="rId6">
             <a:extLst>
               <a:ext uri="{96DAC541-7B7A-43D3-8B79-37D633B846F1}">
-                <asvg:svgBlip xmlns="" xmlns:asvg="http://schemas.microsoft.com/office/drawing/2016/SVG/main" r:embed="rId7"/>
+                <asvg:svgBlip xmlns:asvg="http://schemas.microsoft.com/office/drawing/2016/SVG/main" xmlns="" r:embed="rId7"/>
               </a:ext>
             </a:extLst>
           </a:blip>
@@ -3380,7 +3380,7 @@
             <a:blip r:embed="rId3">
               <a:extLst>
                 <a:ext uri="{96DAC541-7B7A-43D3-8B79-37D633B846F1}">
-                  <asvg:svgBlip xmlns="" xmlns:asvg="http://schemas.microsoft.com/office/drawing/2016/SVG/main" r:embed="rId4"/>
+                  <asvg:svgBlip xmlns:asvg="http://schemas.microsoft.com/office/drawing/2016/SVG/main" xmlns="" r:embed="rId4"/>
                 </a:ext>
               </a:extLst>
             </a:blip>
@@ -3416,7 +3416,7 @@
             <a:blip r:embed="rId5">
               <a:extLst>
                 <a:ext uri="{96DAC541-7B7A-43D3-8B79-37D633B846F1}">
-                  <asvg:svgBlip xmlns="" xmlns:asvg="http://schemas.microsoft.com/office/drawing/2016/SVG/main" r:embed="rId6"/>
+                  <asvg:svgBlip xmlns:asvg="http://schemas.microsoft.com/office/drawing/2016/SVG/main" xmlns="" r:embed="rId6"/>
                 </a:ext>
               </a:extLst>
             </a:blip>
@@ -3721,7 +3721,7 @@
           <a:blip r:embed="rId3">
             <a:extLst>
               <a:ext uri="{96DAC541-7B7A-43D3-8B79-37D633B846F1}">
-                <asvg:svgBlip xmlns="" xmlns:asvg="http://schemas.microsoft.com/office/drawing/2016/SVG/main" r:embed="rId4"/>
+                <asvg:svgBlip xmlns:asvg="http://schemas.microsoft.com/office/drawing/2016/SVG/main" xmlns="" r:embed="rId4"/>
               </a:ext>
             </a:extLst>
           </a:blip>
@@ -3757,7 +3757,7 @@
           <a:blip r:embed="rId5">
             <a:extLst>
               <a:ext uri="{96DAC541-7B7A-43D3-8B79-37D633B846F1}">
-                <asvg:svgBlip xmlns="" xmlns:asvg="http://schemas.microsoft.com/office/drawing/2016/SVG/main" r:embed="rId6"/>
+                <asvg:svgBlip xmlns:asvg="http://schemas.microsoft.com/office/drawing/2016/SVG/main" xmlns="" r:embed="rId6"/>
               </a:ext>
             </a:extLst>
           </a:blip>
@@ -4051,7 +4051,7 @@
           <a:blip r:embed="rId3">
             <a:extLst>
               <a:ext uri="{96DAC541-7B7A-43D3-8B79-37D633B846F1}">
-                <asvg:svgBlip xmlns="" xmlns:asvg="http://schemas.microsoft.com/office/drawing/2016/SVG/main" r:embed="rId4"/>
+                <asvg:svgBlip xmlns:asvg="http://schemas.microsoft.com/office/drawing/2016/SVG/main" xmlns="" r:embed="rId4"/>
               </a:ext>
             </a:extLst>
           </a:blip>
@@ -5705,7 +5705,7 @@
             <a:blip r:embed="rId3">
               <a:extLst>
                 <a:ext uri="{96DAC541-7B7A-43D3-8B79-37D633B846F1}">
-                  <asvg:svgBlip xmlns="" xmlns:asvg="http://schemas.microsoft.com/office/drawing/2016/SVG/main" r:embed="rId4"/>
+                  <asvg:svgBlip xmlns:asvg="http://schemas.microsoft.com/office/drawing/2016/SVG/main" xmlns="" r:embed="rId4"/>
                 </a:ext>
               </a:extLst>
             </a:blip>
@@ -5741,7 +5741,7 @@
             <a:blip r:embed="rId5">
               <a:extLst>
                 <a:ext uri="{96DAC541-7B7A-43D3-8B79-37D633B846F1}">
-                  <asvg:svgBlip xmlns="" xmlns:asvg="http://schemas.microsoft.com/office/drawing/2016/SVG/main" r:embed="rId6"/>
+                  <asvg:svgBlip xmlns:asvg="http://schemas.microsoft.com/office/drawing/2016/SVG/main" xmlns="" r:embed="rId6"/>
                 </a:ext>
               </a:extLst>
             </a:blip>
@@ -10518,7 +10518,7 @@
           <a:blip r:embed="rId3">
             <a:extLst>
               <a:ext uri="{96DAC541-7B7A-43D3-8B79-37D633B846F1}">
-                <asvg:svgBlip xmlns="" xmlns:asvg="http://schemas.microsoft.com/office/drawing/2016/SVG/main" r:embed="rId4"/>
+                <asvg:svgBlip xmlns:asvg="http://schemas.microsoft.com/office/drawing/2016/SVG/main" xmlns="" r:embed="rId4"/>
               </a:ext>
             </a:extLst>
           </a:blip>
@@ -10554,7 +10554,7 @@
           <a:blip r:embed="rId5">
             <a:extLst>
               <a:ext uri="{96DAC541-7B7A-43D3-8B79-37D633B846F1}">
-                <asvg:svgBlip xmlns="" xmlns:asvg="http://schemas.microsoft.com/office/drawing/2016/SVG/main" r:embed="rId6"/>
+                <asvg:svgBlip xmlns:asvg="http://schemas.microsoft.com/office/drawing/2016/SVG/main" xmlns="" r:embed="rId6"/>
               </a:ext>
             </a:extLst>
           </a:blip>
@@ -10888,7 +10888,7 @@
             <a:blip r:embed="rId3">
               <a:extLst>
                 <a:ext uri="{96DAC541-7B7A-43D3-8B79-37D633B846F1}">
-                  <asvg:svgBlip xmlns="" xmlns:asvg="http://schemas.microsoft.com/office/drawing/2016/SVG/main" r:embed="rId4"/>
+                  <asvg:svgBlip xmlns:asvg="http://schemas.microsoft.com/office/drawing/2016/SVG/main" xmlns="" r:embed="rId4"/>
                 </a:ext>
               </a:extLst>
             </a:blip>
@@ -10924,7 +10924,7 @@
             <a:blip r:embed="rId5">
               <a:extLst>
                 <a:ext uri="{96DAC541-7B7A-43D3-8B79-37D633B846F1}">
-                  <asvg:svgBlip xmlns="" xmlns:asvg="http://schemas.microsoft.com/office/drawing/2016/SVG/main" r:embed="rId6"/>
+                  <asvg:svgBlip xmlns:asvg="http://schemas.microsoft.com/office/drawing/2016/SVG/main" xmlns="" r:embed="rId6"/>
                 </a:ext>
               </a:extLst>
             </a:blip>
@@ -11243,7 +11243,7 @@
           <a:blip r:embed="rId3">
             <a:extLst>
               <a:ext uri="{96DAC541-7B7A-43D3-8B79-37D633B846F1}">
-                <asvg:svgBlip xmlns="" xmlns:asvg="http://schemas.microsoft.com/office/drawing/2016/SVG/main" r:embed="rId4"/>
+                <asvg:svgBlip xmlns:asvg="http://schemas.microsoft.com/office/drawing/2016/SVG/main" xmlns="" r:embed="rId4"/>
               </a:ext>
             </a:extLst>
           </a:blip>
@@ -11279,7 +11279,7 @@
           <a:blip r:embed="rId5">
             <a:extLst>
               <a:ext uri="{96DAC541-7B7A-43D3-8B79-37D633B846F1}">
-                <asvg:svgBlip xmlns="" xmlns:asvg="http://schemas.microsoft.com/office/drawing/2016/SVG/main" r:embed="rId6"/>
+                <asvg:svgBlip xmlns:asvg="http://schemas.microsoft.com/office/drawing/2016/SVG/main" xmlns="" r:embed="rId6"/>
               </a:ext>
             </a:extLst>
           </a:blip>
@@ -11628,7 +11628,7 @@
             <a:blip r:embed="rId3">
               <a:extLst>
                 <a:ext uri="{96DAC541-7B7A-43D3-8B79-37D633B846F1}">
-                  <asvg:svgBlip xmlns="" xmlns:asvg="http://schemas.microsoft.com/office/drawing/2016/SVG/main" r:embed="rId4"/>
+                  <asvg:svgBlip xmlns:asvg="http://schemas.microsoft.com/office/drawing/2016/SVG/main" xmlns="" r:embed="rId4"/>
                 </a:ext>
               </a:extLst>
             </a:blip>
@@ -11664,7 +11664,7 @@
             <a:blip r:embed="rId5">
               <a:extLst>
                 <a:ext uri="{96DAC541-7B7A-43D3-8B79-37D633B846F1}">
-                  <asvg:svgBlip xmlns="" xmlns:asvg="http://schemas.microsoft.com/office/drawing/2016/SVG/main" r:embed="rId6"/>
+                  <asvg:svgBlip xmlns:asvg="http://schemas.microsoft.com/office/drawing/2016/SVG/main" xmlns="" r:embed="rId6"/>
                 </a:ext>
               </a:extLst>
             </a:blip>
@@ -11993,7 +11993,7 @@
             <a:blip r:embed="rId3">
               <a:extLst>
                 <a:ext uri="{96DAC541-7B7A-43D3-8B79-37D633B846F1}">
-                  <asvg:svgBlip xmlns="" xmlns:asvg="http://schemas.microsoft.com/office/drawing/2016/SVG/main" r:embed="rId4"/>
+                  <asvg:svgBlip xmlns:asvg="http://schemas.microsoft.com/office/drawing/2016/SVG/main" xmlns="" r:embed="rId4"/>
                 </a:ext>
               </a:extLst>
             </a:blip>
@@ -12029,7 +12029,7 @@
             <a:blip r:embed="rId5">
               <a:extLst>
                 <a:ext uri="{96DAC541-7B7A-43D3-8B79-37D633B846F1}">
-                  <asvg:svgBlip xmlns="" xmlns:asvg="http://schemas.microsoft.com/office/drawing/2016/SVG/main" r:embed="rId6"/>
+                  <asvg:svgBlip xmlns:asvg="http://schemas.microsoft.com/office/drawing/2016/SVG/main" xmlns="" r:embed="rId6"/>
                 </a:ext>
               </a:extLst>
             </a:blip>
@@ -12368,7 +12368,7 @@
             <a:blip r:embed="rId3">
               <a:extLst>
                 <a:ext uri="{96DAC541-7B7A-43D3-8B79-37D633B846F1}">
-                  <asvg:svgBlip xmlns="" xmlns:asvg="http://schemas.microsoft.com/office/drawing/2016/SVG/main" r:embed="rId4"/>
+                  <asvg:svgBlip xmlns:asvg="http://schemas.microsoft.com/office/drawing/2016/SVG/main" xmlns="" r:embed="rId4"/>
                 </a:ext>
               </a:extLst>
             </a:blip>
@@ -12404,7 +12404,7 @@
             <a:blip r:embed="rId5">
               <a:extLst>
                 <a:ext uri="{96DAC541-7B7A-43D3-8B79-37D633B846F1}">
-                  <asvg:svgBlip xmlns="" xmlns:asvg="http://schemas.microsoft.com/office/drawing/2016/SVG/main" r:embed="rId6"/>
+                  <asvg:svgBlip xmlns:asvg="http://schemas.microsoft.com/office/drawing/2016/SVG/main" xmlns="" r:embed="rId6"/>
                 </a:ext>
               </a:extLst>
             </a:blip>
@@ -12743,7 +12743,7 @@
             <a:blip r:embed="rId3">
               <a:extLst>
                 <a:ext uri="{96DAC541-7B7A-43D3-8B79-37D633B846F1}">
-                  <asvg:svgBlip xmlns="" xmlns:asvg="http://schemas.microsoft.com/office/drawing/2016/SVG/main" r:embed="rId4"/>
+                  <asvg:svgBlip xmlns:asvg="http://schemas.microsoft.com/office/drawing/2016/SVG/main" xmlns="" r:embed="rId4"/>
                 </a:ext>
               </a:extLst>
             </a:blip>
@@ -12779,7 +12779,7 @@
             <a:blip r:embed="rId5">
               <a:extLst>
                 <a:ext uri="{96DAC541-7B7A-43D3-8B79-37D633B846F1}">
-                  <asvg:svgBlip xmlns="" xmlns:asvg="http://schemas.microsoft.com/office/drawing/2016/SVG/main" r:embed="rId6"/>
+                  <asvg:svgBlip xmlns:asvg="http://schemas.microsoft.com/office/drawing/2016/SVG/main" xmlns="" r:embed="rId6"/>
                 </a:ext>
               </a:extLst>
             </a:blip>
@@ -14344,7 +14344,7 @@
           <a:p>
             <a:r>
               <a:rPr lang="en-150" dirty="0" smtClean="0"/>
-              <a:t>C++ Framework for a Cross-Platform Development</a:t>
+              <a:t>A C++ Framework for Cross-Platform Development</a:t>
             </a:r>
             <a:endParaRPr lang="de-CH" dirty="0"/>
           </a:p>
@@ -14380,6 +14380,54 @@
           </a:prstGeom>
         </p:spPr>
       </p:pic>
+      <p:sp>
+        <p:nvSpPr>
+          <p:cNvPr id="3" name="Rectangle 2"/>
+          <p:cNvSpPr/>
+          <p:nvPr/>
+        </p:nvSpPr>
+        <p:spPr>
+          <a:xfrm>
+            <a:off x="79022" y="4899378"/>
+            <a:ext cx="2483556" cy="158044"/>
+          </a:xfrm>
+          <a:prstGeom prst="rect">
+            <a:avLst/>
+          </a:prstGeom>
+          <a:solidFill>
+            <a:schemeClr val="bg1"/>
+          </a:solidFill>
+          <a:ln>
+            <a:solidFill>
+              <a:schemeClr val="bg1"/>
+            </a:solidFill>
+          </a:ln>
+        </p:spPr>
+        <p:style>
+          <a:lnRef idx="2">
+            <a:schemeClr val="accent1">
+              <a:shade val="50000"/>
+            </a:schemeClr>
+          </a:lnRef>
+          <a:fillRef idx="1">
+            <a:schemeClr val="accent1"/>
+          </a:fillRef>
+          <a:effectRef idx="0">
+            <a:schemeClr val="accent1"/>
+          </a:effectRef>
+          <a:fontRef idx="minor">
+            <a:schemeClr val="lt1"/>
+          </a:fontRef>
+        </p:style>
+        <p:txBody>
+          <a:bodyPr rtlCol="0" anchor="ctr"/>
+          <a:lstStyle/>
+          <a:p>
+            <a:pPr algn="ctr"/>
+            <a:endParaRPr lang="de-CH"/>
+          </a:p>
+        </p:txBody>
+      </p:sp>
     </p:spTree>
     <p:extLst>
       <p:ext uri="{BB962C8B-B14F-4D97-AF65-F5344CB8AC3E}">
@@ -14390,6 +14438,13 @@
   <p:clrMapOvr>
     <a:masterClrMapping/>
   </p:clrMapOvr>
+  <p:timing>
+    <p:tnLst>
+      <p:par>
+        <p:cTn id="1" dur="indefinite" restart="never" nodeType="tmRoot"/>
+      </p:par>
+    </p:tnLst>
+  </p:timing>
 </p:sld>
 </file>
 
@@ -14487,7 +14542,7 @@
                 <a:ea typeface="Lato Light" panose="020F0502020204030203" pitchFamily="34" charset="0"/>
                 <a:cs typeface="Calibri"/>
               </a:rPr>
-              <a:t>Signals and Slots</a:t>
+              <a:t>Connecting Signals and Slots</a:t>
             </a:r>
             <a:endParaRPr lang="en-GB" b="1" dirty="0">
               <a:solidFill>
@@ -14512,156 +14567,119 @@
         </p:nvSpPr>
         <p:spPr>
           <a:xfrm>
-            <a:off x="275716" y="908909"/>
-            <a:ext cx="8489388" cy="3808319"/>
+            <a:off x="303058" y="1247775"/>
+            <a:ext cx="8489388" cy="3511385"/>
           </a:xfrm>
         </p:spPr>
         <p:txBody>
           <a:bodyPr/>
           <a:lstStyle/>
           <a:p>
-            <a:pPr marL="342945" lvl="1" indent="0">
+            <a:pPr marL="329847" lvl="1" indent="0">
               <a:buNone/>
             </a:pPr>
             <a:r>
-              <a:rPr lang="en-US" dirty="0"/>
-              <a:t>A </a:t>
-            </a:r>
-            <a:r>
-              <a:rPr lang="en-US" b="1" dirty="0"/>
-              <a:t>signal</a:t>
-            </a:r>
-            <a:r>
-              <a:rPr lang="en-US" dirty="0"/>
-              <a:t> is a message that an object can send, most of the time to inform of a status change</a:t>
-            </a:r>
-            <a:r>
               <a:rPr lang="en-US" dirty="0" smtClean="0"/>
-              <a:t>.</a:t>
-            </a:r>
-            <a:endParaRPr lang="en-150" dirty="0" smtClean="0"/>
-          </a:p>
-          <a:p>
-            <a:pPr lvl="2">
-              <a:buFont typeface="Arial" panose="020B0604020202020204" pitchFamily="34" charset="0"/>
-              <a:buChar char="•"/>
-            </a:pPr>
+              <a:t>O</a:t>
+            </a:r>
             <a:r>
               <a:rPr lang="en-150" dirty="0" smtClean="0"/>
-              <a:t>Button emits a clicked signal.</a:t>
-            </a:r>
-          </a:p>
-          <a:p>
-            <a:pPr lvl="2">
-              <a:buFont typeface="Arial" panose="020B0604020202020204" pitchFamily="34" charset="0"/>
-              <a:buChar char="•"/>
-            </a:pPr>
-            <a:r>
-              <a:rPr lang="en-150" dirty="0" smtClean="0"/>
-              <a:t>Timer emits a timeout signal.</a:t>
-            </a:r>
-            <a:endParaRPr lang="en-US" dirty="0"/>
-          </a:p>
-          <a:p>
-            <a:pPr marL="342945" lvl="1" indent="0">
-              <a:buNone/>
-            </a:pPr>
-            <a:r>
-              <a:rPr lang="en-US" dirty="0"/>
-              <a:t>A </a:t>
-            </a:r>
-            <a:r>
-              <a:rPr lang="en-US" b="1" dirty="0"/>
-              <a:t>slot</a:t>
-            </a:r>
-            <a:r>
-              <a:rPr lang="en-US" dirty="0"/>
-              <a:t> is a function that is used to accept and respond to a signal</a:t>
-            </a:r>
-            <a:r>
-              <a:rPr lang="en-US" dirty="0" smtClean="0"/>
-              <a:t>.</a:t>
-            </a:r>
-            <a:endParaRPr lang="en-150" dirty="0" smtClean="0"/>
-          </a:p>
-          <a:p>
-            <a:pPr marL="342945" lvl="1" indent="0">
+              <a:t>ld Syntax:</a:t>
+            </a:r>
+          </a:p>
+          <a:p>
+            <a:pPr marL="329847" lvl="1" indent="0">
               <a:buNone/>
             </a:pPr>
             <a:endParaRPr lang="en-150" dirty="0"/>
           </a:p>
           <a:p>
-            <a:pPr marL="342945" lvl="1" indent="0">
+            <a:pPr marL="329847" lvl="1" indent="0">
               <a:buNone/>
             </a:pPr>
             <a:r>
               <a:rPr lang="en-150" dirty="0" smtClean="0"/>
-              <a:t>Example: </a:t>
+              <a:t>New connect</a:t>
+            </a:r>
+            <a:r>
+              <a:rPr lang="en-US" dirty="0" smtClean="0"/>
+              <a:t> </a:t>
             </a:r>
             <a:r>
               <a:rPr lang="en-US" dirty="0"/>
-              <a:t> A media player might have a class that is used to check the progress of the media. An instance of this class might periodically send a </a:t>
-            </a:r>
-            <a:r>
-              <a:rPr lang="en-US" i="1" dirty="0"/>
-              <a:t>tick</a:t>
+              <a:t>to </a:t>
+            </a:r>
+            <a:r>
+              <a:rPr lang="en-US" dirty="0" err="1"/>
+              <a:t>QObject</a:t>
             </a:r>
             <a:r>
               <a:rPr lang="en-US" dirty="0"/>
-              <a:t> signal, with the progress value. This signal can be connected to a </a:t>
-            </a:r>
-            <a:r>
-              <a:rPr lang="en-US" dirty="0" err="1">
-                <a:hlinkClick r:id="rId3"/>
-              </a:rPr>
-              <a:t>QProgressBar</a:t>
-            </a:r>
-            <a:r>
-              <a:rPr lang="en-US" dirty="0"/>
-              <a:t>, that can be used to display the progress</a:t>
+              <a:t> </a:t>
             </a:r>
             <a:r>
               <a:rPr lang="en-US" dirty="0" smtClean="0"/>
-              <a:t>.</a:t>
-            </a:r>
-            <a:endParaRPr lang="en-150" dirty="0" smtClean="0"/>
-          </a:p>
-          <a:p>
-            <a:pPr marL="342945" lvl="1" indent="0">
-              <a:buNone/>
-            </a:pPr>
+              <a:t>member</a:t>
+            </a:r>
             <a:r>
               <a:rPr lang="en-150" dirty="0" smtClean="0"/>
-              <a:t>SIGNAL:					            SLOT:</a:t>
-            </a:r>
-          </a:p>
-          <a:p>
-            <a:pPr marL="342945" lvl="1" indent="0">
+              <a:t> - </a:t>
+            </a:r>
+            <a:r>
+              <a:rPr lang="en-150" dirty="0"/>
+              <a:t>Qt 5 </a:t>
+            </a:r>
+            <a:r>
+              <a:rPr lang="en-150" dirty="0" smtClean="0"/>
+              <a:t>:</a:t>
+            </a:r>
+          </a:p>
+          <a:p>
+            <a:pPr marL="329847" lvl="1" indent="0">
               <a:buNone/>
             </a:pPr>
             <a:endParaRPr lang="en-150" dirty="0"/>
           </a:p>
           <a:p>
-            <a:pPr marL="342945" lvl="1" indent="0">
+            <a:pPr marL="329847" lvl="1" indent="0">
               <a:buNone/>
             </a:pPr>
             <a:r>
               <a:rPr lang="en-150" dirty="0" smtClean="0"/>
-              <a:t>CONNECTION:</a:t>
-            </a:r>
-            <a:endParaRPr lang="en-150" dirty="0"/>
-          </a:p>
-          <a:p>
-            <a:pPr marL="342945" lvl="1" indent="0">
+              <a:t>New connect to simple function - </a:t>
+            </a:r>
+            <a:r>
+              <a:rPr lang="en-150" dirty="0"/>
+              <a:t>Qt </a:t>
+            </a:r>
+            <a:r>
+              <a:rPr lang="en-150" dirty="0" smtClean="0"/>
+              <a:t>5:</a:t>
+            </a:r>
+          </a:p>
+          <a:p>
+            <a:pPr marL="329847" lvl="1" indent="0">
               <a:buNone/>
             </a:pPr>
-            <a:endParaRPr lang="en-US" dirty="0"/>
-          </a:p>
-        </p:txBody>
-      </p:sp>
-      <p:sp>
-        <p:nvSpPr>
-          <p:cNvPr id="10" name="Rectangle 5"/>
+            <a:endParaRPr lang="en-150" dirty="0"/>
+          </a:p>
+          <a:p>
+            <a:pPr marL="329847" lvl="1" indent="0">
+              <a:buNone/>
+            </a:pPr>
+            <a:endParaRPr lang="en-150" dirty="0" smtClean="0"/>
+          </a:p>
+          <a:p>
+            <a:pPr marL="329847" lvl="1" indent="0">
+              <a:buNone/>
+            </a:pPr>
+            <a:endParaRPr lang="en-150" dirty="0"/>
+          </a:p>
+        </p:txBody>
+      </p:sp>
+      <p:sp>
+        <p:nvSpPr>
+          <p:cNvPr id="5" name="Rectangle 1"/>
           <p:cNvSpPr>
             <a:spLocks noChangeArrowheads="1"/>
           </p:cNvSpPr>
@@ -14669,8 +14687,8 @@
         </p:nvSpPr>
         <p:spPr bwMode="auto">
           <a:xfrm>
-            <a:off x="657283" y="3504327"/>
-            <a:ext cx="4238513" cy="276999"/>
+            <a:off x="567116" y="1568529"/>
+            <a:ext cx="6417141" cy="246221"/>
           </a:xfrm>
           <a:prstGeom prst="rect">
             <a:avLst/>
@@ -14705,7 +14723,7 @@
           </a:extLst>
         </p:spPr>
         <p:txBody>
-          <a:bodyPr vert="horz" wrap="square" lIns="91440" tIns="45720" rIns="91440" bIns="45720" numCol="1" anchor="ctr" anchorCtr="0" compatLnSpc="1">
+          <a:bodyPr vert="horz" wrap="none" lIns="91440" tIns="45720" rIns="91440" bIns="45720" numCol="1" anchor="ctr" anchorCtr="0" compatLnSpc="1">
             <a:prstTxWarp prst="textNoShape">
               <a:avLst/>
             </a:prstTxWarp>
@@ -14713,179 +14731,178 @@
           </a:bodyPr>
           <a:lstStyle/>
           <a:p>
-            <a:pPr marL="0" marR="0" lvl="0" indent="0" algn="l" defTabSz="914400" rtl="0" eaLnBrk="0" fontAlgn="base" latinLnBrk="0" hangingPunct="0">
-              <a:lnSpc>
-                <a:spcPct val="100000"/>
-              </a:lnSpc>
+            <a:pPr fontAlgn="base">
               <a:spcBef>
-                <a:spcPct val="30000"/>
+                <a:spcPct val="0"/>
               </a:spcBef>
               <a:spcAft>
                 <a:spcPct val="0"/>
               </a:spcAft>
-              <a:buClrTx/>
-              <a:buSzTx/>
-              <a:buFontTx/>
-              <a:buNone/>
-              <a:tabLst/>
             </a:pPr>
             <a:r>
-              <a:rPr kumimoji="0" lang="de-DE" altLang="de-DE" sz="1200" b="0" i="0" u="none" strike="noStrike" cap="none" normalizeH="0" baseline="0" dirty="0" err="1" smtClean="0">
+              <a:rPr lang="de-DE" altLang="de-DE" sz="1000" b="1" dirty="0" err="1">
+                <a:solidFill>
+                  <a:srgbClr val="990099"/>
+                </a:solidFill>
+                <a:latin typeface="Titillium Web"/>
+              </a:rPr>
+              <a:t>connect</a:t>
+            </a:r>
+            <a:r>
+              <a:rPr kumimoji="0" lang="en-150" altLang="de-DE" sz="1000" b="0" i="0" u="none" strike="noStrike" cap="none" normalizeH="0" baseline="0" dirty="0" smtClean="0">
                 <a:ln>
                   <a:noFill/>
                 </a:ln>
                 <a:solidFill>
-                  <a:srgbClr val="B00040"/>
+                  <a:srgbClr val="000000"/>
                 </a:solidFill>
                 <a:effectLst/>
                 <a:latin typeface="Courier New" panose="02070309020205020404" pitchFamily="49" charset="0"/>
                 <a:cs typeface="Courier New" panose="02070309020205020404" pitchFamily="49" charset="0"/>
               </a:rPr>
-              <a:t>void</a:t>
-            </a:r>
-            <a:r>
-              <a:rPr kumimoji="0" lang="de-DE" altLang="de-DE" sz="1200" b="0" i="0" u="none" strike="noStrike" cap="none" normalizeH="0" baseline="0" dirty="0" smtClean="0">
-                <a:ln>
-                  <a:noFill/>
-                </a:ln>
-                <a:solidFill>
-                  <a:srgbClr val="000000"/>
-                </a:solidFill>
-                <a:effectLst/>
-                <a:latin typeface="Courier New" panose="02070309020205020404" pitchFamily="49" charset="0"/>
-                <a:cs typeface="Courier New" panose="02070309020205020404" pitchFamily="49" charset="0"/>
-              </a:rPr>
               <a:t> </a:t>
             </a:r>
             <a:r>
-              <a:rPr kumimoji="0" lang="de-DE" altLang="de-DE" sz="1200" b="0" i="0" u="none" strike="noStrike" cap="none" normalizeH="0" baseline="0" dirty="0" err="1" smtClean="0">
-                <a:ln>
-                  <a:noFill/>
-                </a:ln>
-                <a:solidFill>
-                  <a:schemeClr val="tx1"/>
-                </a:solidFill>
-                <a:effectLst/>
-                <a:latin typeface="Arial" panose="020B0604020202020204" pitchFamily="34" charset="0"/>
-              </a:rPr>
-              <a:t>MediaProgressManager</a:t>
-            </a:r>
-            <a:r>
-              <a:rPr lang="en-150" altLang="de-DE" sz="1200" dirty="0">
-                <a:latin typeface="Arial" panose="020B0604020202020204" pitchFamily="34" charset="0"/>
-              </a:rPr>
-              <a:t>::</a:t>
-            </a:r>
-            <a:r>
-              <a:rPr kumimoji="0" lang="de-DE" altLang="de-DE" sz="1200" b="0" i="0" u="none" strike="noStrike" cap="none" normalizeH="0" baseline="0" dirty="0" smtClean="0">
-                <a:ln>
-                  <a:noFill/>
-                </a:ln>
-                <a:solidFill>
-                  <a:schemeClr val="tx1"/>
-                </a:solidFill>
-                <a:effectLst/>
-                <a:latin typeface="Arial" panose="020B0604020202020204" pitchFamily="34" charset="0"/>
-              </a:rPr>
-              <a:t>tick</a:t>
-            </a:r>
-            <a:r>
-              <a:rPr kumimoji="0" lang="de-DE" altLang="de-DE" sz="1200" b="0" i="0" u="none" strike="noStrike" cap="none" normalizeH="0" baseline="0" dirty="0" smtClean="0">
-                <a:ln>
-                  <a:noFill/>
-                </a:ln>
-                <a:solidFill>
-                  <a:srgbClr val="000000"/>
-                </a:solidFill>
-                <a:effectLst/>
-                <a:latin typeface="Courier New" panose="02070309020205020404" pitchFamily="49" charset="0"/>
-                <a:cs typeface="Courier New" panose="02070309020205020404" pitchFamily="49" charset="0"/>
-              </a:rPr>
-              <a:t>(</a:t>
-            </a:r>
-            <a:r>
-              <a:rPr kumimoji="0" lang="de-DE" altLang="de-DE" sz="1200" b="0" i="0" u="none" strike="noStrike" cap="none" normalizeH="0" baseline="0" dirty="0" err="1" smtClean="0">
-                <a:ln>
-                  <a:noFill/>
-                </a:ln>
-                <a:solidFill>
-                  <a:srgbClr val="B00040"/>
-                </a:solidFill>
-                <a:effectLst/>
-                <a:latin typeface="Courier New" panose="02070309020205020404" pitchFamily="49" charset="0"/>
-                <a:cs typeface="Courier New" panose="02070309020205020404" pitchFamily="49" charset="0"/>
-              </a:rPr>
-              <a:t>int</a:t>
-            </a:r>
-            <a:r>
-              <a:rPr kumimoji="0" lang="de-DE" altLang="de-DE" sz="1200" b="0" i="0" u="none" strike="noStrike" cap="none" normalizeH="0" baseline="0" dirty="0" smtClean="0">
-                <a:ln>
-                  <a:noFill/>
-                </a:ln>
-                <a:solidFill>
-                  <a:srgbClr val="000000"/>
-                </a:solidFill>
-                <a:effectLst/>
-                <a:latin typeface="Courier New" panose="02070309020205020404" pitchFamily="49" charset="0"/>
-                <a:cs typeface="Courier New" panose="02070309020205020404" pitchFamily="49" charset="0"/>
-              </a:rPr>
-              <a:t> </a:t>
-            </a:r>
-            <a:r>
-              <a:rPr kumimoji="0" lang="de-DE" altLang="de-DE" sz="1200" b="0" i="0" u="none" strike="noStrike" cap="none" normalizeH="0" baseline="0" dirty="0" err="1" smtClean="0">
-                <a:ln>
-                  <a:noFill/>
-                </a:ln>
-                <a:solidFill>
-                  <a:schemeClr val="tx1"/>
-                </a:solidFill>
-                <a:effectLst/>
-                <a:latin typeface="Arial" panose="020B0604020202020204" pitchFamily="34" charset="0"/>
-              </a:rPr>
-              <a:t>miliseconds</a:t>
-            </a:r>
-            <a:r>
-              <a:rPr kumimoji="0" lang="de-DE" altLang="de-DE" sz="1200" b="0" i="0" u="none" strike="noStrike" cap="none" normalizeH="0" baseline="0" dirty="0" smtClean="0">
-                <a:ln>
-                  <a:noFill/>
-                </a:ln>
-                <a:solidFill>
-                  <a:srgbClr val="000000"/>
-                </a:solidFill>
-                <a:effectLst/>
-                <a:latin typeface="Courier New" panose="02070309020205020404" pitchFamily="49" charset="0"/>
-                <a:cs typeface="Courier New" panose="02070309020205020404" pitchFamily="49" charset="0"/>
-              </a:rPr>
-              <a:t>);</a:t>
-            </a:r>
-            <a:r>
-              <a:rPr kumimoji="0" lang="de-DE" altLang="de-DE" sz="600" b="0" i="0" u="none" strike="noStrike" cap="none" normalizeH="0" baseline="0" dirty="0" smtClean="0">
-                <a:ln>
-                  <a:noFill/>
-                </a:ln>
-                <a:solidFill>
-                  <a:schemeClr val="tx1"/>
-                </a:solidFill>
-                <a:effectLst/>
-              </a:rPr>
-              <a:t> </a:t>
-            </a:r>
-            <a:endParaRPr kumimoji="0" lang="de-DE" altLang="de-DE" sz="1800" b="0" i="0" u="none" strike="noStrike" cap="none" normalizeH="0" baseline="0" dirty="0" smtClean="0">
-              <a:ln>
-                <a:noFill/>
-              </a:ln>
-              <a:solidFill>
-                <a:schemeClr val="tx1"/>
-              </a:solidFill>
-              <a:effectLst/>
-              <a:latin typeface="Arial" panose="020B0604020202020204" pitchFamily="34" charset="0"/>
-            </a:endParaRPr>
-          </a:p>
-        </p:txBody>
-      </p:sp>
-      <p:sp>
-        <p:nvSpPr>
-          <p:cNvPr id="12" name="Rectangle 7"/>
+              <a:rPr lang="de-DE" altLang="de-DE" sz="1000" dirty="0" smtClean="0">
+                <a:solidFill>
+                  <a:srgbClr val="404244"/>
+                </a:solidFill>
+                <a:latin typeface="Titillium Web"/>
+              </a:rPr>
+              <a:t>( </a:t>
+            </a:r>
+            <a:r>
+              <a:rPr lang="de-DE" altLang="de-DE" sz="1000" dirty="0" err="1">
+                <a:solidFill>
+                  <a:srgbClr val="404244"/>
+                </a:solidFill>
+                <a:latin typeface="Titillium Web"/>
+              </a:rPr>
+              <a:t>sender</a:t>
+            </a:r>
+            <a:r>
+              <a:rPr lang="de-DE" altLang="de-DE" sz="1000" dirty="0">
+                <a:solidFill>
+                  <a:srgbClr val="404244"/>
+                </a:solidFill>
+                <a:latin typeface="Titillium Web"/>
+              </a:rPr>
+              <a:t>, SIGNAL( </a:t>
+            </a:r>
+            <a:r>
+              <a:rPr lang="de-DE" altLang="de-DE" sz="1000" dirty="0" err="1">
+                <a:solidFill>
+                  <a:srgbClr val="404244"/>
+                </a:solidFill>
+                <a:latin typeface="Titillium Web"/>
+              </a:rPr>
+              <a:t>valueChanged</a:t>
+            </a:r>
+            <a:r>
+              <a:rPr lang="de-DE" altLang="de-DE" sz="1000" dirty="0">
+                <a:solidFill>
+                  <a:srgbClr val="404244"/>
+                </a:solidFill>
+                <a:latin typeface="Titillium Web"/>
+              </a:rPr>
+              <a:t>( </a:t>
+            </a:r>
+            <a:r>
+              <a:rPr lang="de-DE" altLang="de-DE" sz="1000" dirty="0" err="1">
+                <a:solidFill>
+                  <a:srgbClr val="404244"/>
+                </a:solidFill>
+                <a:latin typeface="Titillium Web"/>
+              </a:rPr>
+              <a:t>QString</a:t>
+            </a:r>
+            <a:r>
+              <a:rPr lang="de-DE" altLang="de-DE" sz="1000" dirty="0">
+                <a:solidFill>
+                  <a:srgbClr val="404244"/>
+                </a:solidFill>
+                <a:latin typeface="Titillium Web"/>
+              </a:rPr>
+              <a:t>, </a:t>
+            </a:r>
+            <a:r>
+              <a:rPr lang="de-DE" altLang="de-DE" sz="1000" dirty="0" err="1">
+                <a:solidFill>
+                  <a:srgbClr val="404244"/>
+                </a:solidFill>
+                <a:latin typeface="Titillium Web"/>
+              </a:rPr>
+              <a:t>QString</a:t>
+            </a:r>
+            <a:r>
+              <a:rPr lang="de-DE" altLang="de-DE" sz="1000" dirty="0">
+                <a:solidFill>
+                  <a:srgbClr val="404244"/>
+                </a:solidFill>
+                <a:latin typeface="Titillium Web"/>
+              </a:rPr>
+              <a:t> ) ), </a:t>
+            </a:r>
+            <a:r>
+              <a:rPr lang="de-DE" altLang="de-DE" sz="1000" dirty="0" err="1">
+                <a:solidFill>
+                  <a:srgbClr val="404244"/>
+                </a:solidFill>
+                <a:latin typeface="Titillium Web"/>
+              </a:rPr>
+              <a:t>receiver</a:t>
+            </a:r>
+            <a:r>
+              <a:rPr lang="de-DE" altLang="de-DE" sz="1000" dirty="0">
+                <a:solidFill>
+                  <a:srgbClr val="404244"/>
+                </a:solidFill>
+                <a:latin typeface="Titillium Web"/>
+              </a:rPr>
+              <a:t>, SLOT( </a:t>
+            </a:r>
+            <a:r>
+              <a:rPr lang="de-DE" altLang="de-DE" sz="1000" dirty="0" err="1">
+                <a:solidFill>
+                  <a:srgbClr val="404244"/>
+                </a:solidFill>
+                <a:latin typeface="Titillium Web"/>
+              </a:rPr>
+              <a:t>updateValue</a:t>
+            </a:r>
+            <a:r>
+              <a:rPr lang="de-DE" altLang="de-DE" sz="1000" dirty="0">
+                <a:solidFill>
+                  <a:srgbClr val="404244"/>
+                </a:solidFill>
+                <a:latin typeface="Titillium Web"/>
+              </a:rPr>
+              <a:t>( </a:t>
+            </a:r>
+            <a:r>
+              <a:rPr lang="de-DE" altLang="de-DE" sz="1000" dirty="0" err="1">
+                <a:solidFill>
+                  <a:srgbClr val="404244"/>
+                </a:solidFill>
+                <a:latin typeface="Titillium Web"/>
+              </a:rPr>
+              <a:t>QString</a:t>
+            </a:r>
+            <a:r>
+              <a:rPr lang="de-DE" altLang="de-DE" sz="1000" dirty="0">
+                <a:solidFill>
+                  <a:srgbClr val="404244"/>
+                </a:solidFill>
+                <a:latin typeface="Titillium Web"/>
+              </a:rPr>
+              <a:t> ) ) ); </a:t>
+            </a:r>
+          </a:p>
+        </p:txBody>
+      </p:sp>
+      <p:sp>
+        <p:nvSpPr>
+          <p:cNvPr id="7" name="Rectangle 2"/>
           <p:cNvSpPr>
             <a:spLocks noChangeArrowheads="1"/>
           </p:cNvSpPr>
@@ -14893,8 +14910,8 @@
         </p:nvSpPr>
         <p:spPr bwMode="auto">
           <a:xfrm>
-            <a:off x="4830184" y="3512380"/>
-            <a:ext cx="3356386" cy="276999"/>
+            <a:off x="567116" y="2111928"/>
+            <a:ext cx="4719562" cy="246221"/>
           </a:xfrm>
           <a:prstGeom prst="rect">
             <a:avLst/>
@@ -14929,7 +14946,7 @@
           </a:extLst>
         </p:spPr>
         <p:txBody>
-          <a:bodyPr vert="horz" wrap="square" lIns="91440" tIns="45720" rIns="91440" bIns="45720" numCol="1" anchor="ctr" anchorCtr="0" compatLnSpc="1">
+          <a:bodyPr vert="horz" wrap="none" lIns="91440" tIns="45720" rIns="91440" bIns="45720" numCol="1" anchor="ctr" anchorCtr="0" compatLnSpc="1">
             <a:prstTxWarp prst="textNoShape">
               <a:avLst/>
             </a:prstTxWarp>
@@ -14937,12 +14954,12 @@
           </a:bodyPr>
           <a:lstStyle/>
           <a:p>
-            <a:pPr marL="0" marR="0" lvl="0" indent="0" algn="l" defTabSz="914400" rtl="0" eaLnBrk="0" fontAlgn="base" latinLnBrk="0" hangingPunct="0">
+            <a:pPr marR="0" lvl="0" indent="0" fontAlgn="base">
               <a:lnSpc>
                 <a:spcPct val="100000"/>
               </a:lnSpc>
               <a:spcBef>
-                <a:spcPct val="30000"/>
+                <a:spcPct val="0"/>
               </a:spcBef>
               <a:spcAft>
                 <a:spcPct val="0"/>
@@ -14954,162 +14971,110 @@
               <a:tabLst/>
             </a:pPr>
             <a:r>
-              <a:rPr kumimoji="0" lang="de-DE" altLang="de-DE" sz="1200" b="0" i="0" u="none" strike="noStrike" cap="none" normalizeH="0" baseline="0" dirty="0" err="1" smtClean="0">
-                <a:ln>
-                  <a:noFill/>
-                </a:ln>
-                <a:solidFill>
-                  <a:srgbClr val="B00040"/>
-                </a:solidFill>
-                <a:effectLst/>
-                <a:latin typeface="Courier New" panose="02070309020205020404" pitchFamily="49" charset="0"/>
-                <a:cs typeface="Courier New" panose="02070309020205020404" pitchFamily="49" charset="0"/>
-              </a:rPr>
-              <a:t>void</a:t>
-            </a:r>
-            <a:r>
-              <a:rPr kumimoji="0" lang="de-DE" altLang="de-DE" sz="1200" b="0" i="0" u="none" strike="noStrike" cap="none" normalizeH="0" baseline="0" dirty="0" smtClean="0">
-                <a:ln>
-                  <a:noFill/>
-                </a:ln>
-                <a:solidFill>
-                  <a:srgbClr val="000000"/>
-                </a:solidFill>
-                <a:effectLst/>
-                <a:latin typeface="Courier New" panose="02070309020205020404" pitchFamily="49" charset="0"/>
-                <a:cs typeface="Courier New" panose="02070309020205020404" pitchFamily="49" charset="0"/>
+              <a:rPr lang="de-DE" altLang="de-DE" sz="1000" b="1" dirty="0" err="1" smtClean="0">
+                <a:solidFill>
+                  <a:srgbClr val="990099"/>
+                </a:solidFill>
+                <a:latin typeface="Titillium Web"/>
+              </a:rPr>
+              <a:t>connect</a:t>
+            </a:r>
+            <a:r>
+              <a:rPr lang="en-150" altLang="de-DE" sz="1000" b="1" dirty="0" smtClean="0">
+                <a:solidFill>
+                  <a:srgbClr val="990099"/>
+                </a:solidFill>
+                <a:latin typeface="Titillium Web"/>
               </a:rPr>
               <a:t> </a:t>
             </a:r>
             <a:r>
-              <a:rPr kumimoji="0" lang="de-DE" altLang="de-DE" sz="1200" b="0" i="0" u="none" strike="noStrike" cap="none" normalizeH="0" baseline="0" dirty="0" err="1" smtClean="0">
-                <a:ln>
-                  <a:noFill/>
-                </a:ln>
-                <a:solidFill>
-                  <a:schemeClr val="tx1"/>
-                </a:solidFill>
-                <a:effectLst/>
-                <a:latin typeface="Arial" panose="020B0604020202020204" pitchFamily="34" charset="0"/>
-              </a:rPr>
-              <a:t>QProgressBar</a:t>
-            </a:r>
-            <a:r>
-              <a:rPr lang="de-DE" altLang="de-DE" sz="1200" dirty="0">
-                <a:latin typeface="Arial" panose="020B0604020202020204" pitchFamily="34" charset="0"/>
-              </a:rPr>
-              <a:t>::</a:t>
-            </a:r>
-            <a:r>
-              <a:rPr kumimoji="0" lang="de-DE" altLang="de-DE" sz="1200" b="0" i="0" u="none" strike="noStrike" cap="none" normalizeH="0" baseline="0" dirty="0" err="1" smtClean="0">
-                <a:ln>
-                  <a:noFill/>
-                </a:ln>
-                <a:solidFill>
-                  <a:schemeClr val="tx1"/>
-                </a:solidFill>
-                <a:effectLst/>
-                <a:latin typeface="Arial" panose="020B0604020202020204" pitchFamily="34" charset="0"/>
-              </a:rPr>
-              <a:t>setValue</a:t>
-            </a:r>
-            <a:r>
-              <a:rPr kumimoji="0" lang="de-DE" altLang="de-DE" sz="1200" b="0" i="0" u="none" strike="noStrike" cap="none" normalizeH="0" baseline="0" dirty="0" smtClean="0">
-                <a:ln>
-                  <a:noFill/>
-                </a:ln>
-                <a:solidFill>
-                  <a:srgbClr val="000000"/>
-                </a:solidFill>
-                <a:effectLst/>
-                <a:latin typeface="Courier New" panose="02070309020205020404" pitchFamily="49" charset="0"/>
-                <a:cs typeface="Courier New" panose="02070309020205020404" pitchFamily="49" charset="0"/>
-              </a:rPr>
-              <a:t>(</a:t>
-            </a:r>
-            <a:r>
-              <a:rPr kumimoji="0" lang="de-DE" altLang="de-DE" sz="1200" b="0" i="0" u="none" strike="noStrike" cap="none" normalizeH="0" baseline="0" dirty="0" err="1" smtClean="0">
-                <a:ln>
-                  <a:noFill/>
-                </a:ln>
-                <a:solidFill>
-                  <a:srgbClr val="B00040"/>
-                </a:solidFill>
-                <a:effectLst/>
-                <a:latin typeface="Courier New" panose="02070309020205020404" pitchFamily="49" charset="0"/>
-                <a:cs typeface="Courier New" panose="02070309020205020404" pitchFamily="49" charset="0"/>
-              </a:rPr>
-              <a:t>int</a:t>
-            </a:r>
-            <a:r>
-              <a:rPr kumimoji="0" lang="de-DE" altLang="de-DE" sz="1200" b="0" i="0" u="none" strike="noStrike" cap="none" normalizeH="0" baseline="0" dirty="0" smtClean="0">
-                <a:ln>
-                  <a:noFill/>
-                </a:ln>
-                <a:solidFill>
-                  <a:srgbClr val="000000"/>
-                </a:solidFill>
-                <a:effectLst/>
-                <a:latin typeface="Courier New" panose="02070309020205020404" pitchFamily="49" charset="0"/>
-                <a:cs typeface="Courier New" panose="02070309020205020404" pitchFamily="49" charset="0"/>
-              </a:rPr>
-              <a:t> </a:t>
-            </a:r>
-            <a:r>
-              <a:rPr kumimoji="0" lang="de-DE" altLang="de-DE" sz="1200" b="0" i="0" u="none" strike="noStrike" cap="none" normalizeH="0" baseline="0" dirty="0" err="1" smtClean="0">
-                <a:ln>
-                  <a:noFill/>
-                </a:ln>
-                <a:solidFill>
-                  <a:schemeClr val="tx1"/>
-                </a:solidFill>
-                <a:effectLst/>
-                <a:latin typeface="Arial" panose="020B0604020202020204" pitchFamily="34" charset="0"/>
-              </a:rPr>
-              <a:t>value</a:t>
-            </a:r>
-            <a:r>
-              <a:rPr kumimoji="0" lang="de-DE" altLang="de-DE" sz="1200" b="0" i="0" u="none" strike="noStrike" cap="none" normalizeH="0" baseline="0" dirty="0" smtClean="0">
-                <a:ln>
-                  <a:noFill/>
-                </a:ln>
-                <a:solidFill>
-                  <a:srgbClr val="000000"/>
-                </a:solidFill>
-                <a:effectLst/>
-                <a:latin typeface="Courier New" panose="02070309020205020404" pitchFamily="49" charset="0"/>
-                <a:cs typeface="Courier New" panose="02070309020205020404" pitchFamily="49" charset="0"/>
-              </a:rPr>
-              <a:t>);</a:t>
-            </a:r>
-            <a:r>
-              <a:rPr kumimoji="0" lang="de-DE" altLang="de-DE" sz="600" b="0" i="0" u="none" strike="noStrike" cap="none" normalizeH="0" baseline="0" dirty="0" smtClean="0">
-                <a:ln>
-                  <a:noFill/>
-                </a:ln>
-                <a:solidFill>
-                  <a:schemeClr val="tx1"/>
-                </a:solidFill>
-                <a:effectLst/>
-              </a:rPr>
-              <a:t> </a:t>
-            </a:r>
-            <a:endParaRPr kumimoji="0" lang="de-DE" altLang="de-DE" sz="1800" b="0" i="0" u="none" strike="noStrike" cap="none" normalizeH="0" baseline="0" dirty="0" smtClean="0">
-              <a:ln>
-                <a:noFill/>
-              </a:ln>
-              <a:solidFill>
-                <a:schemeClr val="tx1"/>
-              </a:solidFill>
-              <a:effectLst/>
-              <a:latin typeface="Arial" panose="020B0604020202020204" pitchFamily="34" charset="0"/>
-            </a:endParaRPr>
-          </a:p>
-        </p:txBody>
-      </p:sp>
-      <p:sp>
-        <p:nvSpPr>
-          <p:cNvPr id="14" name="Rectangle 9"/>
+              <a:rPr lang="de-DE" altLang="de-DE" sz="1000" dirty="0" smtClean="0">
+                <a:solidFill>
+                  <a:srgbClr val="404244"/>
+                </a:solidFill>
+                <a:latin typeface="Titillium Web"/>
+              </a:rPr>
+              <a:t>( </a:t>
+            </a:r>
+            <a:r>
+              <a:rPr lang="de-DE" altLang="de-DE" sz="1000" dirty="0" err="1">
+                <a:solidFill>
+                  <a:srgbClr val="404244"/>
+                </a:solidFill>
+                <a:latin typeface="Titillium Web"/>
+              </a:rPr>
+              <a:t>sender</a:t>
+            </a:r>
+            <a:r>
+              <a:rPr lang="de-DE" altLang="de-DE" sz="1000" dirty="0">
+                <a:solidFill>
+                  <a:srgbClr val="404244"/>
+                </a:solidFill>
+                <a:latin typeface="Titillium Web"/>
+              </a:rPr>
+              <a:t>, &amp;Sender::</a:t>
+            </a:r>
+            <a:r>
+              <a:rPr lang="de-DE" altLang="de-DE" sz="1000" dirty="0" err="1">
+                <a:solidFill>
+                  <a:srgbClr val="404244"/>
+                </a:solidFill>
+                <a:latin typeface="Titillium Web"/>
+              </a:rPr>
+              <a:t>valueChanged</a:t>
+            </a:r>
+            <a:r>
+              <a:rPr lang="de-DE" altLang="de-DE" sz="1000" dirty="0">
+                <a:solidFill>
+                  <a:srgbClr val="404244"/>
+                </a:solidFill>
+                <a:latin typeface="Titillium Web"/>
+              </a:rPr>
+              <a:t>, </a:t>
+            </a:r>
+            <a:r>
+              <a:rPr lang="de-DE" altLang="de-DE" sz="1000" dirty="0" err="1">
+                <a:solidFill>
+                  <a:srgbClr val="404244"/>
+                </a:solidFill>
+                <a:latin typeface="Titillium Web"/>
+              </a:rPr>
+              <a:t>receiver</a:t>
+            </a:r>
+            <a:r>
+              <a:rPr lang="de-DE" altLang="de-DE" sz="1000" dirty="0">
+                <a:solidFill>
+                  <a:srgbClr val="404244"/>
+                </a:solidFill>
+                <a:latin typeface="Titillium Web"/>
+              </a:rPr>
+              <a:t>, &amp;Receiver::</a:t>
+            </a:r>
+            <a:r>
+              <a:rPr lang="de-DE" altLang="de-DE" sz="1000" dirty="0" err="1">
+                <a:solidFill>
+                  <a:srgbClr val="404244"/>
+                </a:solidFill>
+                <a:latin typeface="Titillium Web"/>
+              </a:rPr>
+              <a:t>updateValue</a:t>
+            </a:r>
+            <a:r>
+              <a:rPr lang="de-DE" altLang="de-DE" sz="1000" dirty="0">
+                <a:solidFill>
+                  <a:srgbClr val="404244"/>
+                </a:solidFill>
+                <a:latin typeface="Titillium Web"/>
+              </a:rPr>
+              <a:t> ); </a:t>
+            </a:r>
+          </a:p>
+        </p:txBody>
+      </p:sp>
+      <p:sp>
+        <p:nvSpPr>
+          <p:cNvPr id="9" name="Rectangle 4"/>
           <p:cNvSpPr>
             <a:spLocks noChangeArrowheads="1"/>
           </p:cNvSpPr>
@@ -15117,8 +15082,8 @@
         </p:nvSpPr>
         <p:spPr bwMode="auto">
           <a:xfrm>
-            <a:off x="657283" y="4098671"/>
-            <a:ext cx="6718151" cy="276999"/>
+            <a:off x="567116" y="2747621"/>
+            <a:ext cx="3746538" cy="246221"/>
           </a:xfrm>
           <a:prstGeom prst="rect">
             <a:avLst/>
@@ -15153,147 +15118,171 @@
           </a:extLst>
         </p:spPr>
         <p:txBody>
+          <a:bodyPr vert="horz" wrap="none" lIns="91440" tIns="45720" rIns="91440" bIns="45720" numCol="1" anchor="ctr" anchorCtr="0" compatLnSpc="1">
+            <a:prstTxWarp prst="textNoShape">
+              <a:avLst/>
+            </a:prstTxWarp>
+            <a:spAutoFit/>
+          </a:bodyPr>
+          <a:lstStyle/>
+          <a:p>
+            <a:pPr fontAlgn="base">
+              <a:spcBef>
+                <a:spcPct val="0"/>
+              </a:spcBef>
+              <a:spcAft>
+                <a:spcPct val="0"/>
+              </a:spcAft>
+            </a:pPr>
+            <a:r>
+              <a:rPr lang="de-DE" altLang="de-DE" sz="1000" b="1" dirty="0" err="1">
+                <a:solidFill>
+                  <a:srgbClr val="990099"/>
+                </a:solidFill>
+                <a:latin typeface="Titillium Web"/>
+              </a:rPr>
+              <a:t>connect</a:t>
+            </a:r>
+            <a:r>
+              <a:rPr kumimoji="0" lang="en-150" altLang="de-DE" sz="1000" b="0" i="0" u="none" strike="noStrike" cap="none" normalizeH="0" baseline="0" dirty="0" smtClean="0">
+                <a:ln>
+                  <a:noFill/>
+                </a:ln>
+                <a:solidFill>
+                  <a:srgbClr val="000000"/>
+                </a:solidFill>
+                <a:effectLst/>
+                <a:latin typeface="Courier New" panose="02070309020205020404" pitchFamily="49" charset="0"/>
+                <a:cs typeface="Courier New" panose="02070309020205020404" pitchFamily="49" charset="0"/>
+              </a:rPr>
+              <a:t> </a:t>
+            </a:r>
+            <a:r>
+              <a:rPr lang="de-DE" altLang="de-DE" sz="1000" dirty="0" smtClean="0">
+                <a:solidFill>
+                  <a:srgbClr val="404244"/>
+                </a:solidFill>
+                <a:latin typeface="Titillium Web"/>
+              </a:rPr>
+              <a:t>( </a:t>
+            </a:r>
+            <a:r>
+              <a:rPr lang="de-DE" altLang="de-DE" sz="1000" dirty="0" err="1">
+                <a:solidFill>
+                  <a:srgbClr val="404244"/>
+                </a:solidFill>
+                <a:latin typeface="Titillium Web"/>
+              </a:rPr>
+              <a:t>sender</a:t>
+            </a:r>
+            <a:r>
+              <a:rPr lang="de-DE" altLang="de-DE" sz="1000" dirty="0">
+                <a:solidFill>
+                  <a:srgbClr val="404244"/>
+                </a:solidFill>
+                <a:latin typeface="Titillium Web"/>
+              </a:rPr>
+              <a:t>, &amp;Sender::</a:t>
+            </a:r>
+            <a:r>
+              <a:rPr lang="de-DE" altLang="de-DE" sz="1000" dirty="0" err="1">
+                <a:solidFill>
+                  <a:srgbClr val="404244"/>
+                </a:solidFill>
+                <a:latin typeface="Titillium Web"/>
+              </a:rPr>
+              <a:t>valueChanged</a:t>
+            </a:r>
+            <a:r>
+              <a:rPr lang="de-DE" altLang="de-DE" sz="1000" dirty="0">
+                <a:solidFill>
+                  <a:srgbClr val="404244"/>
+                </a:solidFill>
+                <a:latin typeface="Titillium Web"/>
+              </a:rPr>
+              <a:t>, </a:t>
+            </a:r>
+            <a:r>
+              <a:rPr lang="de-DE" altLang="de-DE" sz="1000" dirty="0" err="1">
+                <a:solidFill>
+                  <a:srgbClr val="404244"/>
+                </a:solidFill>
+                <a:latin typeface="Titillium Web"/>
+              </a:rPr>
+              <a:t>someFunction</a:t>
+            </a:r>
+            <a:r>
+              <a:rPr lang="de-DE" altLang="de-DE" sz="1000" dirty="0">
+                <a:solidFill>
+                  <a:srgbClr val="404244"/>
+                </a:solidFill>
+                <a:latin typeface="Titillium Web"/>
+              </a:rPr>
+              <a:t> ); </a:t>
+            </a:r>
+          </a:p>
+        </p:txBody>
+      </p:sp>
+      <p:sp>
+        <p:nvSpPr>
+          <p:cNvPr id="10" name="Rectangle 5"/>
+          <p:cNvSpPr>
+            <a:spLocks noChangeArrowheads="1"/>
+          </p:cNvSpPr>
+          <p:nvPr/>
+        </p:nvSpPr>
+        <p:spPr bwMode="auto">
+          <a:xfrm>
+            <a:off x="567116" y="3158544"/>
+            <a:ext cx="5673687" cy="400110"/>
+          </a:xfrm>
+          <a:prstGeom prst="rect">
+            <a:avLst/>
+          </a:prstGeom>
+          <a:solidFill>
+            <a:srgbClr val="F8F9FA"/>
+          </a:solidFill>
+          <a:ln>
+            <a:noFill/>
+          </a:ln>
+          <a:effectLst/>
+          <a:extLst>
+            <a:ext uri="{91240B29-F687-4F45-9708-019B960494DF}">
+              <a14:hiddenLine xmlns:a14="http://schemas.microsoft.com/office/drawing/2010/main" w="9525">
+                <a:solidFill>
+                  <a:schemeClr val="tx1"/>
+                </a:solidFill>
+                <a:miter lim="800000"/>
+                <a:headEnd/>
+                <a:tailEnd/>
+              </a14:hiddenLine>
+            </a:ext>
+            <a:ext uri="{AF507438-7753-43E0-B8FC-AC1667EBCBE1}">
+              <a14:hiddenEffects xmlns:a14="http://schemas.microsoft.com/office/drawing/2010/main">
+                <a:effectLst>
+                  <a:outerShdw dist="35921" dir="2700000" algn="ctr" rotWithShape="0">
+                    <a:schemeClr val="bg2"/>
+                  </a:outerShdw>
+                </a:effectLst>
+              </a14:hiddenEffects>
+            </a:ext>
+          </a:extLst>
+        </p:spPr>
+        <p:txBody>
           <a:bodyPr vert="horz" wrap="square" lIns="91440" tIns="45720" rIns="91440" bIns="45720" numCol="1" anchor="ctr" anchorCtr="0" compatLnSpc="1">
             <a:prstTxWarp prst="textNoShape">
               <a:avLst/>
             </a:prstTxWarp>
             <a:spAutoFit/>
           </a:bodyPr>
-          <a:lstStyle>
-            <a:lvl1pPr eaLnBrk="0" fontAlgn="base" hangingPunct="0">
-              <a:spcBef>
-                <a:spcPct val="30000"/>
-              </a:spcBef>
-              <a:spcAft>
-                <a:spcPct val="0"/>
-              </a:spcAft>
-              <a:defRPr sz="1200">
-                <a:solidFill>
-                  <a:schemeClr val="tx1"/>
-                </a:solidFill>
-                <a:latin typeface="Arial" panose="020B0604020202020204" pitchFamily="34" charset="0"/>
-              </a:defRPr>
-            </a:lvl1pPr>
-            <a:lvl2pPr marL="457200" eaLnBrk="0" fontAlgn="base" hangingPunct="0">
-              <a:spcBef>
-                <a:spcPct val="30000"/>
-              </a:spcBef>
-              <a:spcAft>
-                <a:spcPct val="0"/>
-              </a:spcAft>
-              <a:defRPr sz="1200">
-                <a:solidFill>
-                  <a:schemeClr val="tx1"/>
-                </a:solidFill>
-                <a:latin typeface="Arial" panose="020B0604020202020204" pitchFamily="34" charset="0"/>
-              </a:defRPr>
-            </a:lvl2pPr>
-            <a:lvl3pPr marL="914400" eaLnBrk="0" fontAlgn="base" hangingPunct="0">
-              <a:spcBef>
-                <a:spcPct val="30000"/>
-              </a:spcBef>
-              <a:spcAft>
-                <a:spcPct val="0"/>
-              </a:spcAft>
-              <a:defRPr sz="1200">
-                <a:solidFill>
-                  <a:schemeClr val="tx1"/>
-                </a:solidFill>
-                <a:latin typeface="Arial" panose="020B0604020202020204" pitchFamily="34" charset="0"/>
-              </a:defRPr>
-            </a:lvl3pPr>
-            <a:lvl4pPr marL="1371600" eaLnBrk="0" fontAlgn="base" hangingPunct="0">
-              <a:spcBef>
-                <a:spcPct val="30000"/>
-              </a:spcBef>
-              <a:spcAft>
-                <a:spcPct val="0"/>
-              </a:spcAft>
-              <a:defRPr sz="1200">
-                <a:solidFill>
-                  <a:schemeClr val="tx1"/>
-                </a:solidFill>
-                <a:latin typeface="Arial" panose="020B0604020202020204" pitchFamily="34" charset="0"/>
-              </a:defRPr>
-            </a:lvl4pPr>
-            <a:lvl5pPr marL="1828800" eaLnBrk="0" fontAlgn="base" hangingPunct="0">
-              <a:spcBef>
-                <a:spcPct val="30000"/>
-              </a:spcBef>
-              <a:spcAft>
-                <a:spcPct val="0"/>
-              </a:spcAft>
-              <a:defRPr sz="1200">
-                <a:solidFill>
-                  <a:schemeClr val="tx1"/>
-                </a:solidFill>
-                <a:latin typeface="Arial" panose="020B0604020202020204" pitchFamily="34" charset="0"/>
-              </a:defRPr>
-            </a:lvl5pPr>
-            <a:lvl6pPr marL="2286000" eaLnBrk="0" fontAlgn="base" hangingPunct="0">
-              <a:spcBef>
-                <a:spcPct val="30000"/>
-              </a:spcBef>
-              <a:spcAft>
-                <a:spcPct val="0"/>
-              </a:spcAft>
-              <a:defRPr sz="1200">
-                <a:solidFill>
-                  <a:schemeClr val="tx1"/>
-                </a:solidFill>
-                <a:latin typeface="Arial" panose="020B0604020202020204" pitchFamily="34" charset="0"/>
-              </a:defRPr>
-            </a:lvl6pPr>
-            <a:lvl7pPr marL="2743200" eaLnBrk="0" fontAlgn="base" hangingPunct="0">
-              <a:spcBef>
-                <a:spcPct val="30000"/>
-              </a:spcBef>
-              <a:spcAft>
-                <a:spcPct val="0"/>
-              </a:spcAft>
-              <a:defRPr sz="1200">
-                <a:solidFill>
-                  <a:schemeClr val="tx1"/>
-                </a:solidFill>
-                <a:latin typeface="Arial" panose="020B0604020202020204" pitchFamily="34" charset="0"/>
-              </a:defRPr>
-            </a:lvl7pPr>
-            <a:lvl8pPr marL="3200400" eaLnBrk="0" fontAlgn="base" hangingPunct="0">
-              <a:spcBef>
-                <a:spcPct val="30000"/>
-              </a:spcBef>
-              <a:spcAft>
-                <a:spcPct val="0"/>
-              </a:spcAft>
-              <a:defRPr sz="1200">
-                <a:solidFill>
-                  <a:schemeClr val="tx1"/>
-                </a:solidFill>
-                <a:latin typeface="Arial" panose="020B0604020202020204" pitchFamily="34" charset="0"/>
-              </a:defRPr>
-            </a:lvl8pPr>
-            <a:lvl9pPr marL="3657600" eaLnBrk="0" fontAlgn="base" hangingPunct="0">
-              <a:spcBef>
-                <a:spcPct val="30000"/>
-              </a:spcBef>
-              <a:spcAft>
-                <a:spcPct val="0"/>
-              </a:spcAft>
-              <a:defRPr sz="1200">
-                <a:solidFill>
-                  <a:schemeClr val="tx1"/>
-                </a:solidFill>
-                <a:latin typeface="Arial" panose="020B0604020202020204" pitchFamily="34" charset="0"/>
-              </a:defRPr>
-            </a:lvl9pPr>
-          </a:lstStyle>
-          <a:p>
-            <a:pPr marL="0" marR="0" lvl="0" indent="0" algn="l" defTabSz="914400" rtl="0" eaLnBrk="0" fontAlgn="base" latinLnBrk="0" hangingPunct="0">
+          <a:lstStyle/>
+          <a:p>
+            <a:pPr marR="0" lvl="0" indent="0" fontAlgn="base">
               <a:lnSpc>
                 <a:spcPct val="100000"/>
               </a:lnSpc>
               <a:spcBef>
-                <a:spcPct val="30000"/>
+                <a:spcPct val="0"/>
               </a:spcBef>
               <a:spcAft>
                 <a:spcPct val="0"/>
@@ -15305,296 +15294,201 @@
               <a:tabLst/>
             </a:pPr>
             <a:r>
-              <a:rPr kumimoji="0" lang="de-DE" altLang="de-DE" sz="1200" b="0" i="0" u="none" strike="noStrike" cap="none" normalizeH="0" baseline="0" dirty="0" err="1" smtClean="0">
-                <a:ln>
-                  <a:noFill/>
-                </a:ln>
-                <a:solidFill>
-                  <a:schemeClr val="tx1"/>
-                </a:solidFill>
-                <a:effectLst/>
-                <a:latin typeface="Arial" panose="020B0604020202020204" pitchFamily="34" charset="0"/>
-              </a:rPr>
-              <a:t>QObject</a:t>
-            </a:r>
-            <a:r>
-              <a:rPr lang="de-DE" altLang="de-DE" dirty="0"/>
-              <a:t>::</a:t>
-            </a:r>
-            <a:r>
-              <a:rPr kumimoji="0" lang="de-DE" altLang="de-DE" sz="1200" b="0" i="0" u="none" strike="noStrike" cap="none" normalizeH="0" baseline="0" dirty="0" err="1" smtClean="0">
-                <a:ln>
-                  <a:noFill/>
-                </a:ln>
-                <a:solidFill>
-                  <a:schemeClr val="tx1"/>
-                </a:solidFill>
-                <a:effectLst/>
-                <a:latin typeface="Arial" panose="020B0604020202020204" pitchFamily="34" charset="0"/>
+              <a:rPr lang="de-DE" altLang="de-DE" sz="1000" b="1" dirty="0" err="1">
+                <a:solidFill>
+                  <a:srgbClr val="990099"/>
+                </a:solidFill>
+                <a:latin typeface="Titillium Web"/>
               </a:rPr>
               <a:t>connect</a:t>
             </a:r>
             <a:r>
-              <a:rPr kumimoji="0" lang="de-DE" altLang="de-DE" sz="1200" b="0" i="0" u="none" strike="noStrike" cap="none" normalizeH="0" baseline="0" dirty="0" smtClean="0">
-                <a:ln>
-                  <a:noFill/>
-                </a:ln>
-                <a:solidFill>
-                  <a:srgbClr val="000000"/>
-                </a:solidFill>
-                <a:effectLst/>
-                <a:latin typeface="Courier New" panose="02070309020205020404" pitchFamily="49" charset="0"/>
-                <a:cs typeface="Courier New" panose="02070309020205020404" pitchFamily="49" charset="0"/>
-              </a:rPr>
-              <a:t>(</a:t>
-            </a:r>
-            <a:r>
-              <a:rPr kumimoji="0" lang="de-DE" altLang="de-DE" sz="1200" b="0" i="0" u="none" strike="noStrike" cap="none" normalizeH="0" baseline="0" dirty="0" err="1" smtClean="0">
-                <a:ln>
-                  <a:noFill/>
-                </a:ln>
-                <a:solidFill>
-                  <a:schemeClr val="tx1"/>
-                </a:solidFill>
-                <a:effectLst/>
-                <a:latin typeface="Arial" panose="020B0604020202020204" pitchFamily="34" charset="0"/>
-              </a:rPr>
-              <a:t>manager</a:t>
-            </a:r>
-            <a:r>
-              <a:rPr kumimoji="0" lang="de-DE" altLang="de-DE" sz="1200" b="0" i="0" u="none" strike="noStrike" cap="none" normalizeH="0" baseline="0" dirty="0" smtClean="0">
-                <a:ln>
-                  <a:noFill/>
-                </a:ln>
-                <a:solidFill>
-                  <a:srgbClr val="000000"/>
-                </a:solidFill>
-                <a:effectLst/>
-                <a:latin typeface="Courier New" panose="02070309020205020404" pitchFamily="49" charset="0"/>
-                <a:cs typeface="Courier New" panose="02070309020205020404" pitchFamily="49" charset="0"/>
-              </a:rPr>
-              <a:t>, </a:t>
-            </a:r>
-            <a:r>
-              <a:rPr kumimoji="0" lang="de-DE" altLang="de-DE" sz="1200" b="0" i="0" u="none" strike="noStrike" cap="none" normalizeH="0" baseline="0" dirty="0" smtClean="0">
-                <a:ln>
-                  <a:noFill/>
-                </a:ln>
-                <a:solidFill>
-                  <a:schemeClr val="tx1"/>
-                </a:solidFill>
-                <a:effectLst/>
-                <a:latin typeface="Arial" panose="020B0604020202020204" pitchFamily="34" charset="0"/>
-              </a:rPr>
-              <a:t>SIGNAL</a:t>
-            </a:r>
-            <a:r>
-              <a:rPr kumimoji="0" lang="de-DE" altLang="de-DE" sz="1200" b="0" i="0" u="none" strike="noStrike" cap="none" normalizeH="0" baseline="0" dirty="0" smtClean="0">
-                <a:ln>
-                  <a:noFill/>
-                </a:ln>
-                <a:solidFill>
-                  <a:srgbClr val="000000"/>
-                </a:solidFill>
-                <a:effectLst/>
-                <a:latin typeface="Courier New" panose="02070309020205020404" pitchFamily="49" charset="0"/>
-                <a:cs typeface="Courier New" panose="02070309020205020404" pitchFamily="49" charset="0"/>
-              </a:rPr>
-              <a:t> (</a:t>
-            </a:r>
-            <a:r>
-              <a:rPr kumimoji="0" lang="de-DE" altLang="de-DE" sz="1200" b="0" i="0" u="none" strike="noStrike" cap="none" normalizeH="0" baseline="0" dirty="0" smtClean="0">
-                <a:ln>
-                  <a:noFill/>
-                </a:ln>
-                <a:solidFill>
-                  <a:schemeClr val="tx1"/>
-                </a:solidFill>
-                <a:effectLst/>
-                <a:latin typeface="Arial" panose="020B0604020202020204" pitchFamily="34" charset="0"/>
-              </a:rPr>
-              <a:t>tick</a:t>
-            </a:r>
-            <a:r>
-              <a:rPr kumimoji="0" lang="de-DE" altLang="de-DE" sz="1200" b="0" i="0" u="none" strike="noStrike" cap="none" normalizeH="0" baseline="0" dirty="0" smtClean="0">
-                <a:ln>
-                  <a:noFill/>
-                </a:ln>
-                <a:solidFill>
-                  <a:srgbClr val="000000"/>
-                </a:solidFill>
-                <a:effectLst/>
-                <a:latin typeface="Courier New" panose="02070309020205020404" pitchFamily="49" charset="0"/>
-                <a:cs typeface="Courier New" panose="02070309020205020404" pitchFamily="49" charset="0"/>
-              </a:rPr>
-              <a:t>(</a:t>
-            </a:r>
-            <a:r>
-              <a:rPr kumimoji="0" lang="de-DE" altLang="de-DE" sz="1200" b="0" i="0" u="none" strike="noStrike" cap="none" normalizeH="0" baseline="0" dirty="0" err="1" smtClean="0">
-                <a:ln>
-                  <a:noFill/>
-                </a:ln>
-                <a:solidFill>
-                  <a:srgbClr val="B00040"/>
-                </a:solidFill>
-                <a:effectLst/>
-                <a:latin typeface="Courier New" panose="02070309020205020404" pitchFamily="49" charset="0"/>
-                <a:cs typeface="Courier New" panose="02070309020205020404" pitchFamily="49" charset="0"/>
-              </a:rPr>
-              <a:t>int</a:t>
-            </a:r>
-            <a:r>
-              <a:rPr kumimoji="0" lang="de-DE" altLang="de-DE" sz="1200" b="0" i="0" u="none" strike="noStrike" cap="none" normalizeH="0" baseline="0" dirty="0" smtClean="0">
-                <a:ln>
-                  <a:noFill/>
-                </a:ln>
-                <a:solidFill>
-                  <a:srgbClr val="000000"/>
-                </a:solidFill>
-                <a:effectLst/>
-                <a:latin typeface="Courier New" panose="02070309020205020404" pitchFamily="49" charset="0"/>
-                <a:cs typeface="Courier New" panose="02070309020205020404" pitchFamily="49" charset="0"/>
-              </a:rPr>
-              <a:t>)), </a:t>
-            </a:r>
-            <a:r>
-              <a:rPr kumimoji="0" lang="de-DE" altLang="de-DE" sz="1200" b="0" i="0" u="none" strike="noStrike" cap="none" normalizeH="0" baseline="0" dirty="0" err="1" smtClean="0">
-                <a:ln>
-                  <a:noFill/>
-                </a:ln>
-                <a:solidFill>
-                  <a:schemeClr val="tx1"/>
-                </a:solidFill>
-                <a:effectLst/>
-                <a:latin typeface="Arial" panose="020B0604020202020204" pitchFamily="34" charset="0"/>
-              </a:rPr>
-              <a:t>progress</a:t>
-            </a:r>
-            <a:r>
-              <a:rPr kumimoji="0" lang="de-DE" altLang="de-DE" sz="1200" b="0" i="0" u="none" strike="noStrike" cap="none" normalizeH="0" baseline="0" dirty="0" smtClean="0">
-                <a:ln>
-                  <a:noFill/>
-                </a:ln>
-                <a:solidFill>
-                  <a:srgbClr val="000000"/>
-                </a:solidFill>
-                <a:effectLst/>
-                <a:latin typeface="Courier New" panose="02070309020205020404" pitchFamily="49" charset="0"/>
-                <a:cs typeface="Courier New" panose="02070309020205020404" pitchFamily="49" charset="0"/>
-              </a:rPr>
-              <a:t>, </a:t>
-            </a:r>
-            <a:r>
-              <a:rPr kumimoji="0" lang="de-DE" altLang="de-DE" sz="1200" b="0" i="0" u="none" strike="noStrike" cap="none" normalizeH="0" baseline="0" dirty="0" smtClean="0">
-                <a:ln>
-                  <a:noFill/>
-                </a:ln>
-                <a:solidFill>
-                  <a:schemeClr val="tx1"/>
-                </a:solidFill>
-                <a:effectLst/>
-                <a:latin typeface="Arial" panose="020B0604020202020204" pitchFamily="34" charset="0"/>
-              </a:rPr>
-              <a:t>SLOT</a:t>
-            </a:r>
-            <a:r>
-              <a:rPr kumimoji="0" lang="de-DE" altLang="de-DE" sz="1200" b="0" i="0" u="none" strike="noStrike" cap="none" normalizeH="0" baseline="0" dirty="0" smtClean="0">
-                <a:ln>
-                  <a:noFill/>
-                </a:ln>
-                <a:solidFill>
-                  <a:srgbClr val="000000"/>
-                </a:solidFill>
-                <a:effectLst/>
-                <a:latin typeface="Courier New" panose="02070309020205020404" pitchFamily="49" charset="0"/>
-                <a:cs typeface="Courier New" panose="02070309020205020404" pitchFamily="49" charset="0"/>
-              </a:rPr>
-              <a:t> (</a:t>
-            </a:r>
-            <a:r>
-              <a:rPr kumimoji="0" lang="de-DE" altLang="de-DE" sz="1200" b="0" i="0" u="none" strike="noStrike" cap="none" normalizeH="0" baseline="0" dirty="0" err="1" smtClean="0">
-                <a:ln>
-                  <a:noFill/>
-                </a:ln>
-                <a:solidFill>
-                  <a:schemeClr val="tx1"/>
-                </a:solidFill>
-                <a:effectLst/>
-                <a:latin typeface="Arial" panose="020B0604020202020204" pitchFamily="34" charset="0"/>
-              </a:rPr>
-              <a:t>setValue</a:t>
-            </a:r>
-            <a:r>
-              <a:rPr kumimoji="0" lang="de-DE" altLang="de-DE" sz="1200" b="0" i="0" u="none" strike="noStrike" cap="none" normalizeH="0" baseline="0" dirty="0" smtClean="0">
-                <a:ln>
-                  <a:noFill/>
-                </a:ln>
-                <a:solidFill>
-                  <a:srgbClr val="000000"/>
-                </a:solidFill>
-                <a:effectLst/>
-                <a:latin typeface="Courier New" panose="02070309020205020404" pitchFamily="49" charset="0"/>
-                <a:cs typeface="Courier New" panose="02070309020205020404" pitchFamily="49" charset="0"/>
-              </a:rPr>
-              <a:t>(</a:t>
-            </a:r>
-            <a:r>
-              <a:rPr kumimoji="0" lang="de-DE" altLang="de-DE" sz="1200" b="0" i="0" u="none" strike="noStrike" cap="none" normalizeH="0" baseline="0" dirty="0" err="1" smtClean="0">
-                <a:ln>
-                  <a:noFill/>
-                </a:ln>
-                <a:solidFill>
-                  <a:srgbClr val="B00040"/>
-                </a:solidFill>
-                <a:effectLst/>
-                <a:latin typeface="Courier New" panose="02070309020205020404" pitchFamily="49" charset="0"/>
-                <a:cs typeface="Courier New" panose="02070309020205020404" pitchFamily="49" charset="0"/>
-              </a:rPr>
-              <a:t>int</a:t>
-            </a:r>
-            <a:r>
-              <a:rPr kumimoji="0" lang="de-DE" altLang="de-DE" sz="1200" b="0" i="0" u="none" strike="noStrike" cap="none" normalizeH="0" baseline="0" dirty="0" smtClean="0">
-                <a:ln>
-                  <a:noFill/>
-                </a:ln>
-                <a:solidFill>
-                  <a:srgbClr val="000000"/>
-                </a:solidFill>
-                <a:effectLst/>
-                <a:latin typeface="Courier New" panose="02070309020205020404" pitchFamily="49" charset="0"/>
-                <a:cs typeface="Courier New" panose="02070309020205020404" pitchFamily="49" charset="0"/>
-              </a:rPr>
-              <a:t>)));</a:t>
-            </a:r>
-            <a:r>
-              <a:rPr kumimoji="0" lang="de-DE" altLang="de-DE" sz="600" b="0" i="0" u="none" strike="noStrike" cap="none" normalizeH="0" baseline="0" dirty="0" smtClean="0">
-                <a:ln>
-                  <a:noFill/>
-                </a:ln>
-                <a:solidFill>
-                  <a:schemeClr val="tx1"/>
-                </a:solidFill>
-                <a:effectLst/>
+              <a:rPr lang="en-150" altLang="de-DE" sz="1000" b="1" dirty="0" smtClean="0">
+                <a:solidFill>
+                  <a:srgbClr val="990099"/>
+                </a:solidFill>
+                <a:latin typeface="Titillium Web"/>
               </a:rPr>
               <a:t> </a:t>
             </a:r>
-            <a:endParaRPr kumimoji="0" lang="de-DE" altLang="de-DE" sz="1200" b="0" i="0" u="none" strike="noStrike" cap="none" normalizeH="0" baseline="0" dirty="0" smtClean="0">
-              <a:ln>
-                <a:noFill/>
-              </a:ln>
-              <a:solidFill>
-                <a:schemeClr val="tx1"/>
-              </a:solidFill>
-              <a:effectLst/>
-              <a:latin typeface="Arial" panose="020B0604020202020204" pitchFamily="34" charset="0"/>
-            </a:endParaRPr>
+            <a:r>
+              <a:rPr lang="de-DE" altLang="de-DE" sz="1000" dirty="0" smtClean="0">
+                <a:solidFill>
+                  <a:srgbClr val="404244"/>
+                </a:solidFill>
+                <a:latin typeface="Titillium Web"/>
+              </a:rPr>
+              <a:t>( </a:t>
+            </a:r>
+            <a:r>
+              <a:rPr lang="de-DE" altLang="de-DE" sz="1000" dirty="0" err="1">
+                <a:solidFill>
+                  <a:srgbClr val="404244"/>
+                </a:solidFill>
+                <a:latin typeface="Titillium Web"/>
+              </a:rPr>
+              <a:t>sender</a:t>
+            </a:r>
+            <a:r>
+              <a:rPr lang="de-DE" altLang="de-DE" sz="1000" dirty="0">
+                <a:solidFill>
+                  <a:srgbClr val="404244"/>
+                </a:solidFill>
+                <a:latin typeface="Titillium Web"/>
+              </a:rPr>
+              <a:t>, &amp;Sender::</a:t>
+            </a:r>
+            <a:r>
+              <a:rPr lang="de-DE" altLang="de-DE" sz="1000" dirty="0" err="1">
+                <a:solidFill>
+                  <a:srgbClr val="404244"/>
+                </a:solidFill>
+                <a:latin typeface="Titillium Web"/>
+              </a:rPr>
+              <a:t>valueChanged</a:t>
+            </a:r>
+            <a:r>
+              <a:rPr lang="de-DE" altLang="de-DE" sz="1000" dirty="0">
+                <a:solidFill>
+                  <a:srgbClr val="404244"/>
+                </a:solidFill>
+                <a:latin typeface="Titillium Web"/>
+              </a:rPr>
+              <a:t>, [=]( </a:t>
+            </a:r>
+            <a:r>
+              <a:rPr lang="de-DE" altLang="de-DE" sz="1000" dirty="0" err="1">
+                <a:solidFill>
+                  <a:srgbClr val="404244"/>
+                </a:solidFill>
+                <a:latin typeface="Titillium Web"/>
+              </a:rPr>
+              <a:t>const</a:t>
+            </a:r>
+            <a:r>
+              <a:rPr lang="de-DE" altLang="de-DE" sz="1000" dirty="0">
+                <a:solidFill>
+                  <a:srgbClr val="404244"/>
+                </a:solidFill>
+                <a:latin typeface="Titillium Web"/>
+              </a:rPr>
+              <a:t> </a:t>
+            </a:r>
+            <a:r>
+              <a:rPr lang="de-DE" altLang="de-DE" sz="1000" dirty="0" err="1">
+                <a:solidFill>
+                  <a:srgbClr val="404244"/>
+                </a:solidFill>
+                <a:latin typeface="Titillium Web"/>
+              </a:rPr>
+              <a:t>QString</a:t>
+            </a:r>
+            <a:r>
+              <a:rPr lang="de-DE" altLang="de-DE" sz="1000" dirty="0">
+                <a:solidFill>
+                  <a:srgbClr val="404244"/>
+                </a:solidFill>
+                <a:latin typeface="Titillium Web"/>
+              </a:rPr>
+              <a:t> &amp;</a:t>
+            </a:r>
+            <a:r>
+              <a:rPr lang="de-DE" altLang="de-DE" sz="1000" dirty="0" err="1">
+                <a:solidFill>
+                  <a:srgbClr val="404244"/>
+                </a:solidFill>
+                <a:latin typeface="Titillium Web"/>
+              </a:rPr>
+              <a:t>newValue</a:t>
+            </a:r>
+            <a:r>
+              <a:rPr lang="de-DE" altLang="de-DE" sz="1000" dirty="0">
+                <a:solidFill>
+                  <a:srgbClr val="404244"/>
+                </a:solidFill>
+                <a:latin typeface="Titillium Web"/>
+              </a:rPr>
+              <a:t> ) { </a:t>
+            </a:r>
+            <a:r>
+              <a:rPr lang="de-DE" altLang="de-DE" sz="1000" dirty="0" err="1">
+                <a:solidFill>
+                  <a:srgbClr val="404244"/>
+                </a:solidFill>
+                <a:latin typeface="Titillium Web"/>
+              </a:rPr>
+              <a:t>receiver</a:t>
+            </a:r>
+            <a:r>
+              <a:rPr lang="de-DE" altLang="de-DE" sz="1000" dirty="0">
+                <a:solidFill>
+                  <a:srgbClr val="404244"/>
+                </a:solidFill>
+                <a:latin typeface="Titillium Web"/>
+              </a:rPr>
+              <a:t>-&gt;</a:t>
+            </a:r>
+            <a:r>
+              <a:rPr lang="de-DE" altLang="de-DE" sz="1000" dirty="0" err="1">
+                <a:solidFill>
+                  <a:srgbClr val="404244"/>
+                </a:solidFill>
+                <a:latin typeface="Titillium Web"/>
+              </a:rPr>
+              <a:t>updateValue</a:t>
+            </a:r>
+            <a:r>
+              <a:rPr lang="de-DE" altLang="de-DE" sz="1000" dirty="0">
+                <a:solidFill>
+                  <a:srgbClr val="404244"/>
+                </a:solidFill>
+                <a:latin typeface="Titillium Web"/>
+              </a:rPr>
+              <a:t>( "</a:t>
+            </a:r>
+            <a:r>
+              <a:rPr lang="de-DE" altLang="de-DE" sz="1000" dirty="0" err="1">
+                <a:solidFill>
+                  <a:srgbClr val="404244"/>
+                </a:solidFill>
+                <a:latin typeface="Titillium Web"/>
+              </a:rPr>
+              <a:t>senderValue</a:t>
+            </a:r>
+            <a:r>
+              <a:rPr lang="de-DE" altLang="de-DE" sz="1000" dirty="0">
+                <a:solidFill>
+                  <a:srgbClr val="404244"/>
+                </a:solidFill>
+                <a:latin typeface="Titillium Web"/>
+              </a:rPr>
+              <a:t>", </a:t>
+            </a:r>
+            <a:r>
+              <a:rPr lang="de-DE" altLang="de-DE" sz="1000" dirty="0" err="1">
+                <a:solidFill>
+                  <a:srgbClr val="404244"/>
+                </a:solidFill>
+                <a:latin typeface="Titillium Web"/>
+              </a:rPr>
+              <a:t>newValue</a:t>
+            </a:r>
+            <a:r>
+              <a:rPr lang="de-DE" altLang="de-DE" sz="1000" dirty="0">
+                <a:solidFill>
+                  <a:srgbClr val="404244"/>
+                </a:solidFill>
+                <a:latin typeface="Titillium Web"/>
+              </a:rPr>
+              <a:t> ); } ); </a:t>
+            </a:r>
           </a:p>
         </p:txBody>
       </p:sp>
     </p:spTree>
     <p:extLst>
       <p:ext uri="{BB962C8B-B14F-4D97-AF65-F5344CB8AC3E}">
-        <p14:creationId xmlns:p14="http://schemas.microsoft.com/office/powerpoint/2010/main" val="4261049543"/>
+        <p14:creationId xmlns:p14="http://schemas.microsoft.com/office/powerpoint/2010/main" val="207955583"/>
       </p:ext>
     </p:extLst>
   </p:cSld>
@@ -15676,1063 +15570,6 @@
               <a:rPr lang="en-GB" smtClean="0"/>
               <a:pPr/>
               <a:t>11</a:t>
-            </a:fld>
-            <a:endParaRPr lang="en-GB" dirty="0"/>
-          </a:p>
-        </p:txBody>
-      </p:sp>
-      <p:sp>
-        <p:nvSpPr>
-          <p:cNvPr id="4" name="Titel 3"/>
-          <p:cNvSpPr>
-            <a:spLocks noGrp="1"/>
-          </p:cNvSpPr>
-          <p:nvPr>
-            <p:ph type="title"/>
-          </p:nvPr>
-        </p:nvSpPr>
-        <p:spPr/>
-        <p:txBody>
-          <a:bodyPr/>
-          <a:lstStyle/>
-          <a:p>
-            <a:r>
-              <a:rPr lang="en-150" b="1" dirty="0" smtClean="0">
-                <a:solidFill>
-                  <a:srgbClr val="242F78"/>
-                </a:solidFill>
-                <a:latin typeface="Calibri"/>
-                <a:ea typeface="Lato Light" panose="020F0502020204030203" pitchFamily="34" charset="0"/>
-                <a:cs typeface="Calibri"/>
-              </a:rPr>
-              <a:t>Connecting Signals and Slots</a:t>
-            </a:r>
-            <a:endParaRPr lang="en-GB" b="1" dirty="0">
-              <a:solidFill>
-                <a:srgbClr val="242F78"/>
-              </a:solidFill>
-              <a:latin typeface="Calibri"/>
-              <a:ea typeface="Lato Light" panose="020F0502020204030203" pitchFamily="34" charset="0"/>
-              <a:cs typeface="Calibri"/>
-            </a:endParaRPr>
-          </a:p>
-        </p:txBody>
-      </p:sp>
-      <p:sp>
-        <p:nvSpPr>
-          <p:cNvPr id="6" name="Inhaltsplatzhalter 5"/>
-          <p:cNvSpPr>
-            <a:spLocks noGrp="1"/>
-          </p:cNvSpPr>
-          <p:nvPr>
-            <p:ph sz="quarter" idx="12"/>
-          </p:nvPr>
-        </p:nvSpPr>
-        <p:spPr>
-          <a:xfrm>
-            <a:off x="303058" y="1247775"/>
-            <a:ext cx="8489388" cy="3511385"/>
-          </a:xfrm>
-        </p:spPr>
-        <p:txBody>
-          <a:bodyPr/>
-          <a:lstStyle/>
-          <a:p>
-            <a:pPr marL="329847" lvl="1" indent="0">
-              <a:buNone/>
-            </a:pPr>
-            <a:r>
-              <a:rPr lang="en-US" dirty="0" smtClean="0"/>
-              <a:t>O</a:t>
-            </a:r>
-            <a:r>
-              <a:rPr lang="en-150" dirty="0" smtClean="0"/>
-              <a:t>ld Syntax:</a:t>
-            </a:r>
-          </a:p>
-          <a:p>
-            <a:pPr marL="329847" lvl="1" indent="0">
-              <a:buNone/>
-            </a:pPr>
-            <a:endParaRPr lang="en-150" dirty="0"/>
-          </a:p>
-          <a:p>
-            <a:pPr marL="329847" lvl="1" indent="0">
-              <a:buNone/>
-            </a:pPr>
-            <a:r>
-              <a:rPr lang="en-150" dirty="0" smtClean="0"/>
-              <a:t>New connect</a:t>
-            </a:r>
-            <a:r>
-              <a:rPr lang="en-US" dirty="0" smtClean="0"/>
-              <a:t> </a:t>
-            </a:r>
-            <a:r>
-              <a:rPr lang="en-US" dirty="0"/>
-              <a:t>to </a:t>
-            </a:r>
-            <a:r>
-              <a:rPr lang="en-US" dirty="0" err="1"/>
-              <a:t>QObject</a:t>
-            </a:r>
-            <a:r>
-              <a:rPr lang="en-US" dirty="0"/>
-              <a:t> </a:t>
-            </a:r>
-            <a:r>
-              <a:rPr lang="en-US" dirty="0" smtClean="0"/>
-              <a:t>member</a:t>
-            </a:r>
-            <a:r>
-              <a:rPr lang="en-150" dirty="0" smtClean="0"/>
-              <a:t> - </a:t>
-            </a:r>
-            <a:r>
-              <a:rPr lang="en-150" dirty="0"/>
-              <a:t>Qt 5 </a:t>
-            </a:r>
-            <a:r>
-              <a:rPr lang="en-150" dirty="0" smtClean="0"/>
-              <a:t>:</a:t>
-            </a:r>
-          </a:p>
-          <a:p>
-            <a:pPr marL="329847" lvl="1" indent="0">
-              <a:buNone/>
-            </a:pPr>
-            <a:endParaRPr lang="en-150" dirty="0"/>
-          </a:p>
-          <a:p>
-            <a:pPr marL="329847" lvl="1" indent="0">
-              <a:buNone/>
-            </a:pPr>
-            <a:r>
-              <a:rPr lang="en-150" dirty="0" smtClean="0"/>
-              <a:t>New connect to simple function - </a:t>
-            </a:r>
-            <a:r>
-              <a:rPr lang="en-150" dirty="0"/>
-              <a:t>Qt </a:t>
-            </a:r>
-            <a:r>
-              <a:rPr lang="en-150" dirty="0" smtClean="0"/>
-              <a:t>5:</a:t>
-            </a:r>
-          </a:p>
-          <a:p>
-            <a:pPr marL="329847" lvl="1" indent="0">
-              <a:buNone/>
-            </a:pPr>
-            <a:endParaRPr lang="en-150" dirty="0"/>
-          </a:p>
-          <a:p>
-            <a:pPr marL="329847" lvl="1" indent="0">
-              <a:buNone/>
-            </a:pPr>
-            <a:endParaRPr lang="en-150" dirty="0" smtClean="0"/>
-          </a:p>
-          <a:p>
-            <a:pPr marL="329847" lvl="1" indent="0">
-              <a:buNone/>
-            </a:pPr>
-            <a:endParaRPr lang="en-150" dirty="0"/>
-          </a:p>
-        </p:txBody>
-      </p:sp>
-      <p:sp>
-        <p:nvSpPr>
-          <p:cNvPr id="5" name="Rectangle 1"/>
-          <p:cNvSpPr>
-            <a:spLocks noChangeArrowheads="1"/>
-          </p:cNvSpPr>
-          <p:nvPr/>
-        </p:nvSpPr>
-        <p:spPr bwMode="auto">
-          <a:xfrm>
-            <a:off x="567116" y="1568529"/>
-            <a:ext cx="6417141" cy="246221"/>
-          </a:xfrm>
-          <a:prstGeom prst="rect">
-            <a:avLst/>
-          </a:prstGeom>
-          <a:solidFill>
-            <a:srgbClr val="F8F9FA"/>
-          </a:solidFill>
-          <a:ln>
-            <a:noFill/>
-          </a:ln>
-          <a:effectLst/>
-          <a:extLst>
-            <a:ext uri="{91240B29-F687-4F45-9708-019B960494DF}">
-              <a14:hiddenLine xmlns:a14="http://schemas.microsoft.com/office/drawing/2010/main" w="9525">
-                <a:solidFill>
-                  <a:schemeClr val="tx1"/>
-                </a:solidFill>
-                <a:miter lim="800000"/>
-                <a:headEnd/>
-                <a:tailEnd/>
-              </a14:hiddenLine>
-            </a:ext>
-            <a:ext uri="{AF507438-7753-43E0-B8FC-AC1667EBCBE1}">
-              <a14:hiddenEffects xmlns:a14="http://schemas.microsoft.com/office/drawing/2010/main">
-                <a:effectLst>
-                  <a:outerShdw dist="35921" dir="2700000" algn="ctr" rotWithShape="0">
-                    <a:schemeClr val="bg2"/>
-                  </a:outerShdw>
-                </a:effectLst>
-              </a14:hiddenEffects>
-            </a:ext>
-          </a:extLst>
-        </p:spPr>
-        <p:txBody>
-          <a:bodyPr vert="horz" wrap="none" lIns="91440" tIns="45720" rIns="91440" bIns="45720" numCol="1" anchor="ctr" anchorCtr="0" compatLnSpc="1">
-            <a:prstTxWarp prst="textNoShape">
-              <a:avLst/>
-            </a:prstTxWarp>
-            <a:spAutoFit/>
-          </a:bodyPr>
-          <a:lstStyle/>
-          <a:p>
-            <a:pPr fontAlgn="base">
-              <a:spcBef>
-                <a:spcPct val="0"/>
-              </a:spcBef>
-              <a:spcAft>
-                <a:spcPct val="0"/>
-              </a:spcAft>
-            </a:pPr>
-            <a:r>
-              <a:rPr lang="de-DE" altLang="de-DE" sz="1000" b="1" dirty="0" err="1">
-                <a:solidFill>
-                  <a:srgbClr val="990099"/>
-                </a:solidFill>
-                <a:latin typeface="Titillium Web"/>
-              </a:rPr>
-              <a:t>connect</a:t>
-            </a:r>
-            <a:r>
-              <a:rPr kumimoji="0" lang="en-150" altLang="de-DE" sz="1000" b="0" i="0" u="none" strike="noStrike" cap="none" normalizeH="0" baseline="0" dirty="0" smtClean="0">
-                <a:ln>
-                  <a:noFill/>
-                </a:ln>
-                <a:solidFill>
-                  <a:srgbClr val="000000"/>
-                </a:solidFill>
-                <a:effectLst/>
-                <a:latin typeface="Courier New" panose="02070309020205020404" pitchFamily="49" charset="0"/>
-                <a:cs typeface="Courier New" panose="02070309020205020404" pitchFamily="49" charset="0"/>
-              </a:rPr>
-              <a:t> </a:t>
-            </a:r>
-            <a:r>
-              <a:rPr lang="de-DE" altLang="de-DE" sz="1000" dirty="0" smtClean="0">
-                <a:solidFill>
-                  <a:srgbClr val="404244"/>
-                </a:solidFill>
-                <a:latin typeface="Titillium Web"/>
-              </a:rPr>
-              <a:t>( </a:t>
-            </a:r>
-            <a:r>
-              <a:rPr lang="de-DE" altLang="de-DE" sz="1000" dirty="0" err="1">
-                <a:solidFill>
-                  <a:srgbClr val="404244"/>
-                </a:solidFill>
-                <a:latin typeface="Titillium Web"/>
-              </a:rPr>
-              <a:t>sender</a:t>
-            </a:r>
-            <a:r>
-              <a:rPr lang="de-DE" altLang="de-DE" sz="1000" dirty="0">
-                <a:solidFill>
-                  <a:srgbClr val="404244"/>
-                </a:solidFill>
-                <a:latin typeface="Titillium Web"/>
-              </a:rPr>
-              <a:t>, SIGNAL( </a:t>
-            </a:r>
-            <a:r>
-              <a:rPr lang="de-DE" altLang="de-DE" sz="1000" dirty="0" err="1">
-                <a:solidFill>
-                  <a:srgbClr val="404244"/>
-                </a:solidFill>
-                <a:latin typeface="Titillium Web"/>
-              </a:rPr>
-              <a:t>valueChanged</a:t>
-            </a:r>
-            <a:r>
-              <a:rPr lang="de-DE" altLang="de-DE" sz="1000" dirty="0">
-                <a:solidFill>
-                  <a:srgbClr val="404244"/>
-                </a:solidFill>
-                <a:latin typeface="Titillium Web"/>
-              </a:rPr>
-              <a:t>( </a:t>
-            </a:r>
-            <a:r>
-              <a:rPr lang="de-DE" altLang="de-DE" sz="1000" dirty="0" err="1">
-                <a:solidFill>
-                  <a:srgbClr val="404244"/>
-                </a:solidFill>
-                <a:latin typeface="Titillium Web"/>
-              </a:rPr>
-              <a:t>QString</a:t>
-            </a:r>
-            <a:r>
-              <a:rPr lang="de-DE" altLang="de-DE" sz="1000" dirty="0">
-                <a:solidFill>
-                  <a:srgbClr val="404244"/>
-                </a:solidFill>
-                <a:latin typeface="Titillium Web"/>
-              </a:rPr>
-              <a:t>, </a:t>
-            </a:r>
-            <a:r>
-              <a:rPr lang="de-DE" altLang="de-DE" sz="1000" dirty="0" err="1">
-                <a:solidFill>
-                  <a:srgbClr val="404244"/>
-                </a:solidFill>
-                <a:latin typeface="Titillium Web"/>
-              </a:rPr>
-              <a:t>QString</a:t>
-            </a:r>
-            <a:r>
-              <a:rPr lang="de-DE" altLang="de-DE" sz="1000" dirty="0">
-                <a:solidFill>
-                  <a:srgbClr val="404244"/>
-                </a:solidFill>
-                <a:latin typeface="Titillium Web"/>
-              </a:rPr>
-              <a:t> ) ), </a:t>
-            </a:r>
-            <a:r>
-              <a:rPr lang="de-DE" altLang="de-DE" sz="1000" dirty="0" err="1">
-                <a:solidFill>
-                  <a:srgbClr val="404244"/>
-                </a:solidFill>
-                <a:latin typeface="Titillium Web"/>
-              </a:rPr>
-              <a:t>receiver</a:t>
-            </a:r>
-            <a:r>
-              <a:rPr lang="de-DE" altLang="de-DE" sz="1000" dirty="0">
-                <a:solidFill>
-                  <a:srgbClr val="404244"/>
-                </a:solidFill>
-                <a:latin typeface="Titillium Web"/>
-              </a:rPr>
-              <a:t>, SLOT( </a:t>
-            </a:r>
-            <a:r>
-              <a:rPr lang="de-DE" altLang="de-DE" sz="1000" dirty="0" err="1">
-                <a:solidFill>
-                  <a:srgbClr val="404244"/>
-                </a:solidFill>
-                <a:latin typeface="Titillium Web"/>
-              </a:rPr>
-              <a:t>updateValue</a:t>
-            </a:r>
-            <a:r>
-              <a:rPr lang="de-DE" altLang="de-DE" sz="1000" dirty="0">
-                <a:solidFill>
-                  <a:srgbClr val="404244"/>
-                </a:solidFill>
-                <a:latin typeface="Titillium Web"/>
-              </a:rPr>
-              <a:t>( </a:t>
-            </a:r>
-            <a:r>
-              <a:rPr lang="de-DE" altLang="de-DE" sz="1000" dirty="0" err="1">
-                <a:solidFill>
-                  <a:srgbClr val="404244"/>
-                </a:solidFill>
-                <a:latin typeface="Titillium Web"/>
-              </a:rPr>
-              <a:t>QString</a:t>
-            </a:r>
-            <a:r>
-              <a:rPr lang="de-DE" altLang="de-DE" sz="1000" dirty="0">
-                <a:solidFill>
-                  <a:srgbClr val="404244"/>
-                </a:solidFill>
-                <a:latin typeface="Titillium Web"/>
-              </a:rPr>
-              <a:t> ) ) ); </a:t>
-            </a:r>
-          </a:p>
-        </p:txBody>
-      </p:sp>
-      <p:sp>
-        <p:nvSpPr>
-          <p:cNvPr id="7" name="Rectangle 2"/>
-          <p:cNvSpPr>
-            <a:spLocks noChangeArrowheads="1"/>
-          </p:cNvSpPr>
-          <p:nvPr/>
-        </p:nvSpPr>
-        <p:spPr bwMode="auto">
-          <a:xfrm>
-            <a:off x="567116" y="2111928"/>
-            <a:ext cx="4719562" cy="246221"/>
-          </a:xfrm>
-          <a:prstGeom prst="rect">
-            <a:avLst/>
-          </a:prstGeom>
-          <a:solidFill>
-            <a:srgbClr val="F8F9FA"/>
-          </a:solidFill>
-          <a:ln>
-            <a:noFill/>
-          </a:ln>
-          <a:effectLst/>
-          <a:extLst>
-            <a:ext uri="{91240B29-F687-4F45-9708-019B960494DF}">
-              <a14:hiddenLine xmlns:a14="http://schemas.microsoft.com/office/drawing/2010/main" w="9525">
-                <a:solidFill>
-                  <a:schemeClr val="tx1"/>
-                </a:solidFill>
-                <a:miter lim="800000"/>
-                <a:headEnd/>
-                <a:tailEnd/>
-              </a14:hiddenLine>
-            </a:ext>
-            <a:ext uri="{AF507438-7753-43E0-B8FC-AC1667EBCBE1}">
-              <a14:hiddenEffects xmlns:a14="http://schemas.microsoft.com/office/drawing/2010/main">
-                <a:effectLst>
-                  <a:outerShdw dist="35921" dir="2700000" algn="ctr" rotWithShape="0">
-                    <a:schemeClr val="bg2"/>
-                  </a:outerShdw>
-                </a:effectLst>
-              </a14:hiddenEffects>
-            </a:ext>
-          </a:extLst>
-        </p:spPr>
-        <p:txBody>
-          <a:bodyPr vert="horz" wrap="none" lIns="91440" tIns="45720" rIns="91440" bIns="45720" numCol="1" anchor="ctr" anchorCtr="0" compatLnSpc="1">
-            <a:prstTxWarp prst="textNoShape">
-              <a:avLst/>
-            </a:prstTxWarp>
-            <a:spAutoFit/>
-          </a:bodyPr>
-          <a:lstStyle/>
-          <a:p>
-            <a:pPr marR="0" lvl="0" indent="0" fontAlgn="base">
-              <a:lnSpc>
-                <a:spcPct val="100000"/>
-              </a:lnSpc>
-              <a:spcBef>
-                <a:spcPct val="0"/>
-              </a:spcBef>
-              <a:spcAft>
-                <a:spcPct val="0"/>
-              </a:spcAft>
-              <a:buClrTx/>
-              <a:buSzTx/>
-              <a:buFontTx/>
-              <a:buNone/>
-              <a:tabLst/>
-            </a:pPr>
-            <a:r>
-              <a:rPr lang="de-DE" altLang="de-DE" sz="1000" b="1" dirty="0" err="1" smtClean="0">
-                <a:solidFill>
-                  <a:srgbClr val="990099"/>
-                </a:solidFill>
-                <a:latin typeface="Titillium Web"/>
-              </a:rPr>
-              <a:t>connect</a:t>
-            </a:r>
-            <a:r>
-              <a:rPr lang="en-150" altLang="de-DE" sz="1000" b="1" dirty="0" smtClean="0">
-                <a:solidFill>
-                  <a:srgbClr val="990099"/>
-                </a:solidFill>
-                <a:latin typeface="Titillium Web"/>
-              </a:rPr>
-              <a:t> </a:t>
-            </a:r>
-            <a:r>
-              <a:rPr lang="de-DE" altLang="de-DE" sz="1000" dirty="0" smtClean="0">
-                <a:solidFill>
-                  <a:srgbClr val="404244"/>
-                </a:solidFill>
-                <a:latin typeface="Titillium Web"/>
-              </a:rPr>
-              <a:t>( </a:t>
-            </a:r>
-            <a:r>
-              <a:rPr lang="de-DE" altLang="de-DE" sz="1000" dirty="0" err="1">
-                <a:solidFill>
-                  <a:srgbClr val="404244"/>
-                </a:solidFill>
-                <a:latin typeface="Titillium Web"/>
-              </a:rPr>
-              <a:t>sender</a:t>
-            </a:r>
-            <a:r>
-              <a:rPr lang="de-DE" altLang="de-DE" sz="1000" dirty="0">
-                <a:solidFill>
-                  <a:srgbClr val="404244"/>
-                </a:solidFill>
-                <a:latin typeface="Titillium Web"/>
-              </a:rPr>
-              <a:t>, &amp;Sender::</a:t>
-            </a:r>
-            <a:r>
-              <a:rPr lang="de-DE" altLang="de-DE" sz="1000" dirty="0" err="1">
-                <a:solidFill>
-                  <a:srgbClr val="404244"/>
-                </a:solidFill>
-                <a:latin typeface="Titillium Web"/>
-              </a:rPr>
-              <a:t>valueChanged</a:t>
-            </a:r>
-            <a:r>
-              <a:rPr lang="de-DE" altLang="de-DE" sz="1000" dirty="0">
-                <a:solidFill>
-                  <a:srgbClr val="404244"/>
-                </a:solidFill>
-                <a:latin typeface="Titillium Web"/>
-              </a:rPr>
-              <a:t>, </a:t>
-            </a:r>
-            <a:r>
-              <a:rPr lang="de-DE" altLang="de-DE" sz="1000" dirty="0" err="1">
-                <a:solidFill>
-                  <a:srgbClr val="404244"/>
-                </a:solidFill>
-                <a:latin typeface="Titillium Web"/>
-              </a:rPr>
-              <a:t>receiver</a:t>
-            </a:r>
-            <a:r>
-              <a:rPr lang="de-DE" altLang="de-DE" sz="1000" dirty="0">
-                <a:solidFill>
-                  <a:srgbClr val="404244"/>
-                </a:solidFill>
-                <a:latin typeface="Titillium Web"/>
-              </a:rPr>
-              <a:t>, &amp;Receiver::</a:t>
-            </a:r>
-            <a:r>
-              <a:rPr lang="de-DE" altLang="de-DE" sz="1000" dirty="0" err="1">
-                <a:solidFill>
-                  <a:srgbClr val="404244"/>
-                </a:solidFill>
-                <a:latin typeface="Titillium Web"/>
-              </a:rPr>
-              <a:t>updateValue</a:t>
-            </a:r>
-            <a:r>
-              <a:rPr lang="de-DE" altLang="de-DE" sz="1000" dirty="0">
-                <a:solidFill>
-                  <a:srgbClr val="404244"/>
-                </a:solidFill>
-                <a:latin typeface="Titillium Web"/>
-              </a:rPr>
-              <a:t> ); </a:t>
-            </a:r>
-          </a:p>
-        </p:txBody>
-      </p:sp>
-      <p:sp>
-        <p:nvSpPr>
-          <p:cNvPr id="9" name="Rectangle 4"/>
-          <p:cNvSpPr>
-            <a:spLocks noChangeArrowheads="1"/>
-          </p:cNvSpPr>
-          <p:nvPr/>
-        </p:nvSpPr>
-        <p:spPr bwMode="auto">
-          <a:xfrm>
-            <a:off x="567116" y="2747621"/>
-            <a:ext cx="3746538" cy="246221"/>
-          </a:xfrm>
-          <a:prstGeom prst="rect">
-            <a:avLst/>
-          </a:prstGeom>
-          <a:solidFill>
-            <a:srgbClr val="F8F9FA"/>
-          </a:solidFill>
-          <a:ln>
-            <a:noFill/>
-          </a:ln>
-          <a:effectLst/>
-          <a:extLst>
-            <a:ext uri="{91240B29-F687-4F45-9708-019B960494DF}">
-              <a14:hiddenLine xmlns:a14="http://schemas.microsoft.com/office/drawing/2010/main" w="9525">
-                <a:solidFill>
-                  <a:schemeClr val="tx1"/>
-                </a:solidFill>
-                <a:miter lim="800000"/>
-                <a:headEnd/>
-                <a:tailEnd/>
-              </a14:hiddenLine>
-            </a:ext>
-            <a:ext uri="{AF507438-7753-43E0-B8FC-AC1667EBCBE1}">
-              <a14:hiddenEffects xmlns:a14="http://schemas.microsoft.com/office/drawing/2010/main">
-                <a:effectLst>
-                  <a:outerShdw dist="35921" dir="2700000" algn="ctr" rotWithShape="0">
-                    <a:schemeClr val="bg2"/>
-                  </a:outerShdw>
-                </a:effectLst>
-              </a14:hiddenEffects>
-            </a:ext>
-          </a:extLst>
-        </p:spPr>
-        <p:txBody>
-          <a:bodyPr vert="horz" wrap="none" lIns="91440" tIns="45720" rIns="91440" bIns="45720" numCol="1" anchor="ctr" anchorCtr="0" compatLnSpc="1">
-            <a:prstTxWarp prst="textNoShape">
-              <a:avLst/>
-            </a:prstTxWarp>
-            <a:spAutoFit/>
-          </a:bodyPr>
-          <a:lstStyle/>
-          <a:p>
-            <a:pPr fontAlgn="base">
-              <a:spcBef>
-                <a:spcPct val="0"/>
-              </a:spcBef>
-              <a:spcAft>
-                <a:spcPct val="0"/>
-              </a:spcAft>
-            </a:pPr>
-            <a:r>
-              <a:rPr lang="de-DE" altLang="de-DE" sz="1000" b="1" dirty="0" err="1">
-                <a:solidFill>
-                  <a:srgbClr val="990099"/>
-                </a:solidFill>
-                <a:latin typeface="Titillium Web"/>
-              </a:rPr>
-              <a:t>connect</a:t>
-            </a:r>
-            <a:r>
-              <a:rPr kumimoji="0" lang="en-150" altLang="de-DE" sz="1000" b="0" i="0" u="none" strike="noStrike" cap="none" normalizeH="0" baseline="0" dirty="0" smtClean="0">
-                <a:ln>
-                  <a:noFill/>
-                </a:ln>
-                <a:solidFill>
-                  <a:srgbClr val="000000"/>
-                </a:solidFill>
-                <a:effectLst/>
-                <a:latin typeface="Courier New" panose="02070309020205020404" pitchFamily="49" charset="0"/>
-                <a:cs typeface="Courier New" panose="02070309020205020404" pitchFamily="49" charset="0"/>
-              </a:rPr>
-              <a:t> </a:t>
-            </a:r>
-            <a:r>
-              <a:rPr lang="de-DE" altLang="de-DE" sz="1000" dirty="0" smtClean="0">
-                <a:solidFill>
-                  <a:srgbClr val="404244"/>
-                </a:solidFill>
-                <a:latin typeface="Titillium Web"/>
-              </a:rPr>
-              <a:t>( </a:t>
-            </a:r>
-            <a:r>
-              <a:rPr lang="de-DE" altLang="de-DE" sz="1000" dirty="0" err="1">
-                <a:solidFill>
-                  <a:srgbClr val="404244"/>
-                </a:solidFill>
-                <a:latin typeface="Titillium Web"/>
-              </a:rPr>
-              <a:t>sender</a:t>
-            </a:r>
-            <a:r>
-              <a:rPr lang="de-DE" altLang="de-DE" sz="1000" dirty="0">
-                <a:solidFill>
-                  <a:srgbClr val="404244"/>
-                </a:solidFill>
-                <a:latin typeface="Titillium Web"/>
-              </a:rPr>
-              <a:t>, &amp;Sender::</a:t>
-            </a:r>
-            <a:r>
-              <a:rPr lang="de-DE" altLang="de-DE" sz="1000" dirty="0" err="1">
-                <a:solidFill>
-                  <a:srgbClr val="404244"/>
-                </a:solidFill>
-                <a:latin typeface="Titillium Web"/>
-              </a:rPr>
-              <a:t>valueChanged</a:t>
-            </a:r>
-            <a:r>
-              <a:rPr lang="de-DE" altLang="de-DE" sz="1000" dirty="0">
-                <a:solidFill>
-                  <a:srgbClr val="404244"/>
-                </a:solidFill>
-                <a:latin typeface="Titillium Web"/>
-              </a:rPr>
-              <a:t>, </a:t>
-            </a:r>
-            <a:r>
-              <a:rPr lang="de-DE" altLang="de-DE" sz="1000" dirty="0" err="1">
-                <a:solidFill>
-                  <a:srgbClr val="404244"/>
-                </a:solidFill>
-                <a:latin typeface="Titillium Web"/>
-              </a:rPr>
-              <a:t>someFunction</a:t>
-            </a:r>
-            <a:r>
-              <a:rPr lang="de-DE" altLang="de-DE" sz="1000" dirty="0">
-                <a:solidFill>
-                  <a:srgbClr val="404244"/>
-                </a:solidFill>
-                <a:latin typeface="Titillium Web"/>
-              </a:rPr>
-              <a:t> ); </a:t>
-            </a:r>
-          </a:p>
-        </p:txBody>
-      </p:sp>
-      <p:sp>
-        <p:nvSpPr>
-          <p:cNvPr id="10" name="Rectangle 5"/>
-          <p:cNvSpPr>
-            <a:spLocks noChangeArrowheads="1"/>
-          </p:cNvSpPr>
-          <p:nvPr/>
-        </p:nvSpPr>
-        <p:spPr bwMode="auto">
-          <a:xfrm>
-            <a:off x="567116" y="3158544"/>
-            <a:ext cx="5673687" cy="400110"/>
-          </a:xfrm>
-          <a:prstGeom prst="rect">
-            <a:avLst/>
-          </a:prstGeom>
-          <a:solidFill>
-            <a:srgbClr val="F8F9FA"/>
-          </a:solidFill>
-          <a:ln>
-            <a:noFill/>
-          </a:ln>
-          <a:effectLst/>
-          <a:extLst>
-            <a:ext uri="{91240B29-F687-4F45-9708-019B960494DF}">
-              <a14:hiddenLine xmlns:a14="http://schemas.microsoft.com/office/drawing/2010/main" w="9525">
-                <a:solidFill>
-                  <a:schemeClr val="tx1"/>
-                </a:solidFill>
-                <a:miter lim="800000"/>
-                <a:headEnd/>
-                <a:tailEnd/>
-              </a14:hiddenLine>
-            </a:ext>
-            <a:ext uri="{AF507438-7753-43E0-B8FC-AC1667EBCBE1}">
-              <a14:hiddenEffects xmlns:a14="http://schemas.microsoft.com/office/drawing/2010/main">
-                <a:effectLst>
-                  <a:outerShdw dist="35921" dir="2700000" algn="ctr" rotWithShape="0">
-                    <a:schemeClr val="bg2"/>
-                  </a:outerShdw>
-                </a:effectLst>
-              </a14:hiddenEffects>
-            </a:ext>
-          </a:extLst>
-        </p:spPr>
-        <p:txBody>
-          <a:bodyPr vert="horz" wrap="square" lIns="91440" tIns="45720" rIns="91440" bIns="45720" numCol="1" anchor="ctr" anchorCtr="0" compatLnSpc="1">
-            <a:prstTxWarp prst="textNoShape">
-              <a:avLst/>
-            </a:prstTxWarp>
-            <a:spAutoFit/>
-          </a:bodyPr>
-          <a:lstStyle/>
-          <a:p>
-            <a:pPr marR="0" lvl="0" indent="0" fontAlgn="base">
-              <a:lnSpc>
-                <a:spcPct val="100000"/>
-              </a:lnSpc>
-              <a:spcBef>
-                <a:spcPct val="0"/>
-              </a:spcBef>
-              <a:spcAft>
-                <a:spcPct val="0"/>
-              </a:spcAft>
-              <a:buClrTx/>
-              <a:buSzTx/>
-              <a:buFontTx/>
-              <a:buNone/>
-              <a:tabLst/>
-            </a:pPr>
-            <a:r>
-              <a:rPr lang="de-DE" altLang="de-DE" sz="1000" b="1" dirty="0" err="1">
-                <a:solidFill>
-                  <a:srgbClr val="990099"/>
-                </a:solidFill>
-                <a:latin typeface="Titillium Web"/>
-              </a:rPr>
-              <a:t>connect</a:t>
-            </a:r>
-            <a:r>
-              <a:rPr lang="en-150" altLang="de-DE" sz="1000" b="1" dirty="0" smtClean="0">
-                <a:solidFill>
-                  <a:srgbClr val="990099"/>
-                </a:solidFill>
-                <a:latin typeface="Titillium Web"/>
-              </a:rPr>
-              <a:t> </a:t>
-            </a:r>
-            <a:r>
-              <a:rPr lang="de-DE" altLang="de-DE" sz="1000" dirty="0" smtClean="0">
-                <a:solidFill>
-                  <a:srgbClr val="404244"/>
-                </a:solidFill>
-                <a:latin typeface="Titillium Web"/>
-              </a:rPr>
-              <a:t>( </a:t>
-            </a:r>
-            <a:r>
-              <a:rPr lang="de-DE" altLang="de-DE" sz="1000" dirty="0" err="1">
-                <a:solidFill>
-                  <a:srgbClr val="404244"/>
-                </a:solidFill>
-                <a:latin typeface="Titillium Web"/>
-              </a:rPr>
-              <a:t>sender</a:t>
-            </a:r>
-            <a:r>
-              <a:rPr lang="de-DE" altLang="de-DE" sz="1000" dirty="0">
-                <a:solidFill>
-                  <a:srgbClr val="404244"/>
-                </a:solidFill>
-                <a:latin typeface="Titillium Web"/>
-              </a:rPr>
-              <a:t>, &amp;Sender::</a:t>
-            </a:r>
-            <a:r>
-              <a:rPr lang="de-DE" altLang="de-DE" sz="1000" dirty="0" err="1">
-                <a:solidFill>
-                  <a:srgbClr val="404244"/>
-                </a:solidFill>
-                <a:latin typeface="Titillium Web"/>
-              </a:rPr>
-              <a:t>valueChanged</a:t>
-            </a:r>
-            <a:r>
-              <a:rPr lang="de-DE" altLang="de-DE" sz="1000" dirty="0">
-                <a:solidFill>
-                  <a:srgbClr val="404244"/>
-                </a:solidFill>
-                <a:latin typeface="Titillium Web"/>
-              </a:rPr>
-              <a:t>, [=]( </a:t>
-            </a:r>
-            <a:r>
-              <a:rPr lang="de-DE" altLang="de-DE" sz="1000" dirty="0" err="1">
-                <a:solidFill>
-                  <a:srgbClr val="404244"/>
-                </a:solidFill>
-                <a:latin typeface="Titillium Web"/>
-              </a:rPr>
-              <a:t>const</a:t>
-            </a:r>
-            <a:r>
-              <a:rPr lang="de-DE" altLang="de-DE" sz="1000" dirty="0">
-                <a:solidFill>
-                  <a:srgbClr val="404244"/>
-                </a:solidFill>
-                <a:latin typeface="Titillium Web"/>
-              </a:rPr>
-              <a:t> </a:t>
-            </a:r>
-            <a:r>
-              <a:rPr lang="de-DE" altLang="de-DE" sz="1000" dirty="0" err="1">
-                <a:solidFill>
-                  <a:srgbClr val="404244"/>
-                </a:solidFill>
-                <a:latin typeface="Titillium Web"/>
-              </a:rPr>
-              <a:t>QString</a:t>
-            </a:r>
-            <a:r>
-              <a:rPr lang="de-DE" altLang="de-DE" sz="1000" dirty="0">
-                <a:solidFill>
-                  <a:srgbClr val="404244"/>
-                </a:solidFill>
-                <a:latin typeface="Titillium Web"/>
-              </a:rPr>
-              <a:t> &amp;</a:t>
-            </a:r>
-            <a:r>
-              <a:rPr lang="de-DE" altLang="de-DE" sz="1000" dirty="0" err="1">
-                <a:solidFill>
-                  <a:srgbClr val="404244"/>
-                </a:solidFill>
-                <a:latin typeface="Titillium Web"/>
-              </a:rPr>
-              <a:t>newValue</a:t>
-            </a:r>
-            <a:r>
-              <a:rPr lang="de-DE" altLang="de-DE" sz="1000" dirty="0">
-                <a:solidFill>
-                  <a:srgbClr val="404244"/>
-                </a:solidFill>
-                <a:latin typeface="Titillium Web"/>
-              </a:rPr>
-              <a:t> ) { </a:t>
-            </a:r>
-            <a:r>
-              <a:rPr lang="de-DE" altLang="de-DE" sz="1000" dirty="0" err="1">
-                <a:solidFill>
-                  <a:srgbClr val="404244"/>
-                </a:solidFill>
-                <a:latin typeface="Titillium Web"/>
-              </a:rPr>
-              <a:t>receiver</a:t>
-            </a:r>
-            <a:r>
-              <a:rPr lang="de-DE" altLang="de-DE" sz="1000" dirty="0">
-                <a:solidFill>
-                  <a:srgbClr val="404244"/>
-                </a:solidFill>
-                <a:latin typeface="Titillium Web"/>
-              </a:rPr>
-              <a:t>-&gt;</a:t>
-            </a:r>
-            <a:r>
-              <a:rPr lang="de-DE" altLang="de-DE" sz="1000" dirty="0" err="1">
-                <a:solidFill>
-                  <a:srgbClr val="404244"/>
-                </a:solidFill>
-                <a:latin typeface="Titillium Web"/>
-              </a:rPr>
-              <a:t>updateValue</a:t>
-            </a:r>
-            <a:r>
-              <a:rPr lang="de-DE" altLang="de-DE" sz="1000" dirty="0">
-                <a:solidFill>
-                  <a:srgbClr val="404244"/>
-                </a:solidFill>
-                <a:latin typeface="Titillium Web"/>
-              </a:rPr>
-              <a:t>( "</a:t>
-            </a:r>
-            <a:r>
-              <a:rPr lang="de-DE" altLang="de-DE" sz="1000" dirty="0" err="1">
-                <a:solidFill>
-                  <a:srgbClr val="404244"/>
-                </a:solidFill>
-                <a:latin typeface="Titillium Web"/>
-              </a:rPr>
-              <a:t>senderValue</a:t>
-            </a:r>
-            <a:r>
-              <a:rPr lang="de-DE" altLang="de-DE" sz="1000" dirty="0">
-                <a:solidFill>
-                  <a:srgbClr val="404244"/>
-                </a:solidFill>
-                <a:latin typeface="Titillium Web"/>
-              </a:rPr>
-              <a:t>", </a:t>
-            </a:r>
-            <a:r>
-              <a:rPr lang="de-DE" altLang="de-DE" sz="1000" dirty="0" err="1">
-                <a:solidFill>
-                  <a:srgbClr val="404244"/>
-                </a:solidFill>
-                <a:latin typeface="Titillium Web"/>
-              </a:rPr>
-              <a:t>newValue</a:t>
-            </a:r>
-            <a:r>
-              <a:rPr lang="de-DE" altLang="de-DE" sz="1000" dirty="0">
-                <a:solidFill>
-                  <a:srgbClr val="404244"/>
-                </a:solidFill>
-                <a:latin typeface="Titillium Web"/>
-              </a:rPr>
-              <a:t> ); } ); </a:t>
-            </a:r>
-          </a:p>
-        </p:txBody>
-      </p:sp>
-    </p:spTree>
-    <p:extLst>
-      <p:ext uri="{BB962C8B-B14F-4D97-AF65-F5344CB8AC3E}">
-        <p14:creationId xmlns:p14="http://schemas.microsoft.com/office/powerpoint/2010/main" val="207955583"/>
-      </p:ext>
-    </p:extLst>
-  </p:cSld>
-  <p:clrMapOvr>
-    <a:masterClrMapping/>
-  </p:clrMapOvr>
-  <p:timing>
-    <p:tnLst>
-      <p:par>
-        <p:cTn id="1" dur="indefinite" restart="never" nodeType="tmRoot"/>
-      </p:par>
-    </p:tnLst>
-  </p:timing>
-</p:sld>
-</file>
-
-<file path=ppt/slides/slide12.xml><?xml version="1.0" encoding="utf-8"?>
-<p:sld xmlns:a="http://schemas.openxmlformats.org/drawingml/2006/main" xmlns:r="http://schemas.openxmlformats.org/officeDocument/2006/relationships" xmlns:p="http://schemas.openxmlformats.org/presentationml/2006/main">
-  <p:cSld>
-    <p:spTree>
-      <p:nvGrpSpPr>
-        <p:cNvPr id="1" name=""/>
-        <p:cNvGrpSpPr/>
-        <p:nvPr/>
-      </p:nvGrpSpPr>
-      <p:grpSpPr>
-        <a:xfrm>
-          <a:off x="0" y="0"/>
-          <a:ext cx="0" cy="0"/>
-          <a:chOff x="0" y="0"/>
-          <a:chExt cx="0" cy="0"/>
-        </a:xfrm>
-      </p:grpSpPr>
-      <p:sp>
-        <p:nvSpPr>
-          <p:cNvPr id="2" name="Fußzeilenplatzhalter 1"/>
-          <p:cNvSpPr>
-            <a:spLocks noGrp="1"/>
-          </p:cNvSpPr>
-          <p:nvPr>
-            <p:ph type="ftr" sz="quarter" idx="10"/>
-          </p:nvPr>
-        </p:nvSpPr>
-        <p:spPr/>
-        <p:txBody>
-          <a:bodyPr/>
-          <a:lstStyle/>
-          <a:p>
-            <a:r>
-              <a:rPr lang="en-GB" noProof="1"/>
-              <a:t>Swiss Software Engineering: </a:t>
-            </a:r>
-            <a:r>
-              <a:rPr lang="en-GB" b="1" noProof="1">
-                <a:latin typeface="Calibri"/>
-                <a:cs typeface="Calibri"/>
-              </a:rPr>
-              <a:t>betterask.erni</a:t>
-            </a:r>
-          </a:p>
-        </p:txBody>
-      </p:sp>
-      <p:sp>
-        <p:nvSpPr>
-          <p:cNvPr id="3" name="Foliennummernplatzhalter 2"/>
-          <p:cNvSpPr>
-            <a:spLocks noGrp="1"/>
-          </p:cNvSpPr>
-          <p:nvPr>
-            <p:ph type="sldNum" sz="quarter" idx="11"/>
-          </p:nvPr>
-        </p:nvSpPr>
-        <p:spPr/>
-        <p:txBody>
-          <a:bodyPr/>
-          <a:lstStyle/>
-          <a:p>
-            <a:fld id="{9F5F539E-0E69-451B-AC12-57C40F9178F7}" type="slidenum">
-              <a:rPr lang="en-GB" smtClean="0"/>
-              <a:pPr/>
-              <a:t>12</a:t>
             </a:fld>
             <a:endParaRPr lang="en-GB" dirty="0"/>
           </a:p>
@@ -18127,7 +16964,7 @@
 </p:sld>
 </file>
 
-<file path=ppt/slides/slide13.xml><?xml version="1.0" encoding="utf-8"?>
+<file path=ppt/slides/slide12.xml><?xml version="1.0" encoding="utf-8"?>
 <p:sld xmlns:a="http://schemas.openxmlformats.org/drawingml/2006/main" xmlns:r="http://schemas.openxmlformats.org/officeDocument/2006/relationships" xmlns:p="http://schemas.openxmlformats.org/presentationml/2006/main">
   <p:cSld>
     <p:spTree>
@@ -18191,7 +17028,7 @@
             <a:fld id="{9F5F539E-0E69-451B-AC12-57C40F9178F7}" type="slidenum">
               <a:rPr lang="en-GB" smtClean="0"/>
               <a:pPr/>
-              <a:t>13</a:t>
+              <a:t>12</a:t>
             </a:fld>
             <a:endParaRPr lang="en-GB" dirty="0"/>
           </a:p>
@@ -18246,7 +17083,7 @@
         </p:nvSpPr>
         <p:spPr>
           <a:xfrm>
-            <a:off x="303058" y="1247775"/>
+            <a:off x="178367" y="940098"/>
             <a:ext cx="8489388" cy="3511385"/>
           </a:xfrm>
         </p:spPr>
@@ -18254,7 +17091,7 @@
           <a:bodyPr/>
           <a:lstStyle/>
           <a:p>
-            <a:pPr marL="329847" lvl="1" indent="0">
+            <a:pPr marL="182563" lvl="1" indent="0">
               <a:buNone/>
             </a:pPr>
             <a:r>
@@ -18275,22 +17112,46 @@
             </a:r>
             <a:r>
               <a:rPr lang="en-US" dirty="0"/>
-              <a:t> system. Meta-object (literally "over the object") is a way to achieve some programming paradigms that are normally impossible to achieve with pure C++ like:</a:t>
-            </a:r>
-          </a:p>
-          <a:p>
-            <a:pPr lvl="2"/>
-            <a:r>
-              <a:rPr lang="en-US" b="1" dirty="0"/>
+              <a:t> system. Meta-object (literally "over the object") is a way to achieve some programming paradigms that are </a:t>
+            </a:r>
+            <a:r>
+              <a:rPr lang="en-150" dirty="0" smtClean="0"/>
+              <a:t>not </a:t>
+            </a:r>
+            <a:r>
+              <a:rPr lang="en-US" dirty="0" smtClean="0"/>
+              <a:t>achieve</a:t>
+            </a:r>
+            <a:r>
+              <a:rPr lang="en-150" dirty="0" smtClean="0"/>
+              <a:t>d</a:t>
+            </a:r>
+            <a:r>
+              <a:rPr lang="en-US" dirty="0" smtClean="0"/>
+              <a:t> </a:t>
+            </a:r>
+            <a:r>
+              <a:rPr lang="en-US" dirty="0"/>
+              <a:t>with pure C++ like:</a:t>
+            </a:r>
+          </a:p>
+          <a:p>
+            <a:pPr marL="446088" lvl="2" indent="0"/>
+            <a:r>
+              <a:rPr lang="en-US" b="1" dirty="0" smtClean="0"/>
               <a:t>Introspection</a:t>
             </a:r>
             <a:r>
+              <a:rPr lang="en-US" dirty="0" smtClean="0"/>
+              <a:t>: </a:t>
+            </a:r>
+            <a:r>
               <a:rPr lang="en-US" dirty="0"/>
-              <a:t> : capability of examining a type at run-time</a:t>
-            </a:r>
-          </a:p>
-          <a:p>
-            <a:pPr lvl="2"/>
+              <a:t>capability of examining a type at run-time</a:t>
+            </a:r>
+          </a:p>
+          <a:p>
+            <a:pPr marL="446088" lvl="2" indent="0"/>
             <a:r>
               <a:rPr lang="en-US" b="1" dirty="0"/>
               <a:t>Asynchronous function calls</a:t>
@@ -18298,13 +17159,13 @@
             <a:endParaRPr lang="en-US" dirty="0"/>
           </a:p>
           <a:p>
-            <a:pPr marL="342945" lvl="1" indent="0">
+            <a:pPr marL="182563" lvl="1" indent="0">
               <a:buNone/>
             </a:pPr>
             <a:endParaRPr lang="en-150" dirty="0" smtClean="0"/>
           </a:p>
           <a:p>
-            <a:pPr marL="329847" lvl="1" indent="0" defTabSz="914400" eaLnBrk="0" fontAlgn="base" hangingPunct="0">
+            <a:pPr marL="182563" lvl="1" indent="0" defTabSz="914400" eaLnBrk="0" fontAlgn="base" hangingPunct="0">
               <a:lnSpc>
                 <a:spcPct val="100000"/>
               </a:lnSpc>
@@ -18319,24 +17180,12 @@
               <a:buNone/>
             </a:pPr>
             <a:r>
-              <a:rPr lang="en-US" dirty="0" err="1"/>
-              <a:t>Qt's</a:t>
-            </a:r>
-            <a:r>
-              <a:rPr lang="en-US" dirty="0"/>
-              <a:t> meta-object system provides the signals and slots mechanism for inter-object communication, run-time type information, and the dynamic property system</a:t>
-            </a:r>
-            <a:r>
-              <a:rPr lang="en-US" dirty="0" smtClean="0"/>
-              <a:t>.</a:t>
-            </a:r>
-            <a:r>
-              <a:rPr lang="en-150" dirty="0" smtClean="0"/>
-              <a:t> </a:t>
-            </a:r>
-            <a:r>
               <a:rPr lang="de-DE" altLang="de-DE" dirty="0" smtClean="0"/>
-              <a:t>The meta-</a:t>
+              <a:t>The </a:t>
+            </a:r>
+            <a:r>
+              <a:rPr lang="de-DE" altLang="de-DE" dirty="0" smtClean="0"/>
+              <a:t>meta-</a:t>
             </a:r>
             <a:r>
               <a:rPr lang="de-DE" altLang="de-DE" dirty="0" err="1" smtClean="0"/>
@@ -18386,9 +17235,27 @@
               <a:rPr lang="de-DE" altLang="de-DE" dirty="0" smtClean="0"/>
               <a:t>:</a:t>
             </a:r>
-          </a:p>
-          <a:p>
-            <a:pPr marL="666839" lvl="2" indent="0" defTabSz="914400" eaLnBrk="0" fontAlgn="base" hangingPunct="0">
+            <a:endParaRPr lang="en-150" altLang="de-DE" dirty="0" smtClean="0"/>
+          </a:p>
+          <a:p>
+            <a:pPr marL="182563" lvl="1" indent="0" defTabSz="914400" eaLnBrk="0" fontAlgn="base" hangingPunct="0">
+              <a:lnSpc>
+                <a:spcPct val="100000"/>
+              </a:lnSpc>
+              <a:spcBef>
+                <a:spcPct val="0"/>
+              </a:spcBef>
+              <a:spcAft>
+                <a:spcPct val="0"/>
+              </a:spcAft>
+              <a:buClrTx/>
+              <a:buSzTx/>
+              <a:buNone/>
+            </a:pPr>
+            <a:endParaRPr lang="de-DE" altLang="de-DE" dirty="0" smtClean="0"/>
+          </a:p>
+          <a:p>
+            <a:pPr marL="358775" lvl="2" indent="0" defTabSz="914400" eaLnBrk="0" fontAlgn="base" hangingPunct="0">
               <a:lnSpc>
                 <a:spcPct val="100000"/>
               </a:lnSpc>
@@ -18402,6 +17269,9 @@
               <a:buSzTx/>
               <a:buFontTx/>
               <a:buAutoNum type="arabicPeriod"/>
+              <a:tabLst>
+                <a:tab pos="358775" algn="l"/>
+              </a:tabLst>
             </a:pPr>
             <a:r>
               <a:rPr lang="de-DE" altLang="de-DE" dirty="0" smtClean="0"/>
@@ -18430,12 +17300,16 @@
               <a:t> </a:t>
             </a:r>
             <a:r>
-              <a:rPr lang="de-DE" altLang="de-DE" dirty="0" err="1"/>
-              <a:t>provides</a:t>
+              <a:rPr lang="en-150" altLang="de-DE" dirty="0" smtClean="0"/>
+              <a:t>as</a:t>
+            </a:r>
+            <a:r>
+              <a:rPr lang="de-DE" altLang="de-DE" dirty="0" smtClean="0"/>
+              <a:t> </a:t>
             </a:r>
             <a:r>
               <a:rPr lang="de-DE" altLang="de-DE" dirty="0"/>
-              <a:t> a </a:t>
+              <a:t>a </a:t>
             </a:r>
             <a:r>
               <a:rPr lang="de-DE" altLang="de-DE" dirty="0" err="1"/>
@@ -18446,96 +17320,16 @@
               <a:t> </a:t>
             </a:r>
             <a:r>
-              <a:rPr lang="de-DE" altLang="de-DE" dirty="0" err="1"/>
+              <a:rPr lang="de-DE" altLang="de-DE" dirty="0" err="1" smtClean="0"/>
               <a:t>class</a:t>
             </a:r>
             <a:r>
-              <a:rPr lang="de-DE" altLang="de-DE" dirty="0"/>
-              <a:t> </a:t>
-            </a:r>
-            <a:r>
-              <a:rPr lang="de-DE" altLang="de-DE" dirty="0" err="1"/>
-              <a:t>for</a:t>
-            </a:r>
-            <a:r>
-              <a:rPr lang="de-DE" altLang="de-DE" dirty="0"/>
-              <a:t> </a:t>
-            </a:r>
-            <a:r>
-              <a:rPr lang="de-DE" altLang="de-DE" dirty="0" err="1"/>
-              <a:t>objects</a:t>
-            </a:r>
-            <a:r>
-              <a:rPr lang="de-DE" altLang="de-DE" dirty="0"/>
-              <a:t> </a:t>
-            </a:r>
-            <a:r>
-              <a:rPr lang="de-DE" altLang="de-DE" dirty="0" err="1"/>
-              <a:t>that</a:t>
-            </a:r>
-            <a:r>
-              <a:rPr lang="de-DE" altLang="de-DE" dirty="0"/>
-              <a:t> </a:t>
-            </a:r>
-            <a:r>
-              <a:rPr lang="de-DE" altLang="de-DE" dirty="0" err="1"/>
-              <a:t>can</a:t>
-            </a:r>
-            <a:r>
-              <a:rPr lang="de-DE" altLang="de-DE" dirty="0"/>
-              <a:t> </a:t>
-            </a:r>
-            <a:r>
-              <a:rPr lang="de-DE" altLang="de-DE" dirty="0" err="1"/>
-              <a:t>take</a:t>
-            </a:r>
-            <a:r>
-              <a:rPr lang="de-DE" altLang="de-DE" dirty="0"/>
-              <a:t> </a:t>
-            </a:r>
-            <a:r>
-              <a:rPr lang="de-DE" altLang="de-DE" dirty="0" err="1"/>
-              <a:t>advantage</a:t>
-            </a:r>
-            <a:r>
-              <a:rPr lang="de-DE" altLang="de-DE" dirty="0"/>
-              <a:t> </a:t>
-            </a:r>
-            <a:r>
-              <a:rPr lang="de-DE" altLang="de-DE" dirty="0" err="1"/>
-              <a:t>of</a:t>
-            </a:r>
-            <a:r>
-              <a:rPr lang="de-DE" altLang="de-DE" dirty="0"/>
-              <a:t> </a:t>
-            </a:r>
-            <a:r>
-              <a:rPr lang="de-DE" altLang="de-DE" dirty="0" err="1"/>
-              <a:t>the</a:t>
-            </a:r>
-            <a:r>
-              <a:rPr lang="de-DE" altLang="de-DE" dirty="0"/>
-              <a:t> meta-</a:t>
-            </a:r>
-            <a:r>
-              <a:rPr lang="de-DE" altLang="de-DE" dirty="0" err="1"/>
-              <a:t>object</a:t>
-            </a:r>
-            <a:r>
-              <a:rPr lang="de-DE" altLang="de-DE" dirty="0"/>
-              <a:t> </a:t>
-            </a:r>
-            <a:r>
-              <a:rPr lang="de-DE" altLang="de-DE" dirty="0" err="1"/>
-              <a:t>system</a:t>
-            </a:r>
-            <a:r>
-              <a:rPr lang="de-DE" altLang="de-DE" dirty="0"/>
+              <a:rPr lang="en-150" altLang="de-DE" dirty="0" smtClean="0"/>
               <a:t>.</a:t>
             </a:r>
           </a:p>
           <a:p>
-            <a:pPr marL="666839" lvl="2" indent="0" defTabSz="914400" eaLnBrk="0" fontAlgn="base" hangingPunct="0">
+            <a:pPr marL="358775" lvl="2" indent="0" defTabSz="914400" eaLnBrk="0" fontAlgn="base" hangingPunct="0">
               <a:lnSpc>
                 <a:spcPct val="100000"/>
               </a:lnSpc>
@@ -18549,184 +17343,14 @@
               <a:buSzTx/>
               <a:buFontTx/>
               <a:buAutoNum type="arabicPeriod"/>
+              <a:tabLst>
+                <a:tab pos="358775" algn="l"/>
+              </a:tabLst>
             </a:pPr>
-            <a:r>
-              <a:rPr lang="de-DE" altLang="de-DE" dirty="0"/>
-              <a:t>The </a:t>
-            </a:r>
-            <a:r>
-              <a:rPr lang="de-DE" altLang="de-DE" b="1" dirty="0">
-                <a:hlinkClick r:id="rId4"/>
-              </a:rPr>
-              <a:t>Q_OBJECT</a:t>
-            </a:r>
-            <a:r>
-              <a:rPr lang="de-DE" altLang="de-DE" dirty="0"/>
-              <a:t> </a:t>
-            </a:r>
-            <a:r>
-              <a:rPr lang="de-DE" altLang="de-DE" dirty="0" err="1"/>
-              <a:t>macro</a:t>
-            </a:r>
-            <a:r>
-              <a:rPr lang="de-DE" altLang="de-DE" dirty="0"/>
-              <a:t> </a:t>
-            </a:r>
-            <a:r>
-              <a:rPr lang="de-DE" altLang="de-DE" dirty="0" err="1"/>
-              <a:t>inside</a:t>
-            </a:r>
-            <a:r>
-              <a:rPr lang="de-DE" altLang="de-DE" dirty="0"/>
-              <a:t> </a:t>
-            </a:r>
-            <a:r>
-              <a:rPr lang="de-DE" altLang="de-DE" dirty="0" err="1"/>
-              <a:t>the</a:t>
-            </a:r>
-            <a:r>
-              <a:rPr lang="de-DE" altLang="de-DE" dirty="0"/>
-              <a:t> private </a:t>
-            </a:r>
-            <a:r>
-              <a:rPr lang="de-DE" altLang="de-DE" dirty="0" err="1"/>
-              <a:t>section</a:t>
-            </a:r>
-            <a:r>
-              <a:rPr lang="de-DE" altLang="de-DE" dirty="0"/>
-              <a:t> </a:t>
-            </a:r>
-            <a:r>
-              <a:rPr lang="de-DE" altLang="de-DE" dirty="0" err="1"/>
-              <a:t>of</a:t>
-            </a:r>
-            <a:r>
-              <a:rPr lang="de-DE" altLang="de-DE" dirty="0"/>
-              <a:t> </a:t>
-            </a:r>
-            <a:r>
-              <a:rPr lang="de-DE" altLang="de-DE" dirty="0" err="1"/>
-              <a:t>the</a:t>
-            </a:r>
-            <a:r>
-              <a:rPr lang="de-DE" altLang="de-DE" dirty="0"/>
-              <a:t> </a:t>
-            </a:r>
-            <a:r>
-              <a:rPr lang="de-DE" altLang="de-DE" dirty="0" err="1"/>
-              <a:t>class</a:t>
-            </a:r>
-            <a:r>
-              <a:rPr lang="de-DE" altLang="de-DE" dirty="0"/>
-              <a:t> </a:t>
-            </a:r>
-            <a:r>
-              <a:rPr lang="de-DE" altLang="de-DE" dirty="0" err="1"/>
-              <a:t>declaration</a:t>
-            </a:r>
-            <a:r>
-              <a:rPr lang="de-DE" altLang="de-DE" dirty="0"/>
-              <a:t> </a:t>
-            </a:r>
-            <a:r>
-              <a:rPr lang="de-DE" altLang="de-DE" dirty="0" err="1"/>
-              <a:t>is</a:t>
-            </a:r>
-            <a:r>
-              <a:rPr lang="de-DE" altLang="de-DE" dirty="0"/>
-              <a:t> </a:t>
-            </a:r>
-            <a:r>
-              <a:rPr lang="de-DE" altLang="de-DE" dirty="0" err="1"/>
-              <a:t>used</a:t>
-            </a:r>
-            <a:r>
-              <a:rPr lang="de-DE" altLang="de-DE" dirty="0"/>
-              <a:t> </a:t>
-            </a:r>
-            <a:r>
-              <a:rPr lang="de-DE" altLang="de-DE" dirty="0" err="1"/>
-              <a:t>to</a:t>
-            </a:r>
-            <a:r>
-              <a:rPr lang="de-DE" altLang="de-DE" dirty="0"/>
-              <a:t> </a:t>
-            </a:r>
-            <a:r>
-              <a:rPr lang="de-DE" altLang="de-DE" dirty="0" err="1"/>
-              <a:t>enable</a:t>
-            </a:r>
-            <a:r>
-              <a:rPr lang="de-DE" altLang="de-DE" dirty="0"/>
-              <a:t> meta-</a:t>
-            </a:r>
-            <a:r>
-              <a:rPr lang="de-DE" altLang="de-DE" dirty="0" err="1"/>
-              <a:t>object</a:t>
-            </a:r>
-            <a:r>
-              <a:rPr lang="de-DE" altLang="de-DE" dirty="0"/>
-              <a:t> </a:t>
-            </a:r>
-            <a:r>
-              <a:rPr lang="de-DE" altLang="de-DE" dirty="0" err="1"/>
-              <a:t>features</a:t>
-            </a:r>
-            <a:r>
-              <a:rPr lang="de-DE" altLang="de-DE" dirty="0"/>
-              <a:t>, such </a:t>
-            </a:r>
-            <a:r>
-              <a:rPr lang="de-DE" altLang="de-DE" dirty="0" err="1"/>
-              <a:t>as</a:t>
-            </a:r>
-            <a:r>
-              <a:rPr lang="de-DE" altLang="de-DE" dirty="0"/>
-              <a:t> </a:t>
-            </a:r>
-            <a:r>
-              <a:rPr lang="de-DE" altLang="de-DE" dirty="0" err="1"/>
-              <a:t>dynamic</a:t>
-            </a:r>
-            <a:r>
-              <a:rPr lang="de-DE" altLang="de-DE" dirty="0"/>
-              <a:t> </a:t>
-            </a:r>
-            <a:r>
-              <a:rPr lang="de-DE" altLang="de-DE" dirty="0" err="1"/>
-              <a:t>properties</a:t>
-            </a:r>
-            <a:r>
-              <a:rPr lang="de-DE" altLang="de-DE" dirty="0"/>
-              <a:t>, </a:t>
-            </a:r>
-            <a:r>
-              <a:rPr lang="de-DE" altLang="de-DE" dirty="0" err="1"/>
-              <a:t>signals</a:t>
-            </a:r>
-            <a:r>
-              <a:rPr lang="de-DE" altLang="de-DE" dirty="0"/>
-              <a:t>, </a:t>
-            </a:r>
-            <a:r>
-              <a:rPr lang="de-DE" altLang="de-DE" dirty="0" err="1"/>
-              <a:t>and</a:t>
-            </a:r>
-            <a:r>
-              <a:rPr lang="de-DE" altLang="de-DE" dirty="0"/>
-              <a:t> </a:t>
-            </a:r>
-            <a:r>
-              <a:rPr lang="de-DE" altLang="de-DE" dirty="0" err="1"/>
-              <a:t>slots</a:t>
-            </a:r>
-            <a:r>
-              <a:rPr lang="de-DE" altLang="de-DE" dirty="0"/>
-              <a:t>.</a:t>
-            </a:r>
-          </a:p>
-          <a:p>
-            <a:pPr marL="666839" lvl="2" indent="0" defTabSz="914400" eaLnBrk="0" fontAlgn="base" hangingPunct="0">
+            <a:endParaRPr lang="de-DE" altLang="de-DE" dirty="0"/>
+          </a:p>
+          <a:p>
+            <a:pPr marL="358775" lvl="2" indent="0" defTabSz="914400" eaLnBrk="0" fontAlgn="base" hangingPunct="0">
               <a:lnSpc>
                 <a:spcPct val="100000"/>
               </a:lnSpc>
@@ -18740,6 +17364,9 @@
               <a:buSzTx/>
               <a:buFontTx/>
               <a:buAutoNum type="arabicPeriod"/>
+              <a:tabLst>
+                <a:tab pos="358775" algn="l"/>
+              </a:tabLst>
             </a:pPr>
             <a:r>
               <a:rPr lang="de-DE" altLang="de-DE" dirty="0"/>
@@ -18747,6 +17374,126 @@
             </a:r>
             <a:r>
               <a:rPr lang="de-DE" altLang="de-DE" b="1" dirty="0">
+                <a:hlinkClick r:id="rId4"/>
+              </a:rPr>
+              <a:t>Q_OBJECT</a:t>
+            </a:r>
+            <a:r>
+              <a:rPr lang="de-DE" altLang="de-DE" dirty="0"/>
+              <a:t> </a:t>
+            </a:r>
+            <a:r>
+              <a:rPr lang="de-DE" altLang="de-DE" dirty="0" err="1"/>
+              <a:t>macro</a:t>
+            </a:r>
+            <a:r>
+              <a:rPr lang="de-DE" altLang="de-DE" dirty="0"/>
+              <a:t> </a:t>
+            </a:r>
+            <a:r>
+              <a:rPr lang="de-DE" altLang="de-DE" dirty="0" err="1"/>
+              <a:t>inside</a:t>
+            </a:r>
+            <a:r>
+              <a:rPr lang="de-DE" altLang="de-DE" dirty="0"/>
+              <a:t> </a:t>
+            </a:r>
+            <a:r>
+              <a:rPr lang="de-DE" altLang="de-DE" dirty="0" err="1"/>
+              <a:t>the</a:t>
+            </a:r>
+            <a:r>
+              <a:rPr lang="de-DE" altLang="de-DE" dirty="0"/>
+              <a:t> private </a:t>
+            </a:r>
+            <a:r>
+              <a:rPr lang="de-DE" altLang="de-DE" dirty="0" err="1"/>
+              <a:t>section</a:t>
+            </a:r>
+            <a:r>
+              <a:rPr lang="de-DE" altLang="de-DE" dirty="0"/>
+              <a:t> </a:t>
+            </a:r>
+            <a:r>
+              <a:rPr lang="de-DE" altLang="de-DE" dirty="0" err="1" smtClean="0"/>
+              <a:t>to</a:t>
+            </a:r>
+            <a:r>
+              <a:rPr lang="de-DE" altLang="de-DE" dirty="0" smtClean="0"/>
+              <a:t> </a:t>
+            </a:r>
+            <a:r>
+              <a:rPr lang="de-DE" altLang="de-DE" dirty="0" err="1"/>
+              <a:t>enable</a:t>
+            </a:r>
+            <a:r>
+              <a:rPr lang="de-DE" altLang="de-DE" dirty="0"/>
+              <a:t> meta-</a:t>
+            </a:r>
+            <a:r>
+              <a:rPr lang="de-DE" altLang="de-DE" dirty="0" err="1"/>
+              <a:t>object</a:t>
+            </a:r>
+            <a:r>
+              <a:rPr lang="de-DE" altLang="de-DE" dirty="0"/>
+              <a:t> </a:t>
+            </a:r>
+            <a:r>
+              <a:rPr lang="de-DE" altLang="de-DE" dirty="0" err="1" smtClean="0"/>
+              <a:t>features</a:t>
+            </a:r>
+            <a:endParaRPr lang="en-150" altLang="de-DE" dirty="0" smtClean="0"/>
+          </a:p>
+          <a:p>
+            <a:pPr marL="358775" lvl="2" indent="0" defTabSz="914400" eaLnBrk="0" fontAlgn="base" hangingPunct="0">
+              <a:lnSpc>
+                <a:spcPct val="100000"/>
+              </a:lnSpc>
+              <a:spcBef>
+                <a:spcPct val="0"/>
+              </a:spcBef>
+              <a:spcAft>
+                <a:spcPct val="0"/>
+              </a:spcAft>
+              <a:buClrTx/>
+              <a:buSzTx/>
+              <a:buFontTx/>
+              <a:buAutoNum type="arabicPeriod"/>
+              <a:tabLst>
+                <a:tab pos="358775" algn="l"/>
+              </a:tabLst>
+            </a:pPr>
+            <a:endParaRPr lang="en-150" altLang="de-DE" dirty="0" smtClean="0"/>
+          </a:p>
+          <a:p>
+            <a:pPr marL="358775" lvl="2" indent="0" defTabSz="914400" eaLnBrk="0" fontAlgn="base" hangingPunct="0">
+              <a:lnSpc>
+                <a:spcPct val="100000"/>
+              </a:lnSpc>
+              <a:spcBef>
+                <a:spcPct val="0"/>
+              </a:spcBef>
+              <a:spcAft>
+                <a:spcPct val="0"/>
+              </a:spcAft>
+              <a:buClrTx/>
+              <a:buSzTx/>
+              <a:buFontTx/>
+              <a:buAutoNum type="arabicPeriod"/>
+              <a:tabLst>
+                <a:tab pos="358775" algn="l"/>
+              </a:tabLst>
+            </a:pPr>
+            <a:r>
+              <a:rPr lang="de-DE" altLang="de-DE" dirty="0" smtClean="0"/>
+              <a:t>The</a:t>
+            </a:r>
+            <a:r>
+              <a:rPr lang="de-DE" altLang="de-DE" dirty="0"/>
+              <a:t> </a:t>
+            </a:r>
+            <a:r>
+              <a:rPr lang="de-DE" altLang="de-DE" b="1" dirty="0">
                 <a:hlinkClick r:id="rId5"/>
               </a:rPr>
               <a:t>Meta-</a:t>
@@ -18788,103 +17535,17 @@
               <a:t> </a:t>
             </a:r>
             <a:r>
-              <a:rPr lang="de-DE" altLang="de-DE" dirty="0" err="1"/>
-              <a:t>each</a:t>
-            </a:r>
-            <a:r>
-              <a:rPr lang="de-DE" altLang="de-DE" dirty="0"/>
-              <a:t> </a:t>
-            </a:r>
-            <a:r>
-              <a:rPr lang="de-DE" altLang="de-DE" b="1" dirty="0" err="1">
-                <a:hlinkClick r:id="rId3"/>
-              </a:rPr>
-              <a:t>QObject</a:t>
-            </a:r>
-            <a:r>
-              <a:rPr lang="de-DE" altLang="de-DE" dirty="0"/>
-              <a:t> </a:t>
-            </a:r>
-            <a:r>
-              <a:rPr lang="de-DE" altLang="de-DE" dirty="0" err="1"/>
-              <a:t>subclass</a:t>
-            </a:r>
-            <a:r>
-              <a:rPr lang="de-DE" altLang="de-DE" dirty="0"/>
-              <a:t> </a:t>
-            </a:r>
-            <a:r>
-              <a:rPr lang="de-DE" altLang="de-DE" dirty="0" err="1"/>
-              <a:t>with</a:t>
-            </a:r>
-            <a:r>
-              <a:rPr lang="de-DE" altLang="de-DE" dirty="0"/>
-              <a:t> </a:t>
-            </a:r>
-            <a:r>
-              <a:rPr lang="de-DE" altLang="de-DE" dirty="0" err="1"/>
-              <a:t>the</a:t>
-            </a:r>
-            <a:r>
-              <a:rPr lang="de-DE" altLang="de-DE" dirty="0"/>
-              <a:t> </a:t>
-            </a:r>
-            <a:r>
-              <a:rPr lang="de-DE" altLang="de-DE" dirty="0" err="1"/>
-              <a:t>necessary</a:t>
-            </a:r>
-            <a:r>
-              <a:rPr lang="de-DE" altLang="de-DE" dirty="0"/>
-              <a:t> </a:t>
-            </a:r>
-            <a:r>
-              <a:rPr lang="de-DE" altLang="de-DE" dirty="0" err="1"/>
-              <a:t>code</a:t>
-            </a:r>
-            <a:r>
-              <a:rPr lang="de-DE" altLang="de-DE" dirty="0"/>
-              <a:t> </a:t>
-            </a:r>
-            <a:r>
-              <a:rPr lang="de-DE" altLang="de-DE" dirty="0" err="1"/>
-              <a:t>to</a:t>
-            </a:r>
-            <a:r>
-              <a:rPr lang="de-DE" altLang="de-DE" dirty="0"/>
-              <a:t> </a:t>
-            </a:r>
-            <a:r>
-              <a:rPr lang="de-DE" altLang="de-DE" dirty="0" err="1"/>
-              <a:t>implement</a:t>
-            </a:r>
-            <a:r>
-              <a:rPr lang="de-DE" altLang="de-DE" dirty="0"/>
-              <a:t> meta-</a:t>
-            </a:r>
-            <a:r>
-              <a:rPr lang="de-DE" altLang="de-DE" dirty="0" err="1"/>
-              <a:t>object</a:t>
-            </a:r>
-            <a:r>
-              <a:rPr lang="de-DE" altLang="de-DE" dirty="0"/>
-              <a:t> </a:t>
-            </a:r>
-            <a:r>
-              <a:rPr lang="de-DE" altLang="de-DE" dirty="0" err="1"/>
-              <a:t>features</a:t>
+              <a:rPr lang="en-150" altLang="de-DE" dirty="0" smtClean="0"/>
+              <a:t>implementation of meta-features</a:t>
             </a:r>
             <a:r>
               <a:rPr lang="de-DE" altLang="de-DE" dirty="0" smtClean="0"/>
               <a:t>.</a:t>
             </a:r>
-            <a:r>
-              <a:rPr lang="en-150" altLang="de-DE" dirty="0" smtClean="0"/>
-              <a:t> (qmake execution needed)</a:t>
-            </a:r>
             <a:endParaRPr lang="de-DE" altLang="de-DE" dirty="0"/>
           </a:p>
           <a:p>
-            <a:pPr marL="342945" lvl="1" indent="0">
+            <a:pPr marL="182563" lvl="1" indent="0">
               <a:buNone/>
             </a:pPr>
             <a:endParaRPr lang="en-US" dirty="0"/>
@@ -18974,10 +17635,289 @@
           </a:p>
         </p:txBody>
       </p:sp>
+      <p:pic>
+        <p:nvPicPr>
+          <p:cNvPr id="9" name="Picture 8"/>
+          <p:cNvPicPr>
+            <a:picLocks noChangeAspect="1"/>
+          </p:cNvPicPr>
+          <p:nvPr/>
+        </p:nvPicPr>
+        <p:blipFill>
+          <a:blip r:embed="rId6"/>
+          <a:stretch>
+            <a:fillRect/>
+          </a:stretch>
+        </p:blipFill>
+        <p:spPr>
+          <a:xfrm>
+            <a:off x="6541185" y="1667741"/>
+            <a:ext cx="2241642" cy="2056101"/>
+          </a:xfrm>
+          <a:prstGeom prst="rect">
+            <a:avLst/>
+          </a:prstGeom>
+        </p:spPr>
+      </p:pic>
     </p:spTree>
     <p:extLst>
       <p:ext uri="{BB962C8B-B14F-4D97-AF65-F5344CB8AC3E}">
         <p14:creationId xmlns:p14="http://schemas.microsoft.com/office/powerpoint/2010/main" val="2209113974"/>
+      </p:ext>
+    </p:extLst>
+  </p:cSld>
+  <p:clrMapOvr>
+    <a:masterClrMapping/>
+  </p:clrMapOvr>
+  <p:timing>
+    <p:tnLst>
+      <p:par>
+        <p:cTn id="1" dur="indefinite" restart="never" nodeType="tmRoot"/>
+      </p:par>
+    </p:tnLst>
+  </p:timing>
+</p:sld>
+</file>
+
+<file path=ppt/slides/slide13.xml><?xml version="1.0" encoding="utf-8"?>
+<p:sld xmlns:a="http://schemas.openxmlformats.org/drawingml/2006/main" xmlns:r="http://schemas.openxmlformats.org/officeDocument/2006/relationships" xmlns:p="http://schemas.openxmlformats.org/presentationml/2006/main">
+  <p:cSld>
+    <p:spTree>
+      <p:nvGrpSpPr>
+        <p:cNvPr id="1" name=""/>
+        <p:cNvGrpSpPr/>
+        <p:nvPr/>
+      </p:nvGrpSpPr>
+      <p:grpSpPr>
+        <a:xfrm>
+          <a:off x="0" y="0"/>
+          <a:ext cx="0" cy="0"/>
+          <a:chOff x="0" y="0"/>
+          <a:chExt cx="0" cy="0"/>
+        </a:xfrm>
+      </p:grpSpPr>
+      <p:sp>
+        <p:nvSpPr>
+          <p:cNvPr id="2" name="Fußzeilenplatzhalter 1"/>
+          <p:cNvSpPr>
+            <a:spLocks noGrp="1"/>
+          </p:cNvSpPr>
+          <p:nvPr>
+            <p:ph type="ftr" sz="quarter" idx="10"/>
+          </p:nvPr>
+        </p:nvSpPr>
+        <p:spPr/>
+        <p:txBody>
+          <a:bodyPr/>
+          <a:lstStyle/>
+          <a:p>
+            <a:r>
+              <a:rPr lang="en-GB" noProof="1"/>
+              <a:t>Swiss Software Engineering: </a:t>
+            </a:r>
+            <a:r>
+              <a:rPr lang="en-GB" b="1" noProof="1">
+                <a:latin typeface="Calibri"/>
+                <a:cs typeface="Calibri"/>
+              </a:rPr>
+              <a:t>betterask.erni</a:t>
+            </a:r>
+          </a:p>
+        </p:txBody>
+      </p:sp>
+      <p:sp>
+        <p:nvSpPr>
+          <p:cNvPr id="3" name="Foliennummernplatzhalter 2"/>
+          <p:cNvSpPr>
+            <a:spLocks noGrp="1"/>
+          </p:cNvSpPr>
+          <p:nvPr>
+            <p:ph type="sldNum" sz="quarter" idx="11"/>
+          </p:nvPr>
+        </p:nvSpPr>
+        <p:spPr/>
+        <p:txBody>
+          <a:bodyPr/>
+          <a:lstStyle/>
+          <a:p>
+            <a:fld id="{9F5F539E-0E69-451B-AC12-57C40F9178F7}" type="slidenum">
+              <a:rPr lang="en-GB" smtClean="0"/>
+              <a:pPr/>
+              <a:t>13</a:t>
+            </a:fld>
+            <a:endParaRPr lang="en-GB" dirty="0"/>
+          </a:p>
+        </p:txBody>
+      </p:sp>
+      <p:sp>
+        <p:nvSpPr>
+          <p:cNvPr id="4" name="Titel 3"/>
+          <p:cNvSpPr>
+            <a:spLocks noGrp="1"/>
+          </p:cNvSpPr>
+          <p:nvPr>
+            <p:ph type="title"/>
+          </p:nvPr>
+        </p:nvSpPr>
+        <p:spPr/>
+        <p:txBody>
+          <a:bodyPr/>
+          <a:lstStyle/>
+          <a:p>
+            <a:r>
+              <a:rPr lang="en-150" b="1" dirty="0" smtClean="0">
+                <a:solidFill>
+                  <a:srgbClr val="242F78"/>
+                </a:solidFill>
+                <a:latin typeface="Calibri"/>
+                <a:ea typeface="Lato Light" panose="020F0502020204030203" pitchFamily="34" charset="0"/>
+                <a:cs typeface="Calibri"/>
+              </a:rPr>
+              <a:t>Other Feature and Improvements</a:t>
+            </a:r>
+            <a:endParaRPr lang="en-GB" b="1" dirty="0">
+              <a:solidFill>
+                <a:srgbClr val="242F78"/>
+              </a:solidFill>
+              <a:latin typeface="Calibri"/>
+              <a:ea typeface="Lato Light" panose="020F0502020204030203" pitchFamily="34" charset="0"/>
+              <a:cs typeface="Calibri"/>
+            </a:endParaRPr>
+          </a:p>
+        </p:txBody>
+      </p:sp>
+      <p:sp>
+        <p:nvSpPr>
+          <p:cNvPr id="6" name="Inhaltsplatzhalter 5"/>
+          <p:cNvSpPr>
+            <a:spLocks noGrp="1"/>
+          </p:cNvSpPr>
+          <p:nvPr>
+            <p:ph sz="quarter" idx="12"/>
+          </p:nvPr>
+        </p:nvSpPr>
+        <p:spPr>
+          <a:xfrm>
+            <a:off x="303058" y="1247776"/>
+            <a:ext cx="8489388" cy="3162860"/>
+          </a:xfrm>
+        </p:spPr>
+        <p:txBody>
+          <a:bodyPr/>
+          <a:lstStyle/>
+          <a:p>
+            <a:pPr marL="329847" lvl="1" indent="0">
+              <a:buNone/>
+            </a:pPr>
+            <a:r>
+              <a:rPr lang="en-150" b="1" dirty="0" smtClean="0"/>
+              <a:t>Containers</a:t>
+            </a:r>
+            <a:r>
+              <a:rPr lang="en-150" dirty="0" smtClean="0"/>
+              <a:t>: QList, QLinkedList, Q</a:t>
+            </a:r>
+            <a:r>
+              <a:rPr lang="de-CH" dirty="0" smtClean="0"/>
+              <a:t>v</a:t>
+            </a:r>
+            <a:r>
+              <a:rPr lang="en-150" dirty="0" smtClean="0"/>
+              <a:t>ector, QStack, QQueue, QMap, QMultiMap, QHash, QMultiHash, QSet, QBitArray ...</a:t>
+            </a:r>
+          </a:p>
+          <a:p>
+            <a:pPr marL="952589" lvl="2" indent="-285750">
+              <a:buFont typeface="Symbol" panose="05050102010706020507" pitchFamily="18" charset="2"/>
+              <a:buChar char="-"/>
+            </a:pPr>
+            <a:r>
+              <a:rPr lang="en-150" dirty="0" smtClean="0"/>
+              <a:t>Compatible with STL’s generic algorithms.</a:t>
+            </a:r>
+          </a:p>
+          <a:p>
+            <a:pPr marL="952589" lvl="2" indent="-285750">
+              <a:buFont typeface="Symbol" panose="05050102010706020507" pitchFamily="18" charset="2"/>
+              <a:buChar char="-"/>
+            </a:pPr>
+            <a:endParaRPr lang="en-150" dirty="0" smtClean="0"/>
+          </a:p>
+          <a:p>
+            <a:pPr marL="329847" lvl="1" indent="0">
+              <a:buNone/>
+            </a:pPr>
+            <a:r>
+              <a:rPr lang="en-150" b="1" dirty="0" smtClean="0"/>
+              <a:t>Smart Pointers </a:t>
+            </a:r>
+            <a:r>
+              <a:rPr lang="en-150" dirty="0" smtClean="0"/>
+              <a:t>since 2009: QSharedPointer, QScopedPointer, QWeakPointer, and some others.</a:t>
+            </a:r>
+          </a:p>
+          <a:p>
+            <a:pPr marL="329847" lvl="1" indent="0">
+              <a:buNone/>
+            </a:pPr>
+            <a:endParaRPr lang="en-150" dirty="0" smtClean="0"/>
+          </a:p>
+          <a:p>
+            <a:pPr marL="329847" lvl="1" indent="0">
+              <a:buNone/>
+            </a:pPr>
+            <a:r>
+              <a:rPr lang="en-150" b="1" dirty="0" smtClean="0"/>
+              <a:t>Thread Support </a:t>
+            </a:r>
+            <a:r>
+              <a:rPr lang="en-150" dirty="0" smtClean="0"/>
+              <a:t>since 2005: </a:t>
+            </a:r>
+            <a:r>
+              <a:rPr lang="en-US" dirty="0" smtClean="0"/>
+              <a:t>platform-independent </a:t>
+            </a:r>
+            <a:r>
+              <a:rPr lang="en-US" dirty="0"/>
+              <a:t>threading classes, a thread-safe way of posting events, and signal-slot connections across threads. </a:t>
+            </a:r>
+            <a:endParaRPr lang="en-150" dirty="0" smtClean="0"/>
+          </a:p>
+          <a:p>
+            <a:pPr marL="329847" lvl="1" indent="0">
+              <a:buNone/>
+            </a:pPr>
+            <a:endParaRPr lang="en-150" dirty="0"/>
+          </a:p>
+          <a:p>
+            <a:pPr marL="329847" lvl="1" indent="0">
+              <a:buNone/>
+            </a:pPr>
+            <a:r>
+              <a:rPr lang="en-150" b="1" dirty="0" smtClean="0"/>
+              <a:t>File System Support </a:t>
+            </a:r>
+            <a:r>
+              <a:rPr lang="en-150" dirty="0" smtClean="0"/>
+              <a:t>since 2008: </a:t>
+            </a:r>
+            <a:r>
+              <a:rPr lang="en-US" dirty="0" smtClean="0"/>
+              <a:t>platform-independent</a:t>
+            </a:r>
+            <a:r>
+              <a:rPr lang="en-150" dirty="0" smtClean="0"/>
+              <a:t> file system access.</a:t>
+            </a:r>
+            <a:endParaRPr lang="en-150" dirty="0"/>
+          </a:p>
+        </p:txBody>
+      </p:sp>
+    </p:spTree>
+    <p:extLst>
+      <p:ext uri="{BB962C8B-B14F-4D97-AF65-F5344CB8AC3E}">
+        <p14:creationId xmlns:p14="http://schemas.microsoft.com/office/powerpoint/2010/main" val="3542237627"/>
       </p:ext>
     </p:extLst>
   </p:cSld>
@@ -19013,60 +17953,7 @@
       </p:grpSpPr>
       <p:sp>
         <p:nvSpPr>
-          <p:cNvPr id="2" name="Fußzeilenplatzhalter 1"/>
-          <p:cNvSpPr>
-            <a:spLocks noGrp="1"/>
-          </p:cNvSpPr>
-          <p:nvPr>
-            <p:ph type="ftr" sz="quarter" idx="10"/>
-          </p:nvPr>
-        </p:nvSpPr>
-        <p:spPr/>
-        <p:txBody>
-          <a:bodyPr/>
-          <a:lstStyle/>
-          <a:p>
-            <a:r>
-              <a:rPr lang="en-GB" noProof="1"/>
-              <a:t>Swiss Software Engineering: </a:t>
-            </a:r>
-            <a:r>
-              <a:rPr lang="en-GB" b="1" noProof="1">
-                <a:latin typeface="Calibri"/>
-                <a:cs typeface="Calibri"/>
-              </a:rPr>
-              <a:t>betterask.erni</a:t>
-            </a:r>
-          </a:p>
-        </p:txBody>
-      </p:sp>
-      <p:sp>
-        <p:nvSpPr>
-          <p:cNvPr id="3" name="Foliennummernplatzhalter 2"/>
-          <p:cNvSpPr>
-            <a:spLocks noGrp="1"/>
-          </p:cNvSpPr>
-          <p:nvPr>
-            <p:ph type="sldNum" sz="quarter" idx="11"/>
-          </p:nvPr>
-        </p:nvSpPr>
-        <p:spPr/>
-        <p:txBody>
-          <a:bodyPr/>
-          <a:lstStyle/>
-          <a:p>
-            <a:fld id="{9F5F539E-0E69-451B-AC12-57C40F9178F7}" type="slidenum">
-              <a:rPr lang="en-GB" smtClean="0"/>
-              <a:pPr/>
-              <a:t>14</a:t>
-            </a:fld>
-            <a:endParaRPr lang="en-GB" dirty="0"/>
-          </a:p>
-        </p:txBody>
-      </p:sp>
-      <p:sp>
-        <p:nvSpPr>
-          <p:cNvPr id="4" name="Titel 3"/>
+          <p:cNvPr id="2" name="Titel 1"/>
           <p:cNvSpPr>
             <a:spLocks noGrp="1"/>
           </p:cNvSpPr>
@@ -19080,159 +17967,165 @@
           <a:lstStyle/>
           <a:p>
             <a:r>
-              <a:rPr lang="en-150" b="1" dirty="0" smtClean="0">
-                <a:solidFill>
-                  <a:srgbClr val="242F78"/>
-                </a:solidFill>
-                <a:latin typeface="Calibri"/>
-                <a:ea typeface="Lato Light" panose="020F0502020204030203" pitchFamily="34" charset="0"/>
-                <a:cs typeface="Calibri"/>
-              </a:rPr>
-              <a:t>Other Feature and Improvements</a:t>
-            </a:r>
-            <a:endParaRPr lang="en-GB" b="1" dirty="0">
-              <a:solidFill>
-                <a:srgbClr val="242F78"/>
-              </a:solidFill>
-              <a:latin typeface="Calibri"/>
-              <a:ea typeface="Lato Light" panose="020F0502020204030203" pitchFamily="34" charset="0"/>
-              <a:cs typeface="Calibri"/>
-            </a:endParaRPr>
-          </a:p>
-        </p:txBody>
-      </p:sp>
-      <p:sp>
-        <p:nvSpPr>
-          <p:cNvPr id="6" name="Inhaltsplatzhalter 5"/>
+              <a:rPr lang="en-150" sz="3200" b="1" noProof="1" smtClean="0"/>
+              <a:t>Demo</a:t>
+            </a:r>
+            <a:endParaRPr lang="en-GB" sz="3200" b="1" noProof="1"/>
+          </a:p>
+        </p:txBody>
+      </p:sp>
+      <p:sp>
+        <p:nvSpPr>
+          <p:cNvPr id="3" name="Textplatzhalter 2"/>
           <p:cNvSpPr>
             <a:spLocks noGrp="1"/>
           </p:cNvSpPr>
           <p:nvPr>
-            <p:ph sz="quarter" idx="12"/>
+            <p:ph type="body" sz="quarter" idx="10"/>
           </p:nvPr>
         </p:nvSpPr>
-        <p:spPr>
-          <a:xfrm>
-            <a:off x="303058" y="1247776"/>
-            <a:ext cx="8489388" cy="3162860"/>
-          </a:xfrm>
-        </p:spPr>
+        <p:spPr/>
         <p:txBody>
           <a:bodyPr/>
           <a:lstStyle/>
           <a:p>
-            <a:pPr marL="329847" lvl="1" indent="0">
-              <a:buNone/>
-            </a:pPr>
-            <a:r>
-              <a:rPr lang="en-150" b="1" dirty="0" smtClean="0"/>
-              <a:t>Containers</a:t>
-            </a:r>
-            <a:r>
-              <a:rPr lang="en-150" dirty="0" smtClean="0"/>
-              <a:t>: QList, QLinkedList, Q</a:t>
-            </a:r>
-            <a:r>
-              <a:rPr lang="de-CH" dirty="0" smtClean="0"/>
-              <a:t>v</a:t>
-            </a:r>
-            <a:r>
-              <a:rPr lang="en-150" dirty="0" smtClean="0"/>
-              <a:t>ector, QStack, QQueue, QMap, QMultiMap, QHash, QMultiHash, QSet, QBitArray ...</a:t>
-            </a:r>
-          </a:p>
-          <a:p>
-            <a:pPr marL="952589" lvl="2" indent="-285750">
-              <a:buFont typeface="Symbol" panose="05050102010706020507" pitchFamily="18" charset="2"/>
-              <a:buChar char="-"/>
-            </a:pPr>
-            <a:r>
-              <a:rPr lang="en-150" dirty="0" smtClean="0"/>
-              <a:t>Compatible with STL’s generic algorithms.</a:t>
-            </a:r>
-          </a:p>
-          <a:p>
-            <a:pPr marL="952589" lvl="2" indent="-285750">
-              <a:buFont typeface="Symbol" panose="05050102010706020507" pitchFamily="18" charset="2"/>
-              <a:buChar char="-"/>
-            </a:pPr>
-            <a:endParaRPr lang="en-150" dirty="0" smtClean="0"/>
-          </a:p>
-          <a:p>
-            <a:pPr marL="329847" lvl="1" indent="0">
-              <a:buNone/>
-            </a:pPr>
-            <a:r>
-              <a:rPr lang="en-150" b="1" dirty="0" smtClean="0"/>
-              <a:t>Smart Pointers </a:t>
-            </a:r>
-            <a:r>
-              <a:rPr lang="en-150" dirty="0" smtClean="0"/>
-              <a:t>since 2009: QSharedPointer, QScopedPointer, QWeakPointer, and some others.</a:t>
-            </a:r>
-          </a:p>
-          <a:p>
-            <a:pPr marL="329847" lvl="1" indent="0">
-              <a:buNone/>
-            </a:pPr>
-            <a:endParaRPr lang="en-150" dirty="0" smtClean="0"/>
-          </a:p>
-          <a:p>
-            <a:pPr marL="329847" lvl="1" indent="0">
-              <a:buNone/>
-            </a:pPr>
-            <a:r>
-              <a:rPr lang="en-150" b="1" dirty="0" smtClean="0"/>
-              <a:t>Thread Support </a:t>
-            </a:r>
-            <a:r>
-              <a:rPr lang="en-150" dirty="0" smtClean="0"/>
-              <a:t>since 2005: </a:t>
-            </a:r>
-            <a:r>
-              <a:rPr lang="en-US" dirty="0" smtClean="0"/>
-              <a:t>platform-independent </a:t>
-            </a:r>
-            <a:r>
-              <a:rPr lang="en-US" dirty="0"/>
-              <a:t>threading classes, a thread-safe way of posting events, and signal-slot connections across threads. </a:t>
-            </a:r>
-            <a:endParaRPr lang="en-150" dirty="0" smtClean="0"/>
-          </a:p>
-          <a:p>
-            <a:pPr marL="329847" lvl="1" indent="0">
-              <a:buNone/>
-            </a:pPr>
-            <a:endParaRPr lang="en-150" dirty="0"/>
-          </a:p>
-          <a:p>
-            <a:pPr marL="329847" lvl="1" indent="0">
-              <a:buNone/>
-            </a:pPr>
-            <a:r>
-              <a:rPr lang="en-150" b="1" dirty="0" smtClean="0"/>
-              <a:t>File System Support </a:t>
-            </a:r>
-            <a:r>
-              <a:rPr lang="en-150" dirty="0" smtClean="0"/>
-              <a:t>since 2008: </a:t>
-            </a:r>
-            <a:r>
-              <a:rPr lang="en-US" dirty="0" smtClean="0"/>
-              <a:t>platform-independent</a:t>
-            </a:r>
-            <a:r>
-              <a:rPr lang="en-150" dirty="0" smtClean="0"/>
-              <a:t> file system access.</a:t>
-            </a:r>
-            <a:endParaRPr lang="en-150" dirty="0"/>
-          </a:p>
-        </p:txBody>
-      </p:sp>
+            <a:r>
+              <a:rPr lang="en-150" noProof="1" smtClean="0"/>
+              <a:t>Gui App with a Window to receive some inputs and then trigger some action</a:t>
+            </a:r>
+            <a:endParaRPr lang="en-GB" noProof="1"/>
+          </a:p>
+        </p:txBody>
+      </p:sp>
+      <p:sp>
+        <p:nvSpPr>
+          <p:cNvPr id="4" name="Fußzeilenplatzhalter 3"/>
+          <p:cNvSpPr>
+            <a:spLocks noGrp="1"/>
+          </p:cNvSpPr>
+          <p:nvPr>
+            <p:ph type="ftr" sz="quarter" idx="12"/>
+          </p:nvPr>
+        </p:nvSpPr>
+        <p:spPr/>
+        <p:txBody>
+          <a:bodyPr/>
+          <a:lstStyle/>
+          <a:p>
+            <a:r>
+              <a:rPr lang="en-GB" noProof="1"/>
+              <a:t>Swiss Software Engineering: </a:t>
+            </a:r>
+            <a:r>
+              <a:rPr lang="en-GB" b="1" noProof="1">
+                <a:latin typeface="Calibri"/>
+                <a:cs typeface="Calibri"/>
+              </a:rPr>
+              <a:t>betterask.erni</a:t>
+            </a:r>
+          </a:p>
+        </p:txBody>
+      </p:sp>
+      <p:sp>
+        <p:nvSpPr>
+          <p:cNvPr id="5" name="Foliennummernplatzhalter 4"/>
+          <p:cNvSpPr>
+            <a:spLocks noGrp="1"/>
+          </p:cNvSpPr>
+          <p:nvPr>
+            <p:ph type="sldNum" sz="quarter" idx="13"/>
+          </p:nvPr>
+        </p:nvSpPr>
+        <p:spPr/>
+        <p:txBody>
+          <a:bodyPr/>
+          <a:lstStyle/>
+          <a:p>
+            <a:fld id="{9F5F539E-0E69-451B-AC12-57C40F9178F7}" type="slidenum">
+              <a:rPr lang="en-GB" noProof="1" smtClean="0"/>
+              <a:pPr/>
+              <a:t>14</a:t>
+            </a:fld>
+            <a:endParaRPr lang="en-GB" noProof="1"/>
+          </a:p>
+        </p:txBody>
+      </p:sp>
+      <p:pic>
+        <p:nvPicPr>
+          <p:cNvPr id="8" name="Picture 7"/>
+          <p:cNvPicPr>
+            <a:picLocks noChangeAspect="1"/>
+          </p:cNvPicPr>
+          <p:nvPr/>
+        </p:nvPicPr>
+        <p:blipFill>
+          <a:blip r:embed="rId2"/>
+          <a:stretch>
+            <a:fillRect/>
+          </a:stretch>
+        </p:blipFill>
+        <p:spPr>
+          <a:xfrm>
+            <a:off x="5576128" y="1497632"/>
+            <a:ext cx="2073534" cy="886396"/>
+          </a:xfrm>
+          <a:prstGeom prst="rect">
+            <a:avLst/>
+          </a:prstGeom>
+        </p:spPr>
+      </p:pic>
+      <p:pic>
+        <p:nvPicPr>
+          <p:cNvPr id="9" name="Picture 8"/>
+          <p:cNvPicPr>
+            <a:picLocks noChangeAspect="1"/>
+          </p:cNvPicPr>
+          <p:nvPr/>
+        </p:nvPicPr>
+        <p:blipFill>
+          <a:blip r:embed="rId3"/>
+          <a:stretch>
+            <a:fillRect/>
+          </a:stretch>
+        </p:blipFill>
+        <p:spPr>
+          <a:xfrm>
+            <a:off x="5576128" y="2624637"/>
+            <a:ext cx="3050776" cy="1916067"/>
+          </a:xfrm>
+          <a:prstGeom prst="rect">
+            <a:avLst/>
+          </a:prstGeom>
+        </p:spPr>
+      </p:pic>
+      <p:pic>
+        <p:nvPicPr>
+          <p:cNvPr id="12" name="Picture 11"/>
+          <p:cNvPicPr>
+            <a:picLocks noChangeAspect="1"/>
+          </p:cNvPicPr>
+          <p:nvPr/>
+        </p:nvPicPr>
+        <p:blipFill>
+          <a:blip r:embed="rId4"/>
+          <a:stretch>
+            <a:fillRect/>
+          </a:stretch>
+        </p:blipFill>
+        <p:spPr>
+          <a:xfrm>
+            <a:off x="547972" y="1224828"/>
+            <a:ext cx="4569939" cy="3531008"/>
+          </a:xfrm>
+          <a:prstGeom prst="rect">
+            <a:avLst/>
+          </a:prstGeom>
+        </p:spPr>
+      </p:pic>
     </p:spTree>
     <p:extLst>
       <p:ext uri="{BB962C8B-B14F-4D97-AF65-F5344CB8AC3E}">
-        <p14:creationId xmlns:p14="http://schemas.microsoft.com/office/powerpoint/2010/main" val="3542237627"/>
+        <p14:creationId xmlns:p14="http://schemas.microsoft.com/office/powerpoint/2010/main" val="352589978"/>
       </p:ext>
     </p:extLst>
   </p:cSld>
@@ -19282,10 +18175,10 @@
           <a:lstStyle/>
           <a:p>
             <a:r>
-              <a:rPr lang="en-150" noProof="1" smtClean="0"/>
+              <a:rPr lang="en-150" sz="3200" b="1" noProof="1" smtClean="0"/>
               <a:t>Demo</a:t>
             </a:r>
-            <a:endParaRPr lang="en-GB" noProof="1"/>
+            <a:endParaRPr lang="en-GB" sz="3200" b="1" noProof="1"/>
           </a:p>
         </p:txBody>
       </p:sp>
@@ -19299,16 +18192,35 @@
             <p:ph type="body" sz="quarter" idx="10"/>
           </p:nvPr>
         </p:nvSpPr>
-        <p:spPr/>
+        <p:spPr>
+          <a:xfrm>
+            <a:off x="325869" y="2090303"/>
+            <a:ext cx="8389081" cy="787979"/>
+          </a:xfrm>
+        </p:spPr>
         <p:txBody>
           <a:bodyPr/>
           <a:lstStyle/>
           <a:p>
             <a:r>
-              <a:rPr lang="en-150" noProof="1" smtClean="0"/>
-              <a:t>Gui App with a Window to receive some inputs and then trigger some action</a:t>
-            </a:r>
-            <a:endParaRPr lang="en-GB" noProof="1"/>
+              <a:rPr lang="de-CH" sz="3200" noProof="1">
+                <a:solidFill>
+                  <a:schemeClr val="bg2">
+                    <a:lumMod val="20000"/>
+                    <a:lumOff val="80000"/>
+                  </a:schemeClr>
+                </a:solidFill>
+              </a:rPr>
+              <a:t>https://github.com/hebercosfer/qt_intro_demo</a:t>
+            </a:r>
+            <a:endParaRPr lang="en-GB" sz="3200" noProof="1">
+              <a:solidFill>
+                <a:schemeClr val="bg2">
+                  <a:lumMod val="20000"/>
+                  <a:lumOff val="80000"/>
+                </a:schemeClr>
+              </a:solidFill>
+            </a:endParaRPr>
           </a:p>
         </p:txBody>
       </p:sp>
@@ -19365,69 +18277,23 @@
           </a:p>
         </p:txBody>
       </p:sp>
-      <p:pic>
-        <p:nvPicPr>
-          <p:cNvPr id="7" name="Content Placeholder 6"/>
-          <p:cNvPicPr>
-            <a:picLocks noGrp="1" noChangeAspect="1"/>
-          </p:cNvPicPr>
-          <p:nvPr>
-            <p:ph sz="quarter" idx="14"/>
-          </p:nvPr>
-        </p:nvPicPr>
-        <p:blipFill>
-          <a:blip r:embed="rId2">
-            <a:extLst>
-              <a:ext uri="{28A0092B-C50C-407E-A947-70E740481C1C}">
-                <a14:useLocalDpi xmlns:a14="http://schemas.microsoft.com/office/drawing/2010/main" val="0"/>
-              </a:ext>
-            </a:extLst>
-          </a:blip>
-          <a:stretch>
-            <a:fillRect/>
-          </a:stretch>
-        </p:blipFill>
-        <p:spPr>
-          <a:xfrm>
-            <a:off x="245764" y="1387034"/>
-            <a:ext cx="5483859" cy="2441163"/>
-          </a:xfrm>
-        </p:spPr>
-      </p:pic>
-      <p:pic>
-        <p:nvPicPr>
-          <p:cNvPr id="8" name="Picture 7"/>
-          <p:cNvPicPr>
-            <a:picLocks noChangeAspect="1"/>
-          </p:cNvPicPr>
-          <p:nvPr/>
-        </p:nvPicPr>
-        <p:blipFill>
-          <a:blip r:embed="rId3"/>
-          <a:stretch>
-            <a:fillRect/>
-          </a:stretch>
-        </p:blipFill>
-        <p:spPr>
-          <a:xfrm>
-            <a:off x="6019657" y="1760811"/>
-            <a:ext cx="2421483" cy="1035138"/>
-          </a:xfrm>
-          <a:prstGeom prst="rect">
-            <a:avLst/>
-          </a:prstGeom>
-        </p:spPr>
-      </p:pic>
     </p:spTree>
     <p:extLst>
       <p:ext uri="{BB962C8B-B14F-4D97-AF65-F5344CB8AC3E}">
-        <p14:creationId xmlns:p14="http://schemas.microsoft.com/office/powerpoint/2010/main" val="352589978"/>
+        <p14:creationId xmlns:p14="http://schemas.microsoft.com/office/powerpoint/2010/main" val="2247685378"/>
       </p:ext>
     </p:extLst>
   </p:cSld>
   <p:clrMapOvr>
     <a:masterClrMapping/>
   </p:clrMapOvr>
+  <p:timing>
+    <p:tnLst>
+      <p:par>
+        <p:cTn id="1" dur="indefinite" restart="never" nodeType="tmRoot"/>
+      </p:par>
+    </p:tnLst>
+  </p:timing>
 </p:sld>
 </file>
 
@@ -19686,29 +18552,7 @@
                   </a:schemeClr>
                 </a:solidFill>
               </a:rPr>
-              <a:t>It’s called Qt (</a:t>
-            </a:r>
-            <a:r>
-              <a:rPr lang="en-150" noProof="1" smtClean="0">
-                <a:solidFill>
-                  <a:schemeClr val="tx1">
-                    <a:lumMod val="60000"/>
-                    <a:lumOff val="40000"/>
-                  </a:schemeClr>
-                </a:solidFill>
-              </a:rPr>
-              <a:t>cute) </a:t>
-            </a:r>
-            <a:r>
-              <a:rPr lang="en-150" noProof="1" smtClean="0">
-                <a:solidFill>
-                  <a:schemeClr val="tx1">
-                    <a:lumMod val="60000"/>
-                    <a:lumOff val="40000"/>
-                  </a:schemeClr>
-                </a:solidFill>
-              </a:rPr>
-              <a:t>for a reason</a:t>
+              <a:t>It’s called Qt (cute) for a reason</a:t>
             </a:r>
             <a:endParaRPr lang="en-GB" noProof="1">
               <a:solidFill>
@@ -19782,41 +18626,9 @@
           <a:chExt cx="0" cy="0"/>
         </a:xfrm>
       </p:grpSpPr>
-      <p:sp>
-        <p:nvSpPr>
-          <p:cNvPr id="3" name="Foliennummernplatzhalter 2"/>
-          <p:cNvSpPr>
-            <a:spLocks noGrp="1"/>
-          </p:cNvSpPr>
-          <p:nvPr>
-            <p:ph type="sldNum" sz="quarter" idx="11"/>
-          </p:nvPr>
-        </p:nvSpPr>
-        <p:spPr/>
-        <p:txBody>
-          <a:bodyPr/>
-          <a:lstStyle/>
-          <a:p>
-            <a:fld id="{9F5F539E-0E69-451B-AC12-57C40F9178F7}" type="slidenum">
-              <a:rPr lang="en-GB" noProof="1" smtClean="0">
-                <a:solidFill>
-                  <a:srgbClr val="3C3C00"/>
-                </a:solidFill>
-              </a:rPr>
-              <a:pPr/>
-              <a:t>3</a:t>
-            </a:fld>
-            <a:endParaRPr lang="en-GB" noProof="1">
-              <a:solidFill>
-                <a:srgbClr val="3C3C00"/>
-              </a:solidFill>
-            </a:endParaRPr>
-          </a:p>
-        </p:txBody>
-      </p:sp>
       <p:pic>
         <p:nvPicPr>
-          <p:cNvPr id="9" name="Content Placeholder 8"/>
+          <p:cNvPr id="10" name="Content Placeholder 9"/>
           <p:cNvPicPr>
             <a:picLocks noGrp="1" noChangeAspect="1"/>
           </p:cNvPicPr>
@@ -19838,11 +18650,43 @@
         </p:blipFill>
         <p:spPr>
           <a:xfrm>
-            <a:off x="2086620" y="1"/>
-            <a:ext cx="5486398" cy="5143499"/>
+            <a:off x="1303669" y="41560"/>
+            <a:ext cx="7178611" cy="4956464"/>
           </a:xfrm>
         </p:spPr>
       </p:pic>
+      <p:sp>
+        <p:nvSpPr>
+          <p:cNvPr id="3" name="Foliennummernplatzhalter 2"/>
+          <p:cNvSpPr>
+            <a:spLocks noGrp="1"/>
+          </p:cNvSpPr>
+          <p:nvPr>
+            <p:ph type="sldNum" sz="quarter" idx="11"/>
+          </p:nvPr>
+        </p:nvSpPr>
+        <p:spPr/>
+        <p:txBody>
+          <a:bodyPr/>
+          <a:lstStyle/>
+          <a:p>
+            <a:fld id="{9F5F539E-0E69-451B-AC12-57C40F9178F7}" type="slidenum">
+              <a:rPr lang="en-GB" noProof="1" smtClean="0">
+                <a:solidFill>
+                  <a:srgbClr val="3C3C00"/>
+                </a:solidFill>
+              </a:rPr>
+              <a:pPr/>
+              <a:t>3</a:t>
+            </a:fld>
+            <a:endParaRPr lang="en-GB" noProof="1">
+              <a:solidFill>
+                <a:srgbClr val="3C3C00"/>
+              </a:solidFill>
+            </a:endParaRPr>
+          </a:p>
+        </p:txBody>
+      </p:sp>
       <p:sp>
         <p:nvSpPr>
           <p:cNvPr id="5" name="Titel 4"/>
@@ -20157,18 +19001,11 @@
           <a:lstStyle/>
           <a:p>
             <a:r>
-              <a:rPr lang="en-GB" dirty="0">
-                <a:solidFill>
-                  <a:schemeClr val="tx1"/>
-                </a:solidFill>
-              </a:rPr>
+              <a:rPr lang="en-GB" noProof="1"/>
               <a:t>Swiss Software Engineering: </a:t>
             </a:r>
             <a:r>
               <a:rPr lang="en-GB" b="1" noProof="1">
-                <a:solidFill>
-                  <a:schemeClr val="tx1"/>
-                </a:solidFill>
                 <a:latin typeface="Calibri"/>
                 <a:cs typeface="Calibri"/>
               </a:rPr>
@@ -20193,123 +19030,17 @@
           <a:lstStyle/>
           <a:p>
             <a:fld id="{9F5F539E-0E69-451B-AC12-57C40F9178F7}" type="slidenum">
-              <a:rPr lang="en-GB" smtClean="0">
-                <a:solidFill>
-                  <a:srgbClr val="3C3C00"/>
-                </a:solidFill>
-              </a:rPr>
+              <a:rPr lang="en-GB" smtClean="0"/>
               <a:pPr/>
               <a:t>5</a:t>
             </a:fld>
-            <a:endParaRPr lang="en-GB" dirty="0">
-              <a:solidFill>
-                <a:srgbClr val="3C3C00"/>
-              </a:solidFill>
-            </a:endParaRPr>
-          </a:p>
-        </p:txBody>
-      </p:sp>
-      <p:sp>
-        <p:nvSpPr>
-          <p:cNvPr id="4" name="Inhaltsplatzhalter 3"/>
-          <p:cNvSpPr>
-            <a:spLocks noGrp="1"/>
-          </p:cNvSpPr>
-          <p:nvPr>
-            <p:ph sz="quarter" idx="12"/>
-          </p:nvPr>
-        </p:nvSpPr>
-        <p:spPr>
-          <a:xfrm>
-            <a:off x="250757" y="1262228"/>
-            <a:ext cx="7580810" cy="2268466"/>
-          </a:xfrm>
-        </p:spPr>
-        <p:txBody>
-          <a:bodyPr/>
-          <a:lstStyle/>
-          <a:p>
-            <a:pPr marL="666839" lvl="2" indent="0" fontAlgn="base">
-              <a:buNone/>
-            </a:pPr>
-            <a:r>
-              <a:rPr lang="en-US" dirty="0" err="1"/>
-              <a:t>Qt</a:t>
-            </a:r>
-            <a:r>
-              <a:rPr lang="en-US" dirty="0"/>
-              <a:t> Core adds these features to C++:</a:t>
-            </a:r>
-          </a:p>
-          <a:p>
-            <a:pPr lvl="3" fontAlgn="base"/>
-            <a:r>
-              <a:rPr lang="en-US" dirty="0"/>
-              <a:t>a very powerful mechanism for seamless object communication called signals and slots</a:t>
-            </a:r>
-          </a:p>
-          <a:p>
-            <a:pPr lvl="3" fontAlgn="base"/>
-            <a:r>
-              <a:rPr lang="en-US" dirty="0" err="1"/>
-              <a:t>queryable</a:t>
-            </a:r>
-            <a:r>
-              <a:rPr lang="en-US" dirty="0"/>
-              <a:t> and designable object properties</a:t>
-            </a:r>
-          </a:p>
-          <a:p>
-            <a:pPr lvl="3" fontAlgn="base"/>
-            <a:r>
-              <a:rPr lang="en-US" dirty="0"/>
-              <a:t>hierarchical and </a:t>
-            </a:r>
-            <a:r>
-              <a:rPr lang="en-US" dirty="0" err="1"/>
-              <a:t>queryable</a:t>
-            </a:r>
-            <a:r>
-              <a:rPr lang="en-US" dirty="0"/>
-              <a:t> object trees that organize</a:t>
-            </a:r>
-          </a:p>
-          <a:p>
-            <a:pPr lvl="3" fontAlgn="base"/>
-            <a:r>
-              <a:rPr lang="en-US" dirty="0"/>
-              <a:t>object ownership in a natural way with guarded pointers </a:t>
-            </a:r>
-            <a:endParaRPr lang="en-150" dirty="0" smtClean="0"/>
-          </a:p>
-          <a:p>
-            <a:pPr lvl="3" fontAlgn="base"/>
-            <a:r>
-              <a:rPr lang="en-US" dirty="0" smtClean="0"/>
-              <a:t>a </a:t>
-            </a:r>
-            <a:r>
-              <a:rPr lang="en-US" dirty="0"/>
-              <a:t>dynamic cast that works across library boundaries</a:t>
-            </a:r>
-          </a:p>
-          <a:p>
             <a:endParaRPr lang="en-GB" dirty="0"/>
           </a:p>
-          <a:p>
-            <a:pPr marL="0" indent="0">
-              <a:buNone/>
-            </a:pPr>
-            <a:endParaRPr lang="en-GB" dirty="0"/>
-          </a:p>
-          <a:p>
-            <a:endParaRPr lang="en-GB" dirty="0"/>
-          </a:p>
-        </p:txBody>
-      </p:sp>
-      <p:sp>
-        <p:nvSpPr>
-          <p:cNvPr id="5" name="Titel 4"/>
+        </p:txBody>
+      </p:sp>
+      <p:sp>
+        <p:nvSpPr>
+          <p:cNvPr id="4" name="Titel 3"/>
           <p:cNvSpPr>
             <a:spLocks noGrp="1"/>
           </p:cNvSpPr>
@@ -20331,7 +19062,7 @@
                 <a:ea typeface="Lato Light" panose="020F0502020204030203" pitchFamily="34" charset="0"/>
                 <a:cs typeface="Calibri"/>
               </a:rPr>
-              <a:t>Qt Core Module</a:t>
+              <a:t>How much of C++ do you need to know?</a:t>
             </a:r>
             <a:endParaRPr lang="en-GB" b="1" dirty="0">
               <a:solidFill>
@@ -20346,45 +19077,97 @@
       </p:sp>
       <p:sp>
         <p:nvSpPr>
-          <p:cNvPr id="6" name="Textplatzhalter 5"/>
+          <p:cNvPr id="6" name="Inhaltsplatzhalter 5"/>
           <p:cNvSpPr>
             <a:spLocks noGrp="1"/>
           </p:cNvSpPr>
           <p:nvPr>
-            <p:ph type="body" sz="quarter" idx="13"/>
+            <p:ph sz="quarter" idx="12"/>
           </p:nvPr>
         </p:nvSpPr>
-        <p:spPr/>
+        <p:spPr>
+          <a:xfrm>
+            <a:off x="303058" y="1247775"/>
+            <a:ext cx="8489388" cy="3511385"/>
+          </a:xfrm>
+        </p:spPr>
         <p:txBody>
           <a:bodyPr/>
           <a:lstStyle/>
           <a:p>
-            <a:r>
-              <a:rPr lang="en-150" dirty="0" smtClean="0">
-                <a:solidFill>
-                  <a:schemeClr val="tx1">
-                    <a:lumMod val="60000"/>
-                    <a:lumOff val="40000"/>
-                  </a:schemeClr>
-                </a:solidFill>
-              </a:rPr>
-              <a:t>Core Functionalities</a:t>
-            </a:r>
-            <a:endParaRPr lang="en-GB" dirty="0">
-              <a:solidFill>
-                <a:schemeClr val="tx1">
-                  <a:lumMod val="60000"/>
-                  <a:lumOff val="40000"/>
-                </a:schemeClr>
-              </a:solidFill>
-            </a:endParaRPr>
+            <a:pPr lvl="2"/>
+            <a:r>
+              <a:rPr lang="en-150" b="1" dirty="0" smtClean="0"/>
+              <a:t>Objects and Classes</a:t>
+            </a:r>
+          </a:p>
+          <a:p>
+            <a:pPr marL="1018119" lvl="3" indent="0">
+              <a:buNone/>
+            </a:pPr>
+            <a:r>
+              <a:rPr lang="en-150" b="1" dirty="0" smtClean="0"/>
+              <a:t>Declaring a class, inheritance, calling member functions, etc.</a:t>
+            </a:r>
+            <a:endParaRPr lang="en-GB" b="1" dirty="0"/>
+          </a:p>
+          <a:p>
+            <a:pPr lvl="2"/>
+            <a:r>
+              <a:rPr lang="en-150" i="1" dirty="0" smtClean="0"/>
+              <a:t>Polymorphism</a:t>
+            </a:r>
+          </a:p>
+          <a:p>
+            <a:pPr marL="1018119" lvl="3" indent="0">
+              <a:buNone/>
+            </a:pPr>
+            <a:r>
+              <a:rPr lang="en-150" i="1" dirty="0" smtClean="0"/>
+              <a:t>Virtual Methods</a:t>
+            </a:r>
+          </a:p>
+          <a:p>
+            <a:pPr lvl="2"/>
+            <a:r>
+              <a:rPr lang="en-150" i="1" dirty="0" smtClean="0"/>
+              <a:t>Operator Overloading</a:t>
+            </a:r>
+            <a:endParaRPr lang="en-150" i="1" dirty="0"/>
+          </a:p>
+          <a:p>
+            <a:pPr marL="1018119" lvl="3" indent="0">
+              <a:buNone/>
+            </a:pPr>
+            <a:r>
+              <a:rPr lang="en-150" i="1" dirty="0" smtClean="0"/>
+              <a:t>bool operator == (const Complex&amp; c);</a:t>
+            </a:r>
+            <a:endParaRPr lang="en-150" i="1" dirty="0"/>
+          </a:p>
+          <a:p>
+            <a:pPr lvl="2"/>
+            <a:r>
+              <a:rPr lang="en-150" i="1" dirty="0" smtClean="0"/>
+              <a:t>Templates</a:t>
+            </a:r>
+          </a:p>
+          <a:p>
+            <a:pPr marL="1018119" lvl="3" indent="0">
+              <a:buNone/>
+            </a:pPr>
+            <a:r>
+              <a:rPr lang="en-150" i="1" dirty="0" smtClean="0"/>
+              <a:t>Limited to the container and concurrent classes</a:t>
+            </a:r>
+            <a:endParaRPr lang="en-150" i="1" dirty="0"/>
           </a:p>
         </p:txBody>
       </p:sp>
     </p:spTree>
     <p:extLst>
       <p:ext uri="{BB962C8B-B14F-4D97-AF65-F5344CB8AC3E}">
-        <p14:creationId xmlns:p14="http://schemas.microsoft.com/office/powerpoint/2010/main" val="1339975673"/>
+        <p14:creationId xmlns:p14="http://schemas.microsoft.com/office/powerpoint/2010/main" val="2151758909"/>
       </p:ext>
     </p:extLst>
   </p:cSld>
@@ -20487,7 +19270,7 @@
           <a:lstStyle/>
           <a:p>
             <a:r>
-              <a:rPr lang="en-150" b="1" dirty="0">
+              <a:rPr lang="en-150" b="1" dirty="0" smtClean="0">
                 <a:solidFill>
                   <a:srgbClr val="242F78"/>
                 </a:solidFill>
@@ -20495,7 +19278,29 @@
                 <a:ea typeface="Lato Light" panose="020F0502020204030203" pitchFamily="34" charset="0"/>
                 <a:cs typeface="Calibri"/>
               </a:rPr>
-              <a:t>How much of C++ do you need to know?</a:t>
+              <a:t>Qt </a:t>
+            </a:r>
+            <a:r>
+              <a:rPr lang="en-150" b="1" smtClean="0">
+                <a:solidFill>
+                  <a:srgbClr val="242F78"/>
+                </a:solidFill>
+                <a:latin typeface="Calibri"/>
+                <a:ea typeface="Lato Light" panose="020F0502020204030203" pitchFamily="34" charset="0"/>
+                <a:cs typeface="Calibri"/>
+              </a:rPr>
+              <a:t>Core - </a:t>
+            </a:r>
+            <a:r>
+              <a:rPr lang="en-150" b="1" dirty="0" smtClean="0">
+                <a:solidFill>
+                  <a:srgbClr val="242F78"/>
+                </a:solidFill>
+                <a:latin typeface="Calibri"/>
+                <a:ea typeface="Lato Light" panose="020F0502020204030203" pitchFamily="34" charset="0"/>
+                <a:cs typeface="Calibri"/>
+              </a:rPr>
+              <a:t>QObject</a:t>
             </a:r>
             <a:endParaRPr lang="en-GB" b="1" dirty="0">
               <a:solidFill>
@@ -20521,86 +19326,210 @@
         <p:spPr>
           <a:xfrm>
             <a:off x="303058" y="1247775"/>
-            <a:ext cx="8489388" cy="3511385"/>
+            <a:ext cx="7523130" cy="3511385"/>
           </a:xfrm>
         </p:spPr>
         <p:txBody>
           <a:bodyPr/>
           <a:lstStyle/>
           <a:p>
-            <a:pPr lvl="2"/>
-            <a:r>
-              <a:rPr lang="en-150" dirty="0" smtClean="0"/>
-              <a:t>Objects and Classes</a:t>
-            </a:r>
-          </a:p>
-          <a:p>
-            <a:pPr marL="1018119" lvl="3" indent="0">
+            <a:pPr marL="0" lvl="2" indent="0">
               <a:buNone/>
             </a:pPr>
             <a:r>
+              <a:rPr lang="en-150" b="1" dirty="0" smtClean="0">
+                <a:solidFill>
+                  <a:srgbClr val="990099"/>
+                </a:solidFill>
+              </a:rPr>
+              <a:t>QObject </a:t>
+            </a:r>
+            <a:r>
               <a:rPr lang="en-150" dirty="0" smtClean="0"/>
-              <a:t>Declaring a class, inheritance, calling member functions, etc.</a:t>
-            </a:r>
-            <a:endParaRPr lang="en-GB" dirty="0"/>
-          </a:p>
-          <a:p>
-            <a:pPr lvl="2"/>
+              <a:t>is the most basic class in Qt and provides some very powerful capabilities like:</a:t>
+            </a:r>
+          </a:p>
+          <a:p>
+            <a:pPr marL="338183" lvl="4" indent="0">
+              <a:buFont typeface="Arial" panose="020B0604020202020204" pitchFamily="34" charset="0"/>
+              <a:buChar char="•"/>
+            </a:pPr>
             <a:r>
               <a:rPr lang="en-150" dirty="0" smtClean="0"/>
-              <a:t>Polymorphism</a:t>
-            </a:r>
-          </a:p>
-          <a:p>
-            <a:pPr marL="1018119" lvl="3" indent="0">
+              <a:t>object name: you can set a name, as a string, to an object and search for objects by names.</a:t>
+            </a:r>
+          </a:p>
+          <a:p>
+            <a:pPr marL="338183" lvl="4" indent="0">
+              <a:buFont typeface="Arial" panose="020B0604020202020204" pitchFamily="34" charset="0"/>
+              <a:buChar char="•"/>
+            </a:pPr>
+            <a:r>
+              <a:rPr lang="en-150" dirty="0" smtClean="0"/>
+              <a:t>parenting sytem: next topics</a:t>
+            </a:r>
+          </a:p>
+          <a:p>
+            <a:pPr marL="338183" lvl="4" indent="0">
+              <a:buFont typeface="Arial" panose="020B0604020202020204" pitchFamily="34" charset="0"/>
+              <a:buChar char="•"/>
+            </a:pPr>
+            <a:r>
+              <a:rPr lang="en-150" dirty="0" smtClean="0"/>
+              <a:t>Signals and Slots: </a:t>
+            </a:r>
+            <a:r>
+              <a:rPr lang="en-150" dirty="0"/>
+              <a:t>next topics</a:t>
+            </a:r>
+            <a:endParaRPr lang="en-150" dirty="0" smtClean="0"/>
+          </a:p>
+          <a:p>
+            <a:pPr marL="338183" lvl="4" indent="0">
+              <a:buFont typeface="Arial" panose="020B0604020202020204" pitchFamily="34" charset="0"/>
+              <a:buChar char="•"/>
+            </a:pPr>
+            <a:r>
+              <a:rPr lang="en-150" dirty="0" smtClean="0"/>
+              <a:t>Event Management</a:t>
+            </a:r>
+          </a:p>
+          <a:p>
+            <a:pPr marL="0" lvl="3" indent="0">
+              <a:buFont typeface="Arial" panose="020B0604020202020204" pitchFamily="34" charset="0"/>
+              <a:buChar char="•"/>
+            </a:pPr>
+            <a:endParaRPr lang="en-150" b="1" dirty="0">
+              <a:solidFill>
+                <a:srgbClr val="990099"/>
+              </a:solidFill>
+            </a:endParaRPr>
+          </a:p>
+          <a:p>
+            <a:pPr marL="0" lvl="3" indent="0">
               <a:buNone/>
             </a:pPr>
             <a:r>
+              <a:rPr lang="en-150" b="1" dirty="0" smtClean="0">
+                <a:solidFill>
+                  <a:srgbClr val="990099"/>
+                </a:solidFill>
+              </a:rPr>
+              <a:t>QObject </a:t>
+            </a:r>
+            <a:r>
               <a:rPr lang="en-150" dirty="0" smtClean="0"/>
-              <a:t>Virtual Methods</a:t>
-            </a:r>
-          </a:p>
-          <a:p>
-            <a:pPr lvl="2"/>
-            <a:r>
-              <a:rPr lang="en-150" dirty="0" smtClean="0"/>
-              <a:t>Operator Overloading</a:t>
-            </a:r>
-            <a:endParaRPr lang="en-150" dirty="0"/>
-          </a:p>
-          <a:p>
-            <a:pPr marL="1018119" lvl="3" indent="0">
+              <a:t>has no image representation.</a:t>
+            </a:r>
+          </a:p>
+          <a:p>
+            <a:pPr marL="0" lvl="3" indent="0">
               <a:buNone/>
             </a:pPr>
             <a:r>
               <a:rPr lang="en-150" dirty="0" smtClean="0"/>
-              <a:t>bool operator == (const Complex&amp; c);</a:t>
-            </a:r>
-            <a:endParaRPr lang="en-150" dirty="0"/>
-          </a:p>
-          <a:p>
-            <a:pPr lvl="2"/>
-            <a:r>
-              <a:rPr lang="en-150" dirty="0" smtClean="0"/>
-              <a:t>Templates</a:t>
-            </a:r>
-          </a:p>
-          <a:p>
-            <a:pPr marL="1018119" lvl="3" indent="0">
+              <a:t>It’s used as a base class for most of the classes in Qt.</a:t>
+            </a:r>
+          </a:p>
+          <a:p>
+            <a:pPr marL="0" lvl="3" indent="0">
               <a:buNone/>
             </a:pPr>
             <a:r>
               <a:rPr lang="en-150" dirty="0" smtClean="0"/>
-              <a:t>Limited to the container and concurrent classes</a:t>
+              <a:t>Macro </a:t>
+            </a:r>
+            <a:r>
+              <a:rPr lang="en-150" b="1" dirty="0" smtClean="0"/>
+              <a:t>Q_OBJECT</a:t>
+            </a:r>
+            <a:r>
+              <a:rPr lang="en-150" dirty="0" smtClean="0"/>
+              <a:t> needs to be used on the header of a </a:t>
+            </a:r>
+          </a:p>
+          <a:p>
+            <a:pPr marL="0" lvl="3" indent="0">
+              <a:buNone/>
+            </a:pPr>
+            <a:r>
+              <a:rPr lang="en-150" dirty="0" smtClean="0"/>
+              <a:t>class that inherits </a:t>
+            </a:r>
+            <a:r>
+              <a:rPr lang="en-150" b="1" dirty="0">
+                <a:solidFill>
+                  <a:srgbClr val="990099"/>
+                </a:solidFill>
+              </a:rPr>
+              <a:t>QObject</a:t>
+            </a:r>
+            <a:r>
+              <a:rPr lang="en-150" dirty="0" smtClean="0"/>
+              <a:t>.</a:t>
             </a:r>
             <a:endParaRPr lang="en-150" dirty="0"/>
           </a:p>
-        </p:txBody>
-      </p:sp>
+          <a:p>
+            <a:pPr marL="342945" lvl="1" indent="0">
+              <a:buNone/>
+            </a:pPr>
+            <a:r>
+              <a:rPr lang="en-150" dirty="0" smtClean="0"/>
+              <a:t>	</a:t>
+            </a:r>
+            <a:r>
+              <a:rPr lang="en-150" dirty="0"/>
+              <a:t>	</a:t>
+            </a:r>
+          </a:p>
+        </p:txBody>
+      </p:sp>
+      <p:pic>
+        <p:nvPicPr>
+          <p:cNvPr id="5124" name="Picture 4" descr="Beginner-Class-Hierarchy.jpg"/>
+          <p:cNvPicPr>
+            <a:picLocks noChangeAspect="1" noChangeArrowheads="1"/>
+          </p:cNvPicPr>
+          <p:nvPr/>
+        </p:nvPicPr>
+        <p:blipFill>
+          <a:blip r:embed="rId3">
+            <a:extLst>
+              <a:ext uri="{28A0092B-C50C-407E-A947-70E740481C1C}">
+                <a14:useLocalDpi xmlns:a14="http://schemas.microsoft.com/office/drawing/2010/main" val="0"/>
+              </a:ext>
+            </a:extLst>
+          </a:blip>
+          <a:srcRect/>
+          <a:stretch>
+            <a:fillRect/>
+          </a:stretch>
+        </p:blipFill>
+        <p:spPr bwMode="auto">
+          <a:xfrm>
+            <a:off x="4520410" y="1957891"/>
+            <a:ext cx="4030096" cy="2405361"/>
+          </a:xfrm>
+          <a:prstGeom prst="rect">
+            <a:avLst/>
+          </a:prstGeom>
+          <a:noFill/>
+          <a:extLst>
+            <a:ext uri="{909E8E84-426E-40DD-AFC4-6F175D3DCCD1}">
+              <a14:hiddenFill xmlns:a14="http://schemas.microsoft.com/office/drawing/2010/main">
+                <a:solidFill>
+                  <a:srgbClr val="FFFFFF"/>
+                </a:solidFill>
+              </a14:hiddenFill>
+            </a:ext>
+          </a:extLst>
+        </p:spPr>
+      </p:pic>
     </p:spTree>
     <p:extLst>
       <p:ext uri="{BB962C8B-B14F-4D97-AF65-F5344CB8AC3E}">
-        <p14:creationId xmlns:p14="http://schemas.microsoft.com/office/powerpoint/2010/main" val="2151758909"/>
+        <p14:creationId xmlns:p14="http://schemas.microsoft.com/office/powerpoint/2010/main" val="1865239314"/>
       </p:ext>
     </p:extLst>
   </p:cSld>
@@ -20711,7 +19640,7 @@
                 <a:ea typeface="Lato Light" panose="020F0502020204030203" pitchFamily="34" charset="0"/>
                 <a:cs typeface="Calibri"/>
               </a:rPr>
-              <a:t>Qt’s C++ Object Model - QObject</a:t>
+              <a:t>Parenting System</a:t>
             </a:r>
             <a:endParaRPr lang="en-GB" b="1" dirty="0">
               <a:solidFill>
@@ -20736,136 +19665,104 @@
         </p:nvSpPr>
         <p:spPr>
           <a:xfrm>
-            <a:off x="303058" y="1247775"/>
-            <a:ext cx="7523130" cy="3511385"/>
+            <a:off x="3244967" y="907123"/>
+            <a:ext cx="5473006" cy="3668239"/>
           </a:xfrm>
         </p:spPr>
         <p:txBody>
           <a:bodyPr/>
           <a:lstStyle/>
           <a:p>
-            <a:pPr marL="0" lvl="2" indent="0">
+            <a:pPr marL="329847" lvl="1" indent="0">
               <a:buNone/>
             </a:pPr>
             <a:r>
-              <a:rPr lang="en-150" b="1" dirty="0" smtClean="0">
+              <a:rPr lang="en-US" dirty="0"/>
+              <a:t>Any object that inherits from </a:t>
+            </a:r>
+            <a:r>
+              <a:rPr lang="en-150" b="1" dirty="0">
                 <a:solidFill>
                   <a:srgbClr val="990099"/>
                 </a:solidFill>
               </a:rPr>
-              <a:t>QObject </a:t>
-            </a:r>
-            <a:r>
-              <a:rPr lang="en-150" dirty="0" smtClean="0"/>
-              <a:t>is the most basic class in Qt and provides some very powerful capabilities like:</a:t>
-            </a:r>
-          </a:p>
-          <a:p>
-            <a:pPr marL="338183" lvl="4" indent="0">
-              <a:buFont typeface="Arial" panose="020B0604020202020204" pitchFamily="34" charset="0"/>
-              <a:buChar char="•"/>
-            </a:pPr>
-            <a:r>
-              <a:rPr lang="en-150" dirty="0" smtClean="0"/>
-              <a:t>object name: you can set a name, as a string, to an object and search for objects by names.</a:t>
-            </a:r>
-          </a:p>
-          <a:p>
-            <a:pPr marL="338183" lvl="4" indent="0">
-              <a:buFont typeface="Arial" panose="020B0604020202020204" pitchFamily="34" charset="0"/>
-              <a:buChar char="•"/>
-            </a:pPr>
-            <a:r>
-              <a:rPr lang="en-150" dirty="0" smtClean="0"/>
-              <a:t>parenting sytem: next topics</a:t>
-            </a:r>
-          </a:p>
-          <a:p>
-            <a:pPr marL="338183" lvl="4" indent="0">
-              <a:buFont typeface="Arial" panose="020B0604020202020204" pitchFamily="34" charset="0"/>
-              <a:buChar char="•"/>
-            </a:pPr>
-            <a:r>
-              <a:rPr lang="en-150" dirty="0" smtClean="0"/>
-              <a:t>Signals and Slots: </a:t>
-            </a:r>
-            <a:r>
-              <a:rPr lang="en-150" dirty="0"/>
-              <a:t>next topics</a:t>
+              <a:t> QObject </a:t>
+            </a:r>
+            <a:r>
+              <a:rPr lang="en-US" dirty="0"/>
+              <a:t> can have a parent and children. This hierarchy tree makes many things convenient</a:t>
+            </a:r>
+            <a:r>
+              <a:rPr lang="en-US" dirty="0" smtClean="0"/>
+              <a:t>:</a:t>
             </a:r>
             <a:endParaRPr lang="en-150" dirty="0" smtClean="0"/>
           </a:p>
           <a:p>
-            <a:pPr marL="338183" lvl="4" indent="0">
-              <a:buFont typeface="Arial" panose="020B0604020202020204" pitchFamily="34" charset="0"/>
-              <a:buChar char="•"/>
-            </a:pPr>
-            <a:r>
-              <a:rPr lang="en-150" dirty="0" smtClean="0"/>
-              <a:t>Event Management</a:t>
-            </a:r>
-          </a:p>
-          <a:p>
-            <a:pPr marL="0" lvl="3" indent="0">
-              <a:buFont typeface="Arial" panose="020B0604020202020204" pitchFamily="34" charset="0"/>
-              <a:buChar char="•"/>
-            </a:pPr>
-            <a:endParaRPr lang="en-150" b="1" dirty="0">
-              <a:solidFill>
-                <a:srgbClr val="990099"/>
-              </a:solidFill>
-            </a:endParaRPr>
-          </a:p>
-          <a:p>
-            <a:pPr marL="0" lvl="3" indent="0">
+            <a:pPr marL="329847" lvl="1" indent="0">
               <a:buNone/>
             </a:pPr>
+            <a:endParaRPr lang="en-US" dirty="0"/>
+          </a:p>
+          <a:p>
+            <a:pPr lvl="2"/>
+            <a:r>
+              <a:rPr lang="en-US" dirty="0"/>
+              <a:t>When an object is destroyed, all of its children are destroyed as well. So, calling </a:t>
+            </a:r>
+            <a:r>
+              <a:rPr lang="en-US" i="1" dirty="0"/>
+              <a:t>delete</a:t>
+            </a:r>
+            <a:r>
+              <a:rPr lang="en-US" dirty="0"/>
+              <a:t> becomes optional in certain cases.</a:t>
+            </a:r>
+          </a:p>
+          <a:p>
+            <a:pPr lvl="2"/>
+            <a:r>
+              <a:rPr lang="en-US" dirty="0"/>
+              <a:t>All </a:t>
+            </a:r>
             <a:r>
               <a:rPr lang="en-150" b="1" dirty="0" smtClean="0">
                 <a:solidFill>
                   <a:srgbClr val="990099"/>
                 </a:solidFill>
               </a:rPr>
-              <a:t>QObject </a:t>
-            </a:r>
-            <a:r>
-              <a:rPr lang="en-150" dirty="0" smtClean="0"/>
-              <a:t>has no image representation.</a:t>
-            </a:r>
-          </a:p>
-          <a:p>
-            <a:pPr marL="0" lvl="3" indent="0">
-              <a:buNone/>
-            </a:pPr>
-            <a:r>
-              <a:rPr lang="en-150" dirty="0" smtClean="0"/>
-              <a:t>It’s used as a base class for most of the classes in Qt.</a:t>
-            </a:r>
-          </a:p>
-          <a:p>
-            <a:pPr marL="0" lvl="3" indent="0">
-              <a:buNone/>
-            </a:pPr>
-            <a:r>
-              <a:rPr lang="en-150" dirty="0" smtClean="0"/>
-              <a:t>Macro </a:t>
-            </a:r>
-            <a:r>
-              <a:rPr lang="en-150" b="1" dirty="0" smtClean="0"/>
-              <a:t>Q_OBJECT</a:t>
-            </a:r>
-            <a:r>
-              <a:rPr lang="en-150" dirty="0" smtClean="0"/>
-              <a:t> needs to be used on the header of a </a:t>
-            </a:r>
-          </a:p>
-          <a:p>
-            <a:pPr marL="0" lvl="3" indent="0">
-              <a:buNone/>
-            </a:pPr>
-            <a:r>
-              <a:rPr lang="en-150" dirty="0" smtClean="0"/>
-              <a:t>class that inherits </a:t>
+              <a:t>QObjects</a:t>
+            </a:r>
+            <a:r>
+              <a:rPr lang="en-US" dirty="0" smtClean="0"/>
+              <a:t> </a:t>
+            </a:r>
+            <a:r>
+              <a:rPr lang="en-US" dirty="0"/>
+              <a:t>have </a:t>
+            </a:r>
+            <a:r>
+              <a:rPr lang="en-US" i="1" dirty="0" err="1"/>
+              <a:t>findChild</a:t>
+            </a:r>
+            <a:r>
+              <a:rPr lang="en-US" dirty="0"/>
+              <a:t> and </a:t>
+            </a:r>
+            <a:r>
+              <a:rPr lang="en-US" i="1" dirty="0" err="1"/>
+              <a:t>findChildren</a:t>
+            </a:r>
+            <a:r>
+              <a:rPr lang="en-US" dirty="0"/>
+              <a:t> methods that can be used to search for children of a given object.</a:t>
+            </a:r>
+          </a:p>
+          <a:p>
+            <a:pPr lvl="2"/>
+            <a:r>
+              <a:rPr lang="en-US" dirty="0"/>
+              <a:t>Child widgets in a </a:t>
             </a:r>
             <a:r>
               <a:rPr lang="en-150" b="1" dirty="0">
@@ -20873,32 +19770,58 @@
                   <a:srgbClr val="990099"/>
                 </a:solidFill>
               </a:rPr>
+              <a:t> </a:t>
+            </a:r>
+            <a:r>
+              <a:rPr lang="en-150" b="1" dirty="0" smtClean="0">
+                <a:solidFill>
+                  <a:srgbClr val="990099"/>
+                </a:solidFill>
+              </a:rPr>
+              <a:t>QWidget</a:t>
+            </a:r>
+            <a:r>
+              <a:rPr lang="en-US" dirty="0"/>
+              <a:t> automatically appear inside the parent widget.</a:t>
+            </a:r>
+          </a:p>
+          <a:p>
+            <a:pPr lvl="2"/>
+            <a:r>
+              <a:rPr lang="en-150" dirty="0"/>
+              <a:t>T</a:t>
+            </a:r>
+            <a:r>
+              <a:rPr lang="en-US" dirty="0"/>
+              <a:t>he child of a</a:t>
+            </a:r>
+            <a:r>
+              <a:rPr lang="en-US" i="1" dirty="0"/>
+              <a:t> </a:t>
+            </a:r>
+            <a:r>
+              <a:rPr lang="en-150" b="1" dirty="0">
+                <a:solidFill>
+                  <a:srgbClr val="990099"/>
+                </a:solidFill>
+              </a:rPr>
               <a:t>QObject</a:t>
             </a:r>
             <a:r>
-              <a:rPr lang="en-150" dirty="0" smtClean="0"/>
-              <a:t>.</a:t>
+              <a:rPr lang="en-US" i="1" dirty="0"/>
+              <a:t> </a:t>
+            </a:r>
+            <a:r>
+              <a:rPr lang="en-US" dirty="0"/>
+              <a:t>must always be created in the thread where the parent was created.</a:t>
             </a:r>
             <a:endParaRPr lang="en-150" dirty="0"/>
-          </a:p>
-          <a:p>
-            <a:pPr marL="342945" lvl="1" indent="0">
-              <a:buNone/>
-            </a:pPr>
-            <a:r>
-              <a:rPr lang="en-150" dirty="0" smtClean="0"/>
-              <a:t>	</a:t>
-            </a:r>
-            <a:r>
-              <a:rPr lang="en-150" dirty="0"/>
-              <a:t>	</a:t>
-            </a:r>
           </a:p>
         </p:txBody>
       </p:sp>
       <p:pic>
         <p:nvPicPr>
-          <p:cNvPr id="5124" name="Picture 4" descr="Beginner-Class-Hierarchy.jpg"/>
+          <p:cNvPr id="1026" name="Picture 2" descr="Image 2"/>
           <p:cNvPicPr>
             <a:picLocks noChangeAspect="1" noChangeArrowheads="1"/>
           </p:cNvPicPr>
@@ -20919,8 +19842,49 @@
         </p:blipFill>
         <p:spPr bwMode="auto">
           <a:xfrm>
-            <a:off x="4520410" y="1957891"/>
-            <a:ext cx="4030096" cy="2405361"/>
+            <a:off x="534843" y="1177022"/>
+            <a:ext cx="2634385" cy="1485794"/>
+          </a:xfrm>
+          <a:prstGeom prst="rect">
+            <a:avLst/>
+          </a:prstGeom>
+          <a:noFill/>
+          <a:extLst>
+            <a:ext uri="{909E8E84-426E-40DD-AFC4-6F175D3DCCD1}">
+              <a14:hiddenFill xmlns:a14="http://schemas.microsoft.com/office/drawing/2010/main">
+                <a:solidFill>
+                  <a:srgbClr val="FFFFFF"/>
+                </a:solidFill>
+              </a14:hiddenFill>
+            </a:ext>
+          </a:extLst>
+        </p:spPr>
+      </p:pic>
+      <p:pic>
+        <p:nvPicPr>
+          <p:cNvPr id="1028" name="Picture 4" descr="Image 3"/>
+          <p:cNvPicPr>
+            <a:picLocks noChangeAspect="1" noChangeArrowheads="1"/>
+          </p:cNvPicPr>
+          <p:nvPr/>
+        </p:nvPicPr>
+        <p:blipFill>
+          <a:blip r:embed="rId4" cstate="print">
+            <a:extLst>
+              <a:ext uri="{28A0092B-C50C-407E-A947-70E740481C1C}">
+                <a14:useLocalDpi xmlns:a14="http://schemas.microsoft.com/office/drawing/2010/main" val="0"/>
+              </a:ext>
+            </a:extLst>
+          </a:blip>
+          <a:srcRect/>
+          <a:stretch>
+            <a:fillRect/>
+          </a:stretch>
+        </p:blipFill>
+        <p:spPr bwMode="auto">
+          <a:xfrm>
+            <a:off x="758248" y="3118761"/>
+            <a:ext cx="1995343" cy="1456601"/>
           </a:xfrm>
           <a:prstGeom prst="rect">
             <a:avLst/>
@@ -20940,7 +19904,7 @@
     </p:spTree>
     <p:extLst>
       <p:ext uri="{BB962C8B-B14F-4D97-AF65-F5344CB8AC3E}">
-        <p14:creationId xmlns:p14="http://schemas.microsoft.com/office/powerpoint/2010/main" val="1865239314"/>
+        <p14:creationId xmlns:p14="http://schemas.microsoft.com/office/powerpoint/2010/main" val="134069293"/>
       </p:ext>
     </p:extLst>
   </p:cSld>
@@ -21051,7 +20015,7 @@
                 <a:ea typeface="Lato Light" panose="020F0502020204030203" pitchFamily="34" charset="0"/>
                 <a:cs typeface="Calibri"/>
               </a:rPr>
-              <a:t>Parenting System</a:t>
+              <a:t>Observer Pattern</a:t>
             </a:r>
             <a:endParaRPr lang="en-GB" b="1" dirty="0">
               <a:solidFill>
@@ -21076,62 +20040,66 @@
         </p:nvSpPr>
         <p:spPr>
           <a:xfrm>
-            <a:off x="303058" y="1247775"/>
-            <a:ext cx="8489388" cy="3511385"/>
+            <a:off x="192795" y="941294"/>
+            <a:ext cx="8675783" cy="3779434"/>
           </a:xfrm>
         </p:spPr>
         <p:txBody>
           <a:bodyPr/>
           <a:lstStyle/>
           <a:p>
-            <a:pPr marL="329847" lvl="1" indent="0">
+            <a:pPr marL="4486275" lvl="7" indent="0">
               <a:buNone/>
             </a:pPr>
             <a:r>
               <a:rPr lang="en-US" dirty="0"/>
-              <a:t>Any object that inherits from </a:t>
-            </a:r>
-            <a:r>
-              <a:rPr lang="en-150" b="1" dirty="0">
-                <a:solidFill>
-                  <a:srgbClr val="990099"/>
-                </a:solidFill>
-              </a:rPr>
-              <a:t> QObject </a:t>
+              <a:t>Observer pattern is used when an </a:t>
+            </a:r>
+            <a:r>
+              <a:rPr lang="en-US" i="1" dirty="0"/>
+              <a:t>observable</a:t>
             </a:r>
             <a:r>
               <a:rPr lang="en-US" dirty="0"/>
-              <a:t> can have a parent and children. This hierarchy tree makes many things convenient:</a:t>
-            </a:r>
-          </a:p>
-          <a:p>
-            <a:pPr lvl="2"/>
+              <a:t> object wants to notify other </a:t>
+            </a:r>
+            <a:r>
+              <a:rPr lang="en-US" i="1" dirty="0"/>
+              <a:t>observers</a:t>
+            </a:r>
             <a:r>
               <a:rPr lang="en-US" dirty="0"/>
-              <a:t>When an object is destroyed, all of its children are destroyed as well. So, calling </a:t>
-            </a:r>
-            <a:r>
-              <a:rPr lang="en-US" i="1" dirty="0"/>
-              <a:t>delete</a:t>
+              <a:t> objects about a state change. Here are some concrete examples</a:t>
+            </a:r>
+            <a:r>
+              <a:rPr lang="en-US" dirty="0" smtClean="0"/>
+              <a:t>:</a:t>
+            </a:r>
+            <a:endParaRPr lang="en-150" dirty="0" smtClean="0"/>
+          </a:p>
+          <a:p>
+            <a:pPr marL="4486275" lvl="7" indent="0">
+              <a:buNone/>
+            </a:pPr>
+            <a:endParaRPr lang="en-US" dirty="0"/>
+          </a:p>
+          <a:p>
+            <a:pPr marL="4486275" lvl="8" indent="0"/>
+            <a:r>
+              <a:rPr lang="en-150" dirty="0" smtClean="0"/>
+              <a:t>A click button triggers </a:t>
+            </a:r>
+            <a:r>
+              <a:rPr lang="en-US" dirty="0" smtClean="0"/>
+              <a:t>a </a:t>
             </a:r>
             <a:r>
               <a:rPr lang="en-US" dirty="0"/>
-              <a:t> becomes optional in certain cases.</a:t>
-            </a:r>
-          </a:p>
-          <a:p>
-            <a:pPr lvl="2"/>
-            <a:r>
-              <a:rPr lang="en-US" dirty="0"/>
-              <a:t>All </a:t>
-            </a:r>
-            <a:r>
-              <a:rPr lang="en-150" b="1" dirty="0" smtClean="0">
-                <a:solidFill>
-                  <a:srgbClr val="990099"/>
-                </a:solidFill>
-              </a:rPr>
-              <a:t>QObjects</a:t>
+              <a:t>menu </a:t>
+            </a:r>
+            <a:r>
+              <a:rPr lang="en-150" dirty="0" smtClean="0"/>
+              <a:t>to</a:t>
             </a:r>
             <a:r>
               <a:rPr lang="en-US" dirty="0" smtClean="0"/>
@@ -21139,90 +20107,208 @@
             </a:r>
             <a:r>
               <a:rPr lang="en-US" dirty="0"/>
-              <a:t>have </a:t>
-            </a:r>
-            <a:r>
-              <a:rPr lang="en-US" i="1" dirty="0" err="1"/>
-              <a:t>findChild</a:t>
+              <a:t>be displayed.</a:t>
+            </a:r>
+          </a:p>
+          <a:p>
+            <a:pPr marL="4486275" lvl="8" indent="0"/>
+            <a:r>
+              <a:rPr lang="en-150" dirty="0" smtClean="0"/>
+              <a:t> When a web page is completely loaded, a processor class is notified to </a:t>
+            </a:r>
+            <a:r>
+              <a:rPr lang="en-US" dirty="0" smtClean="0"/>
+              <a:t>extract </a:t>
             </a:r>
             <a:r>
               <a:rPr lang="en-US" dirty="0"/>
-              <a:t> and </a:t>
-            </a:r>
-            <a:r>
-              <a:rPr lang="en-US" i="1" dirty="0" err="1"/>
-              <a:t>findChildren</a:t>
-            </a:r>
+              <a:t>some information from this loaded page</a:t>
+            </a:r>
+            <a:r>
+              <a:rPr lang="en-US" dirty="0" smtClean="0"/>
+              <a:t>.</a:t>
+            </a:r>
+            <a:endParaRPr lang="en-150" dirty="0" smtClean="0"/>
+          </a:p>
+          <a:p>
+            <a:pPr marL="4486275" lvl="8" indent="0"/>
+            <a:endParaRPr lang="en-150" dirty="0"/>
+          </a:p>
+          <a:p>
+            <a:pPr marL="4486275" lvl="8" indent="0"/>
+            <a:endParaRPr lang="en-US" dirty="0"/>
+          </a:p>
+          <a:p>
+            <a:pPr marL="0" indent="0">
+              <a:buNone/>
+            </a:pPr>
             <a:r>
               <a:rPr lang="en-US" dirty="0"/>
-              <a:t> methods that can be used to search for children of a given object.</a:t>
-            </a:r>
-          </a:p>
-          <a:p>
-            <a:pPr lvl="2"/>
-            <a:r>
+              <a:t/>
+            </a:r>
+            <a:br>
               <a:rPr lang="en-US" dirty="0"/>
-              <a:t>Child widgets in a </a:t>
-            </a:r>
-            <a:r>
-              <a:rPr lang="en-150" b="1" dirty="0">
-                <a:solidFill>
-                  <a:srgbClr val="990099"/>
-                </a:solidFill>
-              </a:rPr>
+            </a:br>
+            <a:r>
+              <a:rPr lang="en-US" dirty="0"/>
+              <a:t>Observer pattern is used </a:t>
+            </a:r>
+            <a:r>
+              <a:rPr lang="en-150" dirty="0" smtClean="0"/>
+              <a:t>extensively</a:t>
+            </a:r>
+            <a:r>
+              <a:rPr lang="en-US" dirty="0" smtClean="0"/>
               <a:t> </a:t>
             </a:r>
             <a:r>
-              <a:rPr lang="en-150" b="1" dirty="0" smtClean="0">
-                <a:solidFill>
-                  <a:srgbClr val="990099"/>
-                </a:solidFill>
-              </a:rPr>
-              <a:t>QWidget</a:t>
-            </a:r>
-            <a:r>
               <a:rPr lang="en-US" dirty="0"/>
-              <a:t> automatically appear inside the parent widget.</a:t>
-            </a:r>
-          </a:p>
-          <a:p>
-            <a:pPr lvl="2"/>
+              <a:t>in GUI applications, and often leads to </a:t>
+            </a:r>
+            <a:r>
+              <a:rPr lang="en-US" dirty="0" smtClean="0"/>
+              <a:t>some</a:t>
+            </a:r>
+            <a:r>
+              <a:rPr lang="en-150" dirty="0" smtClean="0"/>
+              <a:t> repetitive </a:t>
+            </a:r>
+            <a:r>
+              <a:rPr lang="en-150" dirty="0" smtClean="0"/>
+              <a:t>code. </a:t>
+            </a:r>
+          </a:p>
+          <a:p>
+            <a:pPr marL="0" indent="0">
+              <a:buNone/>
+            </a:pPr>
+            <a:r>
+              <a:rPr lang="en-US" dirty="0" err="1" smtClean="0"/>
+              <a:t>Qt</a:t>
+            </a:r>
+            <a:r>
+              <a:rPr lang="en-US" dirty="0" smtClean="0"/>
+              <a:t> </a:t>
+            </a:r>
+            <a:r>
+              <a:rPr lang="en-US" dirty="0"/>
+              <a:t>was created with the idea of removing this </a:t>
+            </a:r>
+            <a:r>
+              <a:rPr lang="en-150" dirty="0" smtClean="0"/>
+              <a:t>spaghetti</a:t>
+            </a:r>
+            <a:r>
+              <a:rPr lang="en-US" dirty="0" smtClean="0"/>
+              <a:t> </a:t>
+            </a:r>
+            <a:r>
+              <a:rPr lang="en-US" dirty="0"/>
+              <a:t>code and </a:t>
+            </a:r>
+            <a:r>
+              <a:rPr lang="en-US" dirty="0" err="1" smtClean="0"/>
+              <a:t>provid</a:t>
+            </a:r>
+            <a:r>
+              <a:rPr lang="en-150" dirty="0" smtClean="0"/>
+              <a:t>e</a:t>
+            </a:r>
+            <a:r>
+              <a:rPr lang="en-US" dirty="0" smtClean="0"/>
+              <a:t> </a:t>
+            </a:r>
+            <a:r>
+              <a:rPr lang="en-US" dirty="0"/>
+              <a:t>a nice and clean </a:t>
+            </a:r>
+            <a:r>
+              <a:rPr lang="en-US" dirty="0" smtClean="0"/>
+              <a:t>syntax</a:t>
+            </a:r>
+            <a:r>
+              <a:rPr lang="en-150" dirty="0" smtClean="0"/>
+              <a:t>.</a:t>
+            </a:r>
+            <a:r>
+              <a:rPr lang="en-US" dirty="0" smtClean="0"/>
+              <a:t> </a:t>
+            </a:r>
+            <a:endParaRPr lang="en-150" dirty="0" smtClean="0"/>
+          </a:p>
+          <a:p>
+            <a:pPr marL="0" indent="0">
+              <a:buNone/>
+            </a:pPr>
             <a:r>
               <a:rPr lang="en-150" dirty="0"/>
               <a:t>T</a:t>
             </a:r>
             <a:r>
+              <a:rPr lang="en-US" dirty="0" smtClean="0"/>
+              <a:t>he </a:t>
+            </a:r>
+            <a:r>
               <a:rPr lang="en-US" dirty="0"/>
-              <a:t>he child of a</a:t>
-            </a:r>
-            <a:r>
-              <a:rPr lang="en-US" i="1" dirty="0"/>
-              <a:t> </a:t>
-            </a:r>
-            <a:r>
-              <a:rPr lang="en-150" b="1" dirty="0">
-                <a:solidFill>
-                  <a:srgbClr val="990099"/>
-                </a:solidFill>
-              </a:rPr>
-              <a:t>QObject</a:t>
-            </a:r>
-            <a:r>
-              <a:rPr lang="en-US" i="1" dirty="0"/>
-              <a:t> </a:t>
-            </a:r>
-            <a:r>
-              <a:rPr lang="en-US" dirty="0"/>
-              <a:t>must always be created in the thread where the parent was created.</a:t>
+              <a:t>signal and slots mechanism is the </a:t>
+            </a:r>
+            <a:r>
+              <a:rPr lang="en-US" dirty="0" smtClean="0"/>
+              <a:t>answer</a:t>
+            </a:r>
+            <a:r>
+              <a:rPr lang="en-150" dirty="0" smtClean="0"/>
+              <a:t> for this problem.</a:t>
             </a:r>
             <a:endParaRPr lang="en-150" dirty="0"/>
           </a:p>
         </p:txBody>
       </p:sp>
+      <p:pic>
+        <p:nvPicPr>
+          <p:cNvPr id="2050" name="Picture 2" descr="https://www.programmergirl.com/wp-content/uploads/2019/08/TheObserverPattern.png"/>
+          <p:cNvPicPr>
+            <a:picLocks noChangeAspect="1" noChangeArrowheads="1"/>
+          </p:cNvPicPr>
+          <p:nvPr/>
+        </p:nvPicPr>
+        <p:blipFill>
+          <a:blip r:embed="rId3">
+            <a:extLst>
+              <a:ext uri="{28A0092B-C50C-407E-A947-70E740481C1C}">
+                <a14:useLocalDpi xmlns:a14="http://schemas.microsoft.com/office/drawing/2010/main" val="0"/>
+              </a:ext>
+            </a:extLst>
+          </a:blip>
+          <a:srcRect/>
+          <a:stretch>
+            <a:fillRect/>
+          </a:stretch>
+        </p:blipFill>
+        <p:spPr bwMode="auto">
+          <a:xfrm>
+            <a:off x="245764" y="1028700"/>
+            <a:ext cx="4028485" cy="1703677"/>
+          </a:xfrm>
+          <a:prstGeom prst="rect">
+            <a:avLst/>
+          </a:prstGeom>
+          <a:noFill/>
+          <a:extLst>
+            <a:ext uri="{909E8E84-426E-40DD-AFC4-6F175D3DCCD1}">
+              <a14:hiddenFill xmlns:a14="http://schemas.microsoft.com/office/drawing/2010/main">
+                <a:solidFill>
+                  <a:srgbClr val="FFFFFF"/>
+                </a:solidFill>
+              </a14:hiddenFill>
+            </a:ext>
+          </a:extLst>
+        </p:spPr>
+      </p:pic>
     </p:spTree>
     <p:extLst>
       <p:ext uri="{BB962C8B-B14F-4D97-AF65-F5344CB8AC3E}">
-        <p14:creationId xmlns:p14="http://schemas.microsoft.com/office/powerpoint/2010/main" val="134069293"/>
+        <p14:creationId xmlns:p14="http://schemas.microsoft.com/office/powerpoint/2010/main" val="8668168"/>
       </p:ext>
     </p:extLst>
   </p:cSld>
@@ -21333,7 +20419,7 @@
                 <a:ea typeface="Lato Light" panose="020F0502020204030203" pitchFamily="34" charset="0"/>
                 <a:cs typeface="Calibri"/>
               </a:rPr>
-              <a:t>Observer Pattern</a:t>
+              <a:t>Signals and Slots</a:t>
             </a:r>
             <a:endParaRPr lang="en-GB" b="1" dirty="0">
               <a:solidFill>
@@ -21358,139 +20444,1089 @@
         </p:nvSpPr>
         <p:spPr>
           <a:xfrm>
-            <a:off x="192795" y="941294"/>
-            <a:ext cx="8675783" cy="3779434"/>
+            <a:off x="275716" y="908909"/>
+            <a:ext cx="8489388" cy="3808319"/>
           </a:xfrm>
         </p:spPr>
         <p:txBody>
           <a:bodyPr/>
           <a:lstStyle/>
           <a:p>
-            <a:pPr marL="4486275" lvl="7" indent="0">
+            <a:pPr marL="342945" lvl="1" indent="0">
               <a:buNone/>
             </a:pPr>
             <a:r>
               <a:rPr lang="en-US" dirty="0"/>
-              <a:t>Observer pattern is used when an </a:t>
-            </a:r>
-            <a:r>
-              <a:rPr lang="en-US" i="1" dirty="0"/>
-              <a:t>observable</a:t>
+              <a:t>A </a:t>
+            </a:r>
+            <a:r>
+              <a:rPr lang="en-US" b="1" dirty="0"/>
+              <a:t>signal</a:t>
             </a:r>
             <a:r>
               <a:rPr lang="en-US" dirty="0"/>
-              <a:t> object wants to notify other </a:t>
-            </a:r>
-            <a:r>
-              <a:rPr lang="en-US" i="1" dirty="0"/>
-              <a:t>observers</a:t>
-            </a:r>
-            <a:r>
-              <a:rPr lang="en-US" dirty="0"/>
-              <a:t> objects about a state change. Here are some concrete examples:</a:t>
-            </a:r>
-          </a:p>
-          <a:p>
-            <a:pPr marL="4486275" lvl="8" indent="0"/>
-            <a:r>
-              <a:rPr lang="en-US" dirty="0"/>
-              <a:t>A user has clicked on a button, and a menu should be displayed.</a:t>
-            </a:r>
-          </a:p>
-          <a:p>
-            <a:pPr marL="4486275" lvl="8" indent="0"/>
-            <a:r>
-              <a:rPr lang="en-US" dirty="0"/>
-              <a:t>A web page just finished loading, and a process should extract some information from this loaded page.</a:t>
-            </a:r>
-          </a:p>
-          <a:p>
-            <a:pPr marL="4486275" lvl="8" indent="0"/>
-            <a:r>
-              <a:rPr lang="en-US" dirty="0"/>
-              <a:t>An user is scrolling through a list of items (in an app store for example), and reached the end, so other items should be loaded.</a:t>
-            </a:r>
-          </a:p>
-          <a:p>
-            <a:pPr marL="0" indent="0">
+              <a:t> is a message that an object can send, most of the time to inform of a status change</a:t>
+            </a:r>
+            <a:r>
+              <a:rPr lang="en-US" dirty="0" smtClean="0"/>
+              <a:t>.</a:t>
+            </a:r>
+            <a:endParaRPr lang="en-150" dirty="0" smtClean="0"/>
+          </a:p>
+          <a:p>
+            <a:pPr lvl="2">
+              <a:buFont typeface="Arial" panose="020B0604020202020204" pitchFamily="34" charset="0"/>
+              <a:buChar char="•"/>
+            </a:pPr>
+            <a:r>
+              <a:rPr lang="en-150" dirty="0" smtClean="0"/>
+              <a:t>Button emits a clicked signal.</a:t>
+            </a:r>
+          </a:p>
+          <a:p>
+            <a:pPr lvl="2">
+              <a:buFont typeface="Arial" panose="020B0604020202020204" pitchFamily="34" charset="0"/>
+              <a:buChar char="•"/>
+            </a:pPr>
+            <a:r>
+              <a:rPr lang="en-150" dirty="0" smtClean="0"/>
+              <a:t>Timer emits a timeout signal.</a:t>
+            </a:r>
+            <a:endParaRPr lang="en-US" dirty="0"/>
+          </a:p>
+          <a:p>
+            <a:pPr marL="342945" lvl="1" indent="0">
               <a:buNone/>
             </a:pPr>
             <a:r>
               <a:rPr lang="en-US" dirty="0"/>
-              <a:t/>
-            </a:r>
-            <a:br>
+              <a:t>A </a:t>
+            </a:r>
+            <a:r>
+              <a:rPr lang="en-US" b="1" dirty="0"/>
+              <a:t>slot</a:t>
+            </a:r>
+            <a:r>
               <a:rPr lang="en-US" dirty="0"/>
-            </a:br>
+              <a:t> is a function that is used to accept and respond to a signal</a:t>
+            </a:r>
+            <a:r>
+              <a:rPr lang="en-US" dirty="0" smtClean="0"/>
+              <a:t>.</a:t>
+            </a:r>
+            <a:endParaRPr lang="en-150" dirty="0" smtClean="0"/>
+          </a:p>
+          <a:p>
+            <a:pPr marL="342945" lvl="1" indent="0">
+              <a:buNone/>
+            </a:pPr>
+            <a:endParaRPr lang="en-150" dirty="0"/>
+          </a:p>
+          <a:p>
+            <a:pPr marL="342945" lvl="1" indent="0">
+              <a:buNone/>
+            </a:pPr>
+            <a:r>
+              <a:rPr lang="en-150" dirty="0" smtClean="0"/>
+              <a:t>Example: </a:t>
+            </a:r>
             <a:r>
               <a:rPr lang="en-US" dirty="0"/>
-              <a:t>Observer pattern is used everywhere in GUI applications, and often leads to </a:t>
+              <a:t> A media player might have a class that is used to check the progress of the media. An instance of this class might periodically send a </a:t>
+            </a:r>
+            <a:r>
+              <a:rPr lang="en-US" i="1" dirty="0"/>
+              <a:t>tick</a:t>
+            </a:r>
+            <a:r>
+              <a:rPr lang="en-US" dirty="0"/>
+              <a:t> signal, with the progress value. This signal can be connected to a </a:t>
+            </a:r>
+            <a:r>
+              <a:rPr lang="en-US" dirty="0" err="1">
+                <a:hlinkClick r:id="rId3"/>
+              </a:rPr>
+              <a:t>QProgressBar</a:t>
+            </a:r>
+            <a:r>
+              <a:rPr lang="en-US" dirty="0"/>
+              <a:t>, that can be used to display the progress</a:t>
             </a:r>
             <a:r>
               <a:rPr lang="en-US" dirty="0" smtClean="0"/>
-              <a:t>some</a:t>
-            </a:r>
+              <a:t>.</a:t>
+            </a:r>
+            <a:endParaRPr lang="en-150" dirty="0" smtClean="0"/>
+          </a:p>
+          <a:p>
+            <a:pPr marL="342945" lvl="1" indent="0">
+              <a:buNone/>
+            </a:pPr>
             <a:r>
               <a:rPr lang="en-150" dirty="0" smtClean="0"/>
-              <a:t> repetitive code, with many interfaces (IObservable and IObserver) for each object. On UI we want to monitor changes on many attributes, so </a:t>
-            </a:r>
-            <a:r>
-              <a:rPr lang="en-US" dirty="0" err="1"/>
-              <a:t>Qt</a:t>
-            </a:r>
-            <a:r>
-              <a:rPr lang="en-US" dirty="0"/>
-              <a:t> was created with the idea of removing this boilerplate code and providing a nice and clean syntax, and the signal and slots mechanism is the answer.</a:t>
-            </a:r>
+              <a:t>SIGNAL:					            SLOT:</a:t>
+            </a:r>
+          </a:p>
+          <a:p>
+            <a:pPr marL="342945" lvl="1" indent="0">
+              <a:buNone/>
+            </a:pPr>
             <a:endParaRPr lang="en-150" dirty="0"/>
           </a:p>
-        </p:txBody>
-      </p:sp>
-      <p:pic>
-        <p:nvPicPr>
-          <p:cNvPr id="6150" name="Picture 6" descr="https://i.stack.imgur.com/bx3eS.png"/>
-          <p:cNvPicPr>
-            <a:picLocks noChangeAspect="1" noChangeArrowheads="1"/>
-          </p:cNvPicPr>
+          <a:p>
+            <a:pPr marL="342945" lvl="1" indent="0">
+              <a:buNone/>
+            </a:pPr>
+            <a:r>
+              <a:rPr lang="en-150" dirty="0" smtClean="0"/>
+              <a:t>CONNECTION:</a:t>
+            </a:r>
+            <a:endParaRPr lang="en-150" dirty="0"/>
+          </a:p>
+          <a:p>
+            <a:pPr marL="342945" lvl="1" indent="0">
+              <a:buNone/>
+            </a:pPr>
+            <a:endParaRPr lang="en-US" dirty="0"/>
+          </a:p>
+        </p:txBody>
+      </p:sp>
+      <p:sp>
+        <p:nvSpPr>
+          <p:cNvPr id="10" name="Rectangle 5"/>
+          <p:cNvSpPr>
+            <a:spLocks noChangeArrowheads="1"/>
+          </p:cNvSpPr>
           <p:nvPr/>
-        </p:nvPicPr>
-        <p:blipFill>
-          <a:blip r:embed="rId3">
-            <a:extLst>
-              <a:ext uri="{28A0092B-C50C-407E-A947-70E740481C1C}">
-                <a14:useLocalDpi xmlns:a14="http://schemas.microsoft.com/office/drawing/2010/main" val="0"/>
-              </a:ext>
-            </a:extLst>
-          </a:blip>
-          <a:srcRect/>
-          <a:stretch>
-            <a:fillRect/>
-          </a:stretch>
-        </p:blipFill>
+        </p:nvSpPr>
         <p:spPr bwMode="auto">
           <a:xfrm>
-            <a:off x="261501" y="941293"/>
-            <a:ext cx="4269185" cy="2189181"/>
+            <a:off x="657283" y="3504327"/>
+            <a:ext cx="4238513" cy="276999"/>
           </a:xfrm>
           <a:prstGeom prst="rect">
             <a:avLst/>
           </a:prstGeom>
-          <a:noFill/>
+          <a:solidFill>
+            <a:srgbClr val="F8F9FA"/>
+          </a:solidFill>
+          <a:ln>
+            <a:noFill/>
+          </a:ln>
+          <a:effectLst/>
           <a:extLst>
-            <a:ext uri="{909E8E84-426E-40DD-AFC4-6F175D3DCCD1}">
-              <a14:hiddenFill xmlns:a14="http://schemas.microsoft.com/office/drawing/2010/main">
-                <a:solidFill>
-                  <a:srgbClr val="FFFFFF"/>
-                </a:solidFill>
-              </a14:hiddenFill>
+            <a:ext uri="{91240B29-F687-4F45-9708-019B960494DF}">
+              <a14:hiddenLine xmlns:a14="http://schemas.microsoft.com/office/drawing/2010/main" w="9525">
+                <a:solidFill>
+                  <a:schemeClr val="tx1"/>
+                </a:solidFill>
+                <a:miter lim="800000"/>
+                <a:headEnd/>
+                <a:tailEnd/>
+              </a14:hiddenLine>
+            </a:ext>
+            <a:ext uri="{AF507438-7753-43E0-B8FC-AC1667EBCBE1}">
+              <a14:hiddenEffects xmlns:a14="http://schemas.microsoft.com/office/drawing/2010/main">
+                <a:effectLst>
+                  <a:outerShdw dist="35921" dir="2700000" algn="ctr" rotWithShape="0">
+                    <a:schemeClr val="bg2"/>
+                  </a:outerShdw>
+                </a:effectLst>
+              </a14:hiddenEffects>
             </a:ext>
           </a:extLst>
         </p:spPr>
-      </p:pic>
+        <p:txBody>
+          <a:bodyPr vert="horz" wrap="square" lIns="91440" tIns="45720" rIns="91440" bIns="45720" numCol="1" anchor="ctr" anchorCtr="0" compatLnSpc="1">
+            <a:prstTxWarp prst="textNoShape">
+              <a:avLst/>
+            </a:prstTxWarp>
+            <a:spAutoFit/>
+          </a:bodyPr>
+          <a:lstStyle/>
+          <a:p>
+            <a:pPr marL="0" marR="0" lvl="0" indent="0" algn="l" defTabSz="914400" rtl="0" eaLnBrk="0" fontAlgn="base" latinLnBrk="0" hangingPunct="0">
+              <a:lnSpc>
+                <a:spcPct val="100000"/>
+              </a:lnSpc>
+              <a:spcBef>
+                <a:spcPct val="30000"/>
+              </a:spcBef>
+              <a:spcAft>
+                <a:spcPct val="0"/>
+              </a:spcAft>
+              <a:buClrTx/>
+              <a:buSzTx/>
+              <a:buFontTx/>
+              <a:buNone/>
+              <a:tabLst/>
+            </a:pPr>
+            <a:r>
+              <a:rPr kumimoji="0" lang="de-DE" altLang="de-DE" sz="1200" b="0" i="0" u="none" strike="noStrike" cap="none" normalizeH="0" baseline="0" dirty="0" err="1" smtClean="0">
+                <a:ln>
+                  <a:noFill/>
+                </a:ln>
+                <a:solidFill>
+                  <a:srgbClr val="B00040"/>
+                </a:solidFill>
+                <a:effectLst/>
+                <a:latin typeface="Courier New" panose="02070309020205020404" pitchFamily="49" charset="0"/>
+                <a:cs typeface="Courier New" panose="02070309020205020404" pitchFamily="49" charset="0"/>
+              </a:rPr>
+              <a:t>void</a:t>
+            </a:r>
+            <a:r>
+              <a:rPr kumimoji="0" lang="de-DE" altLang="de-DE" sz="1200" b="0" i="0" u="none" strike="noStrike" cap="none" normalizeH="0" baseline="0" dirty="0" smtClean="0">
+                <a:ln>
+                  <a:noFill/>
+                </a:ln>
+                <a:solidFill>
+                  <a:srgbClr val="000000"/>
+                </a:solidFill>
+                <a:effectLst/>
+                <a:latin typeface="Courier New" panose="02070309020205020404" pitchFamily="49" charset="0"/>
+                <a:cs typeface="Courier New" panose="02070309020205020404" pitchFamily="49" charset="0"/>
+              </a:rPr>
+              <a:t> </a:t>
+            </a:r>
+            <a:r>
+              <a:rPr kumimoji="0" lang="de-DE" altLang="de-DE" sz="1200" b="0" i="0" u="none" strike="noStrike" cap="none" normalizeH="0" baseline="0" dirty="0" err="1" smtClean="0">
+                <a:ln>
+                  <a:noFill/>
+                </a:ln>
+                <a:solidFill>
+                  <a:schemeClr val="tx1"/>
+                </a:solidFill>
+                <a:effectLst/>
+                <a:latin typeface="Arial" panose="020B0604020202020204" pitchFamily="34" charset="0"/>
+              </a:rPr>
+              <a:t>MediaProgressManager</a:t>
+            </a:r>
+            <a:r>
+              <a:rPr lang="en-150" altLang="de-DE" sz="1200" dirty="0">
+                <a:latin typeface="Arial" panose="020B0604020202020204" pitchFamily="34" charset="0"/>
+              </a:rPr>
+              <a:t>::</a:t>
+            </a:r>
+            <a:r>
+              <a:rPr kumimoji="0" lang="de-DE" altLang="de-DE" sz="1200" b="0" i="0" u="none" strike="noStrike" cap="none" normalizeH="0" baseline="0" dirty="0" smtClean="0">
+                <a:ln>
+                  <a:noFill/>
+                </a:ln>
+                <a:solidFill>
+                  <a:schemeClr val="tx1"/>
+                </a:solidFill>
+                <a:effectLst/>
+                <a:latin typeface="Arial" panose="020B0604020202020204" pitchFamily="34" charset="0"/>
+              </a:rPr>
+              <a:t>tick</a:t>
+            </a:r>
+            <a:r>
+              <a:rPr kumimoji="0" lang="de-DE" altLang="de-DE" sz="1200" b="0" i="0" u="none" strike="noStrike" cap="none" normalizeH="0" baseline="0" dirty="0" smtClean="0">
+                <a:ln>
+                  <a:noFill/>
+                </a:ln>
+                <a:solidFill>
+                  <a:srgbClr val="000000"/>
+                </a:solidFill>
+                <a:effectLst/>
+                <a:latin typeface="Courier New" panose="02070309020205020404" pitchFamily="49" charset="0"/>
+                <a:cs typeface="Courier New" panose="02070309020205020404" pitchFamily="49" charset="0"/>
+              </a:rPr>
+              <a:t>(</a:t>
+            </a:r>
+            <a:r>
+              <a:rPr kumimoji="0" lang="de-DE" altLang="de-DE" sz="1200" b="0" i="0" u="none" strike="noStrike" cap="none" normalizeH="0" baseline="0" dirty="0" err="1" smtClean="0">
+                <a:ln>
+                  <a:noFill/>
+                </a:ln>
+                <a:solidFill>
+                  <a:srgbClr val="B00040"/>
+                </a:solidFill>
+                <a:effectLst/>
+                <a:latin typeface="Courier New" panose="02070309020205020404" pitchFamily="49" charset="0"/>
+                <a:cs typeface="Courier New" panose="02070309020205020404" pitchFamily="49" charset="0"/>
+              </a:rPr>
+              <a:t>int</a:t>
+            </a:r>
+            <a:r>
+              <a:rPr kumimoji="0" lang="de-DE" altLang="de-DE" sz="1200" b="0" i="0" u="none" strike="noStrike" cap="none" normalizeH="0" baseline="0" dirty="0" smtClean="0">
+                <a:ln>
+                  <a:noFill/>
+                </a:ln>
+                <a:solidFill>
+                  <a:srgbClr val="000000"/>
+                </a:solidFill>
+                <a:effectLst/>
+                <a:latin typeface="Courier New" panose="02070309020205020404" pitchFamily="49" charset="0"/>
+                <a:cs typeface="Courier New" panose="02070309020205020404" pitchFamily="49" charset="0"/>
+              </a:rPr>
+              <a:t> </a:t>
+            </a:r>
+            <a:r>
+              <a:rPr kumimoji="0" lang="de-DE" altLang="de-DE" sz="1200" b="0" i="0" u="none" strike="noStrike" cap="none" normalizeH="0" baseline="0" dirty="0" err="1" smtClean="0">
+                <a:ln>
+                  <a:noFill/>
+                </a:ln>
+                <a:solidFill>
+                  <a:schemeClr val="tx1"/>
+                </a:solidFill>
+                <a:effectLst/>
+                <a:latin typeface="Arial" panose="020B0604020202020204" pitchFamily="34" charset="0"/>
+              </a:rPr>
+              <a:t>miliseconds</a:t>
+            </a:r>
+            <a:r>
+              <a:rPr kumimoji="0" lang="de-DE" altLang="de-DE" sz="1200" b="0" i="0" u="none" strike="noStrike" cap="none" normalizeH="0" baseline="0" dirty="0" smtClean="0">
+                <a:ln>
+                  <a:noFill/>
+                </a:ln>
+                <a:solidFill>
+                  <a:srgbClr val="000000"/>
+                </a:solidFill>
+                <a:effectLst/>
+                <a:latin typeface="Courier New" panose="02070309020205020404" pitchFamily="49" charset="0"/>
+                <a:cs typeface="Courier New" panose="02070309020205020404" pitchFamily="49" charset="0"/>
+              </a:rPr>
+              <a:t>);</a:t>
+            </a:r>
+            <a:r>
+              <a:rPr kumimoji="0" lang="de-DE" altLang="de-DE" sz="600" b="0" i="0" u="none" strike="noStrike" cap="none" normalizeH="0" baseline="0" dirty="0" smtClean="0">
+                <a:ln>
+                  <a:noFill/>
+                </a:ln>
+                <a:solidFill>
+                  <a:schemeClr val="tx1"/>
+                </a:solidFill>
+                <a:effectLst/>
+              </a:rPr>
+              <a:t> </a:t>
+            </a:r>
+            <a:endParaRPr kumimoji="0" lang="de-DE" altLang="de-DE" sz="1800" b="0" i="0" u="none" strike="noStrike" cap="none" normalizeH="0" baseline="0" dirty="0" smtClean="0">
+              <a:ln>
+                <a:noFill/>
+              </a:ln>
+              <a:solidFill>
+                <a:schemeClr val="tx1"/>
+              </a:solidFill>
+              <a:effectLst/>
+              <a:latin typeface="Arial" panose="020B0604020202020204" pitchFamily="34" charset="0"/>
+            </a:endParaRPr>
+          </a:p>
+        </p:txBody>
+      </p:sp>
+      <p:sp>
+        <p:nvSpPr>
+          <p:cNvPr id="12" name="Rectangle 7"/>
+          <p:cNvSpPr>
+            <a:spLocks noChangeArrowheads="1"/>
+          </p:cNvSpPr>
+          <p:nvPr/>
+        </p:nvSpPr>
+        <p:spPr bwMode="auto">
+          <a:xfrm>
+            <a:off x="4830184" y="3512380"/>
+            <a:ext cx="3356386" cy="276999"/>
+          </a:xfrm>
+          <a:prstGeom prst="rect">
+            <a:avLst/>
+          </a:prstGeom>
+          <a:solidFill>
+            <a:srgbClr val="F8F9FA"/>
+          </a:solidFill>
+          <a:ln>
+            <a:noFill/>
+          </a:ln>
+          <a:effectLst/>
+          <a:extLst>
+            <a:ext uri="{91240B29-F687-4F45-9708-019B960494DF}">
+              <a14:hiddenLine xmlns:a14="http://schemas.microsoft.com/office/drawing/2010/main" w="9525">
+                <a:solidFill>
+                  <a:schemeClr val="tx1"/>
+                </a:solidFill>
+                <a:miter lim="800000"/>
+                <a:headEnd/>
+                <a:tailEnd/>
+              </a14:hiddenLine>
+            </a:ext>
+            <a:ext uri="{AF507438-7753-43E0-B8FC-AC1667EBCBE1}">
+              <a14:hiddenEffects xmlns:a14="http://schemas.microsoft.com/office/drawing/2010/main">
+                <a:effectLst>
+                  <a:outerShdw dist="35921" dir="2700000" algn="ctr" rotWithShape="0">
+                    <a:schemeClr val="bg2"/>
+                  </a:outerShdw>
+                </a:effectLst>
+              </a14:hiddenEffects>
+            </a:ext>
+          </a:extLst>
+        </p:spPr>
+        <p:txBody>
+          <a:bodyPr vert="horz" wrap="square" lIns="91440" tIns="45720" rIns="91440" bIns="45720" numCol="1" anchor="ctr" anchorCtr="0" compatLnSpc="1">
+            <a:prstTxWarp prst="textNoShape">
+              <a:avLst/>
+            </a:prstTxWarp>
+            <a:spAutoFit/>
+          </a:bodyPr>
+          <a:lstStyle/>
+          <a:p>
+            <a:pPr marL="0" marR="0" lvl="0" indent="0" algn="l" defTabSz="914400" rtl="0" eaLnBrk="0" fontAlgn="base" latinLnBrk="0" hangingPunct="0">
+              <a:lnSpc>
+                <a:spcPct val="100000"/>
+              </a:lnSpc>
+              <a:spcBef>
+                <a:spcPct val="30000"/>
+              </a:spcBef>
+              <a:spcAft>
+                <a:spcPct val="0"/>
+              </a:spcAft>
+              <a:buClrTx/>
+              <a:buSzTx/>
+              <a:buFontTx/>
+              <a:buNone/>
+              <a:tabLst/>
+            </a:pPr>
+            <a:r>
+              <a:rPr kumimoji="0" lang="de-DE" altLang="de-DE" sz="1200" b="0" i="0" u="none" strike="noStrike" cap="none" normalizeH="0" baseline="0" dirty="0" err="1" smtClean="0">
+                <a:ln>
+                  <a:noFill/>
+                </a:ln>
+                <a:solidFill>
+                  <a:srgbClr val="B00040"/>
+                </a:solidFill>
+                <a:effectLst/>
+                <a:latin typeface="Courier New" panose="02070309020205020404" pitchFamily="49" charset="0"/>
+                <a:cs typeface="Courier New" panose="02070309020205020404" pitchFamily="49" charset="0"/>
+              </a:rPr>
+              <a:t>void</a:t>
+            </a:r>
+            <a:r>
+              <a:rPr kumimoji="0" lang="de-DE" altLang="de-DE" sz="1200" b="0" i="0" u="none" strike="noStrike" cap="none" normalizeH="0" baseline="0" dirty="0" smtClean="0">
+                <a:ln>
+                  <a:noFill/>
+                </a:ln>
+                <a:solidFill>
+                  <a:srgbClr val="000000"/>
+                </a:solidFill>
+                <a:effectLst/>
+                <a:latin typeface="Courier New" panose="02070309020205020404" pitchFamily="49" charset="0"/>
+                <a:cs typeface="Courier New" panose="02070309020205020404" pitchFamily="49" charset="0"/>
+              </a:rPr>
+              <a:t> </a:t>
+            </a:r>
+            <a:r>
+              <a:rPr kumimoji="0" lang="de-DE" altLang="de-DE" sz="1200" b="0" i="0" u="none" strike="noStrike" cap="none" normalizeH="0" baseline="0" dirty="0" err="1" smtClean="0">
+                <a:ln>
+                  <a:noFill/>
+                </a:ln>
+                <a:solidFill>
+                  <a:schemeClr val="tx1"/>
+                </a:solidFill>
+                <a:effectLst/>
+                <a:latin typeface="Arial" panose="020B0604020202020204" pitchFamily="34" charset="0"/>
+              </a:rPr>
+              <a:t>QProgressBar</a:t>
+            </a:r>
+            <a:r>
+              <a:rPr lang="de-DE" altLang="de-DE" sz="1200" dirty="0">
+                <a:latin typeface="Arial" panose="020B0604020202020204" pitchFamily="34" charset="0"/>
+              </a:rPr>
+              <a:t>::</a:t>
+            </a:r>
+            <a:r>
+              <a:rPr kumimoji="0" lang="de-DE" altLang="de-DE" sz="1200" b="0" i="0" u="none" strike="noStrike" cap="none" normalizeH="0" baseline="0" dirty="0" err="1" smtClean="0">
+                <a:ln>
+                  <a:noFill/>
+                </a:ln>
+                <a:solidFill>
+                  <a:schemeClr val="tx1"/>
+                </a:solidFill>
+                <a:effectLst/>
+                <a:latin typeface="Arial" panose="020B0604020202020204" pitchFamily="34" charset="0"/>
+              </a:rPr>
+              <a:t>setValue</a:t>
+            </a:r>
+            <a:r>
+              <a:rPr kumimoji="0" lang="de-DE" altLang="de-DE" sz="1200" b="0" i="0" u="none" strike="noStrike" cap="none" normalizeH="0" baseline="0" dirty="0" smtClean="0">
+                <a:ln>
+                  <a:noFill/>
+                </a:ln>
+                <a:solidFill>
+                  <a:srgbClr val="000000"/>
+                </a:solidFill>
+                <a:effectLst/>
+                <a:latin typeface="Courier New" panose="02070309020205020404" pitchFamily="49" charset="0"/>
+                <a:cs typeface="Courier New" panose="02070309020205020404" pitchFamily="49" charset="0"/>
+              </a:rPr>
+              <a:t>(</a:t>
+            </a:r>
+            <a:r>
+              <a:rPr kumimoji="0" lang="de-DE" altLang="de-DE" sz="1200" b="0" i="0" u="none" strike="noStrike" cap="none" normalizeH="0" baseline="0" dirty="0" err="1" smtClean="0">
+                <a:ln>
+                  <a:noFill/>
+                </a:ln>
+                <a:solidFill>
+                  <a:srgbClr val="B00040"/>
+                </a:solidFill>
+                <a:effectLst/>
+                <a:latin typeface="Courier New" panose="02070309020205020404" pitchFamily="49" charset="0"/>
+                <a:cs typeface="Courier New" panose="02070309020205020404" pitchFamily="49" charset="0"/>
+              </a:rPr>
+              <a:t>int</a:t>
+            </a:r>
+            <a:r>
+              <a:rPr kumimoji="0" lang="de-DE" altLang="de-DE" sz="1200" b="0" i="0" u="none" strike="noStrike" cap="none" normalizeH="0" baseline="0" dirty="0" smtClean="0">
+                <a:ln>
+                  <a:noFill/>
+                </a:ln>
+                <a:solidFill>
+                  <a:srgbClr val="000000"/>
+                </a:solidFill>
+                <a:effectLst/>
+                <a:latin typeface="Courier New" panose="02070309020205020404" pitchFamily="49" charset="0"/>
+                <a:cs typeface="Courier New" panose="02070309020205020404" pitchFamily="49" charset="0"/>
+              </a:rPr>
+              <a:t> </a:t>
+            </a:r>
+            <a:r>
+              <a:rPr kumimoji="0" lang="de-DE" altLang="de-DE" sz="1200" b="0" i="0" u="none" strike="noStrike" cap="none" normalizeH="0" baseline="0" dirty="0" err="1" smtClean="0">
+                <a:ln>
+                  <a:noFill/>
+                </a:ln>
+                <a:solidFill>
+                  <a:schemeClr val="tx1"/>
+                </a:solidFill>
+                <a:effectLst/>
+                <a:latin typeface="Arial" panose="020B0604020202020204" pitchFamily="34" charset="0"/>
+              </a:rPr>
+              <a:t>value</a:t>
+            </a:r>
+            <a:r>
+              <a:rPr kumimoji="0" lang="de-DE" altLang="de-DE" sz="1200" b="0" i="0" u="none" strike="noStrike" cap="none" normalizeH="0" baseline="0" dirty="0" smtClean="0">
+                <a:ln>
+                  <a:noFill/>
+                </a:ln>
+                <a:solidFill>
+                  <a:srgbClr val="000000"/>
+                </a:solidFill>
+                <a:effectLst/>
+                <a:latin typeface="Courier New" panose="02070309020205020404" pitchFamily="49" charset="0"/>
+                <a:cs typeface="Courier New" panose="02070309020205020404" pitchFamily="49" charset="0"/>
+              </a:rPr>
+              <a:t>);</a:t>
+            </a:r>
+            <a:r>
+              <a:rPr kumimoji="0" lang="de-DE" altLang="de-DE" sz="600" b="0" i="0" u="none" strike="noStrike" cap="none" normalizeH="0" baseline="0" dirty="0" smtClean="0">
+                <a:ln>
+                  <a:noFill/>
+                </a:ln>
+                <a:solidFill>
+                  <a:schemeClr val="tx1"/>
+                </a:solidFill>
+                <a:effectLst/>
+              </a:rPr>
+              <a:t> </a:t>
+            </a:r>
+            <a:endParaRPr kumimoji="0" lang="de-DE" altLang="de-DE" sz="1800" b="0" i="0" u="none" strike="noStrike" cap="none" normalizeH="0" baseline="0" dirty="0" smtClean="0">
+              <a:ln>
+                <a:noFill/>
+              </a:ln>
+              <a:solidFill>
+                <a:schemeClr val="tx1"/>
+              </a:solidFill>
+              <a:effectLst/>
+              <a:latin typeface="Arial" panose="020B0604020202020204" pitchFamily="34" charset="0"/>
+            </a:endParaRPr>
+          </a:p>
+        </p:txBody>
+      </p:sp>
+      <p:sp>
+        <p:nvSpPr>
+          <p:cNvPr id="14" name="Rectangle 9"/>
+          <p:cNvSpPr>
+            <a:spLocks noChangeArrowheads="1"/>
+          </p:cNvSpPr>
+          <p:nvPr/>
+        </p:nvSpPr>
+        <p:spPr bwMode="auto">
+          <a:xfrm>
+            <a:off x="657283" y="4098671"/>
+            <a:ext cx="6718151" cy="276999"/>
+          </a:xfrm>
+          <a:prstGeom prst="rect">
+            <a:avLst/>
+          </a:prstGeom>
+          <a:solidFill>
+            <a:srgbClr val="F8F9FA"/>
+          </a:solidFill>
+          <a:ln>
+            <a:noFill/>
+          </a:ln>
+          <a:effectLst/>
+          <a:extLst>
+            <a:ext uri="{91240B29-F687-4F45-9708-019B960494DF}">
+              <a14:hiddenLine xmlns:a14="http://schemas.microsoft.com/office/drawing/2010/main" w="9525">
+                <a:solidFill>
+                  <a:schemeClr val="tx1"/>
+                </a:solidFill>
+                <a:miter lim="800000"/>
+                <a:headEnd/>
+                <a:tailEnd/>
+              </a14:hiddenLine>
+            </a:ext>
+            <a:ext uri="{AF507438-7753-43E0-B8FC-AC1667EBCBE1}">
+              <a14:hiddenEffects xmlns:a14="http://schemas.microsoft.com/office/drawing/2010/main">
+                <a:effectLst>
+                  <a:outerShdw dist="35921" dir="2700000" algn="ctr" rotWithShape="0">
+                    <a:schemeClr val="bg2"/>
+                  </a:outerShdw>
+                </a:effectLst>
+              </a14:hiddenEffects>
+            </a:ext>
+          </a:extLst>
+        </p:spPr>
+        <p:txBody>
+          <a:bodyPr vert="horz" wrap="square" lIns="91440" tIns="45720" rIns="91440" bIns="45720" numCol="1" anchor="ctr" anchorCtr="0" compatLnSpc="1">
+            <a:prstTxWarp prst="textNoShape">
+              <a:avLst/>
+            </a:prstTxWarp>
+            <a:spAutoFit/>
+          </a:bodyPr>
+          <a:lstStyle>
+            <a:lvl1pPr eaLnBrk="0" fontAlgn="base" hangingPunct="0">
+              <a:spcBef>
+                <a:spcPct val="30000"/>
+              </a:spcBef>
+              <a:spcAft>
+                <a:spcPct val="0"/>
+              </a:spcAft>
+              <a:defRPr sz="1200">
+                <a:solidFill>
+                  <a:schemeClr val="tx1"/>
+                </a:solidFill>
+                <a:latin typeface="Arial" panose="020B0604020202020204" pitchFamily="34" charset="0"/>
+              </a:defRPr>
+            </a:lvl1pPr>
+            <a:lvl2pPr marL="457200" eaLnBrk="0" fontAlgn="base" hangingPunct="0">
+              <a:spcBef>
+                <a:spcPct val="30000"/>
+              </a:spcBef>
+              <a:spcAft>
+                <a:spcPct val="0"/>
+              </a:spcAft>
+              <a:defRPr sz="1200">
+                <a:solidFill>
+                  <a:schemeClr val="tx1"/>
+                </a:solidFill>
+                <a:latin typeface="Arial" panose="020B0604020202020204" pitchFamily="34" charset="0"/>
+              </a:defRPr>
+            </a:lvl2pPr>
+            <a:lvl3pPr marL="914400" eaLnBrk="0" fontAlgn="base" hangingPunct="0">
+              <a:spcBef>
+                <a:spcPct val="30000"/>
+              </a:spcBef>
+              <a:spcAft>
+                <a:spcPct val="0"/>
+              </a:spcAft>
+              <a:defRPr sz="1200">
+                <a:solidFill>
+                  <a:schemeClr val="tx1"/>
+                </a:solidFill>
+                <a:latin typeface="Arial" panose="020B0604020202020204" pitchFamily="34" charset="0"/>
+              </a:defRPr>
+            </a:lvl3pPr>
+            <a:lvl4pPr marL="1371600" eaLnBrk="0" fontAlgn="base" hangingPunct="0">
+              <a:spcBef>
+                <a:spcPct val="30000"/>
+              </a:spcBef>
+              <a:spcAft>
+                <a:spcPct val="0"/>
+              </a:spcAft>
+              <a:defRPr sz="1200">
+                <a:solidFill>
+                  <a:schemeClr val="tx1"/>
+                </a:solidFill>
+                <a:latin typeface="Arial" panose="020B0604020202020204" pitchFamily="34" charset="0"/>
+              </a:defRPr>
+            </a:lvl4pPr>
+            <a:lvl5pPr marL="1828800" eaLnBrk="0" fontAlgn="base" hangingPunct="0">
+              <a:spcBef>
+                <a:spcPct val="30000"/>
+              </a:spcBef>
+              <a:spcAft>
+                <a:spcPct val="0"/>
+              </a:spcAft>
+              <a:defRPr sz="1200">
+                <a:solidFill>
+                  <a:schemeClr val="tx1"/>
+                </a:solidFill>
+                <a:latin typeface="Arial" panose="020B0604020202020204" pitchFamily="34" charset="0"/>
+              </a:defRPr>
+            </a:lvl5pPr>
+            <a:lvl6pPr marL="2286000" eaLnBrk="0" fontAlgn="base" hangingPunct="0">
+              <a:spcBef>
+                <a:spcPct val="30000"/>
+              </a:spcBef>
+              <a:spcAft>
+                <a:spcPct val="0"/>
+              </a:spcAft>
+              <a:defRPr sz="1200">
+                <a:solidFill>
+                  <a:schemeClr val="tx1"/>
+                </a:solidFill>
+                <a:latin typeface="Arial" panose="020B0604020202020204" pitchFamily="34" charset="0"/>
+              </a:defRPr>
+            </a:lvl6pPr>
+            <a:lvl7pPr marL="2743200" eaLnBrk="0" fontAlgn="base" hangingPunct="0">
+              <a:spcBef>
+                <a:spcPct val="30000"/>
+              </a:spcBef>
+              <a:spcAft>
+                <a:spcPct val="0"/>
+              </a:spcAft>
+              <a:defRPr sz="1200">
+                <a:solidFill>
+                  <a:schemeClr val="tx1"/>
+                </a:solidFill>
+                <a:latin typeface="Arial" panose="020B0604020202020204" pitchFamily="34" charset="0"/>
+              </a:defRPr>
+            </a:lvl7pPr>
+            <a:lvl8pPr marL="3200400" eaLnBrk="0" fontAlgn="base" hangingPunct="0">
+              <a:spcBef>
+                <a:spcPct val="30000"/>
+              </a:spcBef>
+              <a:spcAft>
+                <a:spcPct val="0"/>
+              </a:spcAft>
+              <a:defRPr sz="1200">
+                <a:solidFill>
+                  <a:schemeClr val="tx1"/>
+                </a:solidFill>
+                <a:latin typeface="Arial" panose="020B0604020202020204" pitchFamily="34" charset="0"/>
+              </a:defRPr>
+            </a:lvl8pPr>
+            <a:lvl9pPr marL="3657600" eaLnBrk="0" fontAlgn="base" hangingPunct="0">
+              <a:spcBef>
+                <a:spcPct val="30000"/>
+              </a:spcBef>
+              <a:spcAft>
+                <a:spcPct val="0"/>
+              </a:spcAft>
+              <a:defRPr sz="1200">
+                <a:solidFill>
+                  <a:schemeClr val="tx1"/>
+                </a:solidFill>
+                <a:latin typeface="Arial" panose="020B0604020202020204" pitchFamily="34" charset="0"/>
+              </a:defRPr>
+            </a:lvl9pPr>
+          </a:lstStyle>
+          <a:p>
+            <a:pPr marL="0" marR="0" lvl="0" indent="0" algn="l" defTabSz="914400" rtl="0" eaLnBrk="0" fontAlgn="base" latinLnBrk="0" hangingPunct="0">
+              <a:lnSpc>
+                <a:spcPct val="100000"/>
+              </a:lnSpc>
+              <a:spcBef>
+                <a:spcPct val="30000"/>
+              </a:spcBef>
+              <a:spcAft>
+                <a:spcPct val="0"/>
+              </a:spcAft>
+              <a:buClrTx/>
+              <a:buSzTx/>
+              <a:buFontTx/>
+              <a:buNone/>
+              <a:tabLst/>
+            </a:pPr>
+            <a:r>
+              <a:rPr kumimoji="0" lang="de-DE" altLang="de-DE" sz="1200" b="0" i="0" u="none" strike="noStrike" cap="none" normalizeH="0" baseline="0" dirty="0" err="1" smtClean="0">
+                <a:ln>
+                  <a:noFill/>
+                </a:ln>
+                <a:solidFill>
+                  <a:schemeClr val="tx1"/>
+                </a:solidFill>
+                <a:effectLst/>
+                <a:latin typeface="Arial" panose="020B0604020202020204" pitchFamily="34" charset="0"/>
+              </a:rPr>
+              <a:t>QObject</a:t>
+            </a:r>
+            <a:r>
+              <a:rPr lang="de-DE" altLang="de-DE" dirty="0"/>
+              <a:t>::</a:t>
+            </a:r>
+            <a:r>
+              <a:rPr kumimoji="0" lang="de-DE" altLang="de-DE" sz="1200" b="0" i="0" u="none" strike="noStrike" cap="none" normalizeH="0" baseline="0" dirty="0" err="1" smtClean="0">
+                <a:ln>
+                  <a:noFill/>
+                </a:ln>
+                <a:solidFill>
+                  <a:schemeClr val="tx1"/>
+                </a:solidFill>
+                <a:effectLst/>
+                <a:latin typeface="Arial" panose="020B0604020202020204" pitchFamily="34" charset="0"/>
+              </a:rPr>
+              <a:t>connect</a:t>
+            </a:r>
+            <a:r>
+              <a:rPr kumimoji="0" lang="de-DE" altLang="de-DE" sz="1200" b="0" i="0" u="none" strike="noStrike" cap="none" normalizeH="0" baseline="0" dirty="0" smtClean="0">
+                <a:ln>
+                  <a:noFill/>
+                </a:ln>
+                <a:solidFill>
+                  <a:srgbClr val="000000"/>
+                </a:solidFill>
+                <a:effectLst/>
+                <a:latin typeface="Courier New" panose="02070309020205020404" pitchFamily="49" charset="0"/>
+                <a:cs typeface="Courier New" panose="02070309020205020404" pitchFamily="49" charset="0"/>
+              </a:rPr>
+              <a:t>(</a:t>
+            </a:r>
+            <a:r>
+              <a:rPr kumimoji="0" lang="de-DE" altLang="de-DE" sz="1200" b="0" i="0" u="none" strike="noStrike" cap="none" normalizeH="0" baseline="0" dirty="0" err="1" smtClean="0">
+                <a:ln>
+                  <a:noFill/>
+                </a:ln>
+                <a:solidFill>
+                  <a:schemeClr val="tx1"/>
+                </a:solidFill>
+                <a:effectLst/>
+                <a:latin typeface="Arial" panose="020B0604020202020204" pitchFamily="34" charset="0"/>
+              </a:rPr>
+              <a:t>manager</a:t>
+            </a:r>
+            <a:r>
+              <a:rPr kumimoji="0" lang="de-DE" altLang="de-DE" sz="1200" b="0" i="0" u="none" strike="noStrike" cap="none" normalizeH="0" baseline="0" dirty="0" smtClean="0">
+                <a:ln>
+                  <a:noFill/>
+                </a:ln>
+                <a:solidFill>
+                  <a:srgbClr val="000000"/>
+                </a:solidFill>
+                <a:effectLst/>
+                <a:latin typeface="Courier New" panose="02070309020205020404" pitchFamily="49" charset="0"/>
+                <a:cs typeface="Courier New" panose="02070309020205020404" pitchFamily="49" charset="0"/>
+              </a:rPr>
+              <a:t>, </a:t>
+            </a:r>
+            <a:r>
+              <a:rPr kumimoji="0" lang="de-DE" altLang="de-DE" sz="1200" b="0" i="0" u="none" strike="noStrike" cap="none" normalizeH="0" baseline="0" dirty="0" smtClean="0">
+                <a:ln>
+                  <a:noFill/>
+                </a:ln>
+                <a:solidFill>
+                  <a:schemeClr val="tx1"/>
+                </a:solidFill>
+                <a:effectLst/>
+                <a:latin typeface="Arial" panose="020B0604020202020204" pitchFamily="34" charset="0"/>
+              </a:rPr>
+              <a:t>SIGNAL</a:t>
+            </a:r>
+            <a:r>
+              <a:rPr kumimoji="0" lang="de-DE" altLang="de-DE" sz="1200" b="0" i="0" u="none" strike="noStrike" cap="none" normalizeH="0" baseline="0" dirty="0" smtClean="0">
+                <a:ln>
+                  <a:noFill/>
+                </a:ln>
+                <a:solidFill>
+                  <a:srgbClr val="000000"/>
+                </a:solidFill>
+                <a:effectLst/>
+                <a:latin typeface="Courier New" panose="02070309020205020404" pitchFamily="49" charset="0"/>
+                <a:cs typeface="Courier New" panose="02070309020205020404" pitchFamily="49" charset="0"/>
+              </a:rPr>
+              <a:t> (</a:t>
+            </a:r>
+            <a:r>
+              <a:rPr kumimoji="0" lang="de-DE" altLang="de-DE" sz="1200" b="0" i="0" u="none" strike="noStrike" cap="none" normalizeH="0" baseline="0" dirty="0" smtClean="0">
+                <a:ln>
+                  <a:noFill/>
+                </a:ln>
+                <a:solidFill>
+                  <a:schemeClr val="tx1"/>
+                </a:solidFill>
+                <a:effectLst/>
+                <a:latin typeface="Arial" panose="020B0604020202020204" pitchFamily="34" charset="0"/>
+              </a:rPr>
+              <a:t>tick</a:t>
+            </a:r>
+            <a:r>
+              <a:rPr kumimoji="0" lang="de-DE" altLang="de-DE" sz="1200" b="0" i="0" u="none" strike="noStrike" cap="none" normalizeH="0" baseline="0" dirty="0" smtClean="0">
+                <a:ln>
+                  <a:noFill/>
+                </a:ln>
+                <a:solidFill>
+                  <a:srgbClr val="000000"/>
+                </a:solidFill>
+                <a:effectLst/>
+                <a:latin typeface="Courier New" panose="02070309020205020404" pitchFamily="49" charset="0"/>
+                <a:cs typeface="Courier New" panose="02070309020205020404" pitchFamily="49" charset="0"/>
+              </a:rPr>
+              <a:t>(</a:t>
+            </a:r>
+            <a:r>
+              <a:rPr kumimoji="0" lang="de-DE" altLang="de-DE" sz="1200" b="0" i="0" u="none" strike="noStrike" cap="none" normalizeH="0" baseline="0" dirty="0" err="1" smtClean="0">
+                <a:ln>
+                  <a:noFill/>
+                </a:ln>
+                <a:solidFill>
+                  <a:srgbClr val="B00040"/>
+                </a:solidFill>
+                <a:effectLst/>
+                <a:latin typeface="Courier New" panose="02070309020205020404" pitchFamily="49" charset="0"/>
+                <a:cs typeface="Courier New" panose="02070309020205020404" pitchFamily="49" charset="0"/>
+              </a:rPr>
+              <a:t>int</a:t>
+            </a:r>
+            <a:r>
+              <a:rPr kumimoji="0" lang="de-DE" altLang="de-DE" sz="1200" b="0" i="0" u="none" strike="noStrike" cap="none" normalizeH="0" baseline="0" dirty="0" smtClean="0">
+                <a:ln>
+                  <a:noFill/>
+                </a:ln>
+                <a:solidFill>
+                  <a:srgbClr val="000000"/>
+                </a:solidFill>
+                <a:effectLst/>
+                <a:latin typeface="Courier New" panose="02070309020205020404" pitchFamily="49" charset="0"/>
+                <a:cs typeface="Courier New" panose="02070309020205020404" pitchFamily="49" charset="0"/>
+              </a:rPr>
+              <a:t>)), </a:t>
+            </a:r>
+            <a:r>
+              <a:rPr kumimoji="0" lang="de-DE" altLang="de-DE" sz="1200" b="0" i="0" u="none" strike="noStrike" cap="none" normalizeH="0" baseline="0" dirty="0" err="1" smtClean="0">
+                <a:ln>
+                  <a:noFill/>
+                </a:ln>
+                <a:solidFill>
+                  <a:schemeClr val="tx1"/>
+                </a:solidFill>
+                <a:effectLst/>
+                <a:latin typeface="Arial" panose="020B0604020202020204" pitchFamily="34" charset="0"/>
+              </a:rPr>
+              <a:t>progress</a:t>
+            </a:r>
+            <a:r>
+              <a:rPr kumimoji="0" lang="de-DE" altLang="de-DE" sz="1200" b="0" i="0" u="none" strike="noStrike" cap="none" normalizeH="0" baseline="0" dirty="0" smtClean="0">
+                <a:ln>
+                  <a:noFill/>
+                </a:ln>
+                <a:solidFill>
+                  <a:srgbClr val="000000"/>
+                </a:solidFill>
+                <a:effectLst/>
+                <a:latin typeface="Courier New" panose="02070309020205020404" pitchFamily="49" charset="0"/>
+                <a:cs typeface="Courier New" panose="02070309020205020404" pitchFamily="49" charset="0"/>
+              </a:rPr>
+              <a:t>, </a:t>
+            </a:r>
+            <a:r>
+              <a:rPr kumimoji="0" lang="de-DE" altLang="de-DE" sz="1200" b="0" i="0" u="none" strike="noStrike" cap="none" normalizeH="0" baseline="0" dirty="0" smtClean="0">
+                <a:ln>
+                  <a:noFill/>
+                </a:ln>
+                <a:solidFill>
+                  <a:schemeClr val="tx1"/>
+                </a:solidFill>
+                <a:effectLst/>
+                <a:latin typeface="Arial" panose="020B0604020202020204" pitchFamily="34" charset="0"/>
+              </a:rPr>
+              <a:t>SLOT</a:t>
+            </a:r>
+            <a:r>
+              <a:rPr kumimoji="0" lang="de-DE" altLang="de-DE" sz="1200" b="0" i="0" u="none" strike="noStrike" cap="none" normalizeH="0" baseline="0" dirty="0" smtClean="0">
+                <a:ln>
+                  <a:noFill/>
+                </a:ln>
+                <a:solidFill>
+                  <a:srgbClr val="000000"/>
+                </a:solidFill>
+                <a:effectLst/>
+                <a:latin typeface="Courier New" panose="02070309020205020404" pitchFamily="49" charset="0"/>
+                <a:cs typeface="Courier New" panose="02070309020205020404" pitchFamily="49" charset="0"/>
+              </a:rPr>
+              <a:t> (</a:t>
+            </a:r>
+            <a:r>
+              <a:rPr kumimoji="0" lang="de-DE" altLang="de-DE" sz="1200" b="0" i="0" u="none" strike="noStrike" cap="none" normalizeH="0" baseline="0" dirty="0" err="1" smtClean="0">
+                <a:ln>
+                  <a:noFill/>
+                </a:ln>
+                <a:solidFill>
+                  <a:schemeClr val="tx1"/>
+                </a:solidFill>
+                <a:effectLst/>
+                <a:latin typeface="Arial" panose="020B0604020202020204" pitchFamily="34" charset="0"/>
+              </a:rPr>
+              <a:t>setValue</a:t>
+            </a:r>
+            <a:r>
+              <a:rPr kumimoji="0" lang="de-DE" altLang="de-DE" sz="1200" b="0" i="0" u="none" strike="noStrike" cap="none" normalizeH="0" baseline="0" dirty="0" smtClean="0">
+                <a:ln>
+                  <a:noFill/>
+                </a:ln>
+                <a:solidFill>
+                  <a:srgbClr val="000000"/>
+                </a:solidFill>
+                <a:effectLst/>
+                <a:latin typeface="Courier New" panose="02070309020205020404" pitchFamily="49" charset="0"/>
+                <a:cs typeface="Courier New" panose="02070309020205020404" pitchFamily="49" charset="0"/>
+              </a:rPr>
+              <a:t>(</a:t>
+            </a:r>
+            <a:r>
+              <a:rPr kumimoji="0" lang="de-DE" altLang="de-DE" sz="1200" b="0" i="0" u="none" strike="noStrike" cap="none" normalizeH="0" baseline="0" dirty="0" err="1" smtClean="0">
+                <a:ln>
+                  <a:noFill/>
+                </a:ln>
+                <a:solidFill>
+                  <a:srgbClr val="B00040"/>
+                </a:solidFill>
+                <a:effectLst/>
+                <a:latin typeface="Courier New" panose="02070309020205020404" pitchFamily="49" charset="0"/>
+                <a:cs typeface="Courier New" panose="02070309020205020404" pitchFamily="49" charset="0"/>
+              </a:rPr>
+              <a:t>int</a:t>
+            </a:r>
+            <a:r>
+              <a:rPr kumimoji="0" lang="de-DE" altLang="de-DE" sz="1200" b="0" i="0" u="none" strike="noStrike" cap="none" normalizeH="0" baseline="0" dirty="0" smtClean="0">
+                <a:ln>
+                  <a:noFill/>
+                </a:ln>
+                <a:solidFill>
+                  <a:srgbClr val="000000"/>
+                </a:solidFill>
+                <a:effectLst/>
+                <a:latin typeface="Courier New" panose="02070309020205020404" pitchFamily="49" charset="0"/>
+                <a:cs typeface="Courier New" panose="02070309020205020404" pitchFamily="49" charset="0"/>
+              </a:rPr>
+              <a:t>)));</a:t>
+            </a:r>
+            <a:r>
+              <a:rPr kumimoji="0" lang="de-DE" altLang="de-DE" sz="600" b="0" i="0" u="none" strike="noStrike" cap="none" normalizeH="0" baseline="0" dirty="0" smtClean="0">
+                <a:ln>
+                  <a:noFill/>
+                </a:ln>
+                <a:solidFill>
+                  <a:schemeClr val="tx1"/>
+                </a:solidFill>
+                <a:effectLst/>
+              </a:rPr>
+              <a:t> </a:t>
+            </a:r>
+            <a:endParaRPr kumimoji="0" lang="de-DE" altLang="de-DE" sz="1200" b="0" i="0" u="none" strike="noStrike" cap="none" normalizeH="0" baseline="0" dirty="0" smtClean="0">
+              <a:ln>
+                <a:noFill/>
+              </a:ln>
+              <a:solidFill>
+                <a:schemeClr val="tx1"/>
+              </a:solidFill>
+              <a:effectLst/>
+              <a:latin typeface="Arial" panose="020B0604020202020204" pitchFamily="34" charset="0"/>
+            </a:endParaRPr>
+          </a:p>
+        </p:txBody>
+      </p:sp>
     </p:spTree>
     <p:extLst>
       <p:ext uri="{BB962C8B-B14F-4D97-AF65-F5344CB8AC3E}">
-        <p14:creationId xmlns:p14="http://schemas.microsoft.com/office/powerpoint/2010/main" val="8668168"/>
+        <p14:creationId xmlns:p14="http://schemas.microsoft.com/office/powerpoint/2010/main" val="4261049543"/>
       </p:ext>
     </p:extLst>
   </p:cSld>
@@ -21513,7 +21549,7 @@
   <p:tag name="VARPPTTYPE" val="RXP"/>
   <p:tag name="VARPPTSLIDEFORMAT" val="RXP"/>
   <p:tag name="VARPPTCOMPATIBLE4" val="RXP"/>
-  <p:tag name="VARSAVEMESSAGETIMESTAMP" val="RXP27/09/2021"/>
+  <p:tag name="VARSAVEMESSAGETIMESTAMP" val="RXP07/10/2021"/>
 </p:tagLst>
 </file>
 
@@ -22301,6 +22337,15 @@
 </file>
 
 <file path=customXml/item1.xml><?xml version="1.0" encoding="utf-8"?>
+<?mso-contentType ?>
+<FormTemplates xmlns="http://schemas.microsoft.com/sharepoint/v3/contenttype/forms">
+  <Display>DocumentLibraryForm</Display>
+  <Edit>DocumentLibraryForm</Edit>
+  <New>DocumentLibraryForm</New>
+</FormTemplates>
+</file>
+
+<file path=customXml/item2.xml><?xml version="1.0" encoding="utf-8"?>
 <CustomXml>
   <Property name="Class" type="System.String" value=""/>
   <Property name="Category" type="System.String" value=""/>
@@ -22334,16 +22379,13 @@
 </CustomXml>
 </file>
 
-<file path=customXml/item2.xml><?xml version="1.0" encoding="utf-8"?>
-<?mso-contentType ?>
-<FormTemplates xmlns="http://schemas.microsoft.com/sharepoint/v3/contenttype/forms">
-  <Display>DocumentLibraryForm</Display>
-  <Edit>DocumentLibraryForm</Edit>
-  <New>DocumentLibraryForm</New>
-</FormTemplates>
+<file path=customXml/item3.xml><?xml version="1.0" encoding="utf-8"?>
+<p:properties xmlns:p="http://schemas.microsoft.com/office/2006/metadata/properties" xmlns:xsi="http://www.w3.org/2001/XMLSchema-instance" xmlns:pc="http://schemas.microsoft.com/office/infopath/2007/PartnerControls">
+  <documentManagement/>
+</p:properties>
 </file>
 
-<file path=customXml/item3.xml><?xml version="1.0" encoding="utf-8"?>
+<file path=customXml/item4.xml><?xml version="1.0" encoding="utf-8"?>
 <ct:contentTypeSchema xmlns:ct="http://schemas.microsoft.com/office/2006/metadata/contentType" xmlns:ma="http://schemas.microsoft.com/office/2006/metadata/properties/metaAttributes" ct:_="" ma:_="" ma:contentTypeName="Document" ma:contentTypeID="0x0101003F33868E9CD0BE4AB9201A5BD5A60447" ma:contentTypeVersion="13" ma:contentTypeDescription="Create a new document." ma:contentTypeScope="" ma:versionID="cd56127c3075ee64225f38956c658ba8">
   <xsd:schema xmlns:xsd="http://www.w3.org/2001/XMLSchema" xmlns:xs="http://www.w3.org/2001/XMLSchema" xmlns:p="http://schemas.microsoft.com/office/2006/metadata/properties" xmlns:ns2="00aae37a-a076-46a8-a799-636913c2bf3a" xmlns:ns3="ee3fd44b-5f56-491d-82fc-7506e1bd3334" targetNamespace="http://schemas.microsoft.com/office/2006/metadata/properties" ma:root="true" ma:fieldsID="b13f666e0264860d80cbdf429a036b30" ns2:_="" ns3:_="">
     <xsd:import namespace="00aae37a-a076-46a8-a799-636913c2bf3a"/>
@@ -22566,19 +22608,7 @@
 </ct:contentTypeSchema>
 </file>
 
-<file path=customXml/item4.xml><?xml version="1.0" encoding="utf-8"?>
-<p:properties xmlns:p="http://schemas.microsoft.com/office/2006/metadata/properties" xmlns:xsi="http://www.w3.org/2001/XMLSchema-instance" xmlns:pc="http://schemas.microsoft.com/office/infopath/2007/PartnerControls">
-  <documentManagement/>
-</p:properties>
-</file>
-
 <file path=customXml/itemProps1.xml><?xml version="1.0" encoding="utf-8"?>
-<ds:datastoreItem xmlns:ds="http://schemas.openxmlformats.org/officeDocument/2006/customXml" ds:itemID="{7BF720E4-E9A9-49F8-8BBA-647CC445A63C}">
-  <ds:schemaRefs/>
-</ds:datastoreItem>
-</file>
-
-<file path=customXml/itemProps2.xml><?xml version="1.0" encoding="utf-8"?>
 <ds:datastoreItem xmlns:ds="http://schemas.openxmlformats.org/officeDocument/2006/customXml" ds:itemID="{E5843BA1-24F5-4225-9B6D-72A6BE9E0A4F}">
   <ds:schemaRefs>
     <ds:schemaRef ds:uri="http://schemas.microsoft.com/sharepoint/v3/contenttype/forms"/>
@@ -22586,7 +22616,30 @@
 </ds:datastoreItem>
 </file>
 
+<file path=customXml/itemProps2.xml><?xml version="1.0" encoding="utf-8"?>
+<ds:datastoreItem xmlns:ds="http://schemas.openxmlformats.org/officeDocument/2006/customXml" ds:itemID="{7BF720E4-E9A9-49F8-8BBA-647CC445A63C}">
+  <ds:schemaRefs/>
+</ds:datastoreItem>
+</file>
+
 <file path=customXml/itemProps3.xml><?xml version="1.0" encoding="utf-8"?>
+<ds:datastoreItem xmlns:ds="http://schemas.openxmlformats.org/officeDocument/2006/customXml" ds:itemID="{E8BEBC91-32A8-4684-AED0-4A827B29CF48}">
+  <ds:schemaRefs>
+    <ds:schemaRef ds:uri="http://schemas.microsoft.com/office/2006/documentManagement/types"/>
+    <ds:schemaRef ds:uri="http://schemas.microsoft.com/office/infopath/2007/PartnerControls"/>
+    <ds:schemaRef ds:uri="http://purl.org/dc/elements/1.1/"/>
+    <ds:schemaRef ds:uri="http://schemas.microsoft.com/office/2006/metadata/properties"/>
+    <ds:schemaRef ds:uri="ee3fd44b-5f56-491d-82fc-7506e1bd3334"/>
+    <ds:schemaRef ds:uri="http://purl.org/dc/terms/"/>
+    <ds:schemaRef ds:uri="http://schemas.openxmlformats.org/package/2006/metadata/core-properties"/>
+    <ds:schemaRef ds:uri="00aae37a-a076-46a8-a799-636913c2bf3a"/>
+    <ds:schemaRef ds:uri="http://www.w3.org/XML/1998/namespace"/>
+    <ds:schemaRef ds:uri="http://purl.org/dc/dcmitype/"/>
+  </ds:schemaRefs>
+</ds:datastoreItem>
+</file>
+
+<file path=customXml/itemProps4.xml><?xml version="1.0" encoding="utf-8"?>
 <ds:datastoreItem xmlns:ds="http://schemas.openxmlformats.org/officeDocument/2006/customXml" ds:itemID="{35A338B3-3242-40DF-B0BA-3447A4CD9D5E}">
   <ds:schemaRefs>
     <ds:schemaRef ds:uri="http://schemas.microsoft.com/office/2006/metadata/contentType"/>
@@ -22603,21 +22656,4 @@
     <ds:schemaRef ds:uri="http://schemas.microsoft.com/internal/obd"/>
   </ds:schemaRefs>
 </ds:datastoreItem>
-</file>
-
-<file path=customXml/itemProps4.xml><?xml version="1.0" encoding="utf-8"?>
-<ds:datastoreItem xmlns:ds="http://schemas.openxmlformats.org/officeDocument/2006/customXml" ds:itemID="{E8BEBC91-32A8-4684-AED0-4A827B29CF48}">
-  <ds:schemaRefs>
-    <ds:schemaRef ds:uri="http://schemas.microsoft.com/office/2006/documentManagement/types"/>
-    <ds:schemaRef ds:uri="http://schemas.microsoft.com/office/infopath/2007/PartnerControls"/>
-    <ds:schemaRef ds:uri="http://purl.org/dc/elements/1.1/"/>
-    <ds:schemaRef ds:uri="http://schemas.microsoft.com/office/2006/metadata/properties"/>
-    <ds:schemaRef ds:uri="ee3fd44b-5f56-491d-82fc-7506e1bd3334"/>
-    <ds:schemaRef ds:uri="http://purl.org/dc/terms/"/>
-    <ds:schemaRef ds:uri="http://schemas.openxmlformats.org/package/2006/metadata/core-properties"/>
-    <ds:schemaRef ds:uri="00aae37a-a076-46a8-a799-636913c2bf3a"/>
-    <ds:schemaRef ds:uri="http://www.w3.org/XML/1998/namespace"/>
-    <ds:schemaRef ds:uri="http://purl.org/dc/dcmitype/"/>
-  </ds:schemaRefs>
-</ds:datastoreItem>
 </file>
--- a/Qt Introduction.pptx
+++ b/Qt Introduction.pptx
@@ -5,33 +5,34 @@
     <p:sldMasterId id="2147483660" r:id="rId5"/>
   </p:sldMasterIdLst>
   <p:notesMasterIdLst>
-    <p:notesMasterId r:id="rId22"/>
+    <p:notesMasterId r:id="rId23"/>
   </p:notesMasterIdLst>
   <p:handoutMasterIdLst>
-    <p:handoutMasterId r:id="rId23"/>
+    <p:handoutMasterId r:id="rId24"/>
   </p:handoutMasterIdLst>
   <p:sldIdLst>
     <p:sldId id="305" r:id="rId6"/>
     <p:sldId id="304" r:id="rId7"/>
-    <p:sldId id="318" r:id="rId8"/>
-    <p:sldId id="273" r:id="rId9"/>
-    <p:sldId id="271" r:id="rId10"/>
-    <p:sldId id="309" r:id="rId11"/>
-    <p:sldId id="310" r:id="rId12"/>
-    <p:sldId id="311" r:id="rId13"/>
-    <p:sldId id="312" r:id="rId14"/>
-    <p:sldId id="313" r:id="rId15"/>
-    <p:sldId id="314" r:id="rId16"/>
-    <p:sldId id="315" r:id="rId17"/>
-    <p:sldId id="316" r:id="rId18"/>
-    <p:sldId id="319" r:id="rId19"/>
-    <p:sldId id="320" r:id="rId20"/>
-    <p:sldId id="306" r:id="rId21"/>
+    <p:sldId id="321" r:id="rId8"/>
+    <p:sldId id="318" r:id="rId9"/>
+    <p:sldId id="273" r:id="rId10"/>
+    <p:sldId id="271" r:id="rId11"/>
+    <p:sldId id="309" r:id="rId12"/>
+    <p:sldId id="310" r:id="rId13"/>
+    <p:sldId id="311" r:id="rId14"/>
+    <p:sldId id="312" r:id="rId15"/>
+    <p:sldId id="313" r:id="rId16"/>
+    <p:sldId id="314" r:id="rId17"/>
+    <p:sldId id="315" r:id="rId18"/>
+    <p:sldId id="316" r:id="rId19"/>
+    <p:sldId id="319" r:id="rId20"/>
+    <p:sldId id="320" r:id="rId21"/>
+    <p:sldId id="306" r:id="rId22"/>
   </p:sldIdLst>
   <p:sldSz cx="9144000" cy="5143500" type="screen16x9"/>
   <p:notesSz cx="6858000" cy="9144000"/>
   <p:custDataLst>
-    <p:tags r:id="rId24"/>
+    <p:tags r:id="rId25"/>
   </p:custDataLst>
   <p:defaultTextStyle>
     <a:defPPr>
@@ -279,7 +280,7 @@
                 <a:latin typeface="Lato" panose="020F0502020204030203" pitchFamily="34" charset="0"/>
               </a:rPr>
               <a:pPr/>
-              <a:t>10/7/2021</a:t>
+              <a:t>11/2/2021</a:t>
             </a:fld>
             <a:endParaRPr lang="en-US" dirty="0">
               <a:latin typeface="Lato" panose="020F0502020204030203" pitchFamily="34" charset="0"/>
@@ -418,7 +419,7 @@
             <a:fld id="{CB707A1A-24F1-4A76-9BBF-2BC941EA698A}" type="datetimeFigureOut">
               <a:rPr lang="en-US" smtClean="0"/>
               <a:pPr/>
-              <a:t>10/7/2021</a:t>
+              <a:t>11/2/2021</a:t>
             </a:fld>
             <a:endParaRPr lang="en-US" dirty="0"/>
           </a:p>
@@ -783,7 +784,7 @@
             <a:fld id="{0CB6685D-1DC3-467A-9755-A4FC0193B359}" type="slidenum">
               <a:rPr lang="en-US" smtClean="0"/>
               <a:pPr/>
-              <a:t>4</a:t>
+              <a:t>5</a:t>
             </a:fld>
             <a:endParaRPr lang="en-US" dirty="0"/>
           </a:p>
@@ -868,7 +869,7 @@
             <a:fld id="{0CB6685D-1DC3-467A-9755-A4FC0193B359}" type="slidenum">
               <a:rPr lang="en-US" smtClean="0"/>
               <a:pPr/>
-              <a:t>13</a:t>
+              <a:t>14</a:t>
             </a:fld>
             <a:endParaRPr lang="en-US" dirty="0"/>
           </a:p>
@@ -953,7 +954,7 @@
             <a:fld id="{0CB6685D-1DC3-467A-9755-A4FC0193B359}" type="slidenum">
               <a:rPr lang="en-US" smtClean="0"/>
               <a:pPr/>
-              <a:t>5</a:t>
+              <a:t>6</a:t>
             </a:fld>
             <a:endParaRPr lang="en-US" dirty="0"/>
           </a:p>
@@ -1038,7 +1039,7 @@
             <a:fld id="{0CB6685D-1DC3-467A-9755-A4FC0193B359}" type="slidenum">
               <a:rPr lang="en-US" smtClean="0"/>
               <a:pPr/>
-              <a:t>6</a:t>
+              <a:t>7</a:t>
             </a:fld>
             <a:endParaRPr lang="en-US" dirty="0"/>
           </a:p>
@@ -1123,7 +1124,7 @@
             <a:fld id="{0CB6685D-1DC3-467A-9755-A4FC0193B359}" type="slidenum">
               <a:rPr lang="en-US" smtClean="0"/>
               <a:pPr/>
-              <a:t>7</a:t>
+              <a:t>8</a:t>
             </a:fld>
             <a:endParaRPr lang="en-US" dirty="0"/>
           </a:p>
@@ -1208,7 +1209,7 @@
             <a:fld id="{0CB6685D-1DC3-467A-9755-A4FC0193B359}" type="slidenum">
               <a:rPr lang="en-US" smtClean="0"/>
               <a:pPr/>
-              <a:t>8</a:t>
+              <a:t>9</a:t>
             </a:fld>
             <a:endParaRPr lang="en-US" dirty="0"/>
           </a:p>
@@ -1293,7 +1294,7 @@
             <a:fld id="{0CB6685D-1DC3-467A-9755-A4FC0193B359}" type="slidenum">
               <a:rPr lang="en-US" smtClean="0"/>
               <a:pPr/>
-              <a:t>9</a:t>
+              <a:t>10</a:t>
             </a:fld>
             <a:endParaRPr lang="en-US" dirty="0"/>
           </a:p>
@@ -1378,7 +1379,7 @@
             <a:fld id="{0CB6685D-1DC3-467A-9755-A4FC0193B359}" type="slidenum">
               <a:rPr lang="en-US" smtClean="0"/>
               <a:pPr/>
-              <a:t>10</a:t>
+              <a:t>11</a:t>
             </a:fld>
             <a:endParaRPr lang="en-US" dirty="0"/>
           </a:p>
@@ -1463,7 +1464,7 @@
             <a:fld id="{0CB6685D-1DC3-467A-9755-A4FC0193B359}" type="slidenum">
               <a:rPr lang="en-US" smtClean="0"/>
               <a:pPr/>
-              <a:t>11</a:t>
+              <a:t>12</a:t>
             </a:fld>
             <a:endParaRPr lang="en-US" dirty="0"/>
           </a:p>
@@ -1548,7 +1549,7 @@
             <a:fld id="{0CB6685D-1DC3-467A-9755-A4FC0193B359}" type="slidenum">
               <a:rPr lang="en-US" smtClean="0"/>
               <a:pPr/>
-              <a:t>12</a:t>
+              <a:t>13</a:t>
             </a:fld>
             <a:endParaRPr lang="en-US" dirty="0"/>
           </a:p>
@@ -1657,7 +1658,7 @@
             <a:blip r:embed="rId3">
               <a:extLst>
                 <a:ext uri="{96DAC541-7B7A-43D3-8B79-37D633B846F1}">
-                  <asvg:svgBlip xmlns:asvg="http://schemas.microsoft.com/office/drawing/2016/SVG/main" xmlns="" r:embed="rId4"/>
+                  <asvg:svgBlip xmlns="" xmlns:asvg="http://schemas.microsoft.com/office/drawing/2016/SVG/main" r:embed="rId4"/>
                 </a:ext>
               </a:extLst>
             </a:blip>
@@ -1693,7 +1694,7 @@
             <a:blip r:embed="rId5">
               <a:extLst>
                 <a:ext uri="{96DAC541-7B7A-43D3-8B79-37D633B846F1}">
-                  <asvg:svgBlip xmlns:asvg="http://schemas.microsoft.com/office/drawing/2016/SVG/main" xmlns="" r:embed="rId6"/>
+                  <asvg:svgBlip xmlns="" xmlns:asvg="http://schemas.microsoft.com/office/drawing/2016/SVG/main" r:embed="rId6"/>
                 </a:ext>
               </a:extLst>
             </a:blip>
@@ -2005,7 +2006,7 @@
             <a:blip r:embed="rId3">
               <a:extLst>
                 <a:ext uri="{96DAC541-7B7A-43D3-8B79-37D633B846F1}">
-                  <asvg:svgBlip xmlns:asvg="http://schemas.microsoft.com/office/drawing/2016/SVG/main" xmlns="" r:embed="rId4"/>
+                  <asvg:svgBlip xmlns="" xmlns:asvg="http://schemas.microsoft.com/office/drawing/2016/SVG/main" r:embed="rId4"/>
                 </a:ext>
               </a:extLst>
             </a:blip>
@@ -2041,7 +2042,7 @@
             <a:blip r:embed="rId5">
               <a:extLst>
                 <a:ext uri="{96DAC541-7B7A-43D3-8B79-37D633B846F1}">
-                  <asvg:svgBlip xmlns:asvg="http://schemas.microsoft.com/office/drawing/2016/SVG/main" xmlns="" r:embed="rId6"/>
+                  <asvg:svgBlip xmlns="" xmlns:asvg="http://schemas.microsoft.com/office/drawing/2016/SVG/main" r:embed="rId6"/>
                 </a:ext>
               </a:extLst>
             </a:blip>
@@ -2336,7 +2337,7 @@
           <a:blip r:embed="rId3">
             <a:extLst>
               <a:ext uri="{96DAC541-7B7A-43D3-8B79-37D633B846F1}">
-                <asvg:svgBlip xmlns:asvg="http://schemas.microsoft.com/office/drawing/2016/SVG/main" xmlns="" r:embed="rId4"/>
+                <asvg:svgBlip xmlns="" xmlns:asvg="http://schemas.microsoft.com/office/drawing/2016/SVG/main" r:embed="rId4"/>
               </a:ext>
             </a:extLst>
           </a:blip>
@@ -2372,7 +2373,7 @@
           <a:blip r:embed="rId5">
             <a:extLst>
               <a:ext uri="{96DAC541-7B7A-43D3-8B79-37D633B846F1}">
-                <asvg:svgBlip xmlns:asvg="http://schemas.microsoft.com/office/drawing/2016/SVG/main" xmlns="" r:embed="rId6"/>
+                <asvg:svgBlip xmlns="" xmlns:asvg="http://schemas.microsoft.com/office/drawing/2016/SVG/main" r:embed="rId6"/>
               </a:ext>
             </a:extLst>
           </a:blip>
@@ -2667,7 +2668,7 @@
           <a:blip r:embed="rId3">
             <a:extLst>
               <a:ext uri="{96DAC541-7B7A-43D3-8B79-37D633B846F1}">
-                <asvg:svgBlip xmlns:asvg="http://schemas.microsoft.com/office/drawing/2016/SVG/main" xmlns="" r:embed="rId4"/>
+                <asvg:svgBlip xmlns="" xmlns:asvg="http://schemas.microsoft.com/office/drawing/2016/SVG/main" r:embed="rId4"/>
               </a:ext>
             </a:extLst>
           </a:blip>
@@ -2703,7 +2704,7 @@
           <a:blip r:embed="rId5">
             <a:extLst>
               <a:ext uri="{96DAC541-7B7A-43D3-8B79-37D633B846F1}">
-                <asvg:svgBlip xmlns:asvg="http://schemas.microsoft.com/office/drawing/2016/SVG/main" xmlns="" r:embed="rId6"/>
+                <asvg:svgBlip xmlns="" xmlns:asvg="http://schemas.microsoft.com/office/drawing/2016/SVG/main" r:embed="rId6"/>
               </a:ext>
             </a:extLst>
           </a:blip>
@@ -2997,7 +2998,7 @@
           <a:blip r:embed="rId3">
             <a:extLst>
               <a:ext uri="{96DAC541-7B7A-43D3-8B79-37D633B846F1}">
-                <asvg:svgBlip xmlns:asvg="http://schemas.microsoft.com/office/drawing/2016/SVG/main" xmlns="" r:embed="rId4"/>
+                <asvg:svgBlip xmlns="" xmlns:asvg="http://schemas.microsoft.com/office/drawing/2016/SVG/main" r:embed="rId4"/>
               </a:ext>
             </a:extLst>
           </a:blip>
@@ -3154,7 +3155,7 @@
           <a:blip r:embed="rId6">
             <a:extLst>
               <a:ext uri="{96DAC541-7B7A-43D3-8B79-37D633B846F1}">
-                <asvg:svgBlip xmlns:asvg="http://schemas.microsoft.com/office/drawing/2016/SVG/main" xmlns="" r:embed="rId7"/>
+                <asvg:svgBlip xmlns="" xmlns:asvg="http://schemas.microsoft.com/office/drawing/2016/SVG/main" r:embed="rId7"/>
               </a:ext>
             </a:extLst>
           </a:blip>
@@ -3380,7 +3381,7 @@
             <a:blip r:embed="rId3">
               <a:extLst>
                 <a:ext uri="{96DAC541-7B7A-43D3-8B79-37D633B846F1}">
-                  <asvg:svgBlip xmlns:asvg="http://schemas.microsoft.com/office/drawing/2016/SVG/main" xmlns="" r:embed="rId4"/>
+                  <asvg:svgBlip xmlns="" xmlns:asvg="http://schemas.microsoft.com/office/drawing/2016/SVG/main" r:embed="rId4"/>
                 </a:ext>
               </a:extLst>
             </a:blip>
@@ -3416,7 +3417,7 @@
             <a:blip r:embed="rId5">
               <a:extLst>
                 <a:ext uri="{96DAC541-7B7A-43D3-8B79-37D633B846F1}">
-                  <asvg:svgBlip xmlns:asvg="http://schemas.microsoft.com/office/drawing/2016/SVG/main" xmlns="" r:embed="rId6"/>
+                  <asvg:svgBlip xmlns="" xmlns:asvg="http://schemas.microsoft.com/office/drawing/2016/SVG/main" r:embed="rId6"/>
                 </a:ext>
               </a:extLst>
             </a:blip>
@@ -3721,7 +3722,7 @@
           <a:blip r:embed="rId3">
             <a:extLst>
               <a:ext uri="{96DAC541-7B7A-43D3-8B79-37D633B846F1}">
-                <asvg:svgBlip xmlns:asvg="http://schemas.microsoft.com/office/drawing/2016/SVG/main" xmlns="" r:embed="rId4"/>
+                <asvg:svgBlip xmlns="" xmlns:asvg="http://schemas.microsoft.com/office/drawing/2016/SVG/main" r:embed="rId4"/>
               </a:ext>
             </a:extLst>
           </a:blip>
@@ -3757,7 +3758,7 @@
           <a:blip r:embed="rId5">
             <a:extLst>
               <a:ext uri="{96DAC541-7B7A-43D3-8B79-37D633B846F1}">
-                <asvg:svgBlip xmlns:asvg="http://schemas.microsoft.com/office/drawing/2016/SVG/main" xmlns="" r:embed="rId6"/>
+                <asvg:svgBlip xmlns="" xmlns:asvg="http://schemas.microsoft.com/office/drawing/2016/SVG/main" r:embed="rId6"/>
               </a:ext>
             </a:extLst>
           </a:blip>
@@ -4051,7 +4052,7 @@
           <a:blip r:embed="rId3">
             <a:extLst>
               <a:ext uri="{96DAC541-7B7A-43D3-8B79-37D633B846F1}">
-                <asvg:svgBlip xmlns:asvg="http://schemas.microsoft.com/office/drawing/2016/SVG/main" xmlns="" r:embed="rId4"/>
+                <asvg:svgBlip xmlns="" xmlns:asvg="http://schemas.microsoft.com/office/drawing/2016/SVG/main" r:embed="rId4"/>
               </a:ext>
             </a:extLst>
           </a:blip>
@@ -5705,7 +5706,7 @@
             <a:blip r:embed="rId3">
               <a:extLst>
                 <a:ext uri="{96DAC541-7B7A-43D3-8B79-37D633B846F1}">
-                  <asvg:svgBlip xmlns:asvg="http://schemas.microsoft.com/office/drawing/2016/SVG/main" xmlns="" r:embed="rId4"/>
+                  <asvg:svgBlip xmlns="" xmlns:asvg="http://schemas.microsoft.com/office/drawing/2016/SVG/main" r:embed="rId4"/>
                 </a:ext>
               </a:extLst>
             </a:blip>
@@ -5741,7 +5742,7 @@
             <a:blip r:embed="rId5">
               <a:extLst>
                 <a:ext uri="{96DAC541-7B7A-43D3-8B79-37D633B846F1}">
-                  <asvg:svgBlip xmlns:asvg="http://schemas.microsoft.com/office/drawing/2016/SVG/main" xmlns="" r:embed="rId6"/>
+                  <asvg:svgBlip xmlns="" xmlns:asvg="http://schemas.microsoft.com/office/drawing/2016/SVG/main" r:embed="rId6"/>
                 </a:ext>
               </a:extLst>
             </a:blip>
@@ -10518,7 +10519,7 @@
           <a:blip r:embed="rId3">
             <a:extLst>
               <a:ext uri="{96DAC541-7B7A-43D3-8B79-37D633B846F1}">
-                <asvg:svgBlip xmlns:asvg="http://schemas.microsoft.com/office/drawing/2016/SVG/main" xmlns="" r:embed="rId4"/>
+                <asvg:svgBlip xmlns="" xmlns:asvg="http://schemas.microsoft.com/office/drawing/2016/SVG/main" r:embed="rId4"/>
               </a:ext>
             </a:extLst>
           </a:blip>
@@ -10554,7 +10555,7 @@
           <a:blip r:embed="rId5">
             <a:extLst>
               <a:ext uri="{96DAC541-7B7A-43D3-8B79-37D633B846F1}">
-                <asvg:svgBlip xmlns:asvg="http://schemas.microsoft.com/office/drawing/2016/SVG/main" xmlns="" r:embed="rId6"/>
+                <asvg:svgBlip xmlns="" xmlns:asvg="http://schemas.microsoft.com/office/drawing/2016/SVG/main" r:embed="rId6"/>
               </a:ext>
             </a:extLst>
           </a:blip>
@@ -10888,7 +10889,7 @@
             <a:blip r:embed="rId3">
               <a:extLst>
                 <a:ext uri="{96DAC541-7B7A-43D3-8B79-37D633B846F1}">
-                  <asvg:svgBlip xmlns:asvg="http://schemas.microsoft.com/office/drawing/2016/SVG/main" xmlns="" r:embed="rId4"/>
+                  <asvg:svgBlip xmlns="" xmlns:asvg="http://schemas.microsoft.com/office/drawing/2016/SVG/main" r:embed="rId4"/>
                 </a:ext>
               </a:extLst>
             </a:blip>
@@ -10924,7 +10925,7 @@
             <a:blip r:embed="rId5">
               <a:extLst>
                 <a:ext uri="{96DAC541-7B7A-43D3-8B79-37D633B846F1}">
-                  <asvg:svgBlip xmlns:asvg="http://schemas.microsoft.com/office/drawing/2016/SVG/main" xmlns="" r:embed="rId6"/>
+                  <asvg:svgBlip xmlns="" xmlns:asvg="http://schemas.microsoft.com/office/drawing/2016/SVG/main" r:embed="rId6"/>
                 </a:ext>
               </a:extLst>
             </a:blip>
@@ -11243,7 +11244,7 @@
           <a:blip r:embed="rId3">
             <a:extLst>
               <a:ext uri="{96DAC541-7B7A-43D3-8B79-37D633B846F1}">
-                <asvg:svgBlip xmlns:asvg="http://schemas.microsoft.com/office/drawing/2016/SVG/main" xmlns="" r:embed="rId4"/>
+                <asvg:svgBlip xmlns="" xmlns:asvg="http://schemas.microsoft.com/office/drawing/2016/SVG/main" r:embed="rId4"/>
               </a:ext>
             </a:extLst>
           </a:blip>
@@ -11279,7 +11280,7 @@
           <a:blip r:embed="rId5">
             <a:extLst>
               <a:ext uri="{96DAC541-7B7A-43D3-8B79-37D633B846F1}">
-                <asvg:svgBlip xmlns:asvg="http://schemas.microsoft.com/office/drawing/2016/SVG/main" xmlns="" r:embed="rId6"/>
+                <asvg:svgBlip xmlns="" xmlns:asvg="http://schemas.microsoft.com/office/drawing/2016/SVG/main" r:embed="rId6"/>
               </a:ext>
             </a:extLst>
           </a:blip>
@@ -11628,7 +11629,7 @@
             <a:blip r:embed="rId3">
               <a:extLst>
                 <a:ext uri="{96DAC541-7B7A-43D3-8B79-37D633B846F1}">
-                  <asvg:svgBlip xmlns:asvg="http://schemas.microsoft.com/office/drawing/2016/SVG/main" xmlns="" r:embed="rId4"/>
+                  <asvg:svgBlip xmlns="" xmlns:asvg="http://schemas.microsoft.com/office/drawing/2016/SVG/main" r:embed="rId4"/>
                 </a:ext>
               </a:extLst>
             </a:blip>
@@ -11664,7 +11665,7 @@
             <a:blip r:embed="rId5">
               <a:extLst>
                 <a:ext uri="{96DAC541-7B7A-43D3-8B79-37D633B846F1}">
-                  <asvg:svgBlip xmlns:asvg="http://schemas.microsoft.com/office/drawing/2016/SVG/main" xmlns="" r:embed="rId6"/>
+                  <asvg:svgBlip xmlns="" xmlns:asvg="http://schemas.microsoft.com/office/drawing/2016/SVG/main" r:embed="rId6"/>
                 </a:ext>
               </a:extLst>
             </a:blip>
@@ -11993,7 +11994,7 @@
             <a:blip r:embed="rId3">
               <a:extLst>
                 <a:ext uri="{96DAC541-7B7A-43D3-8B79-37D633B846F1}">
-                  <asvg:svgBlip xmlns:asvg="http://schemas.microsoft.com/office/drawing/2016/SVG/main" xmlns="" r:embed="rId4"/>
+                  <asvg:svgBlip xmlns="" xmlns:asvg="http://schemas.microsoft.com/office/drawing/2016/SVG/main" r:embed="rId4"/>
                 </a:ext>
               </a:extLst>
             </a:blip>
@@ -12029,7 +12030,7 @@
             <a:blip r:embed="rId5">
               <a:extLst>
                 <a:ext uri="{96DAC541-7B7A-43D3-8B79-37D633B846F1}">
-                  <asvg:svgBlip xmlns:asvg="http://schemas.microsoft.com/office/drawing/2016/SVG/main" xmlns="" r:embed="rId6"/>
+                  <asvg:svgBlip xmlns="" xmlns:asvg="http://schemas.microsoft.com/office/drawing/2016/SVG/main" r:embed="rId6"/>
                 </a:ext>
               </a:extLst>
             </a:blip>
@@ -12368,7 +12369,7 @@
             <a:blip r:embed="rId3">
               <a:extLst>
                 <a:ext uri="{96DAC541-7B7A-43D3-8B79-37D633B846F1}">
-                  <asvg:svgBlip xmlns:asvg="http://schemas.microsoft.com/office/drawing/2016/SVG/main" xmlns="" r:embed="rId4"/>
+                  <asvg:svgBlip xmlns="" xmlns:asvg="http://schemas.microsoft.com/office/drawing/2016/SVG/main" r:embed="rId4"/>
                 </a:ext>
               </a:extLst>
             </a:blip>
@@ -12404,7 +12405,7 @@
             <a:blip r:embed="rId5">
               <a:extLst>
                 <a:ext uri="{96DAC541-7B7A-43D3-8B79-37D633B846F1}">
-                  <asvg:svgBlip xmlns:asvg="http://schemas.microsoft.com/office/drawing/2016/SVG/main" xmlns="" r:embed="rId6"/>
+                  <asvg:svgBlip xmlns="" xmlns:asvg="http://schemas.microsoft.com/office/drawing/2016/SVG/main" r:embed="rId6"/>
                 </a:ext>
               </a:extLst>
             </a:blip>
@@ -12743,7 +12744,7 @@
             <a:blip r:embed="rId3">
               <a:extLst>
                 <a:ext uri="{96DAC541-7B7A-43D3-8B79-37D633B846F1}">
-                  <asvg:svgBlip xmlns:asvg="http://schemas.microsoft.com/office/drawing/2016/SVG/main" xmlns="" r:embed="rId4"/>
+                  <asvg:svgBlip xmlns="" xmlns:asvg="http://schemas.microsoft.com/office/drawing/2016/SVG/main" r:embed="rId4"/>
                 </a:ext>
               </a:extLst>
             </a:blip>
@@ -12779,7 +12780,7 @@
             <a:blip r:embed="rId5">
               <a:extLst>
                 <a:ext uri="{96DAC541-7B7A-43D3-8B79-37D633B846F1}">
-                  <asvg:svgBlip xmlns:asvg="http://schemas.microsoft.com/office/drawing/2016/SVG/main" xmlns="" r:embed="rId6"/>
+                  <asvg:svgBlip xmlns="" xmlns:asvg="http://schemas.microsoft.com/office/drawing/2016/SVG/main" r:embed="rId6"/>
                 </a:ext>
               </a:extLst>
             </a:blip>
@@ -14542,7 +14543,7 @@
                 <a:ea typeface="Lato Light" panose="020F0502020204030203" pitchFamily="34" charset="0"/>
                 <a:cs typeface="Calibri"/>
               </a:rPr>
-              <a:t>Connecting Signals and Slots</a:t>
+              <a:t>Signals and Slots</a:t>
             </a:r>
             <a:endParaRPr lang="en-GB" b="1" dirty="0">
               <a:solidFill>
@@ -14567,119 +14568,156 @@
         </p:nvSpPr>
         <p:spPr>
           <a:xfrm>
-            <a:off x="303058" y="1247775"/>
-            <a:ext cx="8489388" cy="3511385"/>
+            <a:off x="275716" y="908909"/>
+            <a:ext cx="8489388" cy="3808319"/>
           </a:xfrm>
         </p:spPr>
         <p:txBody>
           <a:bodyPr/>
           <a:lstStyle/>
           <a:p>
-            <a:pPr marL="329847" lvl="1" indent="0">
+            <a:pPr marL="342945" lvl="1" indent="0">
               <a:buNone/>
             </a:pPr>
             <a:r>
+              <a:rPr lang="en-US" dirty="0"/>
+              <a:t>A </a:t>
+            </a:r>
+            <a:r>
+              <a:rPr lang="en-US" b="1" dirty="0"/>
+              <a:t>signal</a:t>
+            </a:r>
+            <a:r>
+              <a:rPr lang="en-US" dirty="0"/>
+              <a:t> is a message that an object can send, most of the time to inform of a status change</a:t>
+            </a:r>
+            <a:r>
               <a:rPr lang="en-US" dirty="0" smtClean="0"/>
-              <a:t>O</a:t>
-            </a:r>
+              <a:t>.</a:t>
+            </a:r>
+            <a:endParaRPr lang="en-150" dirty="0" smtClean="0"/>
+          </a:p>
+          <a:p>
+            <a:pPr lvl="2">
+              <a:buFont typeface="Arial" panose="020B0604020202020204" pitchFamily="34" charset="0"/>
+              <a:buChar char="•"/>
+            </a:pPr>
             <a:r>
               <a:rPr lang="en-150" dirty="0" smtClean="0"/>
-              <a:t>ld Syntax:</a:t>
-            </a:r>
-          </a:p>
-          <a:p>
-            <a:pPr marL="329847" lvl="1" indent="0">
+              <a:t>Button emits a clicked signal.</a:t>
+            </a:r>
+          </a:p>
+          <a:p>
+            <a:pPr lvl="2">
+              <a:buFont typeface="Arial" panose="020B0604020202020204" pitchFamily="34" charset="0"/>
+              <a:buChar char="•"/>
+            </a:pPr>
+            <a:r>
+              <a:rPr lang="en-150" dirty="0" smtClean="0"/>
+              <a:t>Timer emits a timeout signal.</a:t>
+            </a:r>
+            <a:endParaRPr lang="en-US" dirty="0"/>
+          </a:p>
+          <a:p>
+            <a:pPr marL="342945" lvl="1" indent="0">
+              <a:buNone/>
+            </a:pPr>
+            <a:r>
+              <a:rPr lang="en-US" dirty="0"/>
+              <a:t>A </a:t>
+            </a:r>
+            <a:r>
+              <a:rPr lang="en-US" b="1" dirty="0"/>
+              <a:t>slot</a:t>
+            </a:r>
+            <a:r>
+              <a:rPr lang="en-US" dirty="0"/>
+              <a:t> is a function that is used to accept and respond to a signal</a:t>
+            </a:r>
+            <a:r>
+              <a:rPr lang="en-US" dirty="0" smtClean="0"/>
+              <a:t>.</a:t>
+            </a:r>
+            <a:endParaRPr lang="en-150" dirty="0" smtClean="0"/>
+          </a:p>
+          <a:p>
+            <a:pPr marL="342945" lvl="1" indent="0">
               <a:buNone/>
             </a:pPr>
             <a:endParaRPr lang="en-150" dirty="0"/>
           </a:p>
           <a:p>
-            <a:pPr marL="329847" lvl="1" indent="0">
+            <a:pPr marL="342945" lvl="1" indent="0">
               <a:buNone/>
             </a:pPr>
             <a:r>
               <a:rPr lang="en-150" dirty="0" smtClean="0"/>
-              <a:t>New connect</a:t>
+              <a:t>Example: </a:t>
+            </a:r>
+            <a:r>
+              <a:rPr lang="en-US" dirty="0"/>
+              <a:t> A media player might have a class that is used to check the progress of the media. An instance of this class might periodically send a </a:t>
+            </a:r>
+            <a:r>
+              <a:rPr lang="en-US" i="1" dirty="0"/>
+              <a:t>tick</a:t>
+            </a:r>
+            <a:r>
+              <a:rPr lang="en-US" dirty="0"/>
+              <a:t> signal, with the progress value. This signal can be connected to a </a:t>
+            </a:r>
+            <a:r>
+              <a:rPr lang="en-US" dirty="0" err="1">
+                <a:hlinkClick r:id="rId3"/>
+              </a:rPr>
+              <a:t>QProgressBar</a:t>
+            </a:r>
+            <a:r>
+              <a:rPr lang="en-US" dirty="0"/>
+              <a:t>, that can be used to display the progress</a:t>
             </a:r>
             <a:r>
               <a:rPr lang="en-US" dirty="0" smtClean="0"/>
-              <a:t> </a:t>
-            </a:r>
-            <a:r>
-              <a:rPr lang="en-US" dirty="0"/>
-              <a:t>to </a:t>
-            </a:r>
-            <a:r>
-              <a:rPr lang="en-US" dirty="0" err="1"/>
-              <a:t>QObject</a:t>
-            </a:r>
-            <a:r>
-              <a:rPr lang="en-US" dirty="0"/>
-              <a:t> </a:t>
-            </a:r>
-            <a:r>
-              <a:rPr lang="en-US" dirty="0" smtClean="0"/>
-              <a:t>member</a:t>
-            </a:r>
+              <a:t>.</a:t>
+            </a:r>
+            <a:endParaRPr lang="en-150" dirty="0" smtClean="0"/>
+          </a:p>
+          <a:p>
+            <a:pPr marL="342945" lvl="1" indent="0">
+              <a:buNone/>
+            </a:pPr>
             <a:r>
               <a:rPr lang="en-150" dirty="0" smtClean="0"/>
-              <a:t> - </a:t>
-            </a:r>
-            <a:r>
-              <a:rPr lang="en-150" dirty="0"/>
-              <a:t>Qt 5 </a:t>
-            </a:r>
-            <a:r>
-              <a:rPr lang="en-150" dirty="0" smtClean="0"/>
-              <a:t>:</a:t>
-            </a:r>
-          </a:p>
-          <a:p>
-            <a:pPr marL="329847" lvl="1" indent="0">
+              <a:t>SIGNAL:					            SLOT:</a:t>
+            </a:r>
+          </a:p>
+          <a:p>
+            <a:pPr marL="342945" lvl="1" indent="0">
               <a:buNone/>
             </a:pPr>
             <a:endParaRPr lang="en-150" dirty="0"/>
           </a:p>
           <a:p>
-            <a:pPr marL="329847" lvl="1" indent="0">
+            <a:pPr marL="342945" lvl="1" indent="0">
               <a:buNone/>
             </a:pPr>
             <a:r>
               <a:rPr lang="en-150" dirty="0" smtClean="0"/>
-              <a:t>New connect to simple function - </a:t>
-            </a:r>
-            <a:r>
-              <a:rPr lang="en-150" dirty="0"/>
-              <a:t>Qt </a:t>
-            </a:r>
-            <a:r>
-              <a:rPr lang="en-150" dirty="0" smtClean="0"/>
-              <a:t>5:</a:t>
-            </a:r>
-          </a:p>
-          <a:p>
-            <a:pPr marL="329847" lvl="1" indent="0">
+              <a:t>CONNECTION:</a:t>
+            </a:r>
+            <a:endParaRPr lang="en-150" dirty="0"/>
+          </a:p>
+          <a:p>
+            <a:pPr marL="342945" lvl="1" indent="0">
               <a:buNone/>
             </a:pPr>
-            <a:endParaRPr lang="en-150" dirty="0"/>
-          </a:p>
-          <a:p>
-            <a:pPr marL="329847" lvl="1" indent="0">
-              <a:buNone/>
-            </a:pPr>
-            <a:endParaRPr lang="en-150" dirty="0" smtClean="0"/>
-          </a:p>
-          <a:p>
-            <a:pPr marL="329847" lvl="1" indent="0">
-              <a:buNone/>
-            </a:pPr>
-            <a:endParaRPr lang="en-150" dirty="0"/>
-          </a:p>
-        </p:txBody>
-      </p:sp>
-      <p:sp>
-        <p:nvSpPr>
-          <p:cNvPr id="5" name="Rectangle 1"/>
+            <a:endParaRPr lang="en-US" dirty="0"/>
+          </a:p>
+        </p:txBody>
+      </p:sp>
+      <p:sp>
+        <p:nvSpPr>
+          <p:cNvPr id="10" name="Rectangle 5"/>
           <p:cNvSpPr>
             <a:spLocks noChangeArrowheads="1"/>
           </p:cNvSpPr>
@@ -14687,8 +14725,8 @@
         </p:nvSpPr>
         <p:spPr bwMode="auto">
           <a:xfrm>
-            <a:off x="567116" y="1568529"/>
-            <a:ext cx="6417141" cy="246221"/>
+            <a:off x="657283" y="3504327"/>
+            <a:ext cx="4238513" cy="276999"/>
           </a:xfrm>
           <a:prstGeom prst="rect">
             <a:avLst/>
@@ -14723,7 +14761,7 @@
           </a:extLst>
         </p:spPr>
         <p:txBody>
-          <a:bodyPr vert="horz" wrap="none" lIns="91440" tIns="45720" rIns="91440" bIns="45720" numCol="1" anchor="ctr" anchorCtr="0" compatLnSpc="1">
+          <a:bodyPr vert="horz" wrap="square" lIns="91440" tIns="45720" rIns="91440" bIns="45720" numCol="1" anchor="ctr" anchorCtr="0" compatLnSpc="1">
             <a:prstTxWarp prst="textNoShape">
               <a:avLst/>
             </a:prstTxWarp>
@@ -14731,178 +14769,179 @@
           </a:bodyPr>
           <a:lstStyle/>
           <a:p>
-            <a:pPr fontAlgn="base">
+            <a:pPr marL="0" marR="0" lvl="0" indent="0" algn="l" defTabSz="914400" rtl="0" eaLnBrk="0" fontAlgn="base" latinLnBrk="0" hangingPunct="0">
+              <a:lnSpc>
+                <a:spcPct val="100000"/>
+              </a:lnSpc>
               <a:spcBef>
-                <a:spcPct val="0"/>
+                <a:spcPct val="30000"/>
               </a:spcBef>
               <a:spcAft>
                 <a:spcPct val="0"/>
               </a:spcAft>
+              <a:buClrTx/>
+              <a:buSzTx/>
+              <a:buFontTx/>
+              <a:buNone/>
+              <a:tabLst/>
             </a:pPr>
             <a:r>
-              <a:rPr lang="de-DE" altLang="de-DE" sz="1000" b="1" dirty="0" err="1">
-                <a:solidFill>
-                  <a:srgbClr val="990099"/>
-                </a:solidFill>
-                <a:latin typeface="Titillium Web"/>
-              </a:rPr>
-              <a:t>connect</a:t>
-            </a:r>
-            <a:r>
-              <a:rPr kumimoji="0" lang="en-150" altLang="de-DE" sz="1000" b="0" i="0" u="none" strike="noStrike" cap="none" normalizeH="0" baseline="0" dirty="0" smtClean="0">
+              <a:rPr kumimoji="0" lang="de-DE" altLang="de-DE" sz="1200" b="0" i="0" u="none" strike="noStrike" cap="none" normalizeH="0" baseline="0" dirty="0" err="1" smtClean="0">
                 <a:ln>
                   <a:noFill/>
                 </a:ln>
                 <a:solidFill>
-                  <a:srgbClr val="000000"/>
+                  <a:srgbClr val="B00040"/>
                 </a:solidFill>
                 <a:effectLst/>
                 <a:latin typeface="Courier New" panose="02070309020205020404" pitchFamily="49" charset="0"/>
                 <a:cs typeface="Courier New" panose="02070309020205020404" pitchFamily="49" charset="0"/>
               </a:rPr>
+              <a:t>void</a:t>
+            </a:r>
+            <a:r>
+              <a:rPr kumimoji="0" lang="de-DE" altLang="de-DE" sz="1200" b="0" i="0" u="none" strike="noStrike" cap="none" normalizeH="0" baseline="0" dirty="0" smtClean="0">
+                <a:ln>
+                  <a:noFill/>
+                </a:ln>
+                <a:solidFill>
+                  <a:srgbClr val="000000"/>
+                </a:solidFill>
+                <a:effectLst/>
+                <a:latin typeface="Courier New" panose="02070309020205020404" pitchFamily="49" charset="0"/>
+                <a:cs typeface="Courier New" panose="02070309020205020404" pitchFamily="49" charset="0"/>
+              </a:rPr>
               <a:t> </a:t>
             </a:r>
             <a:r>
-              <a:rPr lang="de-DE" altLang="de-DE" sz="1000" dirty="0" smtClean="0">
-                <a:solidFill>
-                  <a:srgbClr val="404244"/>
-                </a:solidFill>
-                <a:latin typeface="Titillium Web"/>
-              </a:rPr>
-              <a:t>( </a:t>
-            </a:r>
-            <a:r>
-              <a:rPr lang="de-DE" altLang="de-DE" sz="1000" dirty="0" err="1">
-                <a:solidFill>
-                  <a:srgbClr val="404244"/>
-                </a:solidFill>
-                <a:latin typeface="Titillium Web"/>
-              </a:rPr>
-              <a:t>sender</a:t>
-            </a:r>
-            <a:r>
-              <a:rPr lang="de-DE" altLang="de-DE" sz="1000" dirty="0">
-                <a:solidFill>
-                  <a:srgbClr val="404244"/>
-                </a:solidFill>
-                <a:latin typeface="Titillium Web"/>
-              </a:rPr>
-              <a:t>, SIGNAL( </a:t>
-            </a:r>
-            <a:r>
-              <a:rPr lang="de-DE" altLang="de-DE" sz="1000" dirty="0" err="1">
-                <a:solidFill>
-                  <a:srgbClr val="404244"/>
-                </a:solidFill>
-                <a:latin typeface="Titillium Web"/>
-              </a:rPr>
-              <a:t>valueChanged</a:t>
-            </a:r>
-            <a:r>
-              <a:rPr lang="de-DE" altLang="de-DE" sz="1000" dirty="0">
-                <a:solidFill>
-                  <a:srgbClr val="404244"/>
-                </a:solidFill>
-                <a:latin typeface="Titillium Web"/>
-              </a:rPr>
-              <a:t>( </a:t>
-            </a:r>
-            <a:r>
-              <a:rPr lang="de-DE" altLang="de-DE" sz="1000" dirty="0" err="1">
-                <a:solidFill>
-                  <a:srgbClr val="404244"/>
-                </a:solidFill>
-                <a:latin typeface="Titillium Web"/>
-              </a:rPr>
-              <a:t>QString</a:t>
-            </a:r>
-            <a:r>
-              <a:rPr lang="de-DE" altLang="de-DE" sz="1000" dirty="0">
-                <a:solidFill>
-                  <a:srgbClr val="404244"/>
-                </a:solidFill>
-                <a:latin typeface="Titillium Web"/>
-              </a:rPr>
-              <a:t>, </a:t>
-            </a:r>
-            <a:r>
-              <a:rPr lang="de-DE" altLang="de-DE" sz="1000" dirty="0" err="1">
-                <a:solidFill>
-                  <a:srgbClr val="404244"/>
-                </a:solidFill>
-                <a:latin typeface="Titillium Web"/>
-              </a:rPr>
-              <a:t>QString</a:t>
-            </a:r>
-            <a:r>
-              <a:rPr lang="de-DE" altLang="de-DE" sz="1000" dirty="0">
-                <a:solidFill>
-                  <a:srgbClr val="404244"/>
-                </a:solidFill>
-                <a:latin typeface="Titillium Web"/>
-              </a:rPr>
-              <a:t> ) ), </a:t>
-            </a:r>
-            <a:r>
-              <a:rPr lang="de-DE" altLang="de-DE" sz="1000" dirty="0" err="1">
-                <a:solidFill>
-                  <a:srgbClr val="404244"/>
-                </a:solidFill>
-                <a:latin typeface="Titillium Web"/>
-              </a:rPr>
-              <a:t>receiver</a:t>
-            </a:r>
-            <a:r>
-              <a:rPr lang="de-DE" altLang="de-DE" sz="1000" dirty="0">
-                <a:solidFill>
-                  <a:srgbClr val="404244"/>
-                </a:solidFill>
-                <a:latin typeface="Titillium Web"/>
-              </a:rPr>
-              <a:t>, SLOT( </a:t>
-            </a:r>
-            <a:r>
-              <a:rPr lang="de-DE" altLang="de-DE" sz="1000" dirty="0" err="1">
-                <a:solidFill>
-                  <a:srgbClr val="404244"/>
-                </a:solidFill>
-                <a:latin typeface="Titillium Web"/>
-              </a:rPr>
-              <a:t>updateValue</a:t>
-            </a:r>
-            <a:r>
-              <a:rPr lang="de-DE" altLang="de-DE" sz="1000" dirty="0">
-                <a:solidFill>
-                  <a:srgbClr val="404244"/>
-                </a:solidFill>
-                <a:latin typeface="Titillium Web"/>
-              </a:rPr>
-              <a:t>( </a:t>
-            </a:r>
-            <a:r>
-              <a:rPr lang="de-DE" altLang="de-DE" sz="1000" dirty="0" err="1">
-                <a:solidFill>
-                  <a:srgbClr val="404244"/>
-                </a:solidFill>
-                <a:latin typeface="Titillium Web"/>
-              </a:rPr>
-              <a:t>QString</a:t>
-            </a:r>
-            <a:r>
-              <a:rPr lang="de-DE" altLang="de-DE" sz="1000" dirty="0">
-                <a:solidFill>
-                  <a:srgbClr val="404244"/>
-                </a:solidFill>
-                <a:latin typeface="Titillium Web"/>
-              </a:rPr>
-              <a:t> ) ) ); </a:t>
-            </a:r>
-          </a:p>
-        </p:txBody>
-      </p:sp>
-      <p:sp>
-        <p:nvSpPr>
-          <p:cNvPr id="7" name="Rectangle 2"/>
+              <a:rPr kumimoji="0" lang="de-DE" altLang="de-DE" sz="1200" b="0" i="0" u="none" strike="noStrike" cap="none" normalizeH="0" baseline="0" dirty="0" err="1" smtClean="0">
+                <a:ln>
+                  <a:noFill/>
+                </a:ln>
+                <a:solidFill>
+                  <a:schemeClr val="tx1"/>
+                </a:solidFill>
+                <a:effectLst/>
+                <a:latin typeface="Arial" panose="020B0604020202020204" pitchFamily="34" charset="0"/>
+              </a:rPr>
+              <a:t>MediaProgressManager</a:t>
+            </a:r>
+            <a:r>
+              <a:rPr lang="en-150" altLang="de-DE" sz="1200" dirty="0">
+                <a:latin typeface="Arial" panose="020B0604020202020204" pitchFamily="34" charset="0"/>
+              </a:rPr>
+              <a:t>::</a:t>
+            </a:r>
+            <a:r>
+              <a:rPr kumimoji="0" lang="de-DE" altLang="de-DE" sz="1200" b="0" i="0" u="none" strike="noStrike" cap="none" normalizeH="0" baseline="0" dirty="0" smtClean="0">
+                <a:ln>
+                  <a:noFill/>
+                </a:ln>
+                <a:solidFill>
+                  <a:schemeClr val="tx1"/>
+                </a:solidFill>
+                <a:effectLst/>
+                <a:latin typeface="Arial" panose="020B0604020202020204" pitchFamily="34" charset="0"/>
+              </a:rPr>
+              <a:t>tick</a:t>
+            </a:r>
+            <a:r>
+              <a:rPr kumimoji="0" lang="de-DE" altLang="de-DE" sz="1200" b="0" i="0" u="none" strike="noStrike" cap="none" normalizeH="0" baseline="0" dirty="0" smtClean="0">
+                <a:ln>
+                  <a:noFill/>
+                </a:ln>
+                <a:solidFill>
+                  <a:srgbClr val="000000"/>
+                </a:solidFill>
+                <a:effectLst/>
+                <a:latin typeface="Courier New" panose="02070309020205020404" pitchFamily="49" charset="0"/>
+                <a:cs typeface="Courier New" panose="02070309020205020404" pitchFamily="49" charset="0"/>
+              </a:rPr>
+              <a:t>(</a:t>
+            </a:r>
+            <a:r>
+              <a:rPr kumimoji="0" lang="de-DE" altLang="de-DE" sz="1200" b="0" i="0" u="none" strike="noStrike" cap="none" normalizeH="0" baseline="0" dirty="0" err="1" smtClean="0">
+                <a:ln>
+                  <a:noFill/>
+                </a:ln>
+                <a:solidFill>
+                  <a:srgbClr val="B00040"/>
+                </a:solidFill>
+                <a:effectLst/>
+                <a:latin typeface="Courier New" panose="02070309020205020404" pitchFamily="49" charset="0"/>
+                <a:cs typeface="Courier New" panose="02070309020205020404" pitchFamily="49" charset="0"/>
+              </a:rPr>
+              <a:t>int</a:t>
+            </a:r>
+            <a:r>
+              <a:rPr kumimoji="0" lang="de-DE" altLang="de-DE" sz="1200" b="0" i="0" u="none" strike="noStrike" cap="none" normalizeH="0" baseline="0" dirty="0" smtClean="0">
+                <a:ln>
+                  <a:noFill/>
+                </a:ln>
+                <a:solidFill>
+                  <a:srgbClr val="000000"/>
+                </a:solidFill>
+                <a:effectLst/>
+                <a:latin typeface="Courier New" panose="02070309020205020404" pitchFamily="49" charset="0"/>
+                <a:cs typeface="Courier New" panose="02070309020205020404" pitchFamily="49" charset="0"/>
+              </a:rPr>
+              <a:t> </a:t>
+            </a:r>
+            <a:r>
+              <a:rPr kumimoji="0" lang="de-DE" altLang="de-DE" sz="1200" b="0" i="0" u="none" strike="noStrike" cap="none" normalizeH="0" baseline="0" dirty="0" err="1" smtClean="0">
+                <a:ln>
+                  <a:noFill/>
+                </a:ln>
+                <a:solidFill>
+                  <a:schemeClr val="tx1"/>
+                </a:solidFill>
+                <a:effectLst/>
+                <a:latin typeface="Arial" panose="020B0604020202020204" pitchFamily="34" charset="0"/>
+              </a:rPr>
+              <a:t>miliseconds</a:t>
+            </a:r>
+            <a:r>
+              <a:rPr kumimoji="0" lang="de-DE" altLang="de-DE" sz="1200" b="0" i="0" u="none" strike="noStrike" cap="none" normalizeH="0" baseline="0" dirty="0" smtClean="0">
+                <a:ln>
+                  <a:noFill/>
+                </a:ln>
+                <a:solidFill>
+                  <a:srgbClr val="000000"/>
+                </a:solidFill>
+                <a:effectLst/>
+                <a:latin typeface="Courier New" panose="02070309020205020404" pitchFamily="49" charset="0"/>
+                <a:cs typeface="Courier New" panose="02070309020205020404" pitchFamily="49" charset="0"/>
+              </a:rPr>
+              <a:t>);</a:t>
+            </a:r>
+            <a:r>
+              <a:rPr kumimoji="0" lang="de-DE" altLang="de-DE" sz="600" b="0" i="0" u="none" strike="noStrike" cap="none" normalizeH="0" baseline="0" dirty="0" smtClean="0">
+                <a:ln>
+                  <a:noFill/>
+                </a:ln>
+                <a:solidFill>
+                  <a:schemeClr val="tx1"/>
+                </a:solidFill>
+                <a:effectLst/>
+              </a:rPr>
+              <a:t> </a:t>
+            </a:r>
+            <a:endParaRPr kumimoji="0" lang="de-DE" altLang="de-DE" sz="1800" b="0" i="0" u="none" strike="noStrike" cap="none" normalizeH="0" baseline="0" dirty="0" smtClean="0">
+              <a:ln>
+                <a:noFill/>
+              </a:ln>
+              <a:solidFill>
+                <a:schemeClr val="tx1"/>
+              </a:solidFill>
+              <a:effectLst/>
+              <a:latin typeface="Arial" panose="020B0604020202020204" pitchFamily="34" charset="0"/>
+            </a:endParaRPr>
+          </a:p>
+        </p:txBody>
+      </p:sp>
+      <p:sp>
+        <p:nvSpPr>
+          <p:cNvPr id="12" name="Rectangle 7"/>
           <p:cNvSpPr>
             <a:spLocks noChangeArrowheads="1"/>
           </p:cNvSpPr>
@@ -14910,8 +14949,8 @@
         </p:nvSpPr>
         <p:spPr bwMode="auto">
           <a:xfrm>
-            <a:off x="567116" y="2111928"/>
-            <a:ext cx="4719562" cy="246221"/>
+            <a:off x="4830184" y="3512380"/>
+            <a:ext cx="3356386" cy="276999"/>
           </a:xfrm>
           <a:prstGeom prst="rect">
             <a:avLst/>
@@ -14946,7 +14985,7 @@
           </a:extLst>
         </p:spPr>
         <p:txBody>
-          <a:bodyPr vert="horz" wrap="none" lIns="91440" tIns="45720" rIns="91440" bIns="45720" numCol="1" anchor="ctr" anchorCtr="0" compatLnSpc="1">
+          <a:bodyPr vert="horz" wrap="square" lIns="91440" tIns="45720" rIns="91440" bIns="45720" numCol="1" anchor="ctr" anchorCtr="0" compatLnSpc="1">
             <a:prstTxWarp prst="textNoShape">
               <a:avLst/>
             </a:prstTxWarp>
@@ -14954,12 +14993,12 @@
           </a:bodyPr>
           <a:lstStyle/>
           <a:p>
-            <a:pPr marR="0" lvl="0" indent="0" fontAlgn="base">
+            <a:pPr marL="0" marR="0" lvl="0" indent="0" algn="l" defTabSz="914400" rtl="0" eaLnBrk="0" fontAlgn="base" latinLnBrk="0" hangingPunct="0">
               <a:lnSpc>
                 <a:spcPct val="100000"/>
               </a:lnSpc>
               <a:spcBef>
-                <a:spcPct val="0"/>
+                <a:spcPct val="30000"/>
               </a:spcBef>
               <a:spcAft>
                 <a:spcPct val="0"/>
@@ -14971,110 +15010,162 @@
               <a:tabLst/>
             </a:pPr>
             <a:r>
-              <a:rPr lang="de-DE" altLang="de-DE" sz="1000" b="1" dirty="0" err="1" smtClean="0">
-                <a:solidFill>
-                  <a:srgbClr val="990099"/>
-                </a:solidFill>
-                <a:latin typeface="Titillium Web"/>
-              </a:rPr>
-              <a:t>connect</a:t>
-            </a:r>
-            <a:r>
-              <a:rPr lang="en-150" altLang="de-DE" sz="1000" b="1" dirty="0" smtClean="0">
-                <a:solidFill>
-                  <a:srgbClr val="990099"/>
-                </a:solidFill>
-                <a:latin typeface="Titillium Web"/>
+              <a:rPr kumimoji="0" lang="de-DE" altLang="de-DE" sz="1200" b="0" i="0" u="none" strike="noStrike" cap="none" normalizeH="0" baseline="0" dirty="0" err="1" smtClean="0">
+                <a:ln>
+                  <a:noFill/>
+                </a:ln>
+                <a:solidFill>
+                  <a:srgbClr val="B00040"/>
+                </a:solidFill>
+                <a:effectLst/>
+                <a:latin typeface="Courier New" panose="02070309020205020404" pitchFamily="49" charset="0"/>
+                <a:cs typeface="Courier New" panose="02070309020205020404" pitchFamily="49" charset="0"/>
+              </a:rPr>
+              <a:t>void</a:t>
+            </a:r>
+            <a:r>
+              <a:rPr kumimoji="0" lang="de-DE" altLang="de-DE" sz="1200" b="0" i="0" u="none" strike="noStrike" cap="none" normalizeH="0" baseline="0" dirty="0" smtClean="0">
+                <a:ln>
+                  <a:noFill/>
+                </a:ln>
+                <a:solidFill>
+                  <a:srgbClr val="000000"/>
+                </a:solidFill>
+                <a:effectLst/>
+                <a:latin typeface="Courier New" panose="02070309020205020404" pitchFamily="49" charset="0"/>
+                <a:cs typeface="Courier New" panose="02070309020205020404" pitchFamily="49" charset="0"/>
               </a:rPr>
               <a:t> </a:t>
             </a:r>
             <a:r>
-              <a:rPr lang="de-DE" altLang="de-DE" sz="1000" dirty="0" smtClean="0">
-                <a:solidFill>
-                  <a:srgbClr val="404244"/>
-                </a:solidFill>
-                <a:latin typeface="Titillium Web"/>
-              </a:rPr>
-              <a:t>( </a:t>
-            </a:r>
-            <a:r>
-              <a:rPr lang="de-DE" altLang="de-DE" sz="1000" dirty="0" err="1">
-                <a:solidFill>
-                  <a:srgbClr val="404244"/>
-                </a:solidFill>
-                <a:latin typeface="Titillium Web"/>
-              </a:rPr>
-              <a:t>sender</a:t>
-            </a:r>
-            <a:r>
-              <a:rPr lang="de-DE" altLang="de-DE" sz="1000" dirty="0">
-                <a:solidFill>
-                  <a:srgbClr val="404244"/>
-                </a:solidFill>
-                <a:latin typeface="Titillium Web"/>
-              </a:rPr>
-              <a:t>, &amp;Sender::</a:t>
-            </a:r>
-            <a:r>
-              <a:rPr lang="de-DE" altLang="de-DE" sz="1000" dirty="0" err="1">
-                <a:solidFill>
-                  <a:srgbClr val="404244"/>
-                </a:solidFill>
-                <a:latin typeface="Titillium Web"/>
-              </a:rPr>
-              <a:t>valueChanged</a:t>
-            </a:r>
-            <a:r>
-              <a:rPr lang="de-DE" altLang="de-DE" sz="1000" dirty="0">
-                <a:solidFill>
-                  <a:srgbClr val="404244"/>
-                </a:solidFill>
-                <a:latin typeface="Titillium Web"/>
-              </a:rPr>
-              <a:t>, </a:t>
-            </a:r>
-            <a:r>
-              <a:rPr lang="de-DE" altLang="de-DE" sz="1000" dirty="0" err="1">
-                <a:solidFill>
-                  <a:srgbClr val="404244"/>
-                </a:solidFill>
-                <a:latin typeface="Titillium Web"/>
-              </a:rPr>
-              <a:t>receiver</a:t>
-            </a:r>
-            <a:r>
-              <a:rPr lang="de-DE" altLang="de-DE" sz="1000" dirty="0">
-                <a:solidFill>
-                  <a:srgbClr val="404244"/>
-                </a:solidFill>
-                <a:latin typeface="Titillium Web"/>
-              </a:rPr>
-              <a:t>, &amp;Receiver::</a:t>
-            </a:r>
-            <a:r>
-              <a:rPr lang="de-DE" altLang="de-DE" sz="1000" dirty="0" err="1">
-                <a:solidFill>
-                  <a:srgbClr val="404244"/>
-                </a:solidFill>
-                <a:latin typeface="Titillium Web"/>
-              </a:rPr>
-              <a:t>updateValue</a:t>
-            </a:r>
-            <a:r>
-              <a:rPr lang="de-DE" altLang="de-DE" sz="1000" dirty="0">
-                <a:solidFill>
-                  <a:srgbClr val="404244"/>
-                </a:solidFill>
-                <a:latin typeface="Titillium Web"/>
-              </a:rPr>
-              <a:t> ); </a:t>
-            </a:r>
-          </a:p>
-        </p:txBody>
-      </p:sp>
-      <p:sp>
-        <p:nvSpPr>
-          <p:cNvPr id="9" name="Rectangle 4"/>
+              <a:rPr kumimoji="0" lang="de-DE" altLang="de-DE" sz="1200" b="0" i="0" u="none" strike="noStrike" cap="none" normalizeH="0" baseline="0" dirty="0" err="1" smtClean="0">
+                <a:ln>
+                  <a:noFill/>
+                </a:ln>
+                <a:solidFill>
+                  <a:schemeClr val="tx1"/>
+                </a:solidFill>
+                <a:effectLst/>
+                <a:latin typeface="Arial" panose="020B0604020202020204" pitchFamily="34" charset="0"/>
+              </a:rPr>
+              <a:t>QProgressBar</a:t>
+            </a:r>
+            <a:r>
+              <a:rPr lang="de-DE" altLang="de-DE" sz="1200" dirty="0">
+                <a:latin typeface="Arial" panose="020B0604020202020204" pitchFamily="34" charset="0"/>
+              </a:rPr>
+              <a:t>::</a:t>
+            </a:r>
+            <a:r>
+              <a:rPr kumimoji="0" lang="de-DE" altLang="de-DE" sz="1200" b="0" i="0" u="none" strike="noStrike" cap="none" normalizeH="0" baseline="0" dirty="0" err="1" smtClean="0">
+                <a:ln>
+                  <a:noFill/>
+                </a:ln>
+                <a:solidFill>
+                  <a:schemeClr val="tx1"/>
+                </a:solidFill>
+                <a:effectLst/>
+                <a:latin typeface="Arial" panose="020B0604020202020204" pitchFamily="34" charset="0"/>
+              </a:rPr>
+              <a:t>setValue</a:t>
+            </a:r>
+            <a:r>
+              <a:rPr kumimoji="0" lang="de-DE" altLang="de-DE" sz="1200" b="0" i="0" u="none" strike="noStrike" cap="none" normalizeH="0" baseline="0" dirty="0" smtClean="0">
+                <a:ln>
+                  <a:noFill/>
+                </a:ln>
+                <a:solidFill>
+                  <a:srgbClr val="000000"/>
+                </a:solidFill>
+                <a:effectLst/>
+                <a:latin typeface="Courier New" panose="02070309020205020404" pitchFamily="49" charset="0"/>
+                <a:cs typeface="Courier New" panose="02070309020205020404" pitchFamily="49" charset="0"/>
+              </a:rPr>
+              <a:t>(</a:t>
+            </a:r>
+            <a:r>
+              <a:rPr kumimoji="0" lang="de-DE" altLang="de-DE" sz="1200" b="0" i="0" u="none" strike="noStrike" cap="none" normalizeH="0" baseline="0" dirty="0" err="1" smtClean="0">
+                <a:ln>
+                  <a:noFill/>
+                </a:ln>
+                <a:solidFill>
+                  <a:srgbClr val="B00040"/>
+                </a:solidFill>
+                <a:effectLst/>
+                <a:latin typeface="Courier New" panose="02070309020205020404" pitchFamily="49" charset="0"/>
+                <a:cs typeface="Courier New" panose="02070309020205020404" pitchFamily="49" charset="0"/>
+              </a:rPr>
+              <a:t>int</a:t>
+            </a:r>
+            <a:r>
+              <a:rPr kumimoji="0" lang="de-DE" altLang="de-DE" sz="1200" b="0" i="0" u="none" strike="noStrike" cap="none" normalizeH="0" baseline="0" dirty="0" smtClean="0">
+                <a:ln>
+                  <a:noFill/>
+                </a:ln>
+                <a:solidFill>
+                  <a:srgbClr val="000000"/>
+                </a:solidFill>
+                <a:effectLst/>
+                <a:latin typeface="Courier New" panose="02070309020205020404" pitchFamily="49" charset="0"/>
+                <a:cs typeface="Courier New" panose="02070309020205020404" pitchFamily="49" charset="0"/>
+              </a:rPr>
+              <a:t> </a:t>
+            </a:r>
+            <a:r>
+              <a:rPr kumimoji="0" lang="de-DE" altLang="de-DE" sz="1200" b="0" i="0" u="none" strike="noStrike" cap="none" normalizeH="0" baseline="0" dirty="0" err="1" smtClean="0">
+                <a:ln>
+                  <a:noFill/>
+                </a:ln>
+                <a:solidFill>
+                  <a:schemeClr val="tx1"/>
+                </a:solidFill>
+                <a:effectLst/>
+                <a:latin typeface="Arial" panose="020B0604020202020204" pitchFamily="34" charset="0"/>
+              </a:rPr>
+              <a:t>value</a:t>
+            </a:r>
+            <a:r>
+              <a:rPr kumimoji="0" lang="de-DE" altLang="de-DE" sz="1200" b="0" i="0" u="none" strike="noStrike" cap="none" normalizeH="0" baseline="0" dirty="0" smtClean="0">
+                <a:ln>
+                  <a:noFill/>
+                </a:ln>
+                <a:solidFill>
+                  <a:srgbClr val="000000"/>
+                </a:solidFill>
+                <a:effectLst/>
+                <a:latin typeface="Courier New" panose="02070309020205020404" pitchFamily="49" charset="0"/>
+                <a:cs typeface="Courier New" panose="02070309020205020404" pitchFamily="49" charset="0"/>
+              </a:rPr>
+              <a:t>);</a:t>
+            </a:r>
+            <a:r>
+              <a:rPr kumimoji="0" lang="de-DE" altLang="de-DE" sz="600" b="0" i="0" u="none" strike="noStrike" cap="none" normalizeH="0" baseline="0" dirty="0" smtClean="0">
+                <a:ln>
+                  <a:noFill/>
+                </a:ln>
+                <a:solidFill>
+                  <a:schemeClr val="tx1"/>
+                </a:solidFill>
+                <a:effectLst/>
+              </a:rPr>
+              <a:t> </a:t>
+            </a:r>
+            <a:endParaRPr kumimoji="0" lang="de-DE" altLang="de-DE" sz="1800" b="0" i="0" u="none" strike="noStrike" cap="none" normalizeH="0" baseline="0" dirty="0" smtClean="0">
+              <a:ln>
+                <a:noFill/>
+              </a:ln>
+              <a:solidFill>
+                <a:schemeClr val="tx1"/>
+              </a:solidFill>
+              <a:effectLst/>
+              <a:latin typeface="Arial" panose="020B0604020202020204" pitchFamily="34" charset="0"/>
+            </a:endParaRPr>
+          </a:p>
+        </p:txBody>
+      </p:sp>
+      <p:sp>
+        <p:nvSpPr>
+          <p:cNvPr id="14" name="Rectangle 9"/>
           <p:cNvSpPr>
             <a:spLocks noChangeArrowheads="1"/>
           </p:cNvSpPr>
@@ -15082,8 +15173,8 @@
         </p:nvSpPr>
         <p:spPr bwMode="auto">
           <a:xfrm>
-            <a:off x="567116" y="2747621"/>
-            <a:ext cx="3746538" cy="246221"/>
+            <a:off x="657283" y="4098671"/>
+            <a:ext cx="6718151" cy="276999"/>
           </a:xfrm>
           <a:prstGeom prst="rect">
             <a:avLst/>
@@ -15118,171 +15209,147 @@
           </a:extLst>
         </p:spPr>
         <p:txBody>
-          <a:bodyPr vert="horz" wrap="none" lIns="91440" tIns="45720" rIns="91440" bIns="45720" numCol="1" anchor="ctr" anchorCtr="0" compatLnSpc="1">
-            <a:prstTxWarp prst="textNoShape">
-              <a:avLst/>
-            </a:prstTxWarp>
-            <a:spAutoFit/>
-          </a:bodyPr>
-          <a:lstStyle/>
-          <a:p>
-            <a:pPr fontAlgn="base">
-              <a:spcBef>
-                <a:spcPct val="0"/>
-              </a:spcBef>
-              <a:spcAft>
-                <a:spcPct val="0"/>
-              </a:spcAft>
-            </a:pPr>
-            <a:r>
-              <a:rPr lang="de-DE" altLang="de-DE" sz="1000" b="1" dirty="0" err="1">
-                <a:solidFill>
-                  <a:srgbClr val="990099"/>
-                </a:solidFill>
-                <a:latin typeface="Titillium Web"/>
-              </a:rPr>
-              <a:t>connect</a:t>
-            </a:r>
-            <a:r>
-              <a:rPr kumimoji="0" lang="en-150" altLang="de-DE" sz="1000" b="0" i="0" u="none" strike="noStrike" cap="none" normalizeH="0" baseline="0" dirty="0" smtClean="0">
-                <a:ln>
-                  <a:noFill/>
-                </a:ln>
-                <a:solidFill>
-                  <a:srgbClr val="000000"/>
-                </a:solidFill>
-                <a:effectLst/>
-                <a:latin typeface="Courier New" panose="02070309020205020404" pitchFamily="49" charset="0"/>
-                <a:cs typeface="Courier New" panose="02070309020205020404" pitchFamily="49" charset="0"/>
-              </a:rPr>
-              <a:t> </a:t>
-            </a:r>
-            <a:r>
-              <a:rPr lang="de-DE" altLang="de-DE" sz="1000" dirty="0" smtClean="0">
-                <a:solidFill>
-                  <a:srgbClr val="404244"/>
-                </a:solidFill>
-                <a:latin typeface="Titillium Web"/>
-              </a:rPr>
-              <a:t>( </a:t>
-            </a:r>
-            <a:r>
-              <a:rPr lang="de-DE" altLang="de-DE" sz="1000" dirty="0" err="1">
-                <a:solidFill>
-                  <a:srgbClr val="404244"/>
-                </a:solidFill>
-                <a:latin typeface="Titillium Web"/>
-              </a:rPr>
-              <a:t>sender</a:t>
-            </a:r>
-            <a:r>
-              <a:rPr lang="de-DE" altLang="de-DE" sz="1000" dirty="0">
-                <a:solidFill>
-                  <a:srgbClr val="404244"/>
-                </a:solidFill>
-                <a:latin typeface="Titillium Web"/>
-              </a:rPr>
-              <a:t>, &amp;Sender::</a:t>
-            </a:r>
-            <a:r>
-              <a:rPr lang="de-DE" altLang="de-DE" sz="1000" dirty="0" err="1">
-                <a:solidFill>
-                  <a:srgbClr val="404244"/>
-                </a:solidFill>
-                <a:latin typeface="Titillium Web"/>
-              </a:rPr>
-              <a:t>valueChanged</a:t>
-            </a:r>
-            <a:r>
-              <a:rPr lang="de-DE" altLang="de-DE" sz="1000" dirty="0">
-                <a:solidFill>
-                  <a:srgbClr val="404244"/>
-                </a:solidFill>
-                <a:latin typeface="Titillium Web"/>
-              </a:rPr>
-              <a:t>, </a:t>
-            </a:r>
-            <a:r>
-              <a:rPr lang="de-DE" altLang="de-DE" sz="1000" dirty="0" err="1">
-                <a:solidFill>
-                  <a:srgbClr val="404244"/>
-                </a:solidFill>
-                <a:latin typeface="Titillium Web"/>
-              </a:rPr>
-              <a:t>someFunction</a:t>
-            </a:r>
-            <a:r>
-              <a:rPr lang="de-DE" altLang="de-DE" sz="1000" dirty="0">
-                <a:solidFill>
-                  <a:srgbClr val="404244"/>
-                </a:solidFill>
-                <a:latin typeface="Titillium Web"/>
-              </a:rPr>
-              <a:t> ); </a:t>
-            </a:r>
-          </a:p>
-        </p:txBody>
-      </p:sp>
-      <p:sp>
-        <p:nvSpPr>
-          <p:cNvPr id="10" name="Rectangle 5"/>
-          <p:cNvSpPr>
-            <a:spLocks noChangeArrowheads="1"/>
-          </p:cNvSpPr>
-          <p:nvPr/>
-        </p:nvSpPr>
-        <p:spPr bwMode="auto">
-          <a:xfrm>
-            <a:off x="567116" y="3158544"/>
-            <a:ext cx="5673687" cy="400110"/>
-          </a:xfrm>
-          <a:prstGeom prst="rect">
-            <a:avLst/>
-          </a:prstGeom>
-          <a:solidFill>
-            <a:srgbClr val="F8F9FA"/>
-          </a:solidFill>
-          <a:ln>
-            <a:noFill/>
-          </a:ln>
-          <a:effectLst/>
-          <a:extLst>
-            <a:ext uri="{91240B29-F687-4F45-9708-019B960494DF}">
-              <a14:hiddenLine xmlns:a14="http://schemas.microsoft.com/office/drawing/2010/main" w="9525">
-                <a:solidFill>
-                  <a:schemeClr val="tx1"/>
-                </a:solidFill>
-                <a:miter lim="800000"/>
-                <a:headEnd/>
-                <a:tailEnd/>
-              </a14:hiddenLine>
-            </a:ext>
-            <a:ext uri="{AF507438-7753-43E0-B8FC-AC1667EBCBE1}">
-              <a14:hiddenEffects xmlns:a14="http://schemas.microsoft.com/office/drawing/2010/main">
-                <a:effectLst>
-                  <a:outerShdw dist="35921" dir="2700000" algn="ctr" rotWithShape="0">
-                    <a:schemeClr val="bg2"/>
-                  </a:outerShdw>
-                </a:effectLst>
-              </a14:hiddenEffects>
-            </a:ext>
-          </a:extLst>
-        </p:spPr>
-        <p:txBody>
           <a:bodyPr vert="horz" wrap="square" lIns="91440" tIns="45720" rIns="91440" bIns="45720" numCol="1" anchor="ctr" anchorCtr="0" compatLnSpc="1">
             <a:prstTxWarp prst="textNoShape">
               <a:avLst/>
             </a:prstTxWarp>
             <a:spAutoFit/>
           </a:bodyPr>
-          <a:lstStyle/>
-          <a:p>
-            <a:pPr marR="0" lvl="0" indent="0" fontAlgn="base">
+          <a:lstStyle>
+            <a:lvl1pPr eaLnBrk="0" fontAlgn="base" hangingPunct="0">
+              <a:spcBef>
+                <a:spcPct val="30000"/>
+              </a:spcBef>
+              <a:spcAft>
+                <a:spcPct val="0"/>
+              </a:spcAft>
+              <a:defRPr sz="1200">
+                <a:solidFill>
+                  <a:schemeClr val="tx1"/>
+                </a:solidFill>
+                <a:latin typeface="Arial" panose="020B0604020202020204" pitchFamily="34" charset="0"/>
+              </a:defRPr>
+            </a:lvl1pPr>
+            <a:lvl2pPr marL="457200" eaLnBrk="0" fontAlgn="base" hangingPunct="0">
+              <a:spcBef>
+                <a:spcPct val="30000"/>
+              </a:spcBef>
+              <a:spcAft>
+                <a:spcPct val="0"/>
+              </a:spcAft>
+              <a:defRPr sz="1200">
+                <a:solidFill>
+                  <a:schemeClr val="tx1"/>
+                </a:solidFill>
+                <a:latin typeface="Arial" panose="020B0604020202020204" pitchFamily="34" charset="0"/>
+              </a:defRPr>
+            </a:lvl2pPr>
+            <a:lvl3pPr marL="914400" eaLnBrk="0" fontAlgn="base" hangingPunct="0">
+              <a:spcBef>
+                <a:spcPct val="30000"/>
+              </a:spcBef>
+              <a:spcAft>
+                <a:spcPct val="0"/>
+              </a:spcAft>
+              <a:defRPr sz="1200">
+                <a:solidFill>
+                  <a:schemeClr val="tx1"/>
+                </a:solidFill>
+                <a:latin typeface="Arial" panose="020B0604020202020204" pitchFamily="34" charset="0"/>
+              </a:defRPr>
+            </a:lvl3pPr>
+            <a:lvl4pPr marL="1371600" eaLnBrk="0" fontAlgn="base" hangingPunct="0">
+              <a:spcBef>
+                <a:spcPct val="30000"/>
+              </a:spcBef>
+              <a:spcAft>
+                <a:spcPct val="0"/>
+              </a:spcAft>
+              <a:defRPr sz="1200">
+                <a:solidFill>
+                  <a:schemeClr val="tx1"/>
+                </a:solidFill>
+                <a:latin typeface="Arial" panose="020B0604020202020204" pitchFamily="34" charset="0"/>
+              </a:defRPr>
+            </a:lvl4pPr>
+            <a:lvl5pPr marL="1828800" eaLnBrk="0" fontAlgn="base" hangingPunct="0">
+              <a:spcBef>
+                <a:spcPct val="30000"/>
+              </a:spcBef>
+              <a:spcAft>
+                <a:spcPct val="0"/>
+              </a:spcAft>
+              <a:defRPr sz="1200">
+                <a:solidFill>
+                  <a:schemeClr val="tx1"/>
+                </a:solidFill>
+                <a:latin typeface="Arial" panose="020B0604020202020204" pitchFamily="34" charset="0"/>
+              </a:defRPr>
+            </a:lvl5pPr>
+            <a:lvl6pPr marL="2286000" eaLnBrk="0" fontAlgn="base" hangingPunct="0">
+              <a:spcBef>
+                <a:spcPct val="30000"/>
+              </a:spcBef>
+              <a:spcAft>
+                <a:spcPct val="0"/>
+              </a:spcAft>
+              <a:defRPr sz="1200">
+                <a:solidFill>
+                  <a:schemeClr val="tx1"/>
+                </a:solidFill>
+                <a:latin typeface="Arial" panose="020B0604020202020204" pitchFamily="34" charset="0"/>
+              </a:defRPr>
+            </a:lvl6pPr>
+            <a:lvl7pPr marL="2743200" eaLnBrk="0" fontAlgn="base" hangingPunct="0">
+              <a:spcBef>
+                <a:spcPct val="30000"/>
+              </a:spcBef>
+              <a:spcAft>
+                <a:spcPct val="0"/>
+              </a:spcAft>
+              <a:defRPr sz="1200">
+                <a:solidFill>
+                  <a:schemeClr val="tx1"/>
+                </a:solidFill>
+                <a:latin typeface="Arial" panose="020B0604020202020204" pitchFamily="34" charset="0"/>
+              </a:defRPr>
+            </a:lvl7pPr>
+            <a:lvl8pPr marL="3200400" eaLnBrk="0" fontAlgn="base" hangingPunct="0">
+              <a:spcBef>
+                <a:spcPct val="30000"/>
+              </a:spcBef>
+              <a:spcAft>
+                <a:spcPct val="0"/>
+              </a:spcAft>
+              <a:defRPr sz="1200">
+                <a:solidFill>
+                  <a:schemeClr val="tx1"/>
+                </a:solidFill>
+                <a:latin typeface="Arial" panose="020B0604020202020204" pitchFamily="34" charset="0"/>
+              </a:defRPr>
+            </a:lvl8pPr>
+            <a:lvl9pPr marL="3657600" eaLnBrk="0" fontAlgn="base" hangingPunct="0">
+              <a:spcBef>
+                <a:spcPct val="30000"/>
+              </a:spcBef>
+              <a:spcAft>
+                <a:spcPct val="0"/>
+              </a:spcAft>
+              <a:defRPr sz="1200">
+                <a:solidFill>
+                  <a:schemeClr val="tx1"/>
+                </a:solidFill>
+                <a:latin typeface="Arial" panose="020B0604020202020204" pitchFamily="34" charset="0"/>
+              </a:defRPr>
+            </a:lvl9pPr>
+          </a:lstStyle>
+          <a:p>
+            <a:pPr marL="0" marR="0" lvl="0" indent="0" algn="l" defTabSz="914400" rtl="0" eaLnBrk="0" fontAlgn="base" latinLnBrk="0" hangingPunct="0">
               <a:lnSpc>
                 <a:spcPct val="100000"/>
               </a:lnSpc>
               <a:spcBef>
-                <a:spcPct val="0"/>
+                <a:spcPct val="30000"/>
               </a:spcBef>
               <a:spcAft>
                 <a:spcPct val="0"/>
@@ -15294,201 +15361,296 @@
               <a:tabLst/>
             </a:pPr>
             <a:r>
-              <a:rPr lang="de-DE" altLang="de-DE" sz="1000" b="1" dirty="0" err="1">
-                <a:solidFill>
-                  <a:srgbClr val="990099"/>
-                </a:solidFill>
-                <a:latin typeface="Titillium Web"/>
+              <a:rPr kumimoji="0" lang="de-DE" altLang="de-DE" sz="1200" b="0" i="0" u="none" strike="noStrike" cap="none" normalizeH="0" baseline="0" dirty="0" err="1" smtClean="0">
+                <a:ln>
+                  <a:noFill/>
+                </a:ln>
+                <a:solidFill>
+                  <a:schemeClr val="tx1"/>
+                </a:solidFill>
+                <a:effectLst/>
+                <a:latin typeface="Arial" panose="020B0604020202020204" pitchFamily="34" charset="0"/>
+              </a:rPr>
+              <a:t>QObject</a:t>
+            </a:r>
+            <a:r>
+              <a:rPr lang="de-DE" altLang="de-DE" dirty="0"/>
+              <a:t>::</a:t>
+            </a:r>
+            <a:r>
+              <a:rPr kumimoji="0" lang="de-DE" altLang="de-DE" sz="1200" b="0" i="0" u="none" strike="noStrike" cap="none" normalizeH="0" baseline="0" dirty="0" err="1" smtClean="0">
+                <a:ln>
+                  <a:noFill/>
+                </a:ln>
+                <a:solidFill>
+                  <a:schemeClr val="tx1"/>
+                </a:solidFill>
+                <a:effectLst/>
+                <a:latin typeface="Arial" panose="020B0604020202020204" pitchFamily="34" charset="0"/>
               </a:rPr>
               <a:t>connect</a:t>
             </a:r>
             <a:r>
-              <a:rPr lang="en-150" altLang="de-DE" sz="1000" b="1" dirty="0" smtClean="0">
-                <a:solidFill>
-                  <a:srgbClr val="990099"/>
-                </a:solidFill>
-                <a:latin typeface="Titillium Web"/>
+              <a:rPr kumimoji="0" lang="de-DE" altLang="de-DE" sz="1200" b="0" i="0" u="none" strike="noStrike" cap="none" normalizeH="0" baseline="0" dirty="0" smtClean="0">
+                <a:ln>
+                  <a:noFill/>
+                </a:ln>
+                <a:solidFill>
+                  <a:srgbClr val="000000"/>
+                </a:solidFill>
+                <a:effectLst/>
+                <a:latin typeface="Courier New" panose="02070309020205020404" pitchFamily="49" charset="0"/>
+                <a:cs typeface="Courier New" panose="02070309020205020404" pitchFamily="49" charset="0"/>
+              </a:rPr>
+              <a:t>(</a:t>
+            </a:r>
+            <a:r>
+              <a:rPr kumimoji="0" lang="de-DE" altLang="de-DE" sz="1200" b="0" i="0" u="none" strike="noStrike" cap="none" normalizeH="0" baseline="0" dirty="0" err="1" smtClean="0">
+                <a:ln>
+                  <a:noFill/>
+                </a:ln>
+                <a:solidFill>
+                  <a:schemeClr val="tx1"/>
+                </a:solidFill>
+                <a:effectLst/>
+                <a:latin typeface="Arial" panose="020B0604020202020204" pitchFamily="34" charset="0"/>
+              </a:rPr>
+              <a:t>manager</a:t>
+            </a:r>
+            <a:r>
+              <a:rPr kumimoji="0" lang="de-DE" altLang="de-DE" sz="1200" b="0" i="0" u="none" strike="noStrike" cap="none" normalizeH="0" baseline="0" dirty="0" smtClean="0">
+                <a:ln>
+                  <a:noFill/>
+                </a:ln>
+                <a:solidFill>
+                  <a:srgbClr val="000000"/>
+                </a:solidFill>
+                <a:effectLst/>
+                <a:latin typeface="Courier New" panose="02070309020205020404" pitchFamily="49" charset="0"/>
+                <a:cs typeface="Courier New" panose="02070309020205020404" pitchFamily="49" charset="0"/>
+              </a:rPr>
+              <a:t>, </a:t>
+            </a:r>
+            <a:r>
+              <a:rPr kumimoji="0" lang="de-DE" altLang="de-DE" sz="1200" b="0" i="0" u="none" strike="noStrike" cap="none" normalizeH="0" baseline="0" dirty="0" smtClean="0">
+                <a:ln>
+                  <a:noFill/>
+                </a:ln>
+                <a:solidFill>
+                  <a:schemeClr val="tx1"/>
+                </a:solidFill>
+                <a:effectLst/>
+                <a:latin typeface="Arial" panose="020B0604020202020204" pitchFamily="34" charset="0"/>
+              </a:rPr>
+              <a:t>SIGNAL</a:t>
+            </a:r>
+            <a:r>
+              <a:rPr kumimoji="0" lang="de-DE" altLang="de-DE" sz="1200" b="0" i="0" u="none" strike="noStrike" cap="none" normalizeH="0" baseline="0" dirty="0" smtClean="0">
+                <a:ln>
+                  <a:noFill/>
+                </a:ln>
+                <a:solidFill>
+                  <a:srgbClr val="000000"/>
+                </a:solidFill>
+                <a:effectLst/>
+                <a:latin typeface="Courier New" panose="02070309020205020404" pitchFamily="49" charset="0"/>
+                <a:cs typeface="Courier New" panose="02070309020205020404" pitchFamily="49" charset="0"/>
+              </a:rPr>
+              <a:t> (</a:t>
+            </a:r>
+            <a:r>
+              <a:rPr kumimoji="0" lang="de-DE" altLang="de-DE" sz="1200" b="0" i="0" u="none" strike="noStrike" cap="none" normalizeH="0" baseline="0" dirty="0" smtClean="0">
+                <a:ln>
+                  <a:noFill/>
+                </a:ln>
+                <a:solidFill>
+                  <a:schemeClr val="tx1"/>
+                </a:solidFill>
+                <a:effectLst/>
+                <a:latin typeface="Arial" panose="020B0604020202020204" pitchFamily="34" charset="0"/>
+              </a:rPr>
+              <a:t>tick</a:t>
+            </a:r>
+            <a:r>
+              <a:rPr kumimoji="0" lang="de-DE" altLang="de-DE" sz="1200" b="0" i="0" u="none" strike="noStrike" cap="none" normalizeH="0" baseline="0" dirty="0" smtClean="0">
+                <a:ln>
+                  <a:noFill/>
+                </a:ln>
+                <a:solidFill>
+                  <a:srgbClr val="000000"/>
+                </a:solidFill>
+                <a:effectLst/>
+                <a:latin typeface="Courier New" panose="02070309020205020404" pitchFamily="49" charset="0"/>
+                <a:cs typeface="Courier New" panose="02070309020205020404" pitchFamily="49" charset="0"/>
+              </a:rPr>
+              <a:t>(</a:t>
+            </a:r>
+            <a:r>
+              <a:rPr kumimoji="0" lang="de-DE" altLang="de-DE" sz="1200" b="0" i="0" u="none" strike="noStrike" cap="none" normalizeH="0" baseline="0" dirty="0" err="1" smtClean="0">
+                <a:ln>
+                  <a:noFill/>
+                </a:ln>
+                <a:solidFill>
+                  <a:srgbClr val="B00040"/>
+                </a:solidFill>
+                <a:effectLst/>
+                <a:latin typeface="Courier New" panose="02070309020205020404" pitchFamily="49" charset="0"/>
+                <a:cs typeface="Courier New" panose="02070309020205020404" pitchFamily="49" charset="0"/>
+              </a:rPr>
+              <a:t>int</a:t>
+            </a:r>
+            <a:r>
+              <a:rPr kumimoji="0" lang="de-DE" altLang="de-DE" sz="1200" b="0" i="0" u="none" strike="noStrike" cap="none" normalizeH="0" baseline="0" dirty="0" smtClean="0">
+                <a:ln>
+                  <a:noFill/>
+                </a:ln>
+                <a:solidFill>
+                  <a:srgbClr val="000000"/>
+                </a:solidFill>
+                <a:effectLst/>
+                <a:latin typeface="Courier New" panose="02070309020205020404" pitchFamily="49" charset="0"/>
+                <a:cs typeface="Courier New" panose="02070309020205020404" pitchFamily="49" charset="0"/>
+              </a:rPr>
+              <a:t>)), </a:t>
+            </a:r>
+            <a:r>
+              <a:rPr kumimoji="0" lang="de-DE" altLang="de-DE" sz="1200" b="0" i="0" u="none" strike="noStrike" cap="none" normalizeH="0" baseline="0" dirty="0" err="1" smtClean="0">
+                <a:ln>
+                  <a:noFill/>
+                </a:ln>
+                <a:solidFill>
+                  <a:schemeClr val="tx1"/>
+                </a:solidFill>
+                <a:effectLst/>
+                <a:latin typeface="Arial" panose="020B0604020202020204" pitchFamily="34" charset="0"/>
+              </a:rPr>
+              <a:t>progress</a:t>
+            </a:r>
+            <a:r>
+              <a:rPr kumimoji="0" lang="de-DE" altLang="de-DE" sz="1200" b="0" i="0" u="none" strike="noStrike" cap="none" normalizeH="0" baseline="0" dirty="0" smtClean="0">
+                <a:ln>
+                  <a:noFill/>
+                </a:ln>
+                <a:solidFill>
+                  <a:srgbClr val="000000"/>
+                </a:solidFill>
+                <a:effectLst/>
+                <a:latin typeface="Courier New" panose="02070309020205020404" pitchFamily="49" charset="0"/>
+                <a:cs typeface="Courier New" panose="02070309020205020404" pitchFamily="49" charset="0"/>
+              </a:rPr>
+              <a:t>, </a:t>
+            </a:r>
+            <a:r>
+              <a:rPr kumimoji="0" lang="de-DE" altLang="de-DE" sz="1200" b="0" i="0" u="none" strike="noStrike" cap="none" normalizeH="0" baseline="0" dirty="0" smtClean="0">
+                <a:ln>
+                  <a:noFill/>
+                </a:ln>
+                <a:solidFill>
+                  <a:schemeClr val="tx1"/>
+                </a:solidFill>
+                <a:effectLst/>
+                <a:latin typeface="Arial" panose="020B0604020202020204" pitchFamily="34" charset="0"/>
+              </a:rPr>
+              <a:t>SLOT</a:t>
+            </a:r>
+            <a:r>
+              <a:rPr kumimoji="0" lang="de-DE" altLang="de-DE" sz="1200" b="0" i="0" u="none" strike="noStrike" cap="none" normalizeH="0" baseline="0" dirty="0" smtClean="0">
+                <a:ln>
+                  <a:noFill/>
+                </a:ln>
+                <a:solidFill>
+                  <a:srgbClr val="000000"/>
+                </a:solidFill>
+                <a:effectLst/>
+                <a:latin typeface="Courier New" panose="02070309020205020404" pitchFamily="49" charset="0"/>
+                <a:cs typeface="Courier New" panose="02070309020205020404" pitchFamily="49" charset="0"/>
+              </a:rPr>
+              <a:t> (</a:t>
+            </a:r>
+            <a:r>
+              <a:rPr kumimoji="0" lang="de-DE" altLang="de-DE" sz="1200" b="0" i="0" u="none" strike="noStrike" cap="none" normalizeH="0" baseline="0" dirty="0" err="1" smtClean="0">
+                <a:ln>
+                  <a:noFill/>
+                </a:ln>
+                <a:solidFill>
+                  <a:schemeClr val="tx1"/>
+                </a:solidFill>
+                <a:effectLst/>
+                <a:latin typeface="Arial" panose="020B0604020202020204" pitchFamily="34" charset="0"/>
+              </a:rPr>
+              <a:t>setValue</a:t>
+            </a:r>
+            <a:r>
+              <a:rPr kumimoji="0" lang="de-DE" altLang="de-DE" sz="1200" b="0" i="0" u="none" strike="noStrike" cap="none" normalizeH="0" baseline="0" dirty="0" smtClean="0">
+                <a:ln>
+                  <a:noFill/>
+                </a:ln>
+                <a:solidFill>
+                  <a:srgbClr val="000000"/>
+                </a:solidFill>
+                <a:effectLst/>
+                <a:latin typeface="Courier New" panose="02070309020205020404" pitchFamily="49" charset="0"/>
+                <a:cs typeface="Courier New" panose="02070309020205020404" pitchFamily="49" charset="0"/>
+              </a:rPr>
+              <a:t>(</a:t>
+            </a:r>
+            <a:r>
+              <a:rPr kumimoji="0" lang="de-DE" altLang="de-DE" sz="1200" b="0" i="0" u="none" strike="noStrike" cap="none" normalizeH="0" baseline="0" dirty="0" err="1" smtClean="0">
+                <a:ln>
+                  <a:noFill/>
+                </a:ln>
+                <a:solidFill>
+                  <a:srgbClr val="B00040"/>
+                </a:solidFill>
+                <a:effectLst/>
+                <a:latin typeface="Courier New" panose="02070309020205020404" pitchFamily="49" charset="0"/>
+                <a:cs typeface="Courier New" panose="02070309020205020404" pitchFamily="49" charset="0"/>
+              </a:rPr>
+              <a:t>int</a:t>
+            </a:r>
+            <a:r>
+              <a:rPr kumimoji="0" lang="de-DE" altLang="de-DE" sz="1200" b="0" i="0" u="none" strike="noStrike" cap="none" normalizeH="0" baseline="0" dirty="0" smtClean="0">
+                <a:ln>
+                  <a:noFill/>
+                </a:ln>
+                <a:solidFill>
+                  <a:srgbClr val="000000"/>
+                </a:solidFill>
+                <a:effectLst/>
+                <a:latin typeface="Courier New" panose="02070309020205020404" pitchFamily="49" charset="0"/>
+                <a:cs typeface="Courier New" panose="02070309020205020404" pitchFamily="49" charset="0"/>
+              </a:rPr>
+              <a:t>)));</a:t>
+            </a:r>
+            <a:r>
+              <a:rPr kumimoji="0" lang="de-DE" altLang="de-DE" sz="600" b="0" i="0" u="none" strike="noStrike" cap="none" normalizeH="0" baseline="0" dirty="0" smtClean="0">
+                <a:ln>
+                  <a:noFill/>
+                </a:ln>
+                <a:solidFill>
+                  <a:schemeClr val="tx1"/>
+                </a:solidFill>
+                <a:effectLst/>
               </a:rPr>
               <a:t> </a:t>
             </a:r>
-            <a:r>
-              <a:rPr lang="de-DE" altLang="de-DE" sz="1000" dirty="0" smtClean="0">
-                <a:solidFill>
-                  <a:srgbClr val="404244"/>
-                </a:solidFill>
-                <a:latin typeface="Titillium Web"/>
-              </a:rPr>
-              <a:t>( </a:t>
-            </a:r>
-            <a:r>
-              <a:rPr lang="de-DE" altLang="de-DE" sz="1000" dirty="0" err="1">
-                <a:solidFill>
-                  <a:srgbClr val="404244"/>
-                </a:solidFill>
-                <a:latin typeface="Titillium Web"/>
-              </a:rPr>
-              <a:t>sender</a:t>
-            </a:r>
-            <a:r>
-              <a:rPr lang="de-DE" altLang="de-DE" sz="1000" dirty="0">
-                <a:solidFill>
-                  <a:srgbClr val="404244"/>
-                </a:solidFill>
-                <a:latin typeface="Titillium Web"/>
-              </a:rPr>
-              <a:t>, &amp;Sender::</a:t>
-            </a:r>
-            <a:r>
-              <a:rPr lang="de-DE" altLang="de-DE" sz="1000" dirty="0" err="1">
-                <a:solidFill>
-                  <a:srgbClr val="404244"/>
-                </a:solidFill>
-                <a:latin typeface="Titillium Web"/>
-              </a:rPr>
-              <a:t>valueChanged</a:t>
-            </a:r>
-            <a:r>
-              <a:rPr lang="de-DE" altLang="de-DE" sz="1000" dirty="0">
-                <a:solidFill>
-                  <a:srgbClr val="404244"/>
-                </a:solidFill>
-                <a:latin typeface="Titillium Web"/>
-              </a:rPr>
-              <a:t>, [=]( </a:t>
-            </a:r>
-            <a:r>
-              <a:rPr lang="de-DE" altLang="de-DE" sz="1000" dirty="0" err="1">
-                <a:solidFill>
-                  <a:srgbClr val="404244"/>
-                </a:solidFill>
-                <a:latin typeface="Titillium Web"/>
-              </a:rPr>
-              <a:t>const</a:t>
-            </a:r>
-            <a:r>
-              <a:rPr lang="de-DE" altLang="de-DE" sz="1000" dirty="0">
-                <a:solidFill>
-                  <a:srgbClr val="404244"/>
-                </a:solidFill>
-                <a:latin typeface="Titillium Web"/>
-              </a:rPr>
-              <a:t> </a:t>
-            </a:r>
-            <a:r>
-              <a:rPr lang="de-DE" altLang="de-DE" sz="1000" dirty="0" err="1">
-                <a:solidFill>
-                  <a:srgbClr val="404244"/>
-                </a:solidFill>
-                <a:latin typeface="Titillium Web"/>
-              </a:rPr>
-              <a:t>QString</a:t>
-            </a:r>
-            <a:r>
-              <a:rPr lang="de-DE" altLang="de-DE" sz="1000" dirty="0">
-                <a:solidFill>
-                  <a:srgbClr val="404244"/>
-                </a:solidFill>
-                <a:latin typeface="Titillium Web"/>
-              </a:rPr>
-              <a:t> &amp;</a:t>
-            </a:r>
-            <a:r>
-              <a:rPr lang="de-DE" altLang="de-DE" sz="1000" dirty="0" err="1">
-                <a:solidFill>
-                  <a:srgbClr val="404244"/>
-                </a:solidFill>
-                <a:latin typeface="Titillium Web"/>
-              </a:rPr>
-              <a:t>newValue</a:t>
-            </a:r>
-            <a:r>
-              <a:rPr lang="de-DE" altLang="de-DE" sz="1000" dirty="0">
-                <a:solidFill>
-                  <a:srgbClr val="404244"/>
-                </a:solidFill>
-                <a:latin typeface="Titillium Web"/>
-              </a:rPr>
-              <a:t> ) { </a:t>
-            </a:r>
-            <a:r>
-              <a:rPr lang="de-DE" altLang="de-DE" sz="1000" dirty="0" err="1">
-                <a:solidFill>
-                  <a:srgbClr val="404244"/>
-                </a:solidFill>
-                <a:latin typeface="Titillium Web"/>
-              </a:rPr>
-              <a:t>receiver</a:t>
-            </a:r>
-            <a:r>
-              <a:rPr lang="de-DE" altLang="de-DE" sz="1000" dirty="0">
-                <a:solidFill>
-                  <a:srgbClr val="404244"/>
-                </a:solidFill>
-                <a:latin typeface="Titillium Web"/>
-              </a:rPr>
-              <a:t>-&gt;</a:t>
-            </a:r>
-            <a:r>
-              <a:rPr lang="de-DE" altLang="de-DE" sz="1000" dirty="0" err="1">
-                <a:solidFill>
-                  <a:srgbClr val="404244"/>
-                </a:solidFill>
-                <a:latin typeface="Titillium Web"/>
-              </a:rPr>
-              <a:t>updateValue</a:t>
-            </a:r>
-            <a:r>
-              <a:rPr lang="de-DE" altLang="de-DE" sz="1000" dirty="0">
-                <a:solidFill>
-                  <a:srgbClr val="404244"/>
-                </a:solidFill>
-                <a:latin typeface="Titillium Web"/>
-              </a:rPr>
-              <a:t>( "</a:t>
-            </a:r>
-            <a:r>
-              <a:rPr lang="de-DE" altLang="de-DE" sz="1000" dirty="0" err="1">
-                <a:solidFill>
-                  <a:srgbClr val="404244"/>
-                </a:solidFill>
-                <a:latin typeface="Titillium Web"/>
-              </a:rPr>
-              <a:t>senderValue</a:t>
-            </a:r>
-            <a:r>
-              <a:rPr lang="de-DE" altLang="de-DE" sz="1000" dirty="0">
-                <a:solidFill>
-                  <a:srgbClr val="404244"/>
-                </a:solidFill>
-                <a:latin typeface="Titillium Web"/>
-              </a:rPr>
-              <a:t>", </a:t>
-            </a:r>
-            <a:r>
-              <a:rPr lang="de-DE" altLang="de-DE" sz="1000" dirty="0" err="1">
-                <a:solidFill>
-                  <a:srgbClr val="404244"/>
-                </a:solidFill>
-                <a:latin typeface="Titillium Web"/>
-              </a:rPr>
-              <a:t>newValue</a:t>
-            </a:r>
-            <a:r>
-              <a:rPr lang="de-DE" altLang="de-DE" sz="1000" dirty="0">
-                <a:solidFill>
-                  <a:srgbClr val="404244"/>
-                </a:solidFill>
-                <a:latin typeface="Titillium Web"/>
-              </a:rPr>
-              <a:t> ); } ); </a:t>
-            </a:r>
+            <a:endParaRPr kumimoji="0" lang="de-DE" altLang="de-DE" sz="1200" b="0" i="0" u="none" strike="noStrike" cap="none" normalizeH="0" baseline="0" dirty="0" smtClean="0">
+              <a:ln>
+                <a:noFill/>
+              </a:ln>
+              <a:solidFill>
+                <a:schemeClr val="tx1"/>
+              </a:solidFill>
+              <a:effectLst/>
+              <a:latin typeface="Arial" panose="020B0604020202020204" pitchFamily="34" charset="0"/>
+            </a:endParaRPr>
           </a:p>
         </p:txBody>
       </p:sp>
     </p:spTree>
     <p:extLst>
       <p:ext uri="{BB962C8B-B14F-4D97-AF65-F5344CB8AC3E}">
-        <p14:creationId xmlns:p14="http://schemas.microsoft.com/office/powerpoint/2010/main" val="207955583"/>
+        <p14:creationId xmlns:p14="http://schemas.microsoft.com/office/powerpoint/2010/main" val="4261049543"/>
       </p:ext>
     </p:extLst>
   </p:cSld>
@@ -15570,6 +15732,1063 @@
               <a:rPr lang="en-GB" smtClean="0"/>
               <a:pPr/>
               <a:t>11</a:t>
+            </a:fld>
+            <a:endParaRPr lang="en-GB" dirty="0"/>
+          </a:p>
+        </p:txBody>
+      </p:sp>
+      <p:sp>
+        <p:nvSpPr>
+          <p:cNvPr id="4" name="Titel 3"/>
+          <p:cNvSpPr>
+            <a:spLocks noGrp="1"/>
+          </p:cNvSpPr>
+          <p:nvPr>
+            <p:ph type="title"/>
+          </p:nvPr>
+        </p:nvSpPr>
+        <p:spPr/>
+        <p:txBody>
+          <a:bodyPr/>
+          <a:lstStyle/>
+          <a:p>
+            <a:r>
+              <a:rPr lang="en-150" b="1" dirty="0" smtClean="0">
+                <a:solidFill>
+                  <a:srgbClr val="242F78"/>
+                </a:solidFill>
+                <a:latin typeface="Calibri"/>
+                <a:ea typeface="Lato Light" panose="020F0502020204030203" pitchFamily="34" charset="0"/>
+                <a:cs typeface="Calibri"/>
+              </a:rPr>
+              <a:t>Connecting Signals and Slots</a:t>
+            </a:r>
+            <a:endParaRPr lang="en-GB" b="1" dirty="0">
+              <a:solidFill>
+                <a:srgbClr val="242F78"/>
+              </a:solidFill>
+              <a:latin typeface="Calibri"/>
+              <a:ea typeface="Lato Light" panose="020F0502020204030203" pitchFamily="34" charset="0"/>
+              <a:cs typeface="Calibri"/>
+            </a:endParaRPr>
+          </a:p>
+        </p:txBody>
+      </p:sp>
+      <p:sp>
+        <p:nvSpPr>
+          <p:cNvPr id="6" name="Inhaltsplatzhalter 5"/>
+          <p:cNvSpPr>
+            <a:spLocks noGrp="1"/>
+          </p:cNvSpPr>
+          <p:nvPr>
+            <p:ph sz="quarter" idx="12"/>
+          </p:nvPr>
+        </p:nvSpPr>
+        <p:spPr>
+          <a:xfrm>
+            <a:off x="303058" y="1247775"/>
+            <a:ext cx="8489388" cy="3511385"/>
+          </a:xfrm>
+        </p:spPr>
+        <p:txBody>
+          <a:bodyPr/>
+          <a:lstStyle/>
+          <a:p>
+            <a:pPr marL="329847" lvl="1" indent="0">
+              <a:buNone/>
+            </a:pPr>
+            <a:r>
+              <a:rPr lang="en-US" dirty="0" smtClean="0"/>
+              <a:t>O</a:t>
+            </a:r>
+            <a:r>
+              <a:rPr lang="en-150" dirty="0" smtClean="0"/>
+              <a:t>ld Syntax:</a:t>
+            </a:r>
+          </a:p>
+          <a:p>
+            <a:pPr marL="329847" lvl="1" indent="0">
+              <a:buNone/>
+            </a:pPr>
+            <a:endParaRPr lang="en-150" dirty="0"/>
+          </a:p>
+          <a:p>
+            <a:pPr marL="329847" lvl="1" indent="0">
+              <a:buNone/>
+            </a:pPr>
+            <a:r>
+              <a:rPr lang="en-150" dirty="0" smtClean="0"/>
+              <a:t>New connect</a:t>
+            </a:r>
+            <a:r>
+              <a:rPr lang="en-US" dirty="0" smtClean="0"/>
+              <a:t> </a:t>
+            </a:r>
+            <a:r>
+              <a:rPr lang="en-US" dirty="0"/>
+              <a:t>to </a:t>
+            </a:r>
+            <a:r>
+              <a:rPr lang="en-US" dirty="0" err="1"/>
+              <a:t>QObject</a:t>
+            </a:r>
+            <a:r>
+              <a:rPr lang="en-US" dirty="0"/>
+              <a:t> </a:t>
+            </a:r>
+            <a:r>
+              <a:rPr lang="en-US" dirty="0" smtClean="0"/>
+              <a:t>member</a:t>
+            </a:r>
+            <a:r>
+              <a:rPr lang="en-150" dirty="0" smtClean="0"/>
+              <a:t> - </a:t>
+            </a:r>
+            <a:r>
+              <a:rPr lang="en-150" dirty="0"/>
+              <a:t>Qt 5 </a:t>
+            </a:r>
+            <a:r>
+              <a:rPr lang="en-150" dirty="0" smtClean="0"/>
+              <a:t>:</a:t>
+            </a:r>
+          </a:p>
+          <a:p>
+            <a:pPr marL="329847" lvl="1" indent="0">
+              <a:buNone/>
+            </a:pPr>
+            <a:endParaRPr lang="en-150" dirty="0"/>
+          </a:p>
+          <a:p>
+            <a:pPr marL="329847" lvl="1" indent="0">
+              <a:buNone/>
+            </a:pPr>
+            <a:r>
+              <a:rPr lang="en-150" dirty="0" smtClean="0"/>
+              <a:t>New connect to simple function - </a:t>
+            </a:r>
+            <a:r>
+              <a:rPr lang="en-150" dirty="0"/>
+              <a:t>Qt </a:t>
+            </a:r>
+            <a:r>
+              <a:rPr lang="en-150" dirty="0" smtClean="0"/>
+              <a:t>5:</a:t>
+            </a:r>
+          </a:p>
+          <a:p>
+            <a:pPr marL="329847" lvl="1" indent="0">
+              <a:buNone/>
+            </a:pPr>
+            <a:endParaRPr lang="en-150" dirty="0"/>
+          </a:p>
+          <a:p>
+            <a:pPr marL="329847" lvl="1" indent="0">
+              <a:buNone/>
+            </a:pPr>
+            <a:endParaRPr lang="en-150" dirty="0" smtClean="0"/>
+          </a:p>
+          <a:p>
+            <a:pPr marL="329847" lvl="1" indent="0">
+              <a:buNone/>
+            </a:pPr>
+            <a:endParaRPr lang="en-150" dirty="0"/>
+          </a:p>
+        </p:txBody>
+      </p:sp>
+      <p:sp>
+        <p:nvSpPr>
+          <p:cNvPr id="5" name="Rectangle 1"/>
+          <p:cNvSpPr>
+            <a:spLocks noChangeArrowheads="1"/>
+          </p:cNvSpPr>
+          <p:nvPr/>
+        </p:nvSpPr>
+        <p:spPr bwMode="auto">
+          <a:xfrm>
+            <a:off x="567116" y="1568529"/>
+            <a:ext cx="6417141" cy="246221"/>
+          </a:xfrm>
+          <a:prstGeom prst="rect">
+            <a:avLst/>
+          </a:prstGeom>
+          <a:solidFill>
+            <a:srgbClr val="F8F9FA"/>
+          </a:solidFill>
+          <a:ln>
+            <a:noFill/>
+          </a:ln>
+          <a:effectLst/>
+          <a:extLst>
+            <a:ext uri="{91240B29-F687-4F45-9708-019B960494DF}">
+              <a14:hiddenLine xmlns:a14="http://schemas.microsoft.com/office/drawing/2010/main" w="9525">
+                <a:solidFill>
+                  <a:schemeClr val="tx1"/>
+                </a:solidFill>
+                <a:miter lim="800000"/>
+                <a:headEnd/>
+                <a:tailEnd/>
+              </a14:hiddenLine>
+            </a:ext>
+            <a:ext uri="{AF507438-7753-43E0-B8FC-AC1667EBCBE1}">
+              <a14:hiddenEffects xmlns:a14="http://schemas.microsoft.com/office/drawing/2010/main">
+                <a:effectLst>
+                  <a:outerShdw dist="35921" dir="2700000" algn="ctr" rotWithShape="0">
+                    <a:schemeClr val="bg2"/>
+                  </a:outerShdw>
+                </a:effectLst>
+              </a14:hiddenEffects>
+            </a:ext>
+          </a:extLst>
+        </p:spPr>
+        <p:txBody>
+          <a:bodyPr vert="horz" wrap="none" lIns="91440" tIns="45720" rIns="91440" bIns="45720" numCol="1" anchor="ctr" anchorCtr="0" compatLnSpc="1">
+            <a:prstTxWarp prst="textNoShape">
+              <a:avLst/>
+            </a:prstTxWarp>
+            <a:spAutoFit/>
+          </a:bodyPr>
+          <a:lstStyle/>
+          <a:p>
+            <a:pPr fontAlgn="base">
+              <a:spcBef>
+                <a:spcPct val="0"/>
+              </a:spcBef>
+              <a:spcAft>
+                <a:spcPct val="0"/>
+              </a:spcAft>
+            </a:pPr>
+            <a:r>
+              <a:rPr lang="de-DE" altLang="de-DE" sz="1000" b="1" dirty="0" err="1">
+                <a:solidFill>
+                  <a:srgbClr val="990099"/>
+                </a:solidFill>
+                <a:latin typeface="Titillium Web"/>
+              </a:rPr>
+              <a:t>connect</a:t>
+            </a:r>
+            <a:r>
+              <a:rPr kumimoji="0" lang="en-150" altLang="de-DE" sz="1000" b="0" i="0" u="none" strike="noStrike" cap="none" normalizeH="0" baseline="0" dirty="0" smtClean="0">
+                <a:ln>
+                  <a:noFill/>
+                </a:ln>
+                <a:solidFill>
+                  <a:srgbClr val="000000"/>
+                </a:solidFill>
+                <a:effectLst/>
+                <a:latin typeface="Courier New" panose="02070309020205020404" pitchFamily="49" charset="0"/>
+                <a:cs typeface="Courier New" panose="02070309020205020404" pitchFamily="49" charset="0"/>
+              </a:rPr>
+              <a:t> </a:t>
+            </a:r>
+            <a:r>
+              <a:rPr lang="de-DE" altLang="de-DE" sz="1000" dirty="0" smtClean="0">
+                <a:solidFill>
+                  <a:srgbClr val="404244"/>
+                </a:solidFill>
+                <a:latin typeface="Titillium Web"/>
+              </a:rPr>
+              <a:t>( </a:t>
+            </a:r>
+            <a:r>
+              <a:rPr lang="de-DE" altLang="de-DE" sz="1000" dirty="0" err="1">
+                <a:solidFill>
+                  <a:srgbClr val="404244"/>
+                </a:solidFill>
+                <a:latin typeface="Titillium Web"/>
+              </a:rPr>
+              <a:t>sender</a:t>
+            </a:r>
+            <a:r>
+              <a:rPr lang="de-DE" altLang="de-DE" sz="1000" dirty="0">
+                <a:solidFill>
+                  <a:srgbClr val="404244"/>
+                </a:solidFill>
+                <a:latin typeface="Titillium Web"/>
+              </a:rPr>
+              <a:t>, SIGNAL( </a:t>
+            </a:r>
+            <a:r>
+              <a:rPr lang="de-DE" altLang="de-DE" sz="1000" dirty="0" err="1">
+                <a:solidFill>
+                  <a:srgbClr val="404244"/>
+                </a:solidFill>
+                <a:latin typeface="Titillium Web"/>
+              </a:rPr>
+              <a:t>valueChanged</a:t>
+            </a:r>
+            <a:r>
+              <a:rPr lang="de-DE" altLang="de-DE" sz="1000" dirty="0">
+                <a:solidFill>
+                  <a:srgbClr val="404244"/>
+                </a:solidFill>
+                <a:latin typeface="Titillium Web"/>
+              </a:rPr>
+              <a:t>( </a:t>
+            </a:r>
+            <a:r>
+              <a:rPr lang="de-DE" altLang="de-DE" sz="1000" dirty="0" err="1">
+                <a:solidFill>
+                  <a:srgbClr val="404244"/>
+                </a:solidFill>
+                <a:latin typeface="Titillium Web"/>
+              </a:rPr>
+              <a:t>QString</a:t>
+            </a:r>
+            <a:r>
+              <a:rPr lang="de-DE" altLang="de-DE" sz="1000" dirty="0">
+                <a:solidFill>
+                  <a:srgbClr val="404244"/>
+                </a:solidFill>
+                <a:latin typeface="Titillium Web"/>
+              </a:rPr>
+              <a:t>, </a:t>
+            </a:r>
+            <a:r>
+              <a:rPr lang="de-DE" altLang="de-DE" sz="1000" dirty="0" err="1">
+                <a:solidFill>
+                  <a:srgbClr val="404244"/>
+                </a:solidFill>
+                <a:latin typeface="Titillium Web"/>
+              </a:rPr>
+              <a:t>QString</a:t>
+            </a:r>
+            <a:r>
+              <a:rPr lang="de-DE" altLang="de-DE" sz="1000" dirty="0">
+                <a:solidFill>
+                  <a:srgbClr val="404244"/>
+                </a:solidFill>
+                <a:latin typeface="Titillium Web"/>
+              </a:rPr>
+              <a:t> ) ), </a:t>
+            </a:r>
+            <a:r>
+              <a:rPr lang="de-DE" altLang="de-DE" sz="1000" dirty="0" err="1">
+                <a:solidFill>
+                  <a:srgbClr val="404244"/>
+                </a:solidFill>
+                <a:latin typeface="Titillium Web"/>
+              </a:rPr>
+              <a:t>receiver</a:t>
+            </a:r>
+            <a:r>
+              <a:rPr lang="de-DE" altLang="de-DE" sz="1000" dirty="0">
+                <a:solidFill>
+                  <a:srgbClr val="404244"/>
+                </a:solidFill>
+                <a:latin typeface="Titillium Web"/>
+              </a:rPr>
+              <a:t>, SLOT( </a:t>
+            </a:r>
+            <a:r>
+              <a:rPr lang="de-DE" altLang="de-DE" sz="1000" dirty="0" err="1">
+                <a:solidFill>
+                  <a:srgbClr val="404244"/>
+                </a:solidFill>
+                <a:latin typeface="Titillium Web"/>
+              </a:rPr>
+              <a:t>updateValue</a:t>
+            </a:r>
+            <a:r>
+              <a:rPr lang="de-DE" altLang="de-DE" sz="1000" dirty="0">
+                <a:solidFill>
+                  <a:srgbClr val="404244"/>
+                </a:solidFill>
+                <a:latin typeface="Titillium Web"/>
+              </a:rPr>
+              <a:t>( </a:t>
+            </a:r>
+            <a:r>
+              <a:rPr lang="de-DE" altLang="de-DE" sz="1000" dirty="0" err="1">
+                <a:solidFill>
+                  <a:srgbClr val="404244"/>
+                </a:solidFill>
+                <a:latin typeface="Titillium Web"/>
+              </a:rPr>
+              <a:t>QString</a:t>
+            </a:r>
+            <a:r>
+              <a:rPr lang="de-DE" altLang="de-DE" sz="1000" dirty="0">
+                <a:solidFill>
+                  <a:srgbClr val="404244"/>
+                </a:solidFill>
+                <a:latin typeface="Titillium Web"/>
+              </a:rPr>
+              <a:t> ) ) ); </a:t>
+            </a:r>
+          </a:p>
+        </p:txBody>
+      </p:sp>
+      <p:sp>
+        <p:nvSpPr>
+          <p:cNvPr id="7" name="Rectangle 2"/>
+          <p:cNvSpPr>
+            <a:spLocks noChangeArrowheads="1"/>
+          </p:cNvSpPr>
+          <p:nvPr/>
+        </p:nvSpPr>
+        <p:spPr bwMode="auto">
+          <a:xfrm>
+            <a:off x="567116" y="2111928"/>
+            <a:ext cx="4719562" cy="246221"/>
+          </a:xfrm>
+          <a:prstGeom prst="rect">
+            <a:avLst/>
+          </a:prstGeom>
+          <a:solidFill>
+            <a:srgbClr val="F8F9FA"/>
+          </a:solidFill>
+          <a:ln>
+            <a:noFill/>
+          </a:ln>
+          <a:effectLst/>
+          <a:extLst>
+            <a:ext uri="{91240B29-F687-4F45-9708-019B960494DF}">
+              <a14:hiddenLine xmlns:a14="http://schemas.microsoft.com/office/drawing/2010/main" w="9525">
+                <a:solidFill>
+                  <a:schemeClr val="tx1"/>
+                </a:solidFill>
+                <a:miter lim="800000"/>
+                <a:headEnd/>
+                <a:tailEnd/>
+              </a14:hiddenLine>
+            </a:ext>
+            <a:ext uri="{AF507438-7753-43E0-B8FC-AC1667EBCBE1}">
+              <a14:hiddenEffects xmlns:a14="http://schemas.microsoft.com/office/drawing/2010/main">
+                <a:effectLst>
+                  <a:outerShdw dist="35921" dir="2700000" algn="ctr" rotWithShape="0">
+                    <a:schemeClr val="bg2"/>
+                  </a:outerShdw>
+                </a:effectLst>
+              </a14:hiddenEffects>
+            </a:ext>
+          </a:extLst>
+        </p:spPr>
+        <p:txBody>
+          <a:bodyPr vert="horz" wrap="none" lIns="91440" tIns="45720" rIns="91440" bIns="45720" numCol="1" anchor="ctr" anchorCtr="0" compatLnSpc="1">
+            <a:prstTxWarp prst="textNoShape">
+              <a:avLst/>
+            </a:prstTxWarp>
+            <a:spAutoFit/>
+          </a:bodyPr>
+          <a:lstStyle/>
+          <a:p>
+            <a:pPr marR="0" lvl="0" indent="0" fontAlgn="base">
+              <a:lnSpc>
+                <a:spcPct val="100000"/>
+              </a:lnSpc>
+              <a:spcBef>
+                <a:spcPct val="0"/>
+              </a:spcBef>
+              <a:spcAft>
+                <a:spcPct val="0"/>
+              </a:spcAft>
+              <a:buClrTx/>
+              <a:buSzTx/>
+              <a:buFontTx/>
+              <a:buNone/>
+              <a:tabLst/>
+            </a:pPr>
+            <a:r>
+              <a:rPr lang="de-DE" altLang="de-DE" sz="1000" b="1" dirty="0" err="1" smtClean="0">
+                <a:solidFill>
+                  <a:srgbClr val="990099"/>
+                </a:solidFill>
+                <a:latin typeface="Titillium Web"/>
+              </a:rPr>
+              <a:t>connect</a:t>
+            </a:r>
+            <a:r>
+              <a:rPr lang="en-150" altLang="de-DE" sz="1000" b="1" dirty="0" smtClean="0">
+                <a:solidFill>
+                  <a:srgbClr val="990099"/>
+                </a:solidFill>
+                <a:latin typeface="Titillium Web"/>
+              </a:rPr>
+              <a:t> </a:t>
+            </a:r>
+            <a:r>
+              <a:rPr lang="de-DE" altLang="de-DE" sz="1000" dirty="0" smtClean="0">
+                <a:solidFill>
+                  <a:srgbClr val="404244"/>
+                </a:solidFill>
+                <a:latin typeface="Titillium Web"/>
+              </a:rPr>
+              <a:t>( </a:t>
+            </a:r>
+            <a:r>
+              <a:rPr lang="de-DE" altLang="de-DE" sz="1000" dirty="0" err="1">
+                <a:solidFill>
+                  <a:srgbClr val="404244"/>
+                </a:solidFill>
+                <a:latin typeface="Titillium Web"/>
+              </a:rPr>
+              <a:t>sender</a:t>
+            </a:r>
+            <a:r>
+              <a:rPr lang="de-DE" altLang="de-DE" sz="1000" dirty="0">
+                <a:solidFill>
+                  <a:srgbClr val="404244"/>
+                </a:solidFill>
+                <a:latin typeface="Titillium Web"/>
+              </a:rPr>
+              <a:t>, &amp;Sender::</a:t>
+            </a:r>
+            <a:r>
+              <a:rPr lang="de-DE" altLang="de-DE" sz="1000" dirty="0" err="1">
+                <a:solidFill>
+                  <a:srgbClr val="404244"/>
+                </a:solidFill>
+                <a:latin typeface="Titillium Web"/>
+              </a:rPr>
+              <a:t>valueChanged</a:t>
+            </a:r>
+            <a:r>
+              <a:rPr lang="de-DE" altLang="de-DE" sz="1000" dirty="0">
+                <a:solidFill>
+                  <a:srgbClr val="404244"/>
+                </a:solidFill>
+                <a:latin typeface="Titillium Web"/>
+              </a:rPr>
+              <a:t>, </a:t>
+            </a:r>
+            <a:r>
+              <a:rPr lang="de-DE" altLang="de-DE" sz="1000" dirty="0" err="1">
+                <a:solidFill>
+                  <a:srgbClr val="404244"/>
+                </a:solidFill>
+                <a:latin typeface="Titillium Web"/>
+              </a:rPr>
+              <a:t>receiver</a:t>
+            </a:r>
+            <a:r>
+              <a:rPr lang="de-DE" altLang="de-DE" sz="1000" dirty="0">
+                <a:solidFill>
+                  <a:srgbClr val="404244"/>
+                </a:solidFill>
+                <a:latin typeface="Titillium Web"/>
+              </a:rPr>
+              <a:t>, &amp;Receiver::</a:t>
+            </a:r>
+            <a:r>
+              <a:rPr lang="de-DE" altLang="de-DE" sz="1000" dirty="0" err="1">
+                <a:solidFill>
+                  <a:srgbClr val="404244"/>
+                </a:solidFill>
+                <a:latin typeface="Titillium Web"/>
+              </a:rPr>
+              <a:t>updateValue</a:t>
+            </a:r>
+            <a:r>
+              <a:rPr lang="de-DE" altLang="de-DE" sz="1000" dirty="0">
+                <a:solidFill>
+                  <a:srgbClr val="404244"/>
+                </a:solidFill>
+                <a:latin typeface="Titillium Web"/>
+              </a:rPr>
+              <a:t> ); </a:t>
+            </a:r>
+          </a:p>
+        </p:txBody>
+      </p:sp>
+      <p:sp>
+        <p:nvSpPr>
+          <p:cNvPr id="9" name="Rectangle 4"/>
+          <p:cNvSpPr>
+            <a:spLocks noChangeArrowheads="1"/>
+          </p:cNvSpPr>
+          <p:nvPr/>
+        </p:nvSpPr>
+        <p:spPr bwMode="auto">
+          <a:xfrm>
+            <a:off x="567116" y="2747621"/>
+            <a:ext cx="3746538" cy="246221"/>
+          </a:xfrm>
+          <a:prstGeom prst="rect">
+            <a:avLst/>
+          </a:prstGeom>
+          <a:solidFill>
+            <a:srgbClr val="F8F9FA"/>
+          </a:solidFill>
+          <a:ln>
+            <a:noFill/>
+          </a:ln>
+          <a:effectLst/>
+          <a:extLst>
+            <a:ext uri="{91240B29-F687-4F45-9708-019B960494DF}">
+              <a14:hiddenLine xmlns:a14="http://schemas.microsoft.com/office/drawing/2010/main" w="9525">
+                <a:solidFill>
+                  <a:schemeClr val="tx1"/>
+                </a:solidFill>
+                <a:miter lim="800000"/>
+                <a:headEnd/>
+                <a:tailEnd/>
+              </a14:hiddenLine>
+            </a:ext>
+            <a:ext uri="{AF507438-7753-43E0-B8FC-AC1667EBCBE1}">
+              <a14:hiddenEffects xmlns:a14="http://schemas.microsoft.com/office/drawing/2010/main">
+                <a:effectLst>
+                  <a:outerShdw dist="35921" dir="2700000" algn="ctr" rotWithShape="0">
+                    <a:schemeClr val="bg2"/>
+                  </a:outerShdw>
+                </a:effectLst>
+              </a14:hiddenEffects>
+            </a:ext>
+          </a:extLst>
+        </p:spPr>
+        <p:txBody>
+          <a:bodyPr vert="horz" wrap="none" lIns="91440" tIns="45720" rIns="91440" bIns="45720" numCol="1" anchor="ctr" anchorCtr="0" compatLnSpc="1">
+            <a:prstTxWarp prst="textNoShape">
+              <a:avLst/>
+            </a:prstTxWarp>
+            <a:spAutoFit/>
+          </a:bodyPr>
+          <a:lstStyle/>
+          <a:p>
+            <a:pPr fontAlgn="base">
+              <a:spcBef>
+                <a:spcPct val="0"/>
+              </a:spcBef>
+              <a:spcAft>
+                <a:spcPct val="0"/>
+              </a:spcAft>
+            </a:pPr>
+            <a:r>
+              <a:rPr lang="de-DE" altLang="de-DE" sz="1000" b="1" dirty="0" err="1">
+                <a:solidFill>
+                  <a:srgbClr val="990099"/>
+                </a:solidFill>
+                <a:latin typeface="Titillium Web"/>
+              </a:rPr>
+              <a:t>connect</a:t>
+            </a:r>
+            <a:r>
+              <a:rPr kumimoji="0" lang="en-150" altLang="de-DE" sz="1000" b="0" i="0" u="none" strike="noStrike" cap="none" normalizeH="0" baseline="0" dirty="0" smtClean="0">
+                <a:ln>
+                  <a:noFill/>
+                </a:ln>
+                <a:solidFill>
+                  <a:srgbClr val="000000"/>
+                </a:solidFill>
+                <a:effectLst/>
+                <a:latin typeface="Courier New" panose="02070309020205020404" pitchFamily="49" charset="0"/>
+                <a:cs typeface="Courier New" panose="02070309020205020404" pitchFamily="49" charset="0"/>
+              </a:rPr>
+              <a:t> </a:t>
+            </a:r>
+            <a:r>
+              <a:rPr lang="de-DE" altLang="de-DE" sz="1000" dirty="0" smtClean="0">
+                <a:solidFill>
+                  <a:srgbClr val="404244"/>
+                </a:solidFill>
+                <a:latin typeface="Titillium Web"/>
+              </a:rPr>
+              <a:t>( </a:t>
+            </a:r>
+            <a:r>
+              <a:rPr lang="de-DE" altLang="de-DE" sz="1000" dirty="0" err="1">
+                <a:solidFill>
+                  <a:srgbClr val="404244"/>
+                </a:solidFill>
+                <a:latin typeface="Titillium Web"/>
+              </a:rPr>
+              <a:t>sender</a:t>
+            </a:r>
+            <a:r>
+              <a:rPr lang="de-DE" altLang="de-DE" sz="1000" dirty="0">
+                <a:solidFill>
+                  <a:srgbClr val="404244"/>
+                </a:solidFill>
+                <a:latin typeface="Titillium Web"/>
+              </a:rPr>
+              <a:t>, &amp;Sender::</a:t>
+            </a:r>
+            <a:r>
+              <a:rPr lang="de-DE" altLang="de-DE" sz="1000" dirty="0" err="1">
+                <a:solidFill>
+                  <a:srgbClr val="404244"/>
+                </a:solidFill>
+                <a:latin typeface="Titillium Web"/>
+              </a:rPr>
+              <a:t>valueChanged</a:t>
+            </a:r>
+            <a:r>
+              <a:rPr lang="de-DE" altLang="de-DE" sz="1000" dirty="0">
+                <a:solidFill>
+                  <a:srgbClr val="404244"/>
+                </a:solidFill>
+                <a:latin typeface="Titillium Web"/>
+              </a:rPr>
+              <a:t>, </a:t>
+            </a:r>
+            <a:r>
+              <a:rPr lang="de-DE" altLang="de-DE" sz="1000" dirty="0" err="1">
+                <a:solidFill>
+                  <a:srgbClr val="404244"/>
+                </a:solidFill>
+                <a:latin typeface="Titillium Web"/>
+              </a:rPr>
+              <a:t>someFunction</a:t>
+            </a:r>
+            <a:r>
+              <a:rPr lang="de-DE" altLang="de-DE" sz="1000" dirty="0">
+                <a:solidFill>
+                  <a:srgbClr val="404244"/>
+                </a:solidFill>
+                <a:latin typeface="Titillium Web"/>
+              </a:rPr>
+              <a:t> ); </a:t>
+            </a:r>
+          </a:p>
+        </p:txBody>
+      </p:sp>
+      <p:sp>
+        <p:nvSpPr>
+          <p:cNvPr id="10" name="Rectangle 5"/>
+          <p:cNvSpPr>
+            <a:spLocks noChangeArrowheads="1"/>
+          </p:cNvSpPr>
+          <p:nvPr/>
+        </p:nvSpPr>
+        <p:spPr bwMode="auto">
+          <a:xfrm>
+            <a:off x="567116" y="3158544"/>
+            <a:ext cx="5673687" cy="400110"/>
+          </a:xfrm>
+          <a:prstGeom prst="rect">
+            <a:avLst/>
+          </a:prstGeom>
+          <a:solidFill>
+            <a:srgbClr val="F8F9FA"/>
+          </a:solidFill>
+          <a:ln>
+            <a:noFill/>
+          </a:ln>
+          <a:effectLst/>
+          <a:extLst>
+            <a:ext uri="{91240B29-F687-4F45-9708-019B960494DF}">
+              <a14:hiddenLine xmlns:a14="http://schemas.microsoft.com/office/drawing/2010/main" w="9525">
+                <a:solidFill>
+                  <a:schemeClr val="tx1"/>
+                </a:solidFill>
+                <a:miter lim="800000"/>
+                <a:headEnd/>
+                <a:tailEnd/>
+              </a14:hiddenLine>
+            </a:ext>
+            <a:ext uri="{AF507438-7753-43E0-B8FC-AC1667EBCBE1}">
+              <a14:hiddenEffects xmlns:a14="http://schemas.microsoft.com/office/drawing/2010/main">
+                <a:effectLst>
+                  <a:outerShdw dist="35921" dir="2700000" algn="ctr" rotWithShape="0">
+                    <a:schemeClr val="bg2"/>
+                  </a:outerShdw>
+                </a:effectLst>
+              </a14:hiddenEffects>
+            </a:ext>
+          </a:extLst>
+        </p:spPr>
+        <p:txBody>
+          <a:bodyPr vert="horz" wrap="square" lIns="91440" tIns="45720" rIns="91440" bIns="45720" numCol="1" anchor="ctr" anchorCtr="0" compatLnSpc="1">
+            <a:prstTxWarp prst="textNoShape">
+              <a:avLst/>
+            </a:prstTxWarp>
+            <a:spAutoFit/>
+          </a:bodyPr>
+          <a:lstStyle/>
+          <a:p>
+            <a:pPr marR="0" lvl="0" indent="0" fontAlgn="base">
+              <a:lnSpc>
+                <a:spcPct val="100000"/>
+              </a:lnSpc>
+              <a:spcBef>
+                <a:spcPct val="0"/>
+              </a:spcBef>
+              <a:spcAft>
+                <a:spcPct val="0"/>
+              </a:spcAft>
+              <a:buClrTx/>
+              <a:buSzTx/>
+              <a:buFontTx/>
+              <a:buNone/>
+              <a:tabLst/>
+            </a:pPr>
+            <a:r>
+              <a:rPr lang="de-DE" altLang="de-DE" sz="1000" b="1" dirty="0" err="1">
+                <a:solidFill>
+                  <a:srgbClr val="990099"/>
+                </a:solidFill>
+                <a:latin typeface="Titillium Web"/>
+              </a:rPr>
+              <a:t>connect</a:t>
+            </a:r>
+            <a:r>
+              <a:rPr lang="en-150" altLang="de-DE" sz="1000" b="1" dirty="0" smtClean="0">
+                <a:solidFill>
+                  <a:srgbClr val="990099"/>
+                </a:solidFill>
+                <a:latin typeface="Titillium Web"/>
+              </a:rPr>
+              <a:t> </a:t>
+            </a:r>
+            <a:r>
+              <a:rPr lang="de-DE" altLang="de-DE" sz="1000" dirty="0" smtClean="0">
+                <a:solidFill>
+                  <a:srgbClr val="404244"/>
+                </a:solidFill>
+                <a:latin typeface="Titillium Web"/>
+              </a:rPr>
+              <a:t>( </a:t>
+            </a:r>
+            <a:r>
+              <a:rPr lang="de-DE" altLang="de-DE" sz="1000" dirty="0" err="1">
+                <a:solidFill>
+                  <a:srgbClr val="404244"/>
+                </a:solidFill>
+                <a:latin typeface="Titillium Web"/>
+              </a:rPr>
+              <a:t>sender</a:t>
+            </a:r>
+            <a:r>
+              <a:rPr lang="de-DE" altLang="de-DE" sz="1000" dirty="0">
+                <a:solidFill>
+                  <a:srgbClr val="404244"/>
+                </a:solidFill>
+                <a:latin typeface="Titillium Web"/>
+              </a:rPr>
+              <a:t>, &amp;Sender::</a:t>
+            </a:r>
+            <a:r>
+              <a:rPr lang="de-DE" altLang="de-DE" sz="1000" dirty="0" err="1">
+                <a:solidFill>
+                  <a:srgbClr val="404244"/>
+                </a:solidFill>
+                <a:latin typeface="Titillium Web"/>
+              </a:rPr>
+              <a:t>valueChanged</a:t>
+            </a:r>
+            <a:r>
+              <a:rPr lang="de-DE" altLang="de-DE" sz="1000" dirty="0">
+                <a:solidFill>
+                  <a:srgbClr val="404244"/>
+                </a:solidFill>
+                <a:latin typeface="Titillium Web"/>
+              </a:rPr>
+              <a:t>, [=]( </a:t>
+            </a:r>
+            <a:r>
+              <a:rPr lang="de-DE" altLang="de-DE" sz="1000" dirty="0" err="1">
+                <a:solidFill>
+                  <a:srgbClr val="404244"/>
+                </a:solidFill>
+                <a:latin typeface="Titillium Web"/>
+              </a:rPr>
+              <a:t>const</a:t>
+            </a:r>
+            <a:r>
+              <a:rPr lang="de-DE" altLang="de-DE" sz="1000" dirty="0">
+                <a:solidFill>
+                  <a:srgbClr val="404244"/>
+                </a:solidFill>
+                <a:latin typeface="Titillium Web"/>
+              </a:rPr>
+              <a:t> </a:t>
+            </a:r>
+            <a:r>
+              <a:rPr lang="de-DE" altLang="de-DE" sz="1000" dirty="0" err="1">
+                <a:solidFill>
+                  <a:srgbClr val="404244"/>
+                </a:solidFill>
+                <a:latin typeface="Titillium Web"/>
+              </a:rPr>
+              <a:t>QString</a:t>
+            </a:r>
+            <a:r>
+              <a:rPr lang="de-DE" altLang="de-DE" sz="1000" dirty="0">
+                <a:solidFill>
+                  <a:srgbClr val="404244"/>
+                </a:solidFill>
+                <a:latin typeface="Titillium Web"/>
+              </a:rPr>
+              <a:t> &amp;</a:t>
+            </a:r>
+            <a:r>
+              <a:rPr lang="de-DE" altLang="de-DE" sz="1000" dirty="0" err="1">
+                <a:solidFill>
+                  <a:srgbClr val="404244"/>
+                </a:solidFill>
+                <a:latin typeface="Titillium Web"/>
+              </a:rPr>
+              <a:t>newValue</a:t>
+            </a:r>
+            <a:r>
+              <a:rPr lang="de-DE" altLang="de-DE" sz="1000" dirty="0">
+                <a:solidFill>
+                  <a:srgbClr val="404244"/>
+                </a:solidFill>
+                <a:latin typeface="Titillium Web"/>
+              </a:rPr>
+              <a:t> ) { </a:t>
+            </a:r>
+            <a:r>
+              <a:rPr lang="de-DE" altLang="de-DE" sz="1000" dirty="0" err="1">
+                <a:solidFill>
+                  <a:srgbClr val="404244"/>
+                </a:solidFill>
+                <a:latin typeface="Titillium Web"/>
+              </a:rPr>
+              <a:t>receiver</a:t>
+            </a:r>
+            <a:r>
+              <a:rPr lang="de-DE" altLang="de-DE" sz="1000" dirty="0">
+                <a:solidFill>
+                  <a:srgbClr val="404244"/>
+                </a:solidFill>
+                <a:latin typeface="Titillium Web"/>
+              </a:rPr>
+              <a:t>-&gt;</a:t>
+            </a:r>
+            <a:r>
+              <a:rPr lang="de-DE" altLang="de-DE" sz="1000" dirty="0" err="1">
+                <a:solidFill>
+                  <a:srgbClr val="404244"/>
+                </a:solidFill>
+                <a:latin typeface="Titillium Web"/>
+              </a:rPr>
+              <a:t>updateValue</a:t>
+            </a:r>
+            <a:r>
+              <a:rPr lang="de-DE" altLang="de-DE" sz="1000" dirty="0">
+                <a:solidFill>
+                  <a:srgbClr val="404244"/>
+                </a:solidFill>
+                <a:latin typeface="Titillium Web"/>
+              </a:rPr>
+              <a:t>( "</a:t>
+            </a:r>
+            <a:r>
+              <a:rPr lang="de-DE" altLang="de-DE" sz="1000" dirty="0" err="1">
+                <a:solidFill>
+                  <a:srgbClr val="404244"/>
+                </a:solidFill>
+                <a:latin typeface="Titillium Web"/>
+              </a:rPr>
+              <a:t>senderValue</a:t>
+            </a:r>
+            <a:r>
+              <a:rPr lang="de-DE" altLang="de-DE" sz="1000" dirty="0">
+                <a:solidFill>
+                  <a:srgbClr val="404244"/>
+                </a:solidFill>
+                <a:latin typeface="Titillium Web"/>
+              </a:rPr>
+              <a:t>", </a:t>
+            </a:r>
+            <a:r>
+              <a:rPr lang="de-DE" altLang="de-DE" sz="1000" dirty="0" err="1">
+                <a:solidFill>
+                  <a:srgbClr val="404244"/>
+                </a:solidFill>
+                <a:latin typeface="Titillium Web"/>
+              </a:rPr>
+              <a:t>newValue</a:t>
+            </a:r>
+            <a:r>
+              <a:rPr lang="de-DE" altLang="de-DE" sz="1000" dirty="0">
+                <a:solidFill>
+                  <a:srgbClr val="404244"/>
+                </a:solidFill>
+                <a:latin typeface="Titillium Web"/>
+              </a:rPr>
+              <a:t> ); } ); </a:t>
+            </a:r>
+          </a:p>
+        </p:txBody>
+      </p:sp>
+    </p:spTree>
+    <p:extLst>
+      <p:ext uri="{BB962C8B-B14F-4D97-AF65-F5344CB8AC3E}">
+        <p14:creationId xmlns:p14="http://schemas.microsoft.com/office/powerpoint/2010/main" val="207955583"/>
+      </p:ext>
+    </p:extLst>
+  </p:cSld>
+  <p:clrMapOvr>
+    <a:masterClrMapping/>
+  </p:clrMapOvr>
+  <p:timing>
+    <p:tnLst>
+      <p:par>
+        <p:cTn id="1" dur="indefinite" restart="never" nodeType="tmRoot"/>
+      </p:par>
+    </p:tnLst>
+  </p:timing>
+</p:sld>
+</file>
+
+<file path=ppt/slides/slide12.xml><?xml version="1.0" encoding="utf-8"?>
+<p:sld xmlns:a="http://schemas.openxmlformats.org/drawingml/2006/main" xmlns:r="http://schemas.openxmlformats.org/officeDocument/2006/relationships" xmlns:p="http://schemas.openxmlformats.org/presentationml/2006/main">
+  <p:cSld>
+    <p:spTree>
+      <p:nvGrpSpPr>
+        <p:cNvPr id="1" name=""/>
+        <p:cNvGrpSpPr/>
+        <p:nvPr/>
+      </p:nvGrpSpPr>
+      <p:grpSpPr>
+        <a:xfrm>
+          <a:off x="0" y="0"/>
+          <a:ext cx="0" cy="0"/>
+          <a:chOff x="0" y="0"/>
+          <a:chExt cx="0" cy="0"/>
+        </a:xfrm>
+      </p:grpSpPr>
+      <p:sp>
+        <p:nvSpPr>
+          <p:cNvPr id="2" name="Fußzeilenplatzhalter 1"/>
+          <p:cNvSpPr>
+            <a:spLocks noGrp="1"/>
+          </p:cNvSpPr>
+          <p:nvPr>
+            <p:ph type="ftr" sz="quarter" idx="10"/>
+          </p:nvPr>
+        </p:nvSpPr>
+        <p:spPr/>
+        <p:txBody>
+          <a:bodyPr/>
+          <a:lstStyle/>
+          <a:p>
+            <a:r>
+              <a:rPr lang="en-GB" noProof="1"/>
+              <a:t>Swiss Software Engineering: </a:t>
+            </a:r>
+            <a:r>
+              <a:rPr lang="en-GB" b="1" noProof="1">
+                <a:latin typeface="Calibri"/>
+                <a:cs typeface="Calibri"/>
+              </a:rPr>
+              <a:t>betterask.erni</a:t>
+            </a:r>
+          </a:p>
+        </p:txBody>
+      </p:sp>
+      <p:sp>
+        <p:nvSpPr>
+          <p:cNvPr id="3" name="Foliennummernplatzhalter 2"/>
+          <p:cNvSpPr>
+            <a:spLocks noGrp="1"/>
+          </p:cNvSpPr>
+          <p:nvPr>
+            <p:ph type="sldNum" sz="quarter" idx="11"/>
+          </p:nvPr>
+        </p:nvSpPr>
+        <p:spPr/>
+        <p:txBody>
+          <a:bodyPr/>
+          <a:lstStyle/>
+          <a:p>
+            <a:fld id="{9F5F539E-0E69-451B-AC12-57C40F9178F7}" type="slidenum">
+              <a:rPr lang="en-GB" smtClean="0"/>
+              <a:pPr/>
+              <a:t>12</a:t>
             </a:fld>
             <a:endParaRPr lang="en-GB" dirty="0"/>
           </a:p>
@@ -16964,7 +18183,7 @@
 </p:sld>
 </file>
 
-<file path=ppt/slides/slide12.xml><?xml version="1.0" encoding="utf-8"?>
+<file path=ppt/slides/slide13.xml><?xml version="1.0" encoding="utf-8"?>
 <p:sld xmlns:a="http://schemas.openxmlformats.org/drawingml/2006/main" xmlns:r="http://schemas.openxmlformats.org/officeDocument/2006/relationships" xmlns:p="http://schemas.openxmlformats.org/presentationml/2006/main">
   <p:cSld>
     <p:spTree>
@@ -17028,7 +18247,7 @@
             <a:fld id="{9F5F539E-0E69-451B-AC12-57C40F9178F7}" type="slidenum">
               <a:rPr lang="en-GB" smtClean="0"/>
               <a:pPr/>
-              <a:t>12</a:t>
+              <a:t>13</a:t>
             </a:fld>
             <a:endParaRPr lang="en-GB" dirty="0"/>
           </a:p>
@@ -17181,11 +18400,7 @@
             </a:pPr>
             <a:r>
               <a:rPr lang="de-DE" altLang="de-DE" dirty="0" smtClean="0"/>
-              <a:t>The </a:t>
-            </a:r>
-            <a:r>
-              <a:rPr lang="de-DE" altLang="de-DE" dirty="0" smtClean="0"/>
-              <a:t>meta-</a:t>
+              <a:t>The meta-</a:t>
             </a:r>
             <a:r>
               <a:rPr lang="de-DE" altLang="de-DE" dirty="0" err="1" smtClean="0"/>
@@ -17663,261 +18878,6 @@
     <p:extLst>
       <p:ext uri="{BB962C8B-B14F-4D97-AF65-F5344CB8AC3E}">
         <p14:creationId xmlns:p14="http://schemas.microsoft.com/office/powerpoint/2010/main" val="2209113974"/>
-      </p:ext>
-    </p:extLst>
-  </p:cSld>
-  <p:clrMapOvr>
-    <a:masterClrMapping/>
-  </p:clrMapOvr>
-  <p:timing>
-    <p:tnLst>
-      <p:par>
-        <p:cTn id="1" dur="indefinite" restart="never" nodeType="tmRoot"/>
-      </p:par>
-    </p:tnLst>
-  </p:timing>
-</p:sld>
-</file>
-
-<file path=ppt/slides/slide13.xml><?xml version="1.0" encoding="utf-8"?>
-<p:sld xmlns:a="http://schemas.openxmlformats.org/drawingml/2006/main" xmlns:r="http://schemas.openxmlformats.org/officeDocument/2006/relationships" xmlns:p="http://schemas.openxmlformats.org/presentationml/2006/main">
-  <p:cSld>
-    <p:spTree>
-      <p:nvGrpSpPr>
-        <p:cNvPr id="1" name=""/>
-        <p:cNvGrpSpPr/>
-        <p:nvPr/>
-      </p:nvGrpSpPr>
-      <p:grpSpPr>
-        <a:xfrm>
-          <a:off x="0" y="0"/>
-          <a:ext cx="0" cy="0"/>
-          <a:chOff x="0" y="0"/>
-          <a:chExt cx="0" cy="0"/>
-        </a:xfrm>
-      </p:grpSpPr>
-      <p:sp>
-        <p:nvSpPr>
-          <p:cNvPr id="2" name="Fußzeilenplatzhalter 1"/>
-          <p:cNvSpPr>
-            <a:spLocks noGrp="1"/>
-          </p:cNvSpPr>
-          <p:nvPr>
-            <p:ph type="ftr" sz="quarter" idx="10"/>
-          </p:nvPr>
-        </p:nvSpPr>
-        <p:spPr/>
-        <p:txBody>
-          <a:bodyPr/>
-          <a:lstStyle/>
-          <a:p>
-            <a:r>
-              <a:rPr lang="en-GB" noProof="1"/>
-              <a:t>Swiss Software Engineering: </a:t>
-            </a:r>
-            <a:r>
-              <a:rPr lang="en-GB" b="1" noProof="1">
-                <a:latin typeface="Calibri"/>
-                <a:cs typeface="Calibri"/>
-              </a:rPr>
-              <a:t>betterask.erni</a:t>
-            </a:r>
-          </a:p>
-        </p:txBody>
-      </p:sp>
-      <p:sp>
-        <p:nvSpPr>
-          <p:cNvPr id="3" name="Foliennummernplatzhalter 2"/>
-          <p:cNvSpPr>
-            <a:spLocks noGrp="1"/>
-          </p:cNvSpPr>
-          <p:nvPr>
-            <p:ph type="sldNum" sz="quarter" idx="11"/>
-          </p:nvPr>
-        </p:nvSpPr>
-        <p:spPr/>
-        <p:txBody>
-          <a:bodyPr/>
-          <a:lstStyle/>
-          <a:p>
-            <a:fld id="{9F5F539E-0E69-451B-AC12-57C40F9178F7}" type="slidenum">
-              <a:rPr lang="en-GB" smtClean="0"/>
-              <a:pPr/>
-              <a:t>13</a:t>
-            </a:fld>
-            <a:endParaRPr lang="en-GB" dirty="0"/>
-          </a:p>
-        </p:txBody>
-      </p:sp>
-      <p:sp>
-        <p:nvSpPr>
-          <p:cNvPr id="4" name="Titel 3"/>
-          <p:cNvSpPr>
-            <a:spLocks noGrp="1"/>
-          </p:cNvSpPr>
-          <p:nvPr>
-            <p:ph type="title"/>
-          </p:nvPr>
-        </p:nvSpPr>
-        <p:spPr/>
-        <p:txBody>
-          <a:bodyPr/>
-          <a:lstStyle/>
-          <a:p>
-            <a:r>
-              <a:rPr lang="en-150" b="1" dirty="0" smtClean="0">
-                <a:solidFill>
-                  <a:srgbClr val="242F78"/>
-                </a:solidFill>
-                <a:latin typeface="Calibri"/>
-                <a:ea typeface="Lato Light" panose="020F0502020204030203" pitchFamily="34" charset="0"/>
-                <a:cs typeface="Calibri"/>
-              </a:rPr>
-              <a:t>Other Feature and Improvements</a:t>
-            </a:r>
-            <a:endParaRPr lang="en-GB" b="1" dirty="0">
-              <a:solidFill>
-                <a:srgbClr val="242F78"/>
-              </a:solidFill>
-              <a:latin typeface="Calibri"/>
-              <a:ea typeface="Lato Light" panose="020F0502020204030203" pitchFamily="34" charset="0"/>
-              <a:cs typeface="Calibri"/>
-            </a:endParaRPr>
-          </a:p>
-        </p:txBody>
-      </p:sp>
-      <p:sp>
-        <p:nvSpPr>
-          <p:cNvPr id="6" name="Inhaltsplatzhalter 5"/>
-          <p:cNvSpPr>
-            <a:spLocks noGrp="1"/>
-          </p:cNvSpPr>
-          <p:nvPr>
-            <p:ph sz="quarter" idx="12"/>
-          </p:nvPr>
-        </p:nvSpPr>
-        <p:spPr>
-          <a:xfrm>
-            <a:off x="303058" y="1247776"/>
-            <a:ext cx="8489388" cy="3162860"/>
-          </a:xfrm>
-        </p:spPr>
-        <p:txBody>
-          <a:bodyPr/>
-          <a:lstStyle/>
-          <a:p>
-            <a:pPr marL="329847" lvl="1" indent="0">
-              <a:buNone/>
-            </a:pPr>
-            <a:r>
-              <a:rPr lang="en-150" b="1" dirty="0" smtClean="0"/>
-              <a:t>Containers</a:t>
-            </a:r>
-            <a:r>
-              <a:rPr lang="en-150" dirty="0" smtClean="0"/>
-              <a:t>: QList, QLinkedList, Q</a:t>
-            </a:r>
-            <a:r>
-              <a:rPr lang="de-CH" dirty="0" smtClean="0"/>
-              <a:t>v</a:t>
-            </a:r>
-            <a:r>
-              <a:rPr lang="en-150" dirty="0" smtClean="0"/>
-              <a:t>ector, QStack, QQueue, QMap, QMultiMap, QHash, QMultiHash, QSet, QBitArray ...</a:t>
-            </a:r>
-          </a:p>
-          <a:p>
-            <a:pPr marL="952589" lvl="2" indent="-285750">
-              <a:buFont typeface="Symbol" panose="05050102010706020507" pitchFamily="18" charset="2"/>
-              <a:buChar char="-"/>
-            </a:pPr>
-            <a:r>
-              <a:rPr lang="en-150" dirty="0" smtClean="0"/>
-              <a:t>Compatible with STL’s generic algorithms.</a:t>
-            </a:r>
-          </a:p>
-          <a:p>
-            <a:pPr marL="952589" lvl="2" indent="-285750">
-              <a:buFont typeface="Symbol" panose="05050102010706020507" pitchFamily="18" charset="2"/>
-              <a:buChar char="-"/>
-            </a:pPr>
-            <a:endParaRPr lang="en-150" dirty="0" smtClean="0"/>
-          </a:p>
-          <a:p>
-            <a:pPr marL="329847" lvl="1" indent="0">
-              <a:buNone/>
-            </a:pPr>
-            <a:r>
-              <a:rPr lang="en-150" b="1" dirty="0" smtClean="0"/>
-              <a:t>Smart Pointers </a:t>
-            </a:r>
-            <a:r>
-              <a:rPr lang="en-150" dirty="0" smtClean="0"/>
-              <a:t>since 2009: QSharedPointer, QScopedPointer, QWeakPointer, and some others.</a:t>
-            </a:r>
-          </a:p>
-          <a:p>
-            <a:pPr marL="329847" lvl="1" indent="0">
-              <a:buNone/>
-            </a:pPr>
-            <a:endParaRPr lang="en-150" dirty="0" smtClean="0"/>
-          </a:p>
-          <a:p>
-            <a:pPr marL="329847" lvl="1" indent="0">
-              <a:buNone/>
-            </a:pPr>
-            <a:r>
-              <a:rPr lang="en-150" b="1" dirty="0" smtClean="0"/>
-              <a:t>Thread Support </a:t>
-            </a:r>
-            <a:r>
-              <a:rPr lang="en-150" dirty="0" smtClean="0"/>
-              <a:t>since 2005: </a:t>
-            </a:r>
-            <a:r>
-              <a:rPr lang="en-US" dirty="0" smtClean="0"/>
-              <a:t>platform-independent </a:t>
-            </a:r>
-            <a:r>
-              <a:rPr lang="en-US" dirty="0"/>
-              <a:t>threading classes, a thread-safe way of posting events, and signal-slot connections across threads. </a:t>
-            </a:r>
-            <a:endParaRPr lang="en-150" dirty="0" smtClean="0"/>
-          </a:p>
-          <a:p>
-            <a:pPr marL="329847" lvl="1" indent="0">
-              <a:buNone/>
-            </a:pPr>
-            <a:endParaRPr lang="en-150" dirty="0"/>
-          </a:p>
-          <a:p>
-            <a:pPr marL="329847" lvl="1" indent="0">
-              <a:buNone/>
-            </a:pPr>
-            <a:r>
-              <a:rPr lang="en-150" b="1" dirty="0" smtClean="0"/>
-              <a:t>File System Support </a:t>
-            </a:r>
-            <a:r>
-              <a:rPr lang="en-150" dirty="0" smtClean="0"/>
-              <a:t>since 2008: </a:t>
-            </a:r>
-            <a:r>
-              <a:rPr lang="en-US" dirty="0" smtClean="0"/>
-              <a:t>platform-independent</a:t>
-            </a:r>
-            <a:r>
-              <a:rPr lang="en-150" dirty="0" smtClean="0"/>
-              <a:t> file system access.</a:t>
-            </a:r>
-            <a:endParaRPr lang="en-150" dirty="0"/>
-          </a:p>
-        </p:txBody>
-      </p:sp>
-    </p:spTree>
-    <p:extLst>
-      <p:ext uri="{BB962C8B-B14F-4D97-AF65-F5344CB8AC3E}">
-        <p14:creationId xmlns:p14="http://schemas.microsoft.com/office/powerpoint/2010/main" val="3542237627"/>
       </p:ext>
     </p:extLst>
   </p:cSld>
@@ -17953,7 +18913,60 @@
       </p:grpSpPr>
       <p:sp>
         <p:nvSpPr>
-          <p:cNvPr id="2" name="Titel 1"/>
+          <p:cNvPr id="2" name="Fußzeilenplatzhalter 1"/>
+          <p:cNvSpPr>
+            <a:spLocks noGrp="1"/>
+          </p:cNvSpPr>
+          <p:nvPr>
+            <p:ph type="ftr" sz="quarter" idx="10"/>
+          </p:nvPr>
+        </p:nvSpPr>
+        <p:spPr/>
+        <p:txBody>
+          <a:bodyPr/>
+          <a:lstStyle/>
+          <a:p>
+            <a:r>
+              <a:rPr lang="en-GB" noProof="1"/>
+              <a:t>Swiss Software Engineering: </a:t>
+            </a:r>
+            <a:r>
+              <a:rPr lang="en-GB" b="1" noProof="1">
+                <a:latin typeface="Calibri"/>
+                <a:cs typeface="Calibri"/>
+              </a:rPr>
+              <a:t>betterask.erni</a:t>
+            </a:r>
+          </a:p>
+        </p:txBody>
+      </p:sp>
+      <p:sp>
+        <p:nvSpPr>
+          <p:cNvPr id="3" name="Foliennummernplatzhalter 2"/>
+          <p:cNvSpPr>
+            <a:spLocks noGrp="1"/>
+          </p:cNvSpPr>
+          <p:nvPr>
+            <p:ph type="sldNum" sz="quarter" idx="11"/>
+          </p:nvPr>
+        </p:nvSpPr>
+        <p:spPr/>
+        <p:txBody>
+          <a:bodyPr/>
+          <a:lstStyle/>
+          <a:p>
+            <a:fld id="{9F5F539E-0E69-451B-AC12-57C40F9178F7}" type="slidenum">
+              <a:rPr lang="en-GB" smtClean="0"/>
+              <a:pPr/>
+              <a:t>14</a:t>
+            </a:fld>
+            <a:endParaRPr lang="en-GB" dirty="0"/>
+          </a:p>
+        </p:txBody>
+      </p:sp>
+      <p:sp>
+        <p:nvSpPr>
+          <p:cNvPr id="4" name="Titel 3"/>
           <p:cNvSpPr>
             <a:spLocks noGrp="1"/>
           </p:cNvSpPr>
@@ -17967,165 +18980,159 @@
           <a:lstStyle/>
           <a:p>
             <a:r>
-              <a:rPr lang="en-150" sz="3200" b="1" noProof="1" smtClean="0"/>
-              <a:t>Demo</a:t>
-            </a:r>
-            <a:endParaRPr lang="en-GB" sz="3200" b="1" noProof="1"/>
-          </a:p>
-        </p:txBody>
-      </p:sp>
-      <p:sp>
-        <p:nvSpPr>
-          <p:cNvPr id="3" name="Textplatzhalter 2"/>
+              <a:rPr lang="en-150" b="1" dirty="0" smtClean="0">
+                <a:solidFill>
+                  <a:srgbClr val="242F78"/>
+                </a:solidFill>
+                <a:latin typeface="Calibri"/>
+                <a:ea typeface="Lato Light" panose="020F0502020204030203" pitchFamily="34" charset="0"/>
+                <a:cs typeface="Calibri"/>
+              </a:rPr>
+              <a:t>Other Feature and Improvements</a:t>
+            </a:r>
+            <a:endParaRPr lang="en-GB" b="1" dirty="0">
+              <a:solidFill>
+                <a:srgbClr val="242F78"/>
+              </a:solidFill>
+              <a:latin typeface="Calibri"/>
+              <a:ea typeface="Lato Light" panose="020F0502020204030203" pitchFamily="34" charset="0"/>
+              <a:cs typeface="Calibri"/>
+            </a:endParaRPr>
+          </a:p>
+        </p:txBody>
+      </p:sp>
+      <p:sp>
+        <p:nvSpPr>
+          <p:cNvPr id="6" name="Inhaltsplatzhalter 5"/>
           <p:cNvSpPr>
             <a:spLocks noGrp="1"/>
           </p:cNvSpPr>
           <p:nvPr>
-            <p:ph type="body" sz="quarter" idx="10"/>
+            <p:ph sz="quarter" idx="12"/>
           </p:nvPr>
         </p:nvSpPr>
-        <p:spPr/>
+        <p:spPr>
+          <a:xfrm>
+            <a:off x="303058" y="1247776"/>
+            <a:ext cx="8489388" cy="3162860"/>
+          </a:xfrm>
+        </p:spPr>
         <p:txBody>
           <a:bodyPr/>
           <a:lstStyle/>
           <a:p>
-            <a:r>
-              <a:rPr lang="en-150" noProof="1" smtClean="0"/>
-              <a:t>Gui App with a Window to receive some inputs and then trigger some action</a:t>
-            </a:r>
-            <a:endParaRPr lang="en-GB" noProof="1"/>
-          </a:p>
-        </p:txBody>
-      </p:sp>
-      <p:sp>
-        <p:nvSpPr>
-          <p:cNvPr id="4" name="Fußzeilenplatzhalter 3"/>
-          <p:cNvSpPr>
-            <a:spLocks noGrp="1"/>
-          </p:cNvSpPr>
-          <p:nvPr>
-            <p:ph type="ftr" sz="quarter" idx="12"/>
-          </p:nvPr>
-        </p:nvSpPr>
-        <p:spPr/>
-        <p:txBody>
-          <a:bodyPr/>
-          <a:lstStyle/>
-          <a:p>
-            <a:r>
-              <a:rPr lang="en-GB" noProof="1"/>
-              <a:t>Swiss Software Engineering: </a:t>
-            </a:r>
-            <a:r>
-              <a:rPr lang="en-GB" b="1" noProof="1">
-                <a:latin typeface="Calibri"/>
-                <a:cs typeface="Calibri"/>
-              </a:rPr>
-              <a:t>betterask.erni</a:t>
-            </a:r>
-          </a:p>
-        </p:txBody>
-      </p:sp>
-      <p:sp>
-        <p:nvSpPr>
-          <p:cNvPr id="5" name="Foliennummernplatzhalter 4"/>
-          <p:cNvSpPr>
-            <a:spLocks noGrp="1"/>
-          </p:cNvSpPr>
-          <p:nvPr>
-            <p:ph type="sldNum" sz="quarter" idx="13"/>
-          </p:nvPr>
-        </p:nvSpPr>
-        <p:spPr/>
-        <p:txBody>
-          <a:bodyPr/>
-          <a:lstStyle/>
-          <a:p>
-            <a:fld id="{9F5F539E-0E69-451B-AC12-57C40F9178F7}" type="slidenum">
-              <a:rPr lang="en-GB" noProof="1" smtClean="0"/>
-              <a:pPr/>
-              <a:t>14</a:t>
-            </a:fld>
-            <a:endParaRPr lang="en-GB" noProof="1"/>
-          </a:p>
-        </p:txBody>
-      </p:sp>
-      <p:pic>
-        <p:nvPicPr>
-          <p:cNvPr id="8" name="Picture 7"/>
-          <p:cNvPicPr>
-            <a:picLocks noChangeAspect="1"/>
-          </p:cNvPicPr>
-          <p:nvPr/>
-        </p:nvPicPr>
-        <p:blipFill>
-          <a:blip r:embed="rId2"/>
-          <a:stretch>
-            <a:fillRect/>
-          </a:stretch>
-        </p:blipFill>
-        <p:spPr>
-          <a:xfrm>
-            <a:off x="5576128" y="1497632"/>
-            <a:ext cx="2073534" cy="886396"/>
-          </a:xfrm>
-          <a:prstGeom prst="rect">
-            <a:avLst/>
-          </a:prstGeom>
-        </p:spPr>
-      </p:pic>
-      <p:pic>
-        <p:nvPicPr>
-          <p:cNvPr id="9" name="Picture 8"/>
-          <p:cNvPicPr>
-            <a:picLocks noChangeAspect="1"/>
-          </p:cNvPicPr>
-          <p:nvPr/>
-        </p:nvPicPr>
-        <p:blipFill>
-          <a:blip r:embed="rId3"/>
-          <a:stretch>
-            <a:fillRect/>
-          </a:stretch>
-        </p:blipFill>
-        <p:spPr>
-          <a:xfrm>
-            <a:off x="5576128" y="2624637"/>
-            <a:ext cx="3050776" cy="1916067"/>
-          </a:xfrm>
-          <a:prstGeom prst="rect">
-            <a:avLst/>
-          </a:prstGeom>
-        </p:spPr>
-      </p:pic>
-      <p:pic>
-        <p:nvPicPr>
-          <p:cNvPr id="12" name="Picture 11"/>
-          <p:cNvPicPr>
-            <a:picLocks noChangeAspect="1"/>
-          </p:cNvPicPr>
-          <p:nvPr/>
-        </p:nvPicPr>
-        <p:blipFill>
-          <a:blip r:embed="rId4"/>
-          <a:stretch>
-            <a:fillRect/>
-          </a:stretch>
-        </p:blipFill>
-        <p:spPr>
-          <a:xfrm>
-            <a:off x="547972" y="1224828"/>
-            <a:ext cx="4569939" cy="3531008"/>
-          </a:xfrm>
-          <a:prstGeom prst="rect">
-            <a:avLst/>
-          </a:prstGeom>
-        </p:spPr>
-      </p:pic>
+            <a:pPr marL="329847" lvl="1" indent="0">
+              <a:buNone/>
+            </a:pPr>
+            <a:r>
+              <a:rPr lang="en-150" b="1" dirty="0" smtClean="0"/>
+              <a:t>Containers</a:t>
+            </a:r>
+            <a:r>
+              <a:rPr lang="en-150" dirty="0" smtClean="0"/>
+              <a:t>: QList, QLinkedList, Q</a:t>
+            </a:r>
+            <a:r>
+              <a:rPr lang="de-CH" dirty="0" smtClean="0"/>
+              <a:t>v</a:t>
+            </a:r>
+            <a:r>
+              <a:rPr lang="en-150" dirty="0" smtClean="0"/>
+              <a:t>ector, QStack, QQueue, QMap, QMultiMap, QHash, QMultiHash, QSet, QBitArray ...</a:t>
+            </a:r>
+          </a:p>
+          <a:p>
+            <a:pPr marL="952589" lvl="2" indent="-285750">
+              <a:buFont typeface="Symbol" panose="05050102010706020507" pitchFamily="18" charset="2"/>
+              <a:buChar char="-"/>
+            </a:pPr>
+            <a:r>
+              <a:rPr lang="en-150" dirty="0" smtClean="0"/>
+              <a:t>Compatible with STL’s generic algorithms.</a:t>
+            </a:r>
+          </a:p>
+          <a:p>
+            <a:pPr marL="952589" lvl="2" indent="-285750">
+              <a:buFont typeface="Symbol" panose="05050102010706020507" pitchFamily="18" charset="2"/>
+              <a:buChar char="-"/>
+            </a:pPr>
+            <a:endParaRPr lang="en-150" dirty="0" smtClean="0"/>
+          </a:p>
+          <a:p>
+            <a:pPr marL="329847" lvl="1" indent="0">
+              <a:buNone/>
+            </a:pPr>
+            <a:r>
+              <a:rPr lang="en-150" b="1" dirty="0" smtClean="0"/>
+              <a:t>Smart Pointers </a:t>
+            </a:r>
+            <a:r>
+              <a:rPr lang="en-150" dirty="0" smtClean="0"/>
+              <a:t>since 2009: QSharedPointer, QScopedPointer, QWeakPointer, and some others.</a:t>
+            </a:r>
+          </a:p>
+          <a:p>
+            <a:pPr marL="329847" lvl="1" indent="0">
+              <a:buNone/>
+            </a:pPr>
+            <a:endParaRPr lang="en-150" dirty="0" smtClean="0"/>
+          </a:p>
+          <a:p>
+            <a:pPr marL="329847" lvl="1" indent="0">
+              <a:buNone/>
+            </a:pPr>
+            <a:r>
+              <a:rPr lang="en-150" b="1" dirty="0" smtClean="0"/>
+              <a:t>Thread Support </a:t>
+            </a:r>
+            <a:r>
+              <a:rPr lang="en-150" dirty="0" smtClean="0"/>
+              <a:t>since 2005: </a:t>
+            </a:r>
+            <a:r>
+              <a:rPr lang="en-US" dirty="0" smtClean="0"/>
+              <a:t>platform-independent </a:t>
+            </a:r>
+            <a:r>
+              <a:rPr lang="en-US" dirty="0"/>
+              <a:t>threading classes, a thread-safe way of posting events, and signal-slot connections across threads. </a:t>
+            </a:r>
+            <a:endParaRPr lang="en-150" dirty="0" smtClean="0"/>
+          </a:p>
+          <a:p>
+            <a:pPr marL="329847" lvl="1" indent="0">
+              <a:buNone/>
+            </a:pPr>
+            <a:endParaRPr lang="en-150" dirty="0"/>
+          </a:p>
+          <a:p>
+            <a:pPr marL="329847" lvl="1" indent="0">
+              <a:buNone/>
+            </a:pPr>
+            <a:r>
+              <a:rPr lang="en-150" b="1" dirty="0" smtClean="0"/>
+              <a:t>File System Support </a:t>
+            </a:r>
+            <a:r>
+              <a:rPr lang="en-150" dirty="0" smtClean="0"/>
+              <a:t>since 2008: </a:t>
+            </a:r>
+            <a:r>
+              <a:rPr lang="en-US" dirty="0" smtClean="0"/>
+              <a:t>platform-independent</a:t>
+            </a:r>
+            <a:r>
+              <a:rPr lang="en-150" dirty="0" smtClean="0"/>
+              <a:t> file system access.</a:t>
+            </a:r>
+            <a:endParaRPr lang="en-150" dirty="0"/>
+          </a:p>
+        </p:txBody>
+      </p:sp>
     </p:spTree>
     <p:extLst>
       <p:ext uri="{BB962C8B-B14F-4D97-AF65-F5344CB8AC3E}">
-        <p14:creationId xmlns:p14="http://schemas.microsoft.com/office/powerpoint/2010/main" val="352589978"/>
+        <p14:creationId xmlns:p14="http://schemas.microsoft.com/office/powerpoint/2010/main" val="3542237627"/>
       </p:ext>
     </p:extLst>
   </p:cSld>
@@ -18192,9 +19199,217 @@
             <p:ph type="body" sz="quarter" idx="10"/>
           </p:nvPr>
         </p:nvSpPr>
+        <p:spPr/>
+        <p:txBody>
+          <a:bodyPr/>
+          <a:lstStyle/>
+          <a:p>
+            <a:r>
+              <a:rPr lang="en-150" noProof="1" smtClean="0"/>
+              <a:t>Gui App with a Window to receive some inputs and then trigger some action</a:t>
+            </a:r>
+            <a:endParaRPr lang="en-GB" noProof="1"/>
+          </a:p>
+        </p:txBody>
+      </p:sp>
+      <p:sp>
+        <p:nvSpPr>
+          <p:cNvPr id="4" name="Fußzeilenplatzhalter 3"/>
+          <p:cNvSpPr>
+            <a:spLocks noGrp="1"/>
+          </p:cNvSpPr>
+          <p:nvPr>
+            <p:ph type="ftr" sz="quarter" idx="12"/>
+          </p:nvPr>
+        </p:nvSpPr>
+        <p:spPr/>
+        <p:txBody>
+          <a:bodyPr/>
+          <a:lstStyle/>
+          <a:p>
+            <a:r>
+              <a:rPr lang="en-GB" noProof="1"/>
+              <a:t>Swiss Software Engineering: </a:t>
+            </a:r>
+            <a:r>
+              <a:rPr lang="en-GB" b="1" noProof="1">
+                <a:latin typeface="Calibri"/>
+                <a:cs typeface="Calibri"/>
+              </a:rPr>
+              <a:t>betterask.erni</a:t>
+            </a:r>
+          </a:p>
+        </p:txBody>
+      </p:sp>
+      <p:sp>
+        <p:nvSpPr>
+          <p:cNvPr id="5" name="Foliennummernplatzhalter 4"/>
+          <p:cNvSpPr>
+            <a:spLocks noGrp="1"/>
+          </p:cNvSpPr>
+          <p:nvPr>
+            <p:ph type="sldNum" sz="quarter" idx="13"/>
+          </p:nvPr>
+        </p:nvSpPr>
+        <p:spPr/>
+        <p:txBody>
+          <a:bodyPr/>
+          <a:lstStyle/>
+          <a:p>
+            <a:fld id="{9F5F539E-0E69-451B-AC12-57C40F9178F7}" type="slidenum">
+              <a:rPr lang="en-GB" noProof="1" smtClean="0"/>
+              <a:pPr/>
+              <a:t>15</a:t>
+            </a:fld>
+            <a:endParaRPr lang="en-GB" noProof="1"/>
+          </a:p>
+        </p:txBody>
+      </p:sp>
+      <p:pic>
+        <p:nvPicPr>
+          <p:cNvPr id="8" name="Picture 7"/>
+          <p:cNvPicPr>
+            <a:picLocks noChangeAspect="1"/>
+          </p:cNvPicPr>
+          <p:nvPr/>
+        </p:nvPicPr>
+        <p:blipFill>
+          <a:blip r:embed="rId2"/>
+          <a:stretch>
+            <a:fillRect/>
+          </a:stretch>
+        </p:blipFill>
         <p:spPr>
           <a:xfrm>
-            <a:off x="325869" y="2090303"/>
+            <a:off x="5576128" y="1497632"/>
+            <a:ext cx="2073534" cy="886396"/>
+          </a:xfrm>
+          <a:prstGeom prst="rect">
+            <a:avLst/>
+          </a:prstGeom>
+        </p:spPr>
+      </p:pic>
+      <p:pic>
+        <p:nvPicPr>
+          <p:cNvPr id="9" name="Picture 8"/>
+          <p:cNvPicPr>
+            <a:picLocks noChangeAspect="1"/>
+          </p:cNvPicPr>
+          <p:nvPr/>
+        </p:nvPicPr>
+        <p:blipFill>
+          <a:blip r:embed="rId3"/>
+          <a:stretch>
+            <a:fillRect/>
+          </a:stretch>
+        </p:blipFill>
+        <p:spPr>
+          <a:xfrm>
+            <a:off x="5576128" y="2624637"/>
+            <a:ext cx="3050776" cy="1916067"/>
+          </a:xfrm>
+          <a:prstGeom prst="rect">
+            <a:avLst/>
+          </a:prstGeom>
+        </p:spPr>
+      </p:pic>
+      <p:pic>
+        <p:nvPicPr>
+          <p:cNvPr id="12" name="Picture 11"/>
+          <p:cNvPicPr>
+            <a:picLocks noChangeAspect="1"/>
+          </p:cNvPicPr>
+          <p:nvPr/>
+        </p:nvPicPr>
+        <p:blipFill>
+          <a:blip r:embed="rId4"/>
+          <a:stretch>
+            <a:fillRect/>
+          </a:stretch>
+        </p:blipFill>
+        <p:spPr>
+          <a:xfrm>
+            <a:off x="547972" y="1224828"/>
+            <a:ext cx="4569939" cy="3531008"/>
+          </a:xfrm>
+          <a:prstGeom prst="rect">
+            <a:avLst/>
+          </a:prstGeom>
+        </p:spPr>
+      </p:pic>
+    </p:spTree>
+    <p:extLst>
+      <p:ext uri="{BB962C8B-B14F-4D97-AF65-F5344CB8AC3E}">
+        <p14:creationId xmlns:p14="http://schemas.microsoft.com/office/powerpoint/2010/main" val="352589978"/>
+      </p:ext>
+    </p:extLst>
+  </p:cSld>
+  <p:clrMapOvr>
+    <a:masterClrMapping/>
+  </p:clrMapOvr>
+  <p:timing>
+    <p:tnLst>
+      <p:par>
+        <p:cTn id="1" dur="indefinite" restart="never" nodeType="tmRoot"/>
+      </p:par>
+    </p:tnLst>
+  </p:timing>
+</p:sld>
+</file>
+
+<file path=ppt/slides/slide16.xml><?xml version="1.0" encoding="utf-8"?>
+<p:sld xmlns:a="http://schemas.openxmlformats.org/drawingml/2006/main" xmlns:r="http://schemas.openxmlformats.org/officeDocument/2006/relationships" xmlns:p="http://schemas.openxmlformats.org/presentationml/2006/main">
+  <p:cSld>
+    <p:spTree>
+      <p:nvGrpSpPr>
+        <p:cNvPr id="1" name=""/>
+        <p:cNvGrpSpPr/>
+        <p:nvPr/>
+      </p:nvGrpSpPr>
+      <p:grpSpPr>
+        <a:xfrm>
+          <a:off x="0" y="0"/>
+          <a:ext cx="0" cy="0"/>
+          <a:chOff x="0" y="0"/>
+          <a:chExt cx="0" cy="0"/>
+        </a:xfrm>
+      </p:grpSpPr>
+      <p:sp>
+        <p:nvSpPr>
+          <p:cNvPr id="2" name="Titel 1"/>
+          <p:cNvSpPr>
+            <a:spLocks noGrp="1"/>
+          </p:cNvSpPr>
+          <p:nvPr>
+            <p:ph type="title"/>
+          </p:nvPr>
+        </p:nvSpPr>
+        <p:spPr/>
+        <p:txBody>
+          <a:bodyPr/>
+          <a:lstStyle/>
+          <a:p>
+            <a:r>
+              <a:rPr lang="en-150" sz="3200" b="1" noProof="1" smtClean="0"/>
+              <a:t>Demo</a:t>
+            </a:r>
+            <a:endParaRPr lang="en-GB" sz="3200" b="1" noProof="1"/>
+          </a:p>
+        </p:txBody>
+      </p:sp>
+      <p:sp>
+        <p:nvSpPr>
+          <p:cNvPr id="3" name="Textplatzhalter 2"/>
+          <p:cNvSpPr>
+            <a:spLocks noGrp="1"/>
+          </p:cNvSpPr>
+          <p:nvPr>
+            <p:ph type="body" sz="quarter" idx="10"/>
+          </p:nvPr>
+        </p:nvSpPr>
+        <p:spPr>
+          <a:xfrm>
+            <a:off x="245764" y="955984"/>
             <a:ext cx="8389081" cy="787979"/>
           </a:xfrm>
         </p:spPr>
@@ -18271,9 +19486,285 @@
             <a:fld id="{9F5F539E-0E69-451B-AC12-57C40F9178F7}" type="slidenum">
               <a:rPr lang="en-GB" noProof="1" smtClean="0"/>
               <a:pPr/>
-              <a:t>15</a:t>
+              <a:t>16</a:t>
             </a:fld>
             <a:endParaRPr lang="en-GB" noProof="1"/>
+          </a:p>
+        </p:txBody>
+      </p:sp>
+      <p:sp>
+        <p:nvSpPr>
+          <p:cNvPr id="6" name="Titel 1"/>
+          <p:cNvSpPr txBox="1">
+            <a:spLocks/>
+          </p:cNvSpPr>
+          <p:nvPr/>
+        </p:nvSpPr>
+        <p:spPr>
+          <a:xfrm>
+            <a:off x="233535" y="2561359"/>
+            <a:ext cx="8549292" cy="297176"/>
+          </a:xfrm>
+          <a:prstGeom prst="rect">
+            <a:avLst/>
+          </a:prstGeom>
+        </p:spPr>
+        <p:txBody>
+          <a:bodyPr lIns="34288" tIns="17144" rIns="34288" bIns="17144" anchor="ctr">
+            <a:noAutofit/>
+          </a:bodyPr>
+          <a:lstStyle>
+            <a:lvl1pPr algn="l" defTabSz="514316" rtl="0" eaLnBrk="1" latinLnBrk="0" hangingPunct="1">
+              <a:lnSpc>
+                <a:spcPct val="90000"/>
+              </a:lnSpc>
+              <a:spcBef>
+                <a:spcPct val="0"/>
+              </a:spcBef>
+              <a:buNone/>
+              <a:defRPr lang="en-US" sz="2400" b="0" i="0" kern="1200" dirty="0">
+                <a:solidFill>
+                  <a:schemeClr val="bg1"/>
+                </a:solidFill>
+                <a:latin typeface="Calibri Light"/>
+                <a:ea typeface="Lato Regular" panose="020F0502020204030203" pitchFamily="34" charset="0"/>
+                <a:cs typeface="Lato Regular" panose="020F0502020204030203" pitchFamily="34" charset="0"/>
+              </a:defRPr>
+            </a:lvl1pPr>
+          </a:lstStyle>
+          <a:p>
+            <a:r>
+              <a:rPr lang="en-150" sz="3200" b="1" noProof="1" smtClean="0"/>
+              <a:t>Contact</a:t>
+            </a:r>
+            <a:endParaRPr lang="en-GB" sz="3200" b="1" noProof="1"/>
+          </a:p>
+        </p:txBody>
+      </p:sp>
+      <p:sp>
+        <p:nvSpPr>
+          <p:cNvPr id="7" name="Textplatzhalter 2"/>
+          <p:cNvSpPr txBox="1">
+            <a:spLocks/>
+          </p:cNvSpPr>
+          <p:nvPr/>
+        </p:nvSpPr>
+        <p:spPr>
+          <a:xfrm>
+            <a:off x="245764" y="2772853"/>
+            <a:ext cx="8389081" cy="787979"/>
+          </a:xfrm>
+          <a:prstGeom prst="rect">
+            <a:avLst/>
+          </a:prstGeom>
+        </p:spPr>
+        <p:txBody>
+          <a:bodyPr lIns="34288" tIns="17144" rIns="34288" bIns="17144" anchor="ctr">
+            <a:noAutofit/>
+          </a:bodyPr>
+          <a:lstStyle>
+            <a:lvl1pPr marL="0" indent="0" algn="l" defTabSz="685754" rtl="0" eaLnBrk="1" latinLnBrk="0" hangingPunct="1">
+              <a:lnSpc>
+                <a:spcPct val="90000"/>
+              </a:lnSpc>
+              <a:spcBef>
+                <a:spcPts val="750"/>
+              </a:spcBef>
+              <a:buFont typeface="Arial" panose="020B0604020202020204" pitchFamily="34" charset="0"/>
+              <a:buNone/>
+              <a:defRPr lang="en-US" sz="1400" b="1" i="0" kern="1200" dirty="0">
+                <a:solidFill>
+                  <a:schemeClr val="bg2"/>
+                </a:solidFill>
+                <a:latin typeface="Calibri"/>
+                <a:ea typeface="Lato Light" panose="020F0502020204030203" pitchFamily="34" charset="0"/>
+                <a:cs typeface="Calibri"/>
+              </a:defRPr>
+            </a:lvl1pPr>
+            <a:lvl2pPr marL="514316" indent="-171438" algn="l" defTabSz="685754" rtl="0" eaLnBrk="1" latinLnBrk="0" hangingPunct="1">
+              <a:lnSpc>
+                <a:spcPct val="90000"/>
+              </a:lnSpc>
+              <a:spcBef>
+                <a:spcPts val="375"/>
+              </a:spcBef>
+              <a:buFont typeface="Arial" panose="020B0604020202020204" pitchFamily="34" charset="0"/>
+              <a:buChar char="•"/>
+              <a:defRPr sz="1800" kern="1200">
+                <a:solidFill>
+                  <a:schemeClr val="bg1">
+                    <a:lumMod val="50000"/>
+                  </a:schemeClr>
+                </a:solidFill>
+                <a:latin typeface="+mn-lt"/>
+                <a:ea typeface="+mn-ea"/>
+                <a:cs typeface="+mn-cs"/>
+              </a:defRPr>
+            </a:lvl2pPr>
+            <a:lvl3pPr marL="857193" indent="-171438" algn="l" defTabSz="685754" rtl="0" eaLnBrk="1" latinLnBrk="0" hangingPunct="1">
+              <a:lnSpc>
+                <a:spcPct val="90000"/>
+              </a:lnSpc>
+              <a:spcBef>
+                <a:spcPts val="375"/>
+              </a:spcBef>
+              <a:buFont typeface="Arial" panose="020B0604020202020204" pitchFamily="34" charset="0"/>
+              <a:buChar char="•"/>
+              <a:defRPr sz="1500" kern="1200">
+                <a:solidFill>
+                  <a:schemeClr val="bg1">
+                    <a:lumMod val="50000"/>
+                  </a:schemeClr>
+                </a:solidFill>
+                <a:latin typeface="+mn-lt"/>
+                <a:ea typeface="+mn-ea"/>
+                <a:cs typeface="+mn-cs"/>
+              </a:defRPr>
+            </a:lvl3pPr>
+            <a:lvl4pPr marL="1200070" indent="-171438" algn="l" defTabSz="685754" rtl="0" eaLnBrk="1" latinLnBrk="0" hangingPunct="1">
+              <a:lnSpc>
+                <a:spcPct val="90000"/>
+              </a:lnSpc>
+              <a:spcBef>
+                <a:spcPts val="375"/>
+              </a:spcBef>
+              <a:buFont typeface="Arial" panose="020B0604020202020204" pitchFamily="34" charset="0"/>
+              <a:buChar char="•"/>
+              <a:defRPr sz="1400" kern="1200">
+                <a:solidFill>
+                  <a:schemeClr val="bg1">
+                    <a:lumMod val="50000"/>
+                  </a:schemeClr>
+                </a:solidFill>
+                <a:latin typeface="+mn-lt"/>
+                <a:ea typeface="+mn-ea"/>
+                <a:cs typeface="+mn-cs"/>
+              </a:defRPr>
+            </a:lvl4pPr>
+            <a:lvl5pPr marL="1028632" indent="0" algn="l" defTabSz="685754" rtl="0" eaLnBrk="1" latinLnBrk="0" hangingPunct="1">
+              <a:lnSpc>
+                <a:spcPct val="90000"/>
+              </a:lnSpc>
+              <a:spcBef>
+                <a:spcPts val="375"/>
+              </a:spcBef>
+              <a:buFont typeface="Arial" panose="020B0604020202020204" pitchFamily="34" charset="0"/>
+              <a:buNone/>
+              <a:defRPr sz="1400" kern="1200">
+                <a:solidFill>
+                  <a:schemeClr val="bg1">
+                    <a:lumMod val="50000"/>
+                  </a:schemeClr>
+                </a:solidFill>
+                <a:latin typeface="+mn-lt"/>
+                <a:ea typeface="+mn-ea"/>
+                <a:cs typeface="+mn-cs"/>
+              </a:defRPr>
+            </a:lvl5pPr>
+            <a:lvl6pPr marL="1285789" indent="0" algn="l" defTabSz="685754" rtl="0" eaLnBrk="1" latinLnBrk="0" hangingPunct="1">
+              <a:lnSpc>
+                <a:spcPct val="90000"/>
+              </a:lnSpc>
+              <a:spcBef>
+                <a:spcPts val="375"/>
+              </a:spcBef>
+              <a:buFont typeface="Arial" panose="020B0604020202020204" pitchFamily="34" charset="0"/>
+              <a:buNone/>
+              <a:defRPr sz="1400" kern="1200">
+                <a:solidFill>
+                  <a:schemeClr val="tx1"/>
+                </a:solidFill>
+                <a:latin typeface="+mn-lt"/>
+                <a:ea typeface="+mn-ea"/>
+                <a:cs typeface="+mn-cs"/>
+              </a:defRPr>
+            </a:lvl6pPr>
+            <a:lvl7pPr marL="1542947" indent="0" algn="l" defTabSz="685754" rtl="0" eaLnBrk="1" latinLnBrk="0" hangingPunct="1">
+              <a:lnSpc>
+                <a:spcPct val="90000"/>
+              </a:lnSpc>
+              <a:spcBef>
+                <a:spcPts val="375"/>
+              </a:spcBef>
+              <a:buFont typeface="Arial" panose="020B0604020202020204" pitchFamily="34" charset="0"/>
+              <a:buNone/>
+              <a:defRPr sz="1400" kern="1200">
+                <a:solidFill>
+                  <a:schemeClr val="tx1"/>
+                </a:solidFill>
+                <a:latin typeface="+mn-lt"/>
+                <a:ea typeface="+mn-ea"/>
+                <a:cs typeface="+mn-cs"/>
+              </a:defRPr>
+            </a:lvl7pPr>
+            <a:lvl8pPr marL="1800105" indent="0" algn="l" defTabSz="685754" rtl="0" eaLnBrk="1" latinLnBrk="0" hangingPunct="1">
+              <a:lnSpc>
+                <a:spcPct val="90000"/>
+              </a:lnSpc>
+              <a:spcBef>
+                <a:spcPts val="375"/>
+              </a:spcBef>
+              <a:buFont typeface="Arial" panose="020B0604020202020204" pitchFamily="34" charset="0"/>
+              <a:buNone/>
+              <a:defRPr sz="1400" kern="1200">
+                <a:solidFill>
+                  <a:schemeClr val="tx1"/>
+                </a:solidFill>
+                <a:latin typeface="+mn-lt"/>
+                <a:ea typeface="+mn-ea"/>
+                <a:cs typeface="+mn-cs"/>
+              </a:defRPr>
+            </a:lvl8pPr>
+            <a:lvl9pPr marL="2057263" indent="0" algn="l" defTabSz="685754" rtl="0" eaLnBrk="1" latinLnBrk="0" hangingPunct="1">
+              <a:lnSpc>
+                <a:spcPct val="90000"/>
+              </a:lnSpc>
+              <a:spcBef>
+                <a:spcPts val="375"/>
+              </a:spcBef>
+              <a:buFont typeface="Arial" panose="020B0604020202020204" pitchFamily="34" charset="0"/>
+              <a:buNone/>
+              <a:defRPr sz="1400" kern="1200">
+                <a:solidFill>
+                  <a:schemeClr val="tx1"/>
+                </a:solidFill>
+                <a:latin typeface="+mn-lt"/>
+                <a:ea typeface="+mn-ea"/>
+                <a:cs typeface="+mn-cs"/>
+              </a:defRPr>
+            </a:lvl9pPr>
+          </a:lstStyle>
+          <a:p>
+            <a:r>
+              <a:rPr lang="de-CH" sz="3200" noProof="1" smtClean="0">
+                <a:solidFill>
+                  <a:schemeClr val="bg2">
+                    <a:lumMod val="20000"/>
+                    <a:lumOff val="80000"/>
+                  </a:schemeClr>
+                </a:solidFill>
+              </a:rPr>
+              <a:t>H</a:t>
+            </a:r>
+            <a:r>
+              <a:rPr lang="en-150" sz="3200" noProof="1" smtClean="0">
+                <a:solidFill>
+                  <a:schemeClr val="bg2">
+                    <a:lumMod val="20000"/>
+                    <a:lumOff val="80000"/>
+                  </a:schemeClr>
+                </a:solidFill>
+              </a:rPr>
+              <a:t>eber.Costa@betterask.erni</a:t>
+            </a:r>
+            <a:endParaRPr lang="en-GB" sz="3200" noProof="1">
+              <a:solidFill>
+                <a:schemeClr val="bg2">
+                  <a:lumMod val="20000"/>
+                  <a:lumOff val="80000"/>
+                </a:schemeClr>
+              </a:solidFill>
+            </a:endParaRPr>
           </a:p>
         </p:txBody>
       </p:sp>
@@ -18297,7 +19788,7 @@
 </p:sld>
 </file>
 
-<file path=ppt/slides/slide16.xml><?xml version="1.0" encoding="utf-8"?>
+<file path=ppt/slides/slide17.xml><?xml version="1.0" encoding="utf-8"?>
 <p:sld xmlns:a="http://schemas.openxmlformats.org/drawingml/2006/main" xmlns:r="http://schemas.openxmlformats.org/officeDocument/2006/relationships" xmlns:p="http://schemas.openxmlformats.org/presentationml/2006/main">
   <p:cSld>
     <p:spTree>
@@ -18431,62 +19922,48 @@
         </p:nvSpPr>
         <p:spPr>
           <a:xfrm>
-            <a:off x="250758" y="1262227"/>
-            <a:ext cx="3970618" cy="3123878"/>
+            <a:off x="436041" y="1392525"/>
+            <a:ext cx="3713571" cy="2117580"/>
           </a:xfrm>
         </p:spPr>
         <p:txBody>
           <a:bodyPr/>
           <a:lstStyle/>
           <a:p>
-            <a:pPr marL="0" indent="0">
-              <a:buNone/>
-            </a:pPr>
-            <a:r>
-              <a:rPr lang="en-150" noProof="1" smtClean="0">
-                <a:solidFill>
-                  <a:schemeClr val="tx1"/>
-                </a:solidFill>
-              </a:rPr>
-              <a:t>Basically, Qt is a Development Framework that was created for improving/facilitating the UI development with C++ for multiple platforms.</a:t>
-            </a:r>
-          </a:p>
-          <a:p>
-            <a:pPr marL="0" indent="0">
-              <a:buNone/>
-            </a:pPr>
-            <a:endParaRPr lang="en-150" noProof="1" smtClean="0">
-              <a:solidFill>
-                <a:schemeClr val="tx1"/>
-              </a:solidFill>
-            </a:endParaRPr>
-          </a:p>
-          <a:p>
-            <a:pPr marL="0" indent="0">
-              <a:buNone/>
-            </a:pPr>
             <a:r>
               <a:rPr lang="en-150" noProof="1" smtClean="0"/>
-              <a:t>Qt API provides additional features for easier cross-platform development and is a light-weight Framework usefull for Development of Embedded and Mobile Applications.</a:t>
-            </a:r>
-          </a:p>
-          <a:p>
-            <a:pPr marL="0" indent="0">
-              <a:buNone/>
-            </a:pPr>
-            <a:endParaRPr lang="en-GB" noProof="1"/>
-          </a:p>
-          <a:p>
-            <a:pPr marL="0" indent="0">
-              <a:buNone/>
-            </a:pPr>
+              <a:t>Early experience with Java EE</a:t>
+            </a:r>
+          </a:p>
+          <a:p>
             <a:r>
               <a:rPr lang="en-150" noProof="1" smtClean="0"/>
-              <a:t>The Qt API is written in C++, but there are several bindings to Qt for other languages as Python (officially maintained), Go, Rust, PHP and Java.</a:t>
-            </a:r>
-            <a:endParaRPr lang="en-GB" noProof="1"/>
-          </a:p>
-          <a:p>
+              <a:t>10+ professional years of C++</a:t>
+            </a:r>
+          </a:p>
+          <a:p>
+            <a:r>
+              <a:rPr lang="en-150" noProof="1" smtClean="0"/>
+              <a:t>Several Projects with Qt</a:t>
+            </a:r>
+          </a:p>
+          <a:p>
+            <a:r>
+              <a:rPr lang="en-150" noProof="1" smtClean="0"/>
+              <a:t>Recent 6 years working focused on Qt/Qml</a:t>
+            </a:r>
+          </a:p>
+          <a:p>
+            <a:r>
+              <a:rPr lang="en-150" noProof="1" smtClean="0"/>
+              <a:t>6+ years of Erni (Barcelona &amp; Germany)</a:t>
+            </a:r>
+          </a:p>
+          <a:p>
+            <a:r>
+              <a:rPr lang="en-150" noProof="1" smtClean="0"/>
+              <a:t>Interested in STL, Modern C++ and Design Patterns</a:t>
+            </a:r>
             <a:endParaRPr lang="en-GB" noProof="1"/>
           </a:p>
         </p:txBody>
@@ -18501,13 +19978,18 @@
             <p:ph type="title"/>
           </p:nvPr>
         </p:nvSpPr>
-        <p:spPr/>
+        <p:spPr>
+          <a:xfrm>
+            <a:off x="436041" y="805370"/>
+            <a:ext cx="3163774" cy="297176"/>
+          </a:xfrm>
+        </p:spPr>
         <p:txBody>
           <a:bodyPr/>
           <a:lstStyle/>
           <a:p>
             <a:r>
-              <a:rPr lang="en-150" b="1" noProof="1">
+              <a:rPr lang="en-150" b="1" noProof="1" smtClean="0">
                 <a:solidFill>
                   <a:srgbClr val="242F78"/>
                 </a:solidFill>
@@ -18515,7 +19997,7 @@
                 <a:ea typeface="Lato Light" panose="020F0502020204030203" pitchFamily="34" charset="0"/>
                 <a:cs typeface="Calibri"/>
               </a:rPr>
-              <a:t>What is Qt?</a:t>
+              <a:t>Personal Background</a:t>
             </a:r>
             <a:endParaRPr lang="en-GB" b="1" noProof="1">
               <a:solidFill>
@@ -18528,65 +20010,184 @@
           </a:p>
         </p:txBody>
       </p:sp>
-      <p:sp>
-        <p:nvSpPr>
-          <p:cNvPr id="6" name="Textplatzhalter 5"/>
-          <p:cNvSpPr>
-            <a:spLocks noGrp="1"/>
-          </p:cNvSpPr>
-          <p:nvPr>
-            <p:ph type="body" sz="quarter" idx="13"/>
-          </p:nvPr>
-        </p:nvSpPr>
-        <p:spPr/>
-        <p:txBody>
-          <a:bodyPr/>
-          <a:lstStyle/>
-          <a:p>
-            <a:r>
-              <a:rPr lang="en-150" noProof="1" smtClean="0">
-                <a:solidFill>
-                  <a:schemeClr val="tx1">
-                    <a:lumMod val="60000"/>
-                    <a:lumOff val="40000"/>
-                  </a:schemeClr>
-                </a:solidFill>
-              </a:rPr>
-              <a:t>It’s called Qt (cute) for a reason</a:t>
-            </a:r>
-            <a:endParaRPr lang="en-GB" noProof="1">
-              <a:solidFill>
-                <a:schemeClr val="tx1">
-                  <a:lumMod val="60000"/>
-                  <a:lumOff val="40000"/>
-                </a:schemeClr>
-              </a:solidFill>
-            </a:endParaRPr>
-          </a:p>
-        </p:txBody>
-      </p:sp>
       <p:pic>
         <p:nvPicPr>
-          <p:cNvPr id="7" name="Picture 6"/>
+          <p:cNvPr id="1032" name="Picture 8" descr="Die HP Multi Jet Fusion 3D Drucker sind da!"/>
           <p:cNvPicPr>
-            <a:picLocks noChangeAspect="1"/>
+            <a:picLocks noChangeAspect="1" noChangeArrowheads="1"/>
+          </p:cNvPicPr>
+          <p:nvPr/>
+        </p:nvPicPr>
+        <p:blipFill rotWithShape="1">
+          <a:blip r:embed="rId2" cstate="print">
+            <a:extLst>
+              <a:ext uri="{28A0092B-C50C-407E-A947-70E740481C1C}">
+                <a14:useLocalDpi xmlns:a14="http://schemas.microsoft.com/office/drawing/2010/main" val="0"/>
+              </a:ext>
+            </a:extLst>
+          </a:blip>
+          <a:srcRect l="14768" t="11910" r="11737"/>
+          <a:stretch/>
+        </p:blipFill>
+        <p:spPr bwMode="auto">
+          <a:xfrm>
+            <a:off x="5361416" y="2648245"/>
+            <a:ext cx="3168306" cy="1982252"/>
+          </a:xfrm>
+          <a:prstGeom prst="rect">
+            <a:avLst/>
+          </a:prstGeom>
+          <a:ln>
+            <a:noFill/>
+          </a:ln>
+          <a:effectLst>
+            <a:outerShdw blurRad="292100" dist="139700" dir="2700000" algn="tl" rotWithShape="0">
+              <a:srgbClr val="333333">
+                <a:alpha val="65000"/>
+              </a:srgbClr>
+            </a:outerShdw>
+          </a:effectLst>
+          <a:extLst>
+            <a:ext uri="{909E8E84-426E-40DD-AFC4-6F175D3DCCD1}">
+              <a14:hiddenFill xmlns:a14="http://schemas.microsoft.com/office/drawing/2010/main">
+                <a:solidFill>
+                  <a:srgbClr val="FFFFFF"/>
+                </a:solidFill>
+              </a14:hiddenFill>
+            </a:ext>
+          </a:extLst>
+        </p:spPr>
+      </p:pic>
+      <p:pic>
+        <p:nvPicPr>
+          <p:cNvPr id="1034" name="Picture 10" descr="https://lh5.googleusercontent.com/acYzPxSEiW25KAbtU6zdokbq8FCgLdvyiSb_dfElPYL_DWh4grV8Y-T7OAdN8GlfSn6m5RpWexWdsgRpF6w5zu3mj6gHhkRHVQZWcsH-3-t1b13rswx7PTl9kd2d2rrY5ZrndbQHIao"/>
+          <p:cNvPicPr>
+            <a:picLocks noChangeAspect="1" noChangeArrowheads="1"/>
           </p:cNvPicPr>
           <p:nvPr/>
         </p:nvPicPr>
         <p:blipFill>
-          <a:blip r:embed="rId2"/>
+          <a:blip r:embed="rId3" cstate="print">
+            <a:extLst>
+              <a:ext uri="{28A0092B-C50C-407E-A947-70E740481C1C}">
+                <a14:useLocalDpi xmlns:a14="http://schemas.microsoft.com/office/drawing/2010/main" val="0"/>
+              </a:ext>
+            </a:extLst>
+          </a:blip>
+          <a:srcRect/>
           <a:stretch>
             <a:fillRect/>
           </a:stretch>
         </p:blipFill>
-        <p:spPr>
-          <a:xfrm>
-            <a:off x="4421805" y="283225"/>
-            <a:ext cx="4285091" cy="3640247"/>
+        <p:spPr bwMode="auto">
+          <a:xfrm>
+            <a:off x="5573296" y="255678"/>
+            <a:ext cx="2744547" cy="2195637"/>
           </a:xfrm>
           <a:prstGeom prst="rect">
             <a:avLst/>
           </a:prstGeom>
+          <a:ln>
+            <a:noFill/>
+          </a:ln>
+          <a:effectLst>
+            <a:outerShdw blurRad="190500" algn="tl" rotWithShape="0">
+              <a:srgbClr val="000000">
+                <a:alpha val="70000"/>
+              </a:srgbClr>
+            </a:outerShdw>
+          </a:effectLst>
+          <a:extLst>
+            <a:ext uri="{909E8E84-426E-40DD-AFC4-6F175D3DCCD1}">
+              <a14:hiddenFill xmlns:a14="http://schemas.microsoft.com/office/drawing/2010/main">
+                <a:solidFill>
+                  <a:srgbClr val="FFFFFF"/>
+                </a:solidFill>
+              </a14:hiddenFill>
+            </a:ext>
+          </a:extLst>
+        </p:spPr>
+      </p:pic>
+      <p:pic>
+        <p:nvPicPr>
+          <p:cNvPr id="1036" name="Picture 12" descr="Datei:Roche Logo.svg – Wikipedia"/>
+          <p:cNvPicPr>
+            <a:picLocks noChangeAspect="1" noChangeArrowheads="1"/>
+          </p:cNvPicPr>
+          <p:nvPr/>
+        </p:nvPicPr>
+        <p:blipFill>
+          <a:blip r:embed="rId4" cstate="print">
+            <a:extLst>
+              <a:ext uri="{28A0092B-C50C-407E-A947-70E740481C1C}">
+                <a14:useLocalDpi xmlns:a14="http://schemas.microsoft.com/office/drawing/2010/main" val="0"/>
+              </a:ext>
+            </a:extLst>
+          </a:blip>
+          <a:srcRect/>
+          <a:stretch>
+            <a:fillRect/>
+          </a:stretch>
+        </p:blipFill>
+        <p:spPr bwMode="auto">
+          <a:xfrm>
+            <a:off x="4149612" y="805370"/>
+            <a:ext cx="1011926" cy="548126"/>
+          </a:xfrm>
+          <a:prstGeom prst="rect">
+            <a:avLst/>
+          </a:prstGeom>
+          <a:noFill/>
+          <a:extLst>
+            <a:ext uri="{909E8E84-426E-40DD-AFC4-6F175D3DCCD1}">
+              <a14:hiddenFill xmlns:a14="http://schemas.microsoft.com/office/drawing/2010/main">
+                <a:solidFill>
+                  <a:srgbClr val="FFFFFF"/>
+                </a:solidFill>
+              </a14:hiddenFill>
+            </a:ext>
+          </a:extLst>
+        </p:spPr>
+      </p:pic>
+      <p:pic>
+        <p:nvPicPr>
+          <p:cNvPr id="1038" name="Picture 14" descr="Datei:HP logo 2012.svg – Wikipedia"/>
+          <p:cNvPicPr>
+            <a:picLocks noChangeAspect="1" noChangeArrowheads="1"/>
+          </p:cNvPicPr>
+          <p:nvPr/>
+        </p:nvPicPr>
+        <p:blipFill>
+          <a:blip r:embed="rId5" cstate="print">
+            <a:extLst>
+              <a:ext uri="{28A0092B-C50C-407E-A947-70E740481C1C}">
+                <a14:useLocalDpi xmlns:a14="http://schemas.microsoft.com/office/drawing/2010/main" val="0"/>
+              </a:ext>
+            </a:extLst>
+          </a:blip>
+          <a:srcRect/>
+          <a:stretch>
+            <a:fillRect/>
+          </a:stretch>
+        </p:blipFill>
+        <p:spPr bwMode="auto">
+          <a:xfrm>
+            <a:off x="4221376" y="2998820"/>
+            <a:ext cx="770165" cy="770165"/>
+          </a:xfrm>
+          <a:prstGeom prst="rect">
+            <a:avLst/>
+          </a:prstGeom>
+          <a:noFill/>
+          <a:extLst>
+            <a:ext uri="{909E8E84-426E-40DD-AFC4-6F175D3DCCD1}">
+              <a14:hiddenFill xmlns:a14="http://schemas.microsoft.com/office/drawing/2010/main">
+                <a:solidFill>
+                  <a:srgbClr val="FFFFFF"/>
+                </a:solidFill>
+              </a14:hiddenFill>
+            </a:ext>
+          </a:extLst>
         </p:spPr>
       </p:pic>
     </p:spTree>
@@ -18626,35 +20227,42 @@
           <a:chExt cx="0" cy="0"/>
         </a:xfrm>
       </p:grpSpPr>
-      <p:pic>
-        <p:nvPicPr>
-          <p:cNvPr id="10" name="Content Placeholder 9"/>
-          <p:cNvPicPr>
-            <a:picLocks noGrp="1" noChangeAspect="1"/>
-          </p:cNvPicPr>
+      <p:sp>
+        <p:nvSpPr>
+          <p:cNvPr id="2" name="Fußzeilenplatzhalter 1"/>
+          <p:cNvSpPr>
+            <a:spLocks noGrp="1"/>
+          </p:cNvSpPr>
           <p:nvPr>
-            <p:ph sz="quarter" idx="12"/>
+            <p:ph type="ftr" sz="quarter" idx="10"/>
           </p:nvPr>
-        </p:nvPicPr>
-        <p:blipFill>
-          <a:blip r:embed="rId2" cstate="print">
-            <a:extLst>
-              <a:ext uri="{28A0092B-C50C-407E-A947-70E740481C1C}">
-                <a14:useLocalDpi xmlns:a14="http://schemas.microsoft.com/office/drawing/2010/main" val="0"/>
-              </a:ext>
-            </a:extLst>
-          </a:blip>
-          <a:stretch>
-            <a:fillRect/>
-          </a:stretch>
-        </p:blipFill>
-        <p:spPr>
-          <a:xfrm>
-            <a:off x="1303669" y="41560"/>
-            <a:ext cx="7178611" cy="4956464"/>
-          </a:xfrm>
-        </p:spPr>
-      </p:pic>
+        </p:nvSpPr>
+        <p:spPr/>
+        <p:txBody>
+          <a:bodyPr/>
+          <a:lstStyle/>
+          <a:p>
+            <a:r>
+              <a:rPr lang="en-GB" noProof="1">
+                <a:solidFill>
+                  <a:schemeClr val="tx1"/>
+                </a:solidFill>
+              </a:rPr>
+              <a:t>Swiss Software Engineering: </a:t>
+            </a:r>
+            <a:r>
+              <a:rPr lang="en-GB" b="1" noProof="1">
+                <a:solidFill>
+                  <a:schemeClr val="tx1"/>
+                </a:solidFill>
+                <a:latin typeface="Calibri"/>
+                <a:cs typeface="Calibri"/>
+              </a:rPr>
+              <a:t>betterask.erni</a:t>
+            </a:r>
+          </a:p>
+        </p:txBody>
+      </p:sp>
       <p:sp>
         <p:nvSpPr>
           <p:cNvPr id="3" name="Foliennummernplatzhalter 2"/>
@@ -18689,6 +20297,78 @@
       </p:sp>
       <p:sp>
         <p:nvSpPr>
+          <p:cNvPr id="4" name="Inhaltsplatzhalter 3"/>
+          <p:cNvSpPr>
+            <a:spLocks noGrp="1"/>
+          </p:cNvSpPr>
+          <p:nvPr>
+            <p:ph sz="quarter" idx="12"/>
+          </p:nvPr>
+        </p:nvSpPr>
+        <p:spPr>
+          <a:xfrm>
+            <a:off x="250758" y="1262227"/>
+            <a:ext cx="3970618" cy="3123878"/>
+          </a:xfrm>
+        </p:spPr>
+        <p:txBody>
+          <a:bodyPr/>
+          <a:lstStyle/>
+          <a:p>
+            <a:pPr marL="0" indent="0">
+              <a:buNone/>
+            </a:pPr>
+            <a:r>
+              <a:rPr lang="en-150" noProof="1" smtClean="0">
+                <a:solidFill>
+                  <a:schemeClr val="tx1"/>
+                </a:solidFill>
+              </a:rPr>
+              <a:t>Basically, Qt is a Development Framework that was created for improving/facilitating the UI development with C++ for multiple platforms.</a:t>
+            </a:r>
+          </a:p>
+          <a:p>
+            <a:pPr marL="0" indent="0">
+              <a:buNone/>
+            </a:pPr>
+            <a:endParaRPr lang="en-150" noProof="1" smtClean="0">
+              <a:solidFill>
+                <a:schemeClr val="tx1"/>
+              </a:solidFill>
+            </a:endParaRPr>
+          </a:p>
+          <a:p>
+            <a:pPr marL="0" indent="0">
+              <a:buNone/>
+            </a:pPr>
+            <a:r>
+              <a:rPr lang="en-150" noProof="1" smtClean="0"/>
+              <a:t>Qt API provides additional features for easier cross-platform development and is a light-weight Framework usefull for Development of Embedded and Mobile Applications.</a:t>
+            </a:r>
+          </a:p>
+          <a:p>
+            <a:pPr marL="0" indent="0">
+              <a:buNone/>
+            </a:pPr>
+            <a:endParaRPr lang="en-GB" noProof="1"/>
+          </a:p>
+          <a:p>
+            <a:pPr marL="0" indent="0">
+              <a:buNone/>
+            </a:pPr>
+            <a:r>
+              <a:rPr lang="en-150" noProof="1" smtClean="0"/>
+              <a:t>The Qt API is written in C++, but there are several bindings to Qt for other languages as Python (officially maintained), Go, Rust, PHP and Java.</a:t>
+            </a:r>
+            <a:endParaRPr lang="en-GB" noProof="1"/>
+          </a:p>
+          <a:p>
+            <a:endParaRPr lang="en-GB" noProof="1"/>
+          </a:p>
+        </p:txBody>
+      </p:sp>
+      <p:sp>
+        <p:nvSpPr>
           <p:cNvPr id="5" name="Titel 4"/>
           <p:cNvSpPr>
             <a:spLocks noGrp="1"/>
@@ -18697,18 +20377,13 @@
             <p:ph type="title"/>
           </p:nvPr>
         </p:nvSpPr>
-        <p:spPr>
-          <a:xfrm>
-            <a:off x="1154969" y="507028"/>
-            <a:ext cx="8549292" cy="297176"/>
-          </a:xfrm>
-        </p:spPr>
+        <p:spPr/>
         <p:txBody>
           <a:bodyPr/>
           <a:lstStyle/>
           <a:p>
             <a:r>
-              <a:rPr lang="en-150" b="1" noProof="1" smtClean="0">
+              <a:rPr lang="en-150" b="1" noProof="1">
                 <a:solidFill>
                   <a:srgbClr val="242F78"/>
                 </a:solidFill>
@@ -18716,7 +20391,7 @@
                 <a:ea typeface="Lato Light" panose="020F0502020204030203" pitchFamily="34" charset="0"/>
                 <a:cs typeface="Calibri"/>
               </a:rPr>
-              <a:t>A bit of</a:t>
+              <a:t>What is Qt?</a:t>
             </a:r>
             <a:endParaRPr lang="en-GB" b="1" noProof="1">
               <a:solidFill>
@@ -18731,12 +20406,12 @@
       </p:sp>
       <p:sp>
         <p:nvSpPr>
-          <p:cNvPr id="2" name="Fußzeilenplatzhalter 1"/>
+          <p:cNvPr id="6" name="Textplatzhalter 5"/>
           <p:cNvSpPr>
             <a:spLocks noGrp="1"/>
           </p:cNvSpPr>
           <p:nvPr>
-            <p:ph type="ftr" sz="quarter" idx="10"/>
+            <p:ph type="body" sz="quarter" idx="13"/>
           </p:nvPr>
         </p:nvSpPr>
         <p:spPr/>
@@ -18745,30 +20420,55 @@
           <a:lstStyle/>
           <a:p>
             <a:r>
-              <a:rPr lang="en-GB" noProof="1">
-                <a:solidFill>
-                  <a:schemeClr val="tx1"/>
-                </a:solidFill>
-              </a:rPr>
-              <a:t>Swiss Software Engineering: </a:t>
-            </a:r>
-            <a:r>
-              <a:rPr lang="en-GB" b="1" noProof="1">
-                <a:solidFill>
-                  <a:schemeClr val="tx1"/>
-                </a:solidFill>
-                <a:latin typeface="Calibri"/>
-                <a:cs typeface="Calibri"/>
-              </a:rPr>
-              <a:t>betterask.erni</a:t>
-            </a:r>
-          </a:p>
-        </p:txBody>
-      </p:sp>
+              <a:rPr lang="en-150" noProof="1" smtClean="0">
+                <a:solidFill>
+                  <a:schemeClr val="tx1">
+                    <a:lumMod val="60000"/>
+                    <a:lumOff val="40000"/>
+                  </a:schemeClr>
+                </a:solidFill>
+              </a:rPr>
+              <a:t>It’s called Qt (cute) for a reason</a:t>
+            </a:r>
+            <a:endParaRPr lang="en-GB" noProof="1">
+              <a:solidFill>
+                <a:schemeClr val="tx1">
+                  <a:lumMod val="60000"/>
+                  <a:lumOff val="40000"/>
+                </a:schemeClr>
+              </a:solidFill>
+            </a:endParaRPr>
+          </a:p>
+        </p:txBody>
+      </p:sp>
+      <p:pic>
+        <p:nvPicPr>
+          <p:cNvPr id="7" name="Picture 6"/>
+          <p:cNvPicPr>
+            <a:picLocks noChangeAspect="1"/>
+          </p:cNvPicPr>
+          <p:nvPr/>
+        </p:nvPicPr>
+        <p:blipFill>
+          <a:blip r:embed="rId2"/>
+          <a:stretch>
+            <a:fillRect/>
+          </a:stretch>
+        </p:blipFill>
+        <p:spPr>
+          <a:xfrm>
+            <a:off x="4421805" y="283225"/>
+            <a:ext cx="4285091" cy="3640247"/>
+          </a:xfrm>
+          <a:prstGeom prst="rect">
+            <a:avLst/>
+          </a:prstGeom>
+        </p:spPr>
+      </p:pic>
     </p:spTree>
     <p:extLst>
       <p:ext uri="{BB962C8B-B14F-4D97-AF65-F5344CB8AC3E}">
-        <p14:creationId xmlns:p14="http://schemas.microsoft.com/office/powerpoint/2010/main" val="708532297"/>
+        <p14:creationId xmlns:p14="http://schemas.microsoft.com/office/powerpoint/2010/main" val="70588751"/>
       </p:ext>
     </p:extLst>
   </p:cSld>
@@ -18802,6 +20502,109 @@
           <a:chExt cx="0" cy="0"/>
         </a:xfrm>
       </p:grpSpPr>
+      <p:pic>
+        <p:nvPicPr>
+          <p:cNvPr id="10" name="Content Placeholder 9"/>
+          <p:cNvPicPr>
+            <a:picLocks noGrp="1" noChangeAspect="1"/>
+          </p:cNvPicPr>
+          <p:nvPr>
+            <p:ph sz="quarter" idx="12"/>
+          </p:nvPr>
+        </p:nvPicPr>
+        <p:blipFill>
+          <a:blip r:embed="rId2" cstate="print">
+            <a:extLst>
+              <a:ext uri="{28A0092B-C50C-407E-A947-70E740481C1C}">
+                <a14:useLocalDpi xmlns:a14="http://schemas.microsoft.com/office/drawing/2010/main" val="0"/>
+              </a:ext>
+            </a:extLst>
+          </a:blip>
+          <a:stretch>
+            <a:fillRect/>
+          </a:stretch>
+        </p:blipFill>
+        <p:spPr>
+          <a:xfrm>
+            <a:off x="1303669" y="41560"/>
+            <a:ext cx="7178611" cy="4956464"/>
+          </a:xfrm>
+        </p:spPr>
+      </p:pic>
+      <p:sp>
+        <p:nvSpPr>
+          <p:cNvPr id="3" name="Foliennummernplatzhalter 2"/>
+          <p:cNvSpPr>
+            <a:spLocks noGrp="1"/>
+          </p:cNvSpPr>
+          <p:nvPr>
+            <p:ph type="sldNum" sz="quarter" idx="11"/>
+          </p:nvPr>
+        </p:nvSpPr>
+        <p:spPr/>
+        <p:txBody>
+          <a:bodyPr/>
+          <a:lstStyle/>
+          <a:p>
+            <a:fld id="{9F5F539E-0E69-451B-AC12-57C40F9178F7}" type="slidenum">
+              <a:rPr lang="en-GB" noProof="1" smtClean="0">
+                <a:solidFill>
+                  <a:srgbClr val="3C3C00"/>
+                </a:solidFill>
+              </a:rPr>
+              <a:pPr/>
+              <a:t>4</a:t>
+            </a:fld>
+            <a:endParaRPr lang="en-GB" noProof="1">
+              <a:solidFill>
+                <a:srgbClr val="3C3C00"/>
+              </a:solidFill>
+            </a:endParaRPr>
+          </a:p>
+        </p:txBody>
+      </p:sp>
+      <p:sp>
+        <p:nvSpPr>
+          <p:cNvPr id="5" name="Titel 4"/>
+          <p:cNvSpPr>
+            <a:spLocks noGrp="1"/>
+          </p:cNvSpPr>
+          <p:nvPr>
+            <p:ph type="title"/>
+          </p:nvPr>
+        </p:nvSpPr>
+        <p:spPr>
+          <a:xfrm>
+            <a:off x="1154969" y="507028"/>
+            <a:ext cx="8549292" cy="297176"/>
+          </a:xfrm>
+        </p:spPr>
+        <p:txBody>
+          <a:bodyPr/>
+          <a:lstStyle/>
+          <a:p>
+            <a:r>
+              <a:rPr lang="en-150" b="1" noProof="1" smtClean="0">
+                <a:solidFill>
+                  <a:srgbClr val="242F78"/>
+                </a:solidFill>
+                <a:latin typeface="Calibri"/>
+                <a:ea typeface="Lato Light" panose="020F0502020204030203" pitchFamily="34" charset="0"/>
+                <a:cs typeface="Calibri"/>
+              </a:rPr>
+              <a:t>A bit of</a:t>
+            </a:r>
+            <a:endParaRPr lang="en-GB" b="1" noProof="1">
+              <a:solidFill>
+                <a:srgbClr val="242F78"/>
+              </a:solidFill>
+              <a:latin typeface="Calibri"/>
+              <a:ea typeface="Lato Light" panose="020F0502020204030203" pitchFamily="34" charset="0"/>
+              <a:cs typeface="Calibri"/>
+            </a:endParaRPr>
+          </a:p>
+        </p:txBody>
+      </p:sp>
       <p:sp>
         <p:nvSpPr>
           <p:cNvPr id="2" name="Fußzeilenplatzhalter 1"/>
@@ -18818,7 +20621,7 @@
           <a:lstStyle/>
           <a:p>
             <a:r>
-              <a:rPr lang="en-GB" dirty="0">
+              <a:rPr lang="en-GB" noProof="1">
                 <a:solidFill>
                   <a:schemeClr val="tx1"/>
                 </a:solidFill>
@@ -18838,120 +20641,10 @@
           </a:p>
         </p:txBody>
       </p:sp>
-      <p:sp>
-        <p:nvSpPr>
-          <p:cNvPr id="3" name="Foliennummernplatzhalter 2"/>
-          <p:cNvSpPr>
-            <a:spLocks noGrp="1"/>
-          </p:cNvSpPr>
-          <p:nvPr>
-            <p:ph type="sldNum" sz="quarter" idx="11"/>
-          </p:nvPr>
-        </p:nvSpPr>
-        <p:spPr/>
-        <p:txBody>
-          <a:bodyPr/>
-          <a:lstStyle/>
-          <a:p>
-            <a:fld id="{9F5F539E-0E69-451B-AC12-57C40F9178F7}" type="slidenum">
-              <a:rPr lang="en-GB" smtClean="0">
-                <a:solidFill>
-                  <a:srgbClr val="3C3C00"/>
-                </a:solidFill>
-              </a:rPr>
-              <a:pPr/>
-              <a:t>4</a:t>
-            </a:fld>
-            <a:endParaRPr lang="en-GB" dirty="0">
-              <a:solidFill>
-                <a:srgbClr val="3C3C00"/>
-              </a:solidFill>
-            </a:endParaRPr>
-          </a:p>
-        </p:txBody>
-      </p:sp>
-      <p:sp>
-        <p:nvSpPr>
-          <p:cNvPr id="5" name="Titel 4"/>
-          <p:cNvSpPr>
-            <a:spLocks noGrp="1"/>
-          </p:cNvSpPr>
-          <p:nvPr>
-            <p:ph type="title"/>
-          </p:nvPr>
-        </p:nvSpPr>
-        <p:spPr/>
-        <p:txBody>
-          <a:bodyPr/>
-          <a:lstStyle/>
-          <a:p>
-            <a:r>
-              <a:rPr lang="en-150" b="1" dirty="0">
-                <a:solidFill>
-                  <a:srgbClr val="242F78"/>
-                </a:solidFill>
-                <a:latin typeface="Calibri"/>
-                <a:ea typeface="Lato Light" panose="020F0502020204030203" pitchFamily="34" charset="0"/>
-                <a:cs typeface="Calibri"/>
-              </a:rPr>
-              <a:t>Qt Modules</a:t>
-            </a:r>
-            <a:endParaRPr lang="en-GB" b="1" dirty="0">
-              <a:solidFill>
-                <a:srgbClr val="242F78"/>
-              </a:solidFill>
-              <a:latin typeface="Calibri"/>
-              <a:ea typeface="Lato Light" panose="020F0502020204030203" pitchFamily="34" charset="0"/>
-              <a:cs typeface="Calibri"/>
-            </a:endParaRPr>
-          </a:p>
-        </p:txBody>
-      </p:sp>
-      <p:pic>
-        <p:nvPicPr>
-          <p:cNvPr id="3079" name="Picture 7" descr="Changes to Qt Licensing"/>
-          <p:cNvPicPr>
-            <a:picLocks noChangeAspect="1" noChangeArrowheads="1"/>
-          </p:cNvPicPr>
-          <p:nvPr/>
-        </p:nvPicPr>
-        <p:blipFill>
-          <a:blip r:embed="rId3">
-            <a:extLst>
-              <a:ext uri="{28A0092B-C50C-407E-A947-70E740481C1C}">
-                <a14:useLocalDpi xmlns:a14="http://schemas.microsoft.com/office/drawing/2010/main" val="0"/>
-              </a:ext>
-            </a:extLst>
-          </a:blip>
-          <a:srcRect/>
-          <a:stretch>
-            <a:fillRect/>
-          </a:stretch>
-        </p:blipFill>
-        <p:spPr bwMode="auto">
-          <a:xfrm>
-            <a:off x="455020" y="820348"/>
-            <a:ext cx="8470664" cy="3922452"/>
-          </a:xfrm>
-          <a:prstGeom prst="rect">
-            <a:avLst/>
-          </a:prstGeom>
-          <a:noFill/>
-          <a:extLst>
-            <a:ext uri="{909E8E84-426E-40DD-AFC4-6F175D3DCCD1}">
-              <a14:hiddenFill xmlns:a14="http://schemas.microsoft.com/office/drawing/2010/main">
-                <a:solidFill>
-                  <a:srgbClr val="FFFFFF"/>
-                </a:solidFill>
-              </a14:hiddenFill>
-            </a:ext>
-          </a:extLst>
-        </p:spPr>
-      </p:pic>
     </p:spTree>
     <p:extLst>
       <p:ext uri="{BB962C8B-B14F-4D97-AF65-F5344CB8AC3E}">
-        <p14:creationId xmlns:p14="http://schemas.microsoft.com/office/powerpoint/2010/main" val="558745679"/>
+        <p14:creationId xmlns:p14="http://schemas.microsoft.com/office/powerpoint/2010/main" val="708532297"/>
       </p:ext>
     </p:extLst>
   </p:cSld>
@@ -19001,11 +20694,18 @@
           <a:lstStyle/>
           <a:p>
             <a:r>
-              <a:rPr lang="en-GB" noProof="1"/>
+              <a:rPr lang="en-GB" dirty="0">
+                <a:solidFill>
+                  <a:schemeClr val="tx1"/>
+                </a:solidFill>
+              </a:rPr>
               <a:t>Swiss Software Engineering: </a:t>
             </a:r>
             <a:r>
               <a:rPr lang="en-GB" b="1" noProof="1">
+                <a:solidFill>
+                  <a:schemeClr val="tx1"/>
+                </a:solidFill>
                 <a:latin typeface="Calibri"/>
                 <a:cs typeface="Calibri"/>
               </a:rPr>
@@ -19030,17 +20730,25 @@
           <a:lstStyle/>
           <a:p>
             <a:fld id="{9F5F539E-0E69-451B-AC12-57C40F9178F7}" type="slidenum">
-              <a:rPr lang="en-GB" smtClean="0"/>
+              <a:rPr lang="en-GB" smtClean="0">
+                <a:solidFill>
+                  <a:srgbClr val="3C3C00"/>
+                </a:solidFill>
+              </a:rPr>
               <a:pPr/>
               <a:t>5</a:t>
             </a:fld>
-            <a:endParaRPr lang="en-GB" dirty="0"/>
-          </a:p>
-        </p:txBody>
-      </p:sp>
-      <p:sp>
-        <p:nvSpPr>
-          <p:cNvPr id="4" name="Titel 3"/>
+            <a:endParaRPr lang="en-GB" dirty="0">
+              <a:solidFill>
+                <a:srgbClr val="3C3C00"/>
+              </a:solidFill>
+            </a:endParaRPr>
+          </a:p>
+        </p:txBody>
+      </p:sp>
+      <p:sp>
+        <p:nvSpPr>
+          <p:cNvPr id="5" name="Titel 4"/>
           <p:cNvSpPr>
             <a:spLocks noGrp="1"/>
           </p:cNvSpPr>
@@ -19062,7 +20770,7 @@
                 <a:ea typeface="Lato Light" panose="020F0502020204030203" pitchFamily="34" charset="0"/>
                 <a:cs typeface="Calibri"/>
               </a:rPr>
-              <a:t>How much of C++ do you need to know?</a:t>
+              <a:t>Qt Modules</a:t>
             </a:r>
             <a:endParaRPr lang="en-GB" b="1" dirty="0">
               <a:solidFill>
@@ -19075,99 +20783,51 @@
           </a:p>
         </p:txBody>
       </p:sp>
-      <p:sp>
-        <p:nvSpPr>
-          <p:cNvPr id="6" name="Inhaltsplatzhalter 5"/>
-          <p:cNvSpPr>
-            <a:spLocks noGrp="1"/>
-          </p:cNvSpPr>
-          <p:nvPr>
-            <p:ph sz="quarter" idx="12"/>
-          </p:nvPr>
-        </p:nvSpPr>
-        <p:spPr>
-          <a:xfrm>
-            <a:off x="303058" y="1247775"/>
-            <a:ext cx="8489388" cy="3511385"/>
-          </a:xfrm>
+      <p:pic>
+        <p:nvPicPr>
+          <p:cNvPr id="3079" name="Picture 7" descr="Changes to Qt Licensing"/>
+          <p:cNvPicPr>
+            <a:picLocks noChangeAspect="1" noChangeArrowheads="1"/>
+          </p:cNvPicPr>
+          <p:nvPr/>
+        </p:nvPicPr>
+        <p:blipFill>
+          <a:blip r:embed="rId3">
+            <a:extLst>
+              <a:ext uri="{28A0092B-C50C-407E-A947-70E740481C1C}">
+                <a14:useLocalDpi xmlns:a14="http://schemas.microsoft.com/office/drawing/2010/main" val="0"/>
+              </a:ext>
+            </a:extLst>
+          </a:blip>
+          <a:srcRect/>
+          <a:stretch>
+            <a:fillRect/>
+          </a:stretch>
+        </p:blipFill>
+        <p:spPr bwMode="auto">
+          <a:xfrm>
+            <a:off x="455020" y="820348"/>
+            <a:ext cx="8470664" cy="3922452"/>
+          </a:xfrm>
+          <a:prstGeom prst="rect">
+            <a:avLst/>
+          </a:prstGeom>
+          <a:noFill/>
+          <a:extLst>
+            <a:ext uri="{909E8E84-426E-40DD-AFC4-6F175D3DCCD1}">
+              <a14:hiddenFill xmlns:a14="http://schemas.microsoft.com/office/drawing/2010/main">
+                <a:solidFill>
+                  <a:srgbClr val="FFFFFF"/>
+                </a:solidFill>
+              </a14:hiddenFill>
+            </a:ext>
+          </a:extLst>
         </p:spPr>
-        <p:txBody>
-          <a:bodyPr/>
-          <a:lstStyle/>
-          <a:p>
-            <a:pPr lvl="2"/>
-            <a:r>
-              <a:rPr lang="en-150" b="1" dirty="0" smtClean="0"/>
-              <a:t>Objects and Classes</a:t>
-            </a:r>
-          </a:p>
-          <a:p>
-            <a:pPr marL="1018119" lvl="3" indent="0">
-              <a:buNone/>
-            </a:pPr>
-            <a:r>
-              <a:rPr lang="en-150" b="1" dirty="0" smtClean="0"/>
-              <a:t>Declaring a class, inheritance, calling member functions, etc.</a:t>
-            </a:r>
-            <a:endParaRPr lang="en-GB" b="1" dirty="0"/>
-          </a:p>
-          <a:p>
-            <a:pPr lvl="2"/>
-            <a:r>
-              <a:rPr lang="en-150" i="1" dirty="0" smtClean="0"/>
-              <a:t>Polymorphism</a:t>
-            </a:r>
-          </a:p>
-          <a:p>
-            <a:pPr marL="1018119" lvl="3" indent="0">
-              <a:buNone/>
-            </a:pPr>
-            <a:r>
-              <a:rPr lang="en-150" i="1" dirty="0" smtClean="0"/>
-              <a:t>Virtual Methods</a:t>
-            </a:r>
-          </a:p>
-          <a:p>
-            <a:pPr lvl="2"/>
-            <a:r>
-              <a:rPr lang="en-150" i="1" dirty="0" smtClean="0"/>
-              <a:t>Operator Overloading</a:t>
-            </a:r>
-            <a:endParaRPr lang="en-150" i="1" dirty="0"/>
-          </a:p>
-          <a:p>
-            <a:pPr marL="1018119" lvl="3" indent="0">
-              <a:buNone/>
-            </a:pPr>
-            <a:r>
-              <a:rPr lang="en-150" i="1" dirty="0" smtClean="0"/>
-              <a:t>bool operator == (const Complex&amp; c);</a:t>
-            </a:r>
-            <a:endParaRPr lang="en-150" i="1" dirty="0"/>
-          </a:p>
-          <a:p>
-            <a:pPr lvl="2"/>
-            <a:r>
-              <a:rPr lang="en-150" i="1" dirty="0" smtClean="0"/>
-              <a:t>Templates</a:t>
-            </a:r>
-          </a:p>
-          <a:p>
-            <a:pPr marL="1018119" lvl="3" indent="0">
-              <a:buNone/>
-            </a:pPr>
-            <a:r>
-              <a:rPr lang="en-150" i="1" dirty="0" smtClean="0"/>
-              <a:t>Limited to the container and concurrent classes</a:t>
-            </a:r>
-            <a:endParaRPr lang="en-150" i="1" dirty="0"/>
-          </a:p>
-        </p:txBody>
-      </p:sp>
+      </p:pic>
     </p:spTree>
     <p:extLst>
       <p:ext uri="{BB962C8B-B14F-4D97-AF65-F5344CB8AC3E}">
-        <p14:creationId xmlns:p14="http://schemas.microsoft.com/office/powerpoint/2010/main" val="2151758909"/>
+        <p14:creationId xmlns:p14="http://schemas.microsoft.com/office/powerpoint/2010/main" val="558745679"/>
       </p:ext>
     </p:extLst>
   </p:cSld>
@@ -19270,7 +20930,7 @@
           <a:lstStyle/>
           <a:p>
             <a:r>
-              <a:rPr lang="en-150" b="1" dirty="0" smtClean="0">
+              <a:rPr lang="en-150" b="1" dirty="0">
                 <a:solidFill>
                   <a:srgbClr val="242F78"/>
                 </a:solidFill>
@@ -19278,29 +20938,7 @@
                 <a:ea typeface="Lato Light" panose="020F0502020204030203" pitchFamily="34" charset="0"/>
                 <a:cs typeface="Calibri"/>
               </a:rPr>
-              <a:t>Qt </a:t>
-            </a:r>
-            <a:r>
-              <a:rPr lang="en-150" b="1" smtClean="0">
-                <a:solidFill>
-                  <a:srgbClr val="242F78"/>
-                </a:solidFill>
-                <a:latin typeface="Calibri"/>
-                <a:ea typeface="Lato Light" panose="020F0502020204030203" pitchFamily="34" charset="0"/>
-                <a:cs typeface="Calibri"/>
-              </a:rPr>
-              <a:t>Core - </a:t>
-            </a:r>
-            <a:r>
-              <a:rPr lang="en-150" b="1" dirty="0" smtClean="0">
-                <a:solidFill>
-                  <a:srgbClr val="242F78"/>
-                </a:solidFill>
-                <a:latin typeface="Calibri"/>
-                <a:ea typeface="Lato Light" panose="020F0502020204030203" pitchFamily="34" charset="0"/>
-                <a:cs typeface="Calibri"/>
-              </a:rPr>
-              <a:t>QObject</a:t>
+              <a:t>How much of C++ do you need to know?</a:t>
             </a:r>
             <a:endParaRPr lang="en-GB" b="1" dirty="0">
               <a:solidFill>
@@ -19326,210 +20964,86 @@
         <p:spPr>
           <a:xfrm>
             <a:off x="303058" y="1247775"/>
-            <a:ext cx="7523130" cy="3511385"/>
+            <a:ext cx="8489388" cy="3511385"/>
           </a:xfrm>
         </p:spPr>
         <p:txBody>
           <a:bodyPr/>
           <a:lstStyle/>
           <a:p>
-            <a:pPr marL="0" lvl="2" indent="0">
+            <a:pPr lvl="2"/>
+            <a:r>
+              <a:rPr lang="en-150" b="1" dirty="0" smtClean="0"/>
+              <a:t>Objects and Classes</a:t>
+            </a:r>
+          </a:p>
+          <a:p>
+            <a:pPr marL="1018119" lvl="3" indent="0">
               <a:buNone/>
             </a:pPr>
             <a:r>
-              <a:rPr lang="en-150" b="1" dirty="0" smtClean="0">
-                <a:solidFill>
-                  <a:srgbClr val="990099"/>
-                </a:solidFill>
-              </a:rPr>
-              <a:t>QObject </a:t>
-            </a:r>
-            <a:r>
-              <a:rPr lang="en-150" dirty="0" smtClean="0"/>
-              <a:t>is the most basic class in Qt and provides some very powerful capabilities like:</a:t>
-            </a:r>
-          </a:p>
-          <a:p>
-            <a:pPr marL="338183" lvl="4" indent="0">
-              <a:buFont typeface="Arial" panose="020B0604020202020204" pitchFamily="34" charset="0"/>
-              <a:buChar char="•"/>
-            </a:pPr>
-            <a:r>
-              <a:rPr lang="en-150" dirty="0" smtClean="0"/>
-              <a:t>object name: you can set a name, as a string, to an object and search for objects by names.</a:t>
-            </a:r>
-          </a:p>
-          <a:p>
-            <a:pPr marL="338183" lvl="4" indent="0">
-              <a:buFont typeface="Arial" panose="020B0604020202020204" pitchFamily="34" charset="0"/>
-              <a:buChar char="•"/>
-            </a:pPr>
-            <a:r>
-              <a:rPr lang="en-150" dirty="0" smtClean="0"/>
-              <a:t>parenting sytem: next topics</a:t>
-            </a:r>
-          </a:p>
-          <a:p>
-            <a:pPr marL="338183" lvl="4" indent="0">
-              <a:buFont typeface="Arial" panose="020B0604020202020204" pitchFamily="34" charset="0"/>
-              <a:buChar char="•"/>
-            </a:pPr>
-            <a:r>
-              <a:rPr lang="en-150" dirty="0" smtClean="0"/>
-              <a:t>Signals and Slots: </a:t>
-            </a:r>
-            <a:r>
-              <a:rPr lang="en-150" dirty="0"/>
-              <a:t>next topics</a:t>
-            </a:r>
-            <a:endParaRPr lang="en-150" dirty="0" smtClean="0"/>
-          </a:p>
-          <a:p>
-            <a:pPr marL="338183" lvl="4" indent="0">
-              <a:buFont typeface="Arial" panose="020B0604020202020204" pitchFamily="34" charset="0"/>
-              <a:buChar char="•"/>
-            </a:pPr>
-            <a:r>
-              <a:rPr lang="en-150" dirty="0" smtClean="0"/>
-              <a:t>Event Management</a:t>
-            </a:r>
-          </a:p>
-          <a:p>
-            <a:pPr marL="0" lvl="3" indent="0">
-              <a:buFont typeface="Arial" panose="020B0604020202020204" pitchFamily="34" charset="0"/>
-              <a:buChar char="•"/>
-            </a:pPr>
-            <a:endParaRPr lang="en-150" b="1" dirty="0">
-              <a:solidFill>
-                <a:srgbClr val="990099"/>
-              </a:solidFill>
-            </a:endParaRPr>
-          </a:p>
-          <a:p>
-            <a:pPr marL="0" lvl="3" indent="0">
+              <a:rPr lang="en-150" b="1" dirty="0" smtClean="0"/>
+              <a:t>Declaring a class, inheritance, calling member functions, etc.</a:t>
+            </a:r>
+            <a:endParaRPr lang="en-GB" b="1" dirty="0"/>
+          </a:p>
+          <a:p>
+            <a:pPr lvl="2"/>
+            <a:r>
+              <a:rPr lang="en-150" i="1" dirty="0" smtClean="0"/>
+              <a:t>Polymorphism</a:t>
+            </a:r>
+          </a:p>
+          <a:p>
+            <a:pPr marL="1018119" lvl="3" indent="0">
               <a:buNone/>
             </a:pPr>
             <a:r>
-              <a:rPr lang="en-150" b="1" dirty="0" smtClean="0">
-                <a:solidFill>
-                  <a:srgbClr val="990099"/>
-                </a:solidFill>
-              </a:rPr>
-              <a:t>QObject </a:t>
-            </a:r>
-            <a:r>
-              <a:rPr lang="en-150" dirty="0" smtClean="0"/>
-              <a:t>has no image representation.</a:t>
-            </a:r>
-          </a:p>
-          <a:p>
-            <a:pPr marL="0" lvl="3" indent="0">
+              <a:rPr lang="en-150" i="1" dirty="0" smtClean="0"/>
+              <a:t>Virtual Methods</a:t>
+            </a:r>
+          </a:p>
+          <a:p>
+            <a:pPr lvl="2"/>
+            <a:r>
+              <a:rPr lang="en-150" i="1" dirty="0" smtClean="0"/>
+              <a:t>Operator Overloading</a:t>
+            </a:r>
+            <a:endParaRPr lang="en-150" i="1" dirty="0"/>
+          </a:p>
+          <a:p>
+            <a:pPr marL="1018119" lvl="3" indent="0">
               <a:buNone/>
             </a:pPr>
             <a:r>
-              <a:rPr lang="en-150" dirty="0" smtClean="0"/>
-              <a:t>It’s used as a base class for most of the classes in Qt.</a:t>
-            </a:r>
-          </a:p>
-          <a:p>
-            <a:pPr marL="0" lvl="3" indent="0">
+              <a:rPr lang="en-150" i="1" dirty="0" smtClean="0"/>
+              <a:t>bool operator == (const Complex&amp; c);</a:t>
+            </a:r>
+            <a:endParaRPr lang="en-150" i="1" dirty="0"/>
+          </a:p>
+          <a:p>
+            <a:pPr lvl="2"/>
+            <a:r>
+              <a:rPr lang="en-150" i="1" dirty="0" smtClean="0"/>
+              <a:t>Templates</a:t>
+            </a:r>
+          </a:p>
+          <a:p>
+            <a:pPr marL="1018119" lvl="3" indent="0">
               <a:buNone/>
             </a:pPr>
             <a:r>
-              <a:rPr lang="en-150" dirty="0" smtClean="0"/>
-              <a:t>Macro </a:t>
-            </a:r>
-            <a:r>
-              <a:rPr lang="en-150" b="1" dirty="0" smtClean="0"/>
-              <a:t>Q_OBJECT</a:t>
-            </a:r>
-            <a:r>
-              <a:rPr lang="en-150" dirty="0" smtClean="0"/>
-              <a:t> needs to be used on the header of a </a:t>
-            </a:r>
-          </a:p>
-          <a:p>
-            <a:pPr marL="0" lvl="3" indent="0">
-              <a:buNone/>
-            </a:pPr>
-            <a:r>
-              <a:rPr lang="en-150" dirty="0" smtClean="0"/>
-              <a:t>class that inherits </a:t>
-            </a:r>
-            <a:r>
-              <a:rPr lang="en-150" b="1" dirty="0">
-                <a:solidFill>
-                  <a:srgbClr val="990099"/>
-                </a:solidFill>
-              </a:rPr>
-              <a:t>QObject</a:t>
-            </a:r>
-            <a:r>
-              <a:rPr lang="en-150" dirty="0" smtClean="0"/>
-              <a:t>.</a:t>
-            </a:r>
-            <a:endParaRPr lang="en-150" dirty="0"/>
-          </a:p>
-          <a:p>
-            <a:pPr marL="342945" lvl="1" indent="0">
-              <a:buNone/>
-            </a:pPr>
-            <a:r>
-              <a:rPr lang="en-150" dirty="0" smtClean="0"/>
-              <a:t>	</a:t>
-            </a:r>
-            <a:r>
-              <a:rPr lang="en-150" dirty="0"/>
-              <a:t>	</a:t>
-            </a:r>
-          </a:p>
-        </p:txBody>
-      </p:sp>
-      <p:pic>
-        <p:nvPicPr>
-          <p:cNvPr id="5124" name="Picture 4" descr="Beginner-Class-Hierarchy.jpg"/>
-          <p:cNvPicPr>
-            <a:picLocks noChangeAspect="1" noChangeArrowheads="1"/>
-          </p:cNvPicPr>
-          <p:nvPr/>
-        </p:nvPicPr>
-        <p:blipFill>
-          <a:blip r:embed="rId3">
-            <a:extLst>
-              <a:ext uri="{28A0092B-C50C-407E-A947-70E740481C1C}">
-                <a14:useLocalDpi xmlns:a14="http://schemas.microsoft.com/office/drawing/2010/main" val="0"/>
-              </a:ext>
-            </a:extLst>
-          </a:blip>
-          <a:srcRect/>
-          <a:stretch>
-            <a:fillRect/>
-          </a:stretch>
-        </p:blipFill>
-        <p:spPr bwMode="auto">
-          <a:xfrm>
-            <a:off x="4520410" y="1957891"/>
-            <a:ext cx="4030096" cy="2405361"/>
-          </a:xfrm>
-          <a:prstGeom prst="rect">
-            <a:avLst/>
-          </a:prstGeom>
-          <a:noFill/>
-          <a:extLst>
-            <a:ext uri="{909E8E84-426E-40DD-AFC4-6F175D3DCCD1}">
-              <a14:hiddenFill xmlns:a14="http://schemas.microsoft.com/office/drawing/2010/main">
-                <a:solidFill>
-                  <a:srgbClr val="FFFFFF"/>
-                </a:solidFill>
-              </a14:hiddenFill>
-            </a:ext>
-          </a:extLst>
-        </p:spPr>
-      </p:pic>
+              <a:rPr lang="en-150" i="1" dirty="0" smtClean="0"/>
+              <a:t>Limited to the container and concurrent classes</a:t>
+            </a:r>
+            <a:endParaRPr lang="en-150" i="1" dirty="0"/>
+          </a:p>
+        </p:txBody>
+      </p:sp>
     </p:spTree>
     <p:extLst>
       <p:ext uri="{BB962C8B-B14F-4D97-AF65-F5344CB8AC3E}">
-        <p14:creationId xmlns:p14="http://schemas.microsoft.com/office/powerpoint/2010/main" val="1865239314"/>
+        <p14:creationId xmlns:p14="http://schemas.microsoft.com/office/powerpoint/2010/main" val="2151758909"/>
       </p:ext>
     </p:extLst>
   </p:cSld>
@@ -19640,7 +21154,29 @@
                 <a:ea typeface="Lato Light" panose="020F0502020204030203" pitchFamily="34" charset="0"/>
                 <a:cs typeface="Calibri"/>
               </a:rPr>
-              <a:t>Parenting System</a:t>
+              <a:t>Qt </a:t>
+            </a:r>
+            <a:r>
+              <a:rPr lang="en-150" b="1" smtClean="0">
+                <a:solidFill>
+                  <a:srgbClr val="242F78"/>
+                </a:solidFill>
+                <a:latin typeface="Calibri"/>
+                <a:ea typeface="Lato Light" panose="020F0502020204030203" pitchFamily="34" charset="0"/>
+                <a:cs typeface="Calibri"/>
+              </a:rPr>
+              <a:t>Core - </a:t>
+            </a:r>
+            <a:r>
+              <a:rPr lang="en-150" b="1" dirty="0" smtClean="0">
+                <a:solidFill>
+                  <a:srgbClr val="242F78"/>
+                </a:solidFill>
+                <a:latin typeface="Calibri"/>
+                <a:ea typeface="Lato Light" panose="020F0502020204030203" pitchFamily="34" charset="0"/>
+                <a:cs typeface="Calibri"/>
+              </a:rPr>
+              <a:t>QObject</a:t>
             </a:r>
             <a:endParaRPr lang="en-GB" b="1" dirty="0">
               <a:solidFill>
@@ -19665,104 +21201,136 @@
         </p:nvSpPr>
         <p:spPr>
           <a:xfrm>
-            <a:off x="3244967" y="907123"/>
-            <a:ext cx="5473006" cy="3668239"/>
+            <a:off x="303058" y="1247775"/>
+            <a:ext cx="7523130" cy="3511385"/>
           </a:xfrm>
         </p:spPr>
         <p:txBody>
           <a:bodyPr/>
           <a:lstStyle/>
           <a:p>
-            <a:pPr marL="329847" lvl="1" indent="0">
+            <a:pPr marL="0" lvl="2" indent="0">
               <a:buNone/>
             </a:pPr>
             <a:r>
-              <a:rPr lang="en-US" dirty="0"/>
-              <a:t>Any object that inherits from </a:t>
-            </a:r>
-            <a:r>
-              <a:rPr lang="en-150" b="1" dirty="0">
+              <a:rPr lang="en-150" b="1" dirty="0" smtClean="0">
                 <a:solidFill>
                   <a:srgbClr val="990099"/>
                 </a:solidFill>
               </a:rPr>
-              <a:t> QObject </a:t>
-            </a:r>
-            <a:r>
-              <a:rPr lang="en-US" dirty="0"/>
-              <a:t> can have a parent and children. This hierarchy tree makes many things convenient</a:t>
-            </a:r>
-            <a:r>
-              <a:rPr lang="en-US" dirty="0" smtClean="0"/>
-              <a:t>:</a:t>
+              <a:t>QObject </a:t>
+            </a:r>
+            <a:r>
+              <a:rPr lang="en-150" dirty="0" smtClean="0"/>
+              <a:t>is the most basic class in Qt and provides some very powerful capabilities like:</a:t>
+            </a:r>
+          </a:p>
+          <a:p>
+            <a:pPr marL="338183" lvl="4" indent="0">
+              <a:buFont typeface="Arial" panose="020B0604020202020204" pitchFamily="34" charset="0"/>
+              <a:buChar char="•"/>
+            </a:pPr>
+            <a:r>
+              <a:rPr lang="en-150" dirty="0" smtClean="0"/>
+              <a:t>object name: you can set a name, as a string, to an object and search for objects by names.</a:t>
+            </a:r>
+          </a:p>
+          <a:p>
+            <a:pPr marL="338183" lvl="4" indent="0">
+              <a:buFont typeface="Arial" panose="020B0604020202020204" pitchFamily="34" charset="0"/>
+              <a:buChar char="•"/>
+            </a:pPr>
+            <a:r>
+              <a:rPr lang="en-150" dirty="0" smtClean="0"/>
+              <a:t>parenting sytem: next topics</a:t>
+            </a:r>
+          </a:p>
+          <a:p>
+            <a:pPr marL="338183" lvl="4" indent="0">
+              <a:buFont typeface="Arial" panose="020B0604020202020204" pitchFamily="34" charset="0"/>
+              <a:buChar char="•"/>
+            </a:pPr>
+            <a:r>
+              <a:rPr lang="en-150" dirty="0" smtClean="0"/>
+              <a:t>Signals and Slots: </a:t>
+            </a:r>
+            <a:r>
+              <a:rPr lang="en-150" dirty="0"/>
+              <a:t>next topics</a:t>
             </a:r>
             <a:endParaRPr lang="en-150" dirty="0" smtClean="0"/>
           </a:p>
           <a:p>
-            <a:pPr marL="329847" lvl="1" indent="0">
+            <a:pPr marL="338183" lvl="4" indent="0">
+              <a:buFont typeface="Arial" panose="020B0604020202020204" pitchFamily="34" charset="0"/>
+              <a:buChar char="•"/>
+            </a:pPr>
+            <a:r>
+              <a:rPr lang="en-150" dirty="0" smtClean="0"/>
+              <a:t>Event Management</a:t>
+            </a:r>
+          </a:p>
+          <a:p>
+            <a:pPr marL="0" lvl="3" indent="0">
+              <a:buFont typeface="Arial" panose="020B0604020202020204" pitchFamily="34" charset="0"/>
+              <a:buChar char="•"/>
+            </a:pPr>
+            <a:endParaRPr lang="en-150" b="1" dirty="0">
+              <a:solidFill>
+                <a:srgbClr val="990099"/>
+              </a:solidFill>
+            </a:endParaRPr>
+          </a:p>
+          <a:p>
+            <a:pPr marL="0" lvl="3" indent="0">
               <a:buNone/>
             </a:pPr>
-            <a:endParaRPr lang="en-US" dirty="0"/>
-          </a:p>
-          <a:p>
-            <a:pPr lvl="2"/>
-            <a:r>
-              <a:rPr lang="en-US" dirty="0"/>
-              <a:t>When an object is destroyed, all of its children are destroyed as well. So, calling </a:t>
-            </a:r>
-            <a:r>
-              <a:rPr lang="en-US" i="1" dirty="0"/>
-              <a:t>delete</a:t>
-            </a:r>
-            <a:r>
-              <a:rPr lang="en-US" dirty="0"/>
-              <a:t> becomes optional in certain cases.</a:t>
-            </a:r>
-          </a:p>
-          <a:p>
-            <a:pPr lvl="2"/>
-            <a:r>
-              <a:rPr lang="en-US" dirty="0"/>
-              <a:t>All </a:t>
-            </a:r>
             <a:r>
               <a:rPr lang="en-150" b="1" dirty="0" smtClean="0">
                 <a:solidFill>
                   <a:srgbClr val="990099"/>
                 </a:solidFill>
               </a:rPr>
-              <a:t>QObjects</a:t>
-            </a:r>
-            <a:r>
-              <a:rPr lang="en-US" dirty="0" smtClean="0"/>
-              <a:t> </a:t>
-            </a:r>
-            <a:r>
-              <a:rPr lang="en-US" dirty="0"/>
-              <a:t>have </a:t>
-            </a:r>
-            <a:r>
-              <a:rPr lang="en-US" i="1" dirty="0" err="1"/>
-              <a:t>findChild</a:t>
-            </a:r>
-            <a:r>
-              <a:rPr lang="en-US" dirty="0"/>
-              <a:t> and </a:t>
-            </a:r>
-            <a:r>
-              <a:rPr lang="en-US" i="1" dirty="0" err="1"/>
-              <a:t>findChildren</a:t>
-            </a:r>
-            <a:r>
-              <a:rPr lang="en-US" dirty="0"/>
-              <a:t> methods that can be used to search for children of a given object.</a:t>
-            </a:r>
-          </a:p>
-          <a:p>
-            <a:pPr lvl="2"/>
-            <a:r>
-              <a:rPr lang="en-US" dirty="0"/>
-              <a:t>Child widgets in a </a:t>
+              <a:t>QObject </a:t>
+            </a:r>
+            <a:r>
+              <a:rPr lang="en-150" dirty="0" smtClean="0"/>
+              <a:t>has no image representation.</a:t>
+            </a:r>
+          </a:p>
+          <a:p>
+            <a:pPr marL="0" lvl="3" indent="0">
+              <a:buNone/>
+            </a:pPr>
+            <a:r>
+              <a:rPr lang="en-150" dirty="0" smtClean="0"/>
+              <a:t>It’s used as a base class for most of the classes in Qt.</a:t>
+            </a:r>
+          </a:p>
+          <a:p>
+            <a:pPr marL="0" lvl="3" indent="0">
+              <a:buNone/>
+            </a:pPr>
+            <a:r>
+              <a:rPr lang="en-150" dirty="0" smtClean="0"/>
+              <a:t>Macro </a:t>
+            </a:r>
+            <a:r>
+              <a:rPr lang="en-150" b="1" dirty="0" smtClean="0"/>
+              <a:t>Q_OBJECT</a:t>
+            </a:r>
+            <a:r>
+              <a:rPr lang="en-150" dirty="0" smtClean="0"/>
+              <a:t> needs to be used on the header of a </a:t>
+            </a:r>
+          </a:p>
+          <a:p>
+            <a:pPr marL="0" lvl="3" indent="0">
+              <a:buNone/>
+            </a:pPr>
+            <a:r>
+              <a:rPr lang="en-150" dirty="0" smtClean="0"/>
+              <a:t>class that inherits </a:t>
             </a:r>
             <a:r>
               <a:rPr lang="en-150" b="1" dirty="0">
@@ -19770,58 +21338,32 @@
                   <a:srgbClr val="990099"/>
                 </a:solidFill>
               </a:rPr>
-              <a:t> </a:t>
-            </a:r>
-            <a:r>
-              <a:rPr lang="en-150" b="1" dirty="0" smtClean="0">
-                <a:solidFill>
-                  <a:srgbClr val="990099"/>
-                </a:solidFill>
-              </a:rPr>
-              <a:t>QWidget</a:t>
-            </a:r>
-            <a:r>
-              <a:rPr lang="en-US" dirty="0"/>
-              <a:t> automatically appear inside the parent widget.</a:t>
-            </a:r>
-          </a:p>
-          <a:p>
-            <a:pPr lvl="2"/>
+              <a:t>QObject</a:t>
+            </a:r>
+            <a:r>
+              <a:rPr lang="en-150" dirty="0" smtClean="0"/>
+              <a:t>.</a:t>
+            </a:r>
+            <a:endParaRPr lang="en-150" dirty="0"/>
+          </a:p>
+          <a:p>
+            <a:pPr marL="342945" lvl="1" indent="0">
+              <a:buNone/>
+            </a:pPr>
+            <a:r>
+              <a:rPr lang="en-150" dirty="0" smtClean="0"/>
+              <a:t>	</a:t>
+            </a:r>
             <a:r>
               <a:rPr lang="en-150" dirty="0"/>
-              <a:t>T</a:t>
-            </a:r>
-            <a:r>
-              <a:rPr lang="en-US" dirty="0"/>
-              <a:t>he child of a</a:t>
-            </a:r>
-            <a:r>
-              <a:rPr lang="en-US" i="1" dirty="0"/>
-              <a:t> </a:t>
-            </a:r>
-            <a:r>
-              <a:rPr lang="en-150" b="1" dirty="0">
-                <a:solidFill>
-                  <a:srgbClr val="990099"/>
-                </a:solidFill>
-              </a:rPr>
-              <a:t>QObject</a:t>
-            </a:r>
-            <a:r>
-              <a:rPr lang="en-US" i="1" dirty="0"/>
-              <a:t> </a:t>
-            </a:r>
-            <a:r>
-              <a:rPr lang="en-US" dirty="0"/>
-              <a:t>must always be created in the thread where the parent was created.</a:t>
-            </a:r>
-            <a:endParaRPr lang="en-150" dirty="0"/>
+              <a:t>	</a:t>
+            </a:r>
           </a:p>
         </p:txBody>
       </p:sp>
       <p:pic>
         <p:nvPicPr>
-          <p:cNvPr id="1026" name="Picture 2" descr="Image 2"/>
+          <p:cNvPr id="5124" name="Picture 4" descr="Beginner-Class-Hierarchy.jpg"/>
           <p:cNvPicPr>
             <a:picLocks noChangeAspect="1" noChangeArrowheads="1"/>
           </p:cNvPicPr>
@@ -19842,49 +21384,8 @@
         </p:blipFill>
         <p:spPr bwMode="auto">
           <a:xfrm>
-            <a:off x="534843" y="1177022"/>
-            <a:ext cx="2634385" cy="1485794"/>
-          </a:xfrm>
-          <a:prstGeom prst="rect">
-            <a:avLst/>
-          </a:prstGeom>
-          <a:noFill/>
-          <a:extLst>
-            <a:ext uri="{909E8E84-426E-40DD-AFC4-6F175D3DCCD1}">
-              <a14:hiddenFill xmlns:a14="http://schemas.microsoft.com/office/drawing/2010/main">
-                <a:solidFill>
-                  <a:srgbClr val="FFFFFF"/>
-                </a:solidFill>
-              </a14:hiddenFill>
-            </a:ext>
-          </a:extLst>
-        </p:spPr>
-      </p:pic>
-      <p:pic>
-        <p:nvPicPr>
-          <p:cNvPr id="1028" name="Picture 4" descr="Image 3"/>
-          <p:cNvPicPr>
-            <a:picLocks noChangeAspect="1" noChangeArrowheads="1"/>
-          </p:cNvPicPr>
-          <p:nvPr/>
-        </p:nvPicPr>
-        <p:blipFill>
-          <a:blip r:embed="rId4" cstate="print">
-            <a:extLst>
-              <a:ext uri="{28A0092B-C50C-407E-A947-70E740481C1C}">
-                <a14:useLocalDpi xmlns:a14="http://schemas.microsoft.com/office/drawing/2010/main" val="0"/>
-              </a:ext>
-            </a:extLst>
-          </a:blip>
-          <a:srcRect/>
-          <a:stretch>
-            <a:fillRect/>
-          </a:stretch>
-        </p:blipFill>
-        <p:spPr bwMode="auto">
-          <a:xfrm>
-            <a:off x="758248" y="3118761"/>
-            <a:ext cx="1995343" cy="1456601"/>
+            <a:off x="4520410" y="1957891"/>
+            <a:ext cx="4030096" cy="2405361"/>
           </a:xfrm>
           <a:prstGeom prst="rect">
             <a:avLst/>
@@ -19904,7 +21405,7 @@
     </p:spTree>
     <p:extLst>
       <p:ext uri="{BB962C8B-B14F-4D97-AF65-F5344CB8AC3E}">
-        <p14:creationId xmlns:p14="http://schemas.microsoft.com/office/powerpoint/2010/main" val="134069293"/>
+        <p14:creationId xmlns:p14="http://schemas.microsoft.com/office/powerpoint/2010/main" val="1865239314"/>
       </p:ext>
     </p:extLst>
   </p:cSld>
@@ -20015,7 +21516,7 @@
                 <a:ea typeface="Lato Light" panose="020F0502020204030203" pitchFamily="34" charset="0"/>
                 <a:cs typeface="Calibri"/>
               </a:rPr>
-              <a:t>Observer Pattern</a:t>
+              <a:t>Parenting System</a:t>
             </a:r>
             <a:endParaRPr lang="en-GB" b="1" dirty="0">
               <a:solidFill>
@@ -20040,36 +21541,32 @@
         </p:nvSpPr>
         <p:spPr>
           <a:xfrm>
-            <a:off x="192795" y="941294"/>
-            <a:ext cx="8675783" cy="3779434"/>
+            <a:off x="3244967" y="907123"/>
+            <a:ext cx="5473006" cy="3668239"/>
           </a:xfrm>
         </p:spPr>
         <p:txBody>
           <a:bodyPr/>
           <a:lstStyle/>
           <a:p>
-            <a:pPr marL="4486275" lvl="7" indent="0">
+            <a:pPr marL="329847" lvl="1" indent="0">
               <a:buNone/>
             </a:pPr>
             <a:r>
               <a:rPr lang="en-US" dirty="0"/>
-              <a:t>Observer pattern is used when an </a:t>
-            </a:r>
-            <a:r>
-              <a:rPr lang="en-US" i="1" dirty="0"/>
-              <a:t>observable</a:t>
+              <a:t>Any object that inherits from </a:t>
+            </a:r>
+            <a:r>
+              <a:rPr lang="en-150" b="1" dirty="0">
+                <a:solidFill>
+                  <a:srgbClr val="990099"/>
+                </a:solidFill>
+              </a:rPr>
+              <a:t> QObject </a:t>
             </a:r>
             <a:r>
               <a:rPr lang="en-US" dirty="0"/>
-              <a:t> object wants to notify other </a:t>
-            </a:r>
-            <a:r>
-              <a:rPr lang="en-US" i="1" dirty="0"/>
-              <a:t>observers</a:t>
-            </a:r>
-            <a:r>
-              <a:rPr lang="en-US" dirty="0"/>
-              <a:t> objects about a state change. Here are some concrete examples</a:t>
+              <a:t> can have a parent and children. This hierarchy tree makes many things convenient</a:t>
             </a:r>
             <a:r>
               <a:rPr lang="en-US" dirty="0" smtClean="0"/>
@@ -20078,28 +21575,39 @@
             <a:endParaRPr lang="en-150" dirty="0" smtClean="0"/>
           </a:p>
           <a:p>
-            <a:pPr marL="4486275" lvl="7" indent="0">
+            <a:pPr marL="329847" lvl="1" indent="0">
               <a:buNone/>
             </a:pPr>
             <a:endParaRPr lang="en-US" dirty="0"/>
           </a:p>
           <a:p>
-            <a:pPr marL="4486275" lvl="8" indent="0"/>
-            <a:r>
-              <a:rPr lang="en-150" dirty="0" smtClean="0"/>
-              <a:t>A click button triggers </a:t>
-            </a:r>
-            <a:r>
-              <a:rPr lang="en-US" dirty="0" smtClean="0"/>
-              <a:t>a </a:t>
-            </a:r>
+            <a:pPr lvl="2"/>
             <a:r>
               <a:rPr lang="en-US" dirty="0"/>
-              <a:t>menu </a:t>
-            </a:r>
-            <a:r>
-              <a:rPr lang="en-150" dirty="0" smtClean="0"/>
-              <a:t>to</a:t>
+              <a:t>When an object is destroyed, all of its children are destroyed as well. So, calling </a:t>
+            </a:r>
+            <a:r>
+              <a:rPr lang="en-US" i="1" dirty="0"/>
+              <a:t>delete</a:t>
+            </a:r>
+            <a:r>
+              <a:rPr lang="en-US" dirty="0"/>
+              <a:t> becomes optional in certain cases.</a:t>
+            </a:r>
+          </a:p>
+          <a:p>
+            <a:pPr lvl="2"/>
+            <a:r>
+              <a:rPr lang="en-US" dirty="0"/>
+              <a:t>All </a:t>
+            </a:r>
+            <a:r>
+              <a:rPr lang="en-150" b="1" dirty="0" smtClean="0">
+                <a:solidFill>
+                  <a:srgbClr val="990099"/>
+                </a:solidFill>
+              </a:rPr>
+              <a:t>QObjects</a:t>
             </a:r>
             <a:r>
               <a:rPr lang="en-US" dirty="0" smtClean="0"/>
@@ -20107,158 +21615,81 @@
             </a:r>
             <a:r>
               <a:rPr lang="en-US" dirty="0"/>
-              <a:t>be displayed.</a:t>
-            </a:r>
-          </a:p>
-          <a:p>
-            <a:pPr marL="4486275" lvl="8" indent="0"/>
-            <a:r>
-              <a:rPr lang="en-150" dirty="0" smtClean="0"/>
-              <a:t> When a web page is completely loaded, a processor class is notified to </a:t>
-            </a:r>
-            <a:r>
-              <a:rPr lang="en-US" dirty="0" smtClean="0"/>
-              <a:t>extract </a:t>
+              <a:t>have </a:t>
+            </a:r>
+            <a:r>
+              <a:rPr lang="en-US" i="1" dirty="0" err="1"/>
+              <a:t>findChild</a:t>
             </a:r>
             <a:r>
               <a:rPr lang="en-US" dirty="0"/>
-              <a:t>some information from this loaded page</a:t>
-            </a:r>
-            <a:r>
-              <a:rPr lang="en-US" dirty="0" smtClean="0"/>
-              <a:t>.</a:t>
-            </a:r>
-            <a:endParaRPr lang="en-150" dirty="0" smtClean="0"/>
-          </a:p>
-          <a:p>
-            <a:pPr marL="4486275" lvl="8" indent="0"/>
-            <a:endParaRPr lang="en-150" dirty="0"/>
-          </a:p>
-          <a:p>
-            <a:pPr marL="4486275" lvl="8" indent="0"/>
-            <a:endParaRPr lang="en-US" dirty="0"/>
-          </a:p>
-          <a:p>
-            <a:pPr marL="0" indent="0">
-              <a:buNone/>
-            </a:pPr>
+              <a:t> and </a:t>
+            </a:r>
+            <a:r>
+              <a:rPr lang="en-US" i="1" dirty="0" err="1"/>
+              <a:t>findChildren</a:t>
+            </a:r>
             <a:r>
               <a:rPr lang="en-US" dirty="0"/>
-              <a:t/>
-            </a:r>
-            <a:br>
+              <a:t> methods that can be used to search for children of a given object.</a:t>
+            </a:r>
+          </a:p>
+          <a:p>
+            <a:pPr lvl="2"/>
+            <a:r>
               <a:rPr lang="en-US" dirty="0"/>
-            </a:br>
+              <a:t>Child widgets in a </a:t>
+            </a:r>
+            <a:r>
+              <a:rPr lang="en-150" b="1" dirty="0">
+                <a:solidFill>
+                  <a:srgbClr val="990099"/>
+                </a:solidFill>
+              </a:rPr>
+              <a:t> </a:t>
+            </a:r>
+            <a:r>
+              <a:rPr lang="en-150" b="1" dirty="0" smtClean="0">
+                <a:solidFill>
+                  <a:srgbClr val="990099"/>
+                </a:solidFill>
+              </a:rPr>
+              <a:t>QWidget</a:t>
+            </a:r>
             <a:r>
               <a:rPr lang="en-US" dirty="0"/>
-              <a:t>Observer pattern is used </a:t>
-            </a:r>
-            <a:r>
-              <a:rPr lang="en-150" dirty="0" smtClean="0"/>
-              <a:t>extensively</a:t>
-            </a:r>
-            <a:r>
-              <a:rPr lang="en-US" dirty="0" smtClean="0"/>
-              <a:t> </a:t>
-            </a:r>
-            <a:r>
-              <a:rPr lang="en-US" dirty="0"/>
-              <a:t>in GUI applications, and often leads to </a:t>
-            </a:r>
-            <a:r>
-              <a:rPr lang="en-US" dirty="0" smtClean="0"/>
-              <a:t>some</a:t>
-            </a:r>
-            <a:r>
-              <a:rPr lang="en-150" dirty="0" smtClean="0"/>
-              <a:t> repetitive </a:t>
-            </a:r>
-            <a:r>
-              <a:rPr lang="en-150" dirty="0" smtClean="0"/>
-              <a:t>code. </a:t>
-            </a:r>
-          </a:p>
-          <a:p>
-            <a:pPr marL="0" indent="0">
-              <a:buNone/>
-            </a:pPr>
-            <a:r>
-              <a:rPr lang="en-US" dirty="0" err="1" smtClean="0"/>
-              <a:t>Qt</a:t>
-            </a:r>
-            <a:r>
-              <a:rPr lang="en-US" dirty="0" smtClean="0"/>
-              <a:t> </a:t>
-            </a:r>
-            <a:r>
-              <a:rPr lang="en-US" dirty="0"/>
-              <a:t>was created with the idea of removing this </a:t>
-            </a:r>
-            <a:r>
-              <a:rPr lang="en-150" dirty="0" smtClean="0"/>
-              <a:t>spaghetti</a:t>
-            </a:r>
-            <a:r>
-              <a:rPr lang="en-US" dirty="0" smtClean="0"/>
-              <a:t> </a:t>
-            </a:r>
-            <a:r>
-              <a:rPr lang="en-US" dirty="0"/>
-              <a:t>code and </a:t>
-            </a:r>
-            <a:r>
-              <a:rPr lang="en-US" dirty="0" err="1" smtClean="0"/>
-              <a:t>provid</a:t>
-            </a:r>
-            <a:r>
-              <a:rPr lang="en-150" dirty="0" smtClean="0"/>
-              <a:t>e</a:t>
-            </a:r>
-            <a:r>
-              <a:rPr lang="en-US" dirty="0" smtClean="0"/>
-              <a:t> </a:t>
-            </a:r>
-            <a:r>
-              <a:rPr lang="en-US" dirty="0"/>
-              <a:t>a nice and clean </a:t>
-            </a:r>
-            <a:r>
-              <a:rPr lang="en-US" dirty="0" smtClean="0"/>
-              <a:t>syntax</a:t>
-            </a:r>
-            <a:r>
-              <a:rPr lang="en-150" dirty="0" smtClean="0"/>
-              <a:t>.</a:t>
-            </a:r>
-            <a:r>
-              <a:rPr lang="en-US" dirty="0" smtClean="0"/>
-              <a:t> </a:t>
-            </a:r>
-            <a:endParaRPr lang="en-150" dirty="0" smtClean="0"/>
-          </a:p>
-          <a:p>
-            <a:pPr marL="0" indent="0">
-              <a:buNone/>
-            </a:pPr>
+              <a:t> automatically appear inside the parent widget.</a:t>
+            </a:r>
+          </a:p>
+          <a:p>
+            <a:pPr lvl="2"/>
             <a:r>
               <a:rPr lang="en-150" dirty="0"/>
               <a:t>T</a:t>
             </a:r>
             <a:r>
-              <a:rPr lang="en-US" dirty="0" smtClean="0"/>
-              <a:t>he </a:t>
-            </a:r>
-            <a:r>
               <a:rPr lang="en-US" dirty="0"/>
-              <a:t>signal and slots mechanism is the </a:t>
-            </a:r>
-            <a:r>
-              <a:rPr lang="en-US" dirty="0" smtClean="0"/>
-              <a:t>answer</a:t>
-            </a:r>
-            <a:r>
-              <a:rPr lang="en-150" dirty="0" smtClean="0"/>
-              <a:t> for this problem.</a:t>
+              <a:t>he child of a</a:t>
+            </a:r>
+            <a:r>
+              <a:rPr lang="en-US" i="1" dirty="0"/>
+              <a:t> </a:t>
+            </a:r>
+            <a:r>
+              <a:rPr lang="en-150" b="1" dirty="0">
+                <a:solidFill>
+                  <a:srgbClr val="990099"/>
+                </a:solidFill>
+              </a:rPr>
+              <a:t>QObject</a:t>
+            </a:r>
+            <a:r>
+              <a:rPr lang="en-US" i="1" dirty="0"/>
+              <a:t> </a:t>
+            </a:r>
+            <a:r>
+              <a:rPr lang="en-US" dirty="0"/>
+              <a:t>must always be created in the thread where the parent was created.</a:t>
             </a:r>
             <a:endParaRPr lang="en-150" dirty="0"/>
           </a:p>
@@ -20266,7 +21697,7 @@
       </p:sp>
       <p:pic>
         <p:nvPicPr>
-          <p:cNvPr id="2050" name="Picture 2" descr="https://www.programmergirl.com/wp-content/uploads/2019/08/TheObserverPattern.png"/>
+          <p:cNvPr id="1026" name="Picture 2" descr="Image 2"/>
           <p:cNvPicPr>
             <a:picLocks noChangeAspect="1" noChangeArrowheads="1"/>
           </p:cNvPicPr>
@@ -20287,8 +21718,49 @@
         </p:blipFill>
         <p:spPr bwMode="auto">
           <a:xfrm>
-            <a:off x="245764" y="1028700"/>
-            <a:ext cx="4028485" cy="1703677"/>
+            <a:off x="534843" y="1177022"/>
+            <a:ext cx="2634385" cy="1485794"/>
+          </a:xfrm>
+          <a:prstGeom prst="rect">
+            <a:avLst/>
+          </a:prstGeom>
+          <a:noFill/>
+          <a:extLst>
+            <a:ext uri="{909E8E84-426E-40DD-AFC4-6F175D3DCCD1}">
+              <a14:hiddenFill xmlns:a14="http://schemas.microsoft.com/office/drawing/2010/main">
+                <a:solidFill>
+                  <a:srgbClr val="FFFFFF"/>
+                </a:solidFill>
+              </a14:hiddenFill>
+            </a:ext>
+          </a:extLst>
+        </p:spPr>
+      </p:pic>
+      <p:pic>
+        <p:nvPicPr>
+          <p:cNvPr id="1028" name="Picture 4" descr="Image 3"/>
+          <p:cNvPicPr>
+            <a:picLocks noChangeAspect="1" noChangeArrowheads="1"/>
+          </p:cNvPicPr>
+          <p:nvPr/>
+        </p:nvPicPr>
+        <p:blipFill>
+          <a:blip r:embed="rId4" cstate="print">
+            <a:extLst>
+              <a:ext uri="{28A0092B-C50C-407E-A947-70E740481C1C}">
+                <a14:useLocalDpi xmlns:a14="http://schemas.microsoft.com/office/drawing/2010/main" val="0"/>
+              </a:ext>
+            </a:extLst>
+          </a:blip>
+          <a:srcRect/>
+          <a:stretch>
+            <a:fillRect/>
+          </a:stretch>
+        </p:blipFill>
+        <p:spPr bwMode="auto">
+          <a:xfrm>
+            <a:off x="758248" y="3118761"/>
+            <a:ext cx="1995343" cy="1456601"/>
           </a:xfrm>
           <a:prstGeom prst="rect">
             <a:avLst/>
@@ -20308,7 +21780,7 @@
     </p:spTree>
     <p:extLst>
       <p:ext uri="{BB962C8B-B14F-4D97-AF65-F5344CB8AC3E}">
-        <p14:creationId xmlns:p14="http://schemas.microsoft.com/office/powerpoint/2010/main" val="8668168"/>
+        <p14:creationId xmlns:p14="http://schemas.microsoft.com/office/powerpoint/2010/main" val="134069293"/>
       </p:ext>
     </p:extLst>
   </p:cSld>
@@ -20419,7 +21891,7 @@
                 <a:ea typeface="Lato Light" panose="020F0502020204030203" pitchFamily="34" charset="0"/>
                 <a:cs typeface="Calibri"/>
               </a:rPr>
-              <a:t>Signals and Slots</a:t>
+              <a:t>Observer Pattern</a:t>
             </a:r>
             <a:endParaRPr lang="en-GB" b="1" dirty="0">
               <a:solidFill>
@@ -20444,1089 +21916,271 @@
         </p:nvSpPr>
         <p:spPr>
           <a:xfrm>
-            <a:off x="275716" y="908909"/>
-            <a:ext cx="8489388" cy="3808319"/>
+            <a:off x="192795" y="941294"/>
+            <a:ext cx="8675783" cy="3779434"/>
           </a:xfrm>
         </p:spPr>
         <p:txBody>
           <a:bodyPr/>
           <a:lstStyle/>
           <a:p>
-            <a:pPr marL="342945" lvl="1" indent="0">
+            <a:pPr marL="4486275" lvl="7" indent="0">
               <a:buNone/>
             </a:pPr>
             <a:r>
               <a:rPr lang="en-US" dirty="0"/>
-              <a:t>A </a:t>
-            </a:r>
-            <a:r>
-              <a:rPr lang="en-US" b="1" dirty="0"/>
-              <a:t>signal</a:t>
+              <a:t>Observer pattern is used when an </a:t>
+            </a:r>
+            <a:r>
+              <a:rPr lang="en-US" i="1" dirty="0"/>
+              <a:t>observable</a:t>
             </a:r>
             <a:r>
               <a:rPr lang="en-US" dirty="0"/>
-              <a:t> is a message that an object can send, most of the time to inform of a status change</a:t>
+              <a:t> object wants to notify other </a:t>
+            </a:r>
+            <a:r>
+              <a:rPr lang="en-US" i="1" dirty="0"/>
+              <a:t>observers</a:t>
+            </a:r>
+            <a:r>
+              <a:rPr lang="en-US" dirty="0"/>
+              <a:t> objects about a state change. Here are some concrete examples</a:t>
             </a:r>
             <a:r>
               <a:rPr lang="en-US" dirty="0" smtClean="0"/>
-              <a:t>.</a:t>
+              <a:t>:</a:t>
             </a:r>
             <a:endParaRPr lang="en-150" dirty="0" smtClean="0"/>
           </a:p>
           <a:p>
-            <a:pPr lvl="2">
-              <a:buFont typeface="Arial" panose="020B0604020202020204" pitchFamily="34" charset="0"/>
-              <a:buChar char="•"/>
-            </a:pPr>
-            <a:r>
-              <a:rPr lang="en-150" dirty="0" smtClean="0"/>
-              <a:t>Button emits a clicked signal.</a:t>
-            </a:r>
-          </a:p>
-          <a:p>
-            <a:pPr lvl="2">
-              <a:buFont typeface="Arial" panose="020B0604020202020204" pitchFamily="34" charset="0"/>
-              <a:buChar char="•"/>
-            </a:pPr>
-            <a:r>
-              <a:rPr lang="en-150" dirty="0" smtClean="0"/>
-              <a:t>Timer emits a timeout signal.</a:t>
-            </a:r>
-            <a:endParaRPr lang="en-US" dirty="0"/>
-          </a:p>
-          <a:p>
-            <a:pPr marL="342945" lvl="1" indent="0">
-              <a:buNone/>
-            </a:pPr>
-            <a:r>
-              <a:rPr lang="en-US" dirty="0"/>
-              <a:t>A </a:t>
-            </a:r>
-            <a:r>
-              <a:rPr lang="en-US" b="1" dirty="0"/>
-              <a:t>slot</a:t>
-            </a:r>
-            <a:r>
-              <a:rPr lang="en-US" dirty="0"/>
-              <a:t> is a function that is used to accept and respond to a signal</a:t>
-            </a:r>
-            <a:r>
-              <a:rPr lang="en-US" dirty="0" smtClean="0"/>
-              <a:t>.</a:t>
-            </a:r>
-            <a:endParaRPr lang="en-150" dirty="0" smtClean="0"/>
-          </a:p>
-          <a:p>
-            <a:pPr marL="342945" lvl="1" indent="0">
-              <a:buNone/>
-            </a:pPr>
-            <a:endParaRPr lang="en-150" dirty="0"/>
-          </a:p>
-          <a:p>
-            <a:pPr marL="342945" lvl="1" indent="0">
-              <a:buNone/>
-            </a:pPr>
-            <a:r>
-              <a:rPr lang="en-150" dirty="0" smtClean="0"/>
-              <a:t>Example: </a:t>
-            </a:r>
-            <a:r>
-              <a:rPr lang="en-US" dirty="0"/>
-              <a:t> A media player might have a class that is used to check the progress of the media. An instance of this class might periodically send a </a:t>
-            </a:r>
-            <a:r>
-              <a:rPr lang="en-US" i="1" dirty="0"/>
-              <a:t>tick</a:t>
-            </a:r>
-            <a:r>
-              <a:rPr lang="en-US" dirty="0"/>
-              <a:t> signal, with the progress value. This signal can be connected to a </a:t>
-            </a:r>
-            <a:r>
-              <a:rPr lang="en-US" dirty="0" err="1">
-                <a:hlinkClick r:id="rId3"/>
-              </a:rPr>
-              <a:t>QProgressBar</a:t>
-            </a:r>
-            <a:r>
-              <a:rPr lang="en-US" dirty="0"/>
-              <a:t>, that can be used to display the progress</a:t>
-            </a:r>
-            <a:r>
-              <a:rPr lang="en-US" dirty="0" smtClean="0"/>
-              <a:t>.</a:t>
-            </a:r>
-            <a:endParaRPr lang="en-150" dirty="0" smtClean="0"/>
-          </a:p>
-          <a:p>
-            <a:pPr marL="342945" lvl="1" indent="0">
-              <a:buNone/>
-            </a:pPr>
-            <a:r>
-              <a:rPr lang="en-150" dirty="0" smtClean="0"/>
-              <a:t>SIGNAL:					            SLOT:</a:t>
-            </a:r>
-          </a:p>
-          <a:p>
-            <a:pPr marL="342945" lvl="1" indent="0">
-              <a:buNone/>
-            </a:pPr>
-            <a:endParaRPr lang="en-150" dirty="0"/>
-          </a:p>
-          <a:p>
-            <a:pPr marL="342945" lvl="1" indent="0">
-              <a:buNone/>
-            </a:pPr>
-            <a:r>
-              <a:rPr lang="en-150" dirty="0" smtClean="0"/>
-              <a:t>CONNECTION:</a:t>
-            </a:r>
-            <a:endParaRPr lang="en-150" dirty="0"/>
-          </a:p>
-          <a:p>
-            <a:pPr marL="342945" lvl="1" indent="0">
+            <a:pPr marL="4486275" lvl="7" indent="0">
               <a:buNone/>
             </a:pPr>
             <a:endParaRPr lang="en-US" dirty="0"/>
           </a:p>
-        </p:txBody>
-      </p:sp>
-      <p:sp>
-        <p:nvSpPr>
-          <p:cNvPr id="10" name="Rectangle 5"/>
-          <p:cNvSpPr>
-            <a:spLocks noChangeArrowheads="1"/>
-          </p:cNvSpPr>
+          <a:p>
+            <a:pPr marL="4486275" lvl="8" indent="0"/>
+            <a:r>
+              <a:rPr lang="en-150" dirty="0" smtClean="0"/>
+              <a:t>A click button triggers </a:t>
+            </a:r>
+            <a:r>
+              <a:rPr lang="en-US" dirty="0" smtClean="0"/>
+              <a:t>a </a:t>
+            </a:r>
+            <a:r>
+              <a:rPr lang="en-US" dirty="0"/>
+              <a:t>menu </a:t>
+            </a:r>
+            <a:r>
+              <a:rPr lang="en-150" dirty="0" smtClean="0"/>
+              <a:t>to</a:t>
+            </a:r>
+            <a:r>
+              <a:rPr lang="en-US" dirty="0" smtClean="0"/>
+              <a:t> </a:t>
+            </a:r>
+            <a:r>
+              <a:rPr lang="en-US" dirty="0"/>
+              <a:t>be displayed.</a:t>
+            </a:r>
+          </a:p>
+          <a:p>
+            <a:pPr marL="4486275" lvl="8" indent="0"/>
+            <a:r>
+              <a:rPr lang="en-150" dirty="0" smtClean="0"/>
+              <a:t> When a web page is completely loaded, a processor class is notified to </a:t>
+            </a:r>
+            <a:r>
+              <a:rPr lang="en-US" dirty="0" smtClean="0"/>
+              <a:t>extract </a:t>
+            </a:r>
+            <a:r>
+              <a:rPr lang="en-US" dirty="0"/>
+              <a:t>some information from this loaded page</a:t>
+            </a:r>
+            <a:r>
+              <a:rPr lang="en-US" dirty="0" smtClean="0"/>
+              <a:t>.</a:t>
+            </a:r>
+            <a:endParaRPr lang="en-150" dirty="0" smtClean="0"/>
+          </a:p>
+          <a:p>
+            <a:pPr marL="4486275" lvl="8" indent="0"/>
+            <a:endParaRPr lang="en-150" dirty="0"/>
+          </a:p>
+          <a:p>
+            <a:pPr marL="4486275" lvl="8" indent="0"/>
+            <a:endParaRPr lang="en-US" dirty="0"/>
+          </a:p>
+          <a:p>
+            <a:pPr marL="0" indent="0">
+              <a:buNone/>
+            </a:pPr>
+            <a:r>
+              <a:rPr lang="en-US" dirty="0"/>
+              <a:t/>
+            </a:r>
+            <a:br>
+              <a:rPr lang="en-US" dirty="0"/>
+            </a:br>
+            <a:r>
+              <a:rPr lang="en-US" dirty="0"/>
+              <a:t>Observer pattern is used </a:t>
+            </a:r>
+            <a:r>
+              <a:rPr lang="en-150" dirty="0" smtClean="0"/>
+              <a:t>extensively</a:t>
+            </a:r>
+            <a:r>
+              <a:rPr lang="en-US" dirty="0" smtClean="0"/>
+              <a:t> </a:t>
+            </a:r>
+            <a:r>
+              <a:rPr lang="en-US" dirty="0"/>
+              <a:t>in GUI applications, and often leads to </a:t>
+            </a:r>
+            <a:r>
+              <a:rPr lang="en-US" dirty="0" smtClean="0"/>
+              <a:t>some</a:t>
+            </a:r>
+            <a:r>
+              <a:rPr lang="en-150" dirty="0" smtClean="0"/>
+              <a:t> repetitive code. </a:t>
+            </a:r>
+          </a:p>
+          <a:p>
+            <a:pPr marL="0" indent="0">
+              <a:buNone/>
+            </a:pPr>
+            <a:r>
+              <a:rPr lang="en-US" dirty="0" err="1" smtClean="0"/>
+              <a:t>Qt</a:t>
+            </a:r>
+            <a:r>
+              <a:rPr lang="en-US" dirty="0" smtClean="0"/>
+              <a:t> </a:t>
+            </a:r>
+            <a:r>
+              <a:rPr lang="en-US" dirty="0"/>
+              <a:t>was created with the idea of removing this </a:t>
+            </a:r>
+            <a:r>
+              <a:rPr lang="en-150" dirty="0" smtClean="0"/>
+              <a:t>spaghetti</a:t>
+            </a:r>
+            <a:r>
+              <a:rPr lang="en-US" dirty="0" smtClean="0"/>
+              <a:t> </a:t>
+            </a:r>
+            <a:r>
+              <a:rPr lang="en-US" dirty="0"/>
+              <a:t>code and </a:t>
+            </a:r>
+            <a:r>
+              <a:rPr lang="en-US" dirty="0" err="1" smtClean="0"/>
+              <a:t>provid</a:t>
+            </a:r>
+            <a:r>
+              <a:rPr lang="en-150" dirty="0" smtClean="0"/>
+              <a:t>e</a:t>
+            </a:r>
+            <a:r>
+              <a:rPr lang="en-US" dirty="0" smtClean="0"/>
+              <a:t> </a:t>
+            </a:r>
+            <a:r>
+              <a:rPr lang="en-US" dirty="0"/>
+              <a:t>a nice and clean </a:t>
+            </a:r>
+            <a:r>
+              <a:rPr lang="en-US" dirty="0" smtClean="0"/>
+              <a:t>syntax</a:t>
+            </a:r>
+            <a:r>
+              <a:rPr lang="en-150" dirty="0" smtClean="0"/>
+              <a:t>.</a:t>
+            </a:r>
+            <a:r>
+              <a:rPr lang="en-US" dirty="0" smtClean="0"/>
+              <a:t> </a:t>
+            </a:r>
+            <a:endParaRPr lang="en-150" dirty="0" smtClean="0"/>
+          </a:p>
+          <a:p>
+            <a:pPr marL="0" indent="0">
+              <a:buNone/>
+            </a:pPr>
+            <a:r>
+              <a:rPr lang="en-150" dirty="0"/>
+              <a:t>T</a:t>
+            </a:r>
+            <a:r>
+              <a:rPr lang="en-US" dirty="0" smtClean="0"/>
+              <a:t>he </a:t>
+            </a:r>
+            <a:r>
+              <a:rPr lang="en-US" dirty="0"/>
+              <a:t>signal and slots mechanism is the </a:t>
+            </a:r>
+            <a:r>
+              <a:rPr lang="en-US" dirty="0" smtClean="0"/>
+              <a:t>answer</a:t>
+            </a:r>
+            <a:r>
+              <a:rPr lang="en-150" dirty="0" smtClean="0"/>
+              <a:t> for this problem.</a:t>
+            </a:r>
+            <a:endParaRPr lang="en-150" dirty="0"/>
+          </a:p>
+        </p:txBody>
+      </p:sp>
+      <p:pic>
+        <p:nvPicPr>
+          <p:cNvPr id="2050" name="Picture 2" descr="https://www.programmergirl.com/wp-content/uploads/2019/08/TheObserverPattern.png"/>
+          <p:cNvPicPr>
+            <a:picLocks noChangeAspect="1" noChangeArrowheads="1"/>
+          </p:cNvPicPr>
           <p:nvPr/>
-        </p:nvSpPr>
+        </p:nvPicPr>
+        <p:blipFill>
+          <a:blip r:embed="rId3">
+            <a:extLst>
+              <a:ext uri="{28A0092B-C50C-407E-A947-70E740481C1C}">
+                <a14:useLocalDpi xmlns:a14="http://schemas.microsoft.com/office/drawing/2010/main" val="0"/>
+              </a:ext>
+            </a:extLst>
+          </a:blip>
+          <a:srcRect/>
+          <a:stretch>
+            <a:fillRect/>
+          </a:stretch>
+        </p:blipFill>
         <p:spPr bwMode="auto">
           <a:xfrm>
-            <a:off x="657283" y="3504327"/>
-            <a:ext cx="4238513" cy="276999"/>
+            <a:off x="245764" y="1028700"/>
+            <a:ext cx="4028485" cy="1703677"/>
           </a:xfrm>
           <a:prstGeom prst="rect">
             <a:avLst/>
           </a:prstGeom>
-          <a:solidFill>
-            <a:srgbClr val="F8F9FA"/>
-          </a:solidFill>
-          <a:ln>
-            <a:noFill/>
-          </a:ln>
-          <a:effectLst/>
+          <a:noFill/>
           <a:extLst>
-            <a:ext uri="{91240B29-F687-4F45-9708-019B960494DF}">
-              <a14:hiddenLine xmlns:a14="http://schemas.microsoft.com/office/drawing/2010/main" w="9525">
-                <a:solidFill>
-                  <a:schemeClr val="tx1"/>
-                </a:solidFill>
-                <a:miter lim="800000"/>
-                <a:headEnd/>
-                <a:tailEnd/>
-              </a14:hiddenLine>
-            </a:ext>
-            <a:ext uri="{AF507438-7753-43E0-B8FC-AC1667EBCBE1}">
-              <a14:hiddenEffects xmlns:a14="http://schemas.microsoft.com/office/drawing/2010/main">
-                <a:effectLst>
-                  <a:outerShdw dist="35921" dir="2700000" algn="ctr" rotWithShape="0">
-                    <a:schemeClr val="bg2"/>
-                  </a:outerShdw>
-                </a:effectLst>
-              </a14:hiddenEffects>
+            <a:ext uri="{909E8E84-426E-40DD-AFC4-6F175D3DCCD1}">
+              <a14:hiddenFill xmlns:a14="http://schemas.microsoft.com/office/drawing/2010/main">
+                <a:solidFill>
+                  <a:srgbClr val="FFFFFF"/>
+                </a:solidFill>
+              </a14:hiddenFill>
             </a:ext>
           </a:extLst>
         </p:spPr>
-        <p:txBody>
-          <a:bodyPr vert="horz" wrap="square" lIns="91440" tIns="45720" rIns="91440" bIns="45720" numCol="1" anchor="ctr" anchorCtr="0" compatLnSpc="1">
-            <a:prstTxWarp prst="textNoShape">
-              <a:avLst/>
-            </a:prstTxWarp>
-            <a:spAutoFit/>
-          </a:bodyPr>
-          <a:lstStyle/>
-          <a:p>
-            <a:pPr marL="0" marR="0" lvl="0" indent="0" algn="l" defTabSz="914400" rtl="0" eaLnBrk="0" fontAlgn="base" latinLnBrk="0" hangingPunct="0">
-              <a:lnSpc>
-                <a:spcPct val="100000"/>
-              </a:lnSpc>
-              <a:spcBef>
-                <a:spcPct val="30000"/>
-              </a:spcBef>
-              <a:spcAft>
-                <a:spcPct val="0"/>
-              </a:spcAft>
-              <a:buClrTx/>
-              <a:buSzTx/>
-              <a:buFontTx/>
-              <a:buNone/>
-              <a:tabLst/>
-            </a:pPr>
-            <a:r>
-              <a:rPr kumimoji="0" lang="de-DE" altLang="de-DE" sz="1200" b="0" i="0" u="none" strike="noStrike" cap="none" normalizeH="0" baseline="0" dirty="0" err="1" smtClean="0">
-                <a:ln>
-                  <a:noFill/>
-                </a:ln>
-                <a:solidFill>
-                  <a:srgbClr val="B00040"/>
-                </a:solidFill>
-                <a:effectLst/>
-                <a:latin typeface="Courier New" panose="02070309020205020404" pitchFamily="49" charset="0"/>
-                <a:cs typeface="Courier New" panose="02070309020205020404" pitchFamily="49" charset="0"/>
-              </a:rPr>
-              <a:t>void</a:t>
-            </a:r>
-            <a:r>
-              <a:rPr kumimoji="0" lang="de-DE" altLang="de-DE" sz="1200" b="0" i="0" u="none" strike="noStrike" cap="none" normalizeH="0" baseline="0" dirty="0" smtClean="0">
-                <a:ln>
-                  <a:noFill/>
-                </a:ln>
-                <a:solidFill>
-                  <a:srgbClr val="000000"/>
-                </a:solidFill>
-                <a:effectLst/>
-                <a:latin typeface="Courier New" panose="02070309020205020404" pitchFamily="49" charset="0"/>
-                <a:cs typeface="Courier New" panose="02070309020205020404" pitchFamily="49" charset="0"/>
-              </a:rPr>
-              <a:t> </a:t>
-            </a:r>
-            <a:r>
-              <a:rPr kumimoji="0" lang="de-DE" altLang="de-DE" sz="1200" b="0" i="0" u="none" strike="noStrike" cap="none" normalizeH="0" baseline="0" dirty="0" err="1" smtClean="0">
-                <a:ln>
-                  <a:noFill/>
-                </a:ln>
-                <a:solidFill>
-                  <a:schemeClr val="tx1"/>
-                </a:solidFill>
-                <a:effectLst/>
-                <a:latin typeface="Arial" panose="020B0604020202020204" pitchFamily="34" charset="0"/>
-              </a:rPr>
-              <a:t>MediaProgressManager</a:t>
-            </a:r>
-            <a:r>
-              <a:rPr lang="en-150" altLang="de-DE" sz="1200" dirty="0">
-                <a:latin typeface="Arial" panose="020B0604020202020204" pitchFamily="34" charset="0"/>
-              </a:rPr>
-              <a:t>::</a:t>
-            </a:r>
-            <a:r>
-              <a:rPr kumimoji="0" lang="de-DE" altLang="de-DE" sz="1200" b="0" i="0" u="none" strike="noStrike" cap="none" normalizeH="0" baseline="0" dirty="0" smtClean="0">
-                <a:ln>
-                  <a:noFill/>
-                </a:ln>
-                <a:solidFill>
-                  <a:schemeClr val="tx1"/>
-                </a:solidFill>
-                <a:effectLst/>
-                <a:latin typeface="Arial" panose="020B0604020202020204" pitchFamily="34" charset="0"/>
-              </a:rPr>
-              <a:t>tick</a:t>
-            </a:r>
-            <a:r>
-              <a:rPr kumimoji="0" lang="de-DE" altLang="de-DE" sz="1200" b="0" i="0" u="none" strike="noStrike" cap="none" normalizeH="0" baseline="0" dirty="0" smtClean="0">
-                <a:ln>
-                  <a:noFill/>
-                </a:ln>
-                <a:solidFill>
-                  <a:srgbClr val="000000"/>
-                </a:solidFill>
-                <a:effectLst/>
-                <a:latin typeface="Courier New" panose="02070309020205020404" pitchFamily="49" charset="0"/>
-                <a:cs typeface="Courier New" panose="02070309020205020404" pitchFamily="49" charset="0"/>
-              </a:rPr>
-              <a:t>(</a:t>
-            </a:r>
-            <a:r>
-              <a:rPr kumimoji="0" lang="de-DE" altLang="de-DE" sz="1200" b="0" i="0" u="none" strike="noStrike" cap="none" normalizeH="0" baseline="0" dirty="0" err="1" smtClean="0">
-                <a:ln>
-                  <a:noFill/>
-                </a:ln>
-                <a:solidFill>
-                  <a:srgbClr val="B00040"/>
-                </a:solidFill>
-                <a:effectLst/>
-                <a:latin typeface="Courier New" panose="02070309020205020404" pitchFamily="49" charset="0"/>
-                <a:cs typeface="Courier New" panose="02070309020205020404" pitchFamily="49" charset="0"/>
-              </a:rPr>
-              <a:t>int</a:t>
-            </a:r>
-            <a:r>
-              <a:rPr kumimoji="0" lang="de-DE" altLang="de-DE" sz="1200" b="0" i="0" u="none" strike="noStrike" cap="none" normalizeH="0" baseline="0" dirty="0" smtClean="0">
-                <a:ln>
-                  <a:noFill/>
-                </a:ln>
-                <a:solidFill>
-                  <a:srgbClr val="000000"/>
-                </a:solidFill>
-                <a:effectLst/>
-                <a:latin typeface="Courier New" panose="02070309020205020404" pitchFamily="49" charset="0"/>
-                <a:cs typeface="Courier New" panose="02070309020205020404" pitchFamily="49" charset="0"/>
-              </a:rPr>
-              <a:t> </a:t>
-            </a:r>
-            <a:r>
-              <a:rPr kumimoji="0" lang="de-DE" altLang="de-DE" sz="1200" b="0" i="0" u="none" strike="noStrike" cap="none" normalizeH="0" baseline="0" dirty="0" err="1" smtClean="0">
-                <a:ln>
-                  <a:noFill/>
-                </a:ln>
-                <a:solidFill>
-                  <a:schemeClr val="tx1"/>
-                </a:solidFill>
-                <a:effectLst/>
-                <a:latin typeface="Arial" panose="020B0604020202020204" pitchFamily="34" charset="0"/>
-              </a:rPr>
-              <a:t>miliseconds</a:t>
-            </a:r>
-            <a:r>
-              <a:rPr kumimoji="0" lang="de-DE" altLang="de-DE" sz="1200" b="0" i="0" u="none" strike="noStrike" cap="none" normalizeH="0" baseline="0" dirty="0" smtClean="0">
-                <a:ln>
-                  <a:noFill/>
-                </a:ln>
-                <a:solidFill>
-                  <a:srgbClr val="000000"/>
-                </a:solidFill>
-                <a:effectLst/>
-                <a:latin typeface="Courier New" panose="02070309020205020404" pitchFamily="49" charset="0"/>
-                <a:cs typeface="Courier New" panose="02070309020205020404" pitchFamily="49" charset="0"/>
-              </a:rPr>
-              <a:t>);</a:t>
-            </a:r>
-            <a:r>
-              <a:rPr kumimoji="0" lang="de-DE" altLang="de-DE" sz="600" b="0" i="0" u="none" strike="noStrike" cap="none" normalizeH="0" baseline="0" dirty="0" smtClean="0">
-                <a:ln>
-                  <a:noFill/>
-                </a:ln>
-                <a:solidFill>
-                  <a:schemeClr val="tx1"/>
-                </a:solidFill>
-                <a:effectLst/>
-              </a:rPr>
-              <a:t> </a:t>
-            </a:r>
-            <a:endParaRPr kumimoji="0" lang="de-DE" altLang="de-DE" sz="1800" b="0" i="0" u="none" strike="noStrike" cap="none" normalizeH="0" baseline="0" dirty="0" smtClean="0">
-              <a:ln>
-                <a:noFill/>
-              </a:ln>
-              <a:solidFill>
-                <a:schemeClr val="tx1"/>
-              </a:solidFill>
-              <a:effectLst/>
-              <a:latin typeface="Arial" panose="020B0604020202020204" pitchFamily="34" charset="0"/>
-            </a:endParaRPr>
-          </a:p>
-        </p:txBody>
-      </p:sp>
-      <p:sp>
-        <p:nvSpPr>
-          <p:cNvPr id="12" name="Rectangle 7"/>
-          <p:cNvSpPr>
-            <a:spLocks noChangeArrowheads="1"/>
-          </p:cNvSpPr>
-          <p:nvPr/>
-        </p:nvSpPr>
-        <p:spPr bwMode="auto">
-          <a:xfrm>
-            <a:off x="4830184" y="3512380"/>
-            <a:ext cx="3356386" cy="276999"/>
-          </a:xfrm>
-          <a:prstGeom prst="rect">
-            <a:avLst/>
-          </a:prstGeom>
-          <a:solidFill>
-            <a:srgbClr val="F8F9FA"/>
-          </a:solidFill>
-          <a:ln>
-            <a:noFill/>
-          </a:ln>
-          <a:effectLst/>
-          <a:extLst>
-            <a:ext uri="{91240B29-F687-4F45-9708-019B960494DF}">
-              <a14:hiddenLine xmlns:a14="http://schemas.microsoft.com/office/drawing/2010/main" w="9525">
-                <a:solidFill>
-                  <a:schemeClr val="tx1"/>
-                </a:solidFill>
-                <a:miter lim="800000"/>
-                <a:headEnd/>
-                <a:tailEnd/>
-              </a14:hiddenLine>
-            </a:ext>
-            <a:ext uri="{AF507438-7753-43E0-B8FC-AC1667EBCBE1}">
-              <a14:hiddenEffects xmlns:a14="http://schemas.microsoft.com/office/drawing/2010/main">
-                <a:effectLst>
-                  <a:outerShdw dist="35921" dir="2700000" algn="ctr" rotWithShape="0">
-                    <a:schemeClr val="bg2"/>
-                  </a:outerShdw>
-                </a:effectLst>
-              </a14:hiddenEffects>
-            </a:ext>
-          </a:extLst>
-        </p:spPr>
-        <p:txBody>
-          <a:bodyPr vert="horz" wrap="square" lIns="91440" tIns="45720" rIns="91440" bIns="45720" numCol="1" anchor="ctr" anchorCtr="0" compatLnSpc="1">
-            <a:prstTxWarp prst="textNoShape">
-              <a:avLst/>
-            </a:prstTxWarp>
-            <a:spAutoFit/>
-          </a:bodyPr>
-          <a:lstStyle/>
-          <a:p>
-            <a:pPr marL="0" marR="0" lvl="0" indent="0" algn="l" defTabSz="914400" rtl="0" eaLnBrk="0" fontAlgn="base" latinLnBrk="0" hangingPunct="0">
-              <a:lnSpc>
-                <a:spcPct val="100000"/>
-              </a:lnSpc>
-              <a:spcBef>
-                <a:spcPct val="30000"/>
-              </a:spcBef>
-              <a:spcAft>
-                <a:spcPct val="0"/>
-              </a:spcAft>
-              <a:buClrTx/>
-              <a:buSzTx/>
-              <a:buFontTx/>
-              <a:buNone/>
-              <a:tabLst/>
-            </a:pPr>
-            <a:r>
-              <a:rPr kumimoji="0" lang="de-DE" altLang="de-DE" sz="1200" b="0" i="0" u="none" strike="noStrike" cap="none" normalizeH="0" baseline="0" dirty="0" err="1" smtClean="0">
-                <a:ln>
-                  <a:noFill/>
-                </a:ln>
-                <a:solidFill>
-                  <a:srgbClr val="B00040"/>
-                </a:solidFill>
-                <a:effectLst/>
-                <a:latin typeface="Courier New" panose="02070309020205020404" pitchFamily="49" charset="0"/>
-                <a:cs typeface="Courier New" panose="02070309020205020404" pitchFamily="49" charset="0"/>
-              </a:rPr>
-              <a:t>void</a:t>
-            </a:r>
-            <a:r>
-              <a:rPr kumimoji="0" lang="de-DE" altLang="de-DE" sz="1200" b="0" i="0" u="none" strike="noStrike" cap="none" normalizeH="0" baseline="0" dirty="0" smtClean="0">
-                <a:ln>
-                  <a:noFill/>
-                </a:ln>
-                <a:solidFill>
-                  <a:srgbClr val="000000"/>
-                </a:solidFill>
-                <a:effectLst/>
-                <a:latin typeface="Courier New" panose="02070309020205020404" pitchFamily="49" charset="0"/>
-                <a:cs typeface="Courier New" panose="02070309020205020404" pitchFamily="49" charset="0"/>
-              </a:rPr>
-              <a:t> </a:t>
-            </a:r>
-            <a:r>
-              <a:rPr kumimoji="0" lang="de-DE" altLang="de-DE" sz="1200" b="0" i="0" u="none" strike="noStrike" cap="none" normalizeH="0" baseline="0" dirty="0" err="1" smtClean="0">
-                <a:ln>
-                  <a:noFill/>
-                </a:ln>
-                <a:solidFill>
-                  <a:schemeClr val="tx1"/>
-                </a:solidFill>
-                <a:effectLst/>
-                <a:latin typeface="Arial" panose="020B0604020202020204" pitchFamily="34" charset="0"/>
-              </a:rPr>
-              <a:t>QProgressBar</a:t>
-            </a:r>
-            <a:r>
-              <a:rPr lang="de-DE" altLang="de-DE" sz="1200" dirty="0">
-                <a:latin typeface="Arial" panose="020B0604020202020204" pitchFamily="34" charset="0"/>
-              </a:rPr>
-              <a:t>::</a:t>
-            </a:r>
-            <a:r>
-              <a:rPr kumimoji="0" lang="de-DE" altLang="de-DE" sz="1200" b="0" i="0" u="none" strike="noStrike" cap="none" normalizeH="0" baseline="0" dirty="0" err="1" smtClean="0">
-                <a:ln>
-                  <a:noFill/>
-                </a:ln>
-                <a:solidFill>
-                  <a:schemeClr val="tx1"/>
-                </a:solidFill>
-                <a:effectLst/>
-                <a:latin typeface="Arial" panose="020B0604020202020204" pitchFamily="34" charset="0"/>
-              </a:rPr>
-              <a:t>setValue</a:t>
-            </a:r>
-            <a:r>
-              <a:rPr kumimoji="0" lang="de-DE" altLang="de-DE" sz="1200" b="0" i="0" u="none" strike="noStrike" cap="none" normalizeH="0" baseline="0" dirty="0" smtClean="0">
-                <a:ln>
-                  <a:noFill/>
-                </a:ln>
-                <a:solidFill>
-                  <a:srgbClr val="000000"/>
-                </a:solidFill>
-                <a:effectLst/>
-                <a:latin typeface="Courier New" panose="02070309020205020404" pitchFamily="49" charset="0"/>
-                <a:cs typeface="Courier New" panose="02070309020205020404" pitchFamily="49" charset="0"/>
-              </a:rPr>
-              <a:t>(</a:t>
-            </a:r>
-            <a:r>
-              <a:rPr kumimoji="0" lang="de-DE" altLang="de-DE" sz="1200" b="0" i="0" u="none" strike="noStrike" cap="none" normalizeH="0" baseline="0" dirty="0" err="1" smtClean="0">
-                <a:ln>
-                  <a:noFill/>
-                </a:ln>
-                <a:solidFill>
-                  <a:srgbClr val="B00040"/>
-                </a:solidFill>
-                <a:effectLst/>
-                <a:latin typeface="Courier New" panose="02070309020205020404" pitchFamily="49" charset="0"/>
-                <a:cs typeface="Courier New" panose="02070309020205020404" pitchFamily="49" charset="0"/>
-              </a:rPr>
-              <a:t>int</a:t>
-            </a:r>
-            <a:r>
-              <a:rPr kumimoji="0" lang="de-DE" altLang="de-DE" sz="1200" b="0" i="0" u="none" strike="noStrike" cap="none" normalizeH="0" baseline="0" dirty="0" smtClean="0">
-                <a:ln>
-                  <a:noFill/>
-                </a:ln>
-                <a:solidFill>
-                  <a:srgbClr val="000000"/>
-                </a:solidFill>
-                <a:effectLst/>
-                <a:latin typeface="Courier New" panose="02070309020205020404" pitchFamily="49" charset="0"/>
-                <a:cs typeface="Courier New" panose="02070309020205020404" pitchFamily="49" charset="0"/>
-              </a:rPr>
-              <a:t> </a:t>
-            </a:r>
-            <a:r>
-              <a:rPr kumimoji="0" lang="de-DE" altLang="de-DE" sz="1200" b="0" i="0" u="none" strike="noStrike" cap="none" normalizeH="0" baseline="0" dirty="0" err="1" smtClean="0">
-                <a:ln>
-                  <a:noFill/>
-                </a:ln>
-                <a:solidFill>
-                  <a:schemeClr val="tx1"/>
-                </a:solidFill>
-                <a:effectLst/>
-                <a:latin typeface="Arial" panose="020B0604020202020204" pitchFamily="34" charset="0"/>
-              </a:rPr>
-              <a:t>value</a:t>
-            </a:r>
-            <a:r>
-              <a:rPr kumimoji="0" lang="de-DE" altLang="de-DE" sz="1200" b="0" i="0" u="none" strike="noStrike" cap="none" normalizeH="0" baseline="0" dirty="0" smtClean="0">
-                <a:ln>
-                  <a:noFill/>
-                </a:ln>
-                <a:solidFill>
-                  <a:srgbClr val="000000"/>
-                </a:solidFill>
-                <a:effectLst/>
-                <a:latin typeface="Courier New" panose="02070309020205020404" pitchFamily="49" charset="0"/>
-                <a:cs typeface="Courier New" panose="02070309020205020404" pitchFamily="49" charset="0"/>
-              </a:rPr>
-              <a:t>);</a:t>
-            </a:r>
-            <a:r>
-              <a:rPr kumimoji="0" lang="de-DE" altLang="de-DE" sz="600" b="0" i="0" u="none" strike="noStrike" cap="none" normalizeH="0" baseline="0" dirty="0" smtClean="0">
-                <a:ln>
-                  <a:noFill/>
-                </a:ln>
-                <a:solidFill>
-                  <a:schemeClr val="tx1"/>
-                </a:solidFill>
-                <a:effectLst/>
-              </a:rPr>
-              <a:t> </a:t>
-            </a:r>
-            <a:endParaRPr kumimoji="0" lang="de-DE" altLang="de-DE" sz="1800" b="0" i="0" u="none" strike="noStrike" cap="none" normalizeH="0" baseline="0" dirty="0" smtClean="0">
-              <a:ln>
-                <a:noFill/>
-              </a:ln>
-              <a:solidFill>
-                <a:schemeClr val="tx1"/>
-              </a:solidFill>
-              <a:effectLst/>
-              <a:latin typeface="Arial" panose="020B0604020202020204" pitchFamily="34" charset="0"/>
-            </a:endParaRPr>
-          </a:p>
-        </p:txBody>
-      </p:sp>
-      <p:sp>
-        <p:nvSpPr>
-          <p:cNvPr id="14" name="Rectangle 9"/>
-          <p:cNvSpPr>
-            <a:spLocks noChangeArrowheads="1"/>
-          </p:cNvSpPr>
-          <p:nvPr/>
-        </p:nvSpPr>
-        <p:spPr bwMode="auto">
-          <a:xfrm>
-            <a:off x="657283" y="4098671"/>
-            <a:ext cx="6718151" cy="276999"/>
-          </a:xfrm>
-          <a:prstGeom prst="rect">
-            <a:avLst/>
-          </a:prstGeom>
-          <a:solidFill>
-            <a:srgbClr val="F8F9FA"/>
-          </a:solidFill>
-          <a:ln>
-            <a:noFill/>
-          </a:ln>
-          <a:effectLst/>
-          <a:extLst>
-            <a:ext uri="{91240B29-F687-4F45-9708-019B960494DF}">
-              <a14:hiddenLine xmlns:a14="http://schemas.microsoft.com/office/drawing/2010/main" w="9525">
-                <a:solidFill>
-                  <a:schemeClr val="tx1"/>
-                </a:solidFill>
-                <a:miter lim="800000"/>
-                <a:headEnd/>
-                <a:tailEnd/>
-              </a14:hiddenLine>
-            </a:ext>
-            <a:ext uri="{AF507438-7753-43E0-B8FC-AC1667EBCBE1}">
-              <a14:hiddenEffects xmlns:a14="http://schemas.microsoft.com/office/drawing/2010/main">
-                <a:effectLst>
-                  <a:outerShdw dist="35921" dir="2700000" algn="ctr" rotWithShape="0">
-                    <a:schemeClr val="bg2"/>
-                  </a:outerShdw>
-                </a:effectLst>
-              </a14:hiddenEffects>
-            </a:ext>
-          </a:extLst>
-        </p:spPr>
-        <p:txBody>
-          <a:bodyPr vert="horz" wrap="square" lIns="91440" tIns="45720" rIns="91440" bIns="45720" numCol="1" anchor="ctr" anchorCtr="0" compatLnSpc="1">
-            <a:prstTxWarp prst="textNoShape">
-              <a:avLst/>
-            </a:prstTxWarp>
-            <a:spAutoFit/>
-          </a:bodyPr>
-          <a:lstStyle>
-            <a:lvl1pPr eaLnBrk="0" fontAlgn="base" hangingPunct="0">
-              <a:spcBef>
-                <a:spcPct val="30000"/>
-              </a:spcBef>
-              <a:spcAft>
-                <a:spcPct val="0"/>
-              </a:spcAft>
-              <a:defRPr sz="1200">
-                <a:solidFill>
-                  <a:schemeClr val="tx1"/>
-                </a:solidFill>
-                <a:latin typeface="Arial" panose="020B0604020202020204" pitchFamily="34" charset="0"/>
-              </a:defRPr>
-            </a:lvl1pPr>
-            <a:lvl2pPr marL="457200" eaLnBrk="0" fontAlgn="base" hangingPunct="0">
-              <a:spcBef>
-                <a:spcPct val="30000"/>
-              </a:spcBef>
-              <a:spcAft>
-                <a:spcPct val="0"/>
-              </a:spcAft>
-              <a:defRPr sz="1200">
-                <a:solidFill>
-                  <a:schemeClr val="tx1"/>
-                </a:solidFill>
-                <a:latin typeface="Arial" panose="020B0604020202020204" pitchFamily="34" charset="0"/>
-              </a:defRPr>
-            </a:lvl2pPr>
-            <a:lvl3pPr marL="914400" eaLnBrk="0" fontAlgn="base" hangingPunct="0">
-              <a:spcBef>
-                <a:spcPct val="30000"/>
-              </a:spcBef>
-              <a:spcAft>
-                <a:spcPct val="0"/>
-              </a:spcAft>
-              <a:defRPr sz="1200">
-                <a:solidFill>
-                  <a:schemeClr val="tx1"/>
-                </a:solidFill>
-                <a:latin typeface="Arial" panose="020B0604020202020204" pitchFamily="34" charset="0"/>
-              </a:defRPr>
-            </a:lvl3pPr>
-            <a:lvl4pPr marL="1371600" eaLnBrk="0" fontAlgn="base" hangingPunct="0">
-              <a:spcBef>
-                <a:spcPct val="30000"/>
-              </a:spcBef>
-              <a:spcAft>
-                <a:spcPct val="0"/>
-              </a:spcAft>
-              <a:defRPr sz="1200">
-                <a:solidFill>
-                  <a:schemeClr val="tx1"/>
-                </a:solidFill>
-                <a:latin typeface="Arial" panose="020B0604020202020204" pitchFamily="34" charset="0"/>
-              </a:defRPr>
-            </a:lvl4pPr>
-            <a:lvl5pPr marL="1828800" eaLnBrk="0" fontAlgn="base" hangingPunct="0">
-              <a:spcBef>
-                <a:spcPct val="30000"/>
-              </a:spcBef>
-              <a:spcAft>
-                <a:spcPct val="0"/>
-              </a:spcAft>
-              <a:defRPr sz="1200">
-                <a:solidFill>
-                  <a:schemeClr val="tx1"/>
-                </a:solidFill>
-                <a:latin typeface="Arial" panose="020B0604020202020204" pitchFamily="34" charset="0"/>
-              </a:defRPr>
-            </a:lvl5pPr>
-            <a:lvl6pPr marL="2286000" eaLnBrk="0" fontAlgn="base" hangingPunct="0">
-              <a:spcBef>
-                <a:spcPct val="30000"/>
-              </a:spcBef>
-              <a:spcAft>
-                <a:spcPct val="0"/>
-              </a:spcAft>
-              <a:defRPr sz="1200">
-                <a:solidFill>
-                  <a:schemeClr val="tx1"/>
-                </a:solidFill>
-                <a:latin typeface="Arial" panose="020B0604020202020204" pitchFamily="34" charset="0"/>
-              </a:defRPr>
-            </a:lvl6pPr>
-            <a:lvl7pPr marL="2743200" eaLnBrk="0" fontAlgn="base" hangingPunct="0">
-              <a:spcBef>
-                <a:spcPct val="30000"/>
-              </a:spcBef>
-              <a:spcAft>
-                <a:spcPct val="0"/>
-              </a:spcAft>
-              <a:defRPr sz="1200">
-                <a:solidFill>
-                  <a:schemeClr val="tx1"/>
-                </a:solidFill>
-                <a:latin typeface="Arial" panose="020B0604020202020204" pitchFamily="34" charset="0"/>
-              </a:defRPr>
-            </a:lvl7pPr>
-            <a:lvl8pPr marL="3200400" eaLnBrk="0" fontAlgn="base" hangingPunct="0">
-              <a:spcBef>
-                <a:spcPct val="30000"/>
-              </a:spcBef>
-              <a:spcAft>
-                <a:spcPct val="0"/>
-              </a:spcAft>
-              <a:defRPr sz="1200">
-                <a:solidFill>
-                  <a:schemeClr val="tx1"/>
-                </a:solidFill>
-                <a:latin typeface="Arial" panose="020B0604020202020204" pitchFamily="34" charset="0"/>
-              </a:defRPr>
-            </a:lvl8pPr>
-            <a:lvl9pPr marL="3657600" eaLnBrk="0" fontAlgn="base" hangingPunct="0">
-              <a:spcBef>
-                <a:spcPct val="30000"/>
-              </a:spcBef>
-              <a:spcAft>
-                <a:spcPct val="0"/>
-              </a:spcAft>
-              <a:defRPr sz="1200">
-                <a:solidFill>
-                  <a:schemeClr val="tx1"/>
-                </a:solidFill>
-                <a:latin typeface="Arial" panose="020B0604020202020204" pitchFamily="34" charset="0"/>
-              </a:defRPr>
-            </a:lvl9pPr>
-          </a:lstStyle>
-          <a:p>
-            <a:pPr marL="0" marR="0" lvl="0" indent="0" algn="l" defTabSz="914400" rtl="0" eaLnBrk="0" fontAlgn="base" latinLnBrk="0" hangingPunct="0">
-              <a:lnSpc>
-                <a:spcPct val="100000"/>
-              </a:lnSpc>
-              <a:spcBef>
-                <a:spcPct val="30000"/>
-              </a:spcBef>
-              <a:spcAft>
-                <a:spcPct val="0"/>
-              </a:spcAft>
-              <a:buClrTx/>
-              <a:buSzTx/>
-              <a:buFontTx/>
-              <a:buNone/>
-              <a:tabLst/>
-            </a:pPr>
-            <a:r>
-              <a:rPr kumimoji="0" lang="de-DE" altLang="de-DE" sz="1200" b="0" i="0" u="none" strike="noStrike" cap="none" normalizeH="0" baseline="0" dirty="0" err="1" smtClean="0">
-                <a:ln>
-                  <a:noFill/>
-                </a:ln>
-                <a:solidFill>
-                  <a:schemeClr val="tx1"/>
-                </a:solidFill>
-                <a:effectLst/>
-                <a:latin typeface="Arial" panose="020B0604020202020204" pitchFamily="34" charset="0"/>
-              </a:rPr>
-              <a:t>QObject</a:t>
-            </a:r>
-            <a:r>
-              <a:rPr lang="de-DE" altLang="de-DE" dirty="0"/>
-              <a:t>::</a:t>
-            </a:r>
-            <a:r>
-              <a:rPr kumimoji="0" lang="de-DE" altLang="de-DE" sz="1200" b="0" i="0" u="none" strike="noStrike" cap="none" normalizeH="0" baseline="0" dirty="0" err="1" smtClean="0">
-                <a:ln>
-                  <a:noFill/>
-                </a:ln>
-                <a:solidFill>
-                  <a:schemeClr val="tx1"/>
-                </a:solidFill>
-                <a:effectLst/>
-                <a:latin typeface="Arial" panose="020B0604020202020204" pitchFamily="34" charset="0"/>
-              </a:rPr>
-              <a:t>connect</a:t>
-            </a:r>
-            <a:r>
-              <a:rPr kumimoji="0" lang="de-DE" altLang="de-DE" sz="1200" b="0" i="0" u="none" strike="noStrike" cap="none" normalizeH="0" baseline="0" dirty="0" smtClean="0">
-                <a:ln>
-                  <a:noFill/>
-                </a:ln>
-                <a:solidFill>
-                  <a:srgbClr val="000000"/>
-                </a:solidFill>
-                <a:effectLst/>
-                <a:latin typeface="Courier New" panose="02070309020205020404" pitchFamily="49" charset="0"/>
-                <a:cs typeface="Courier New" panose="02070309020205020404" pitchFamily="49" charset="0"/>
-              </a:rPr>
-              <a:t>(</a:t>
-            </a:r>
-            <a:r>
-              <a:rPr kumimoji="0" lang="de-DE" altLang="de-DE" sz="1200" b="0" i="0" u="none" strike="noStrike" cap="none" normalizeH="0" baseline="0" dirty="0" err="1" smtClean="0">
-                <a:ln>
-                  <a:noFill/>
-                </a:ln>
-                <a:solidFill>
-                  <a:schemeClr val="tx1"/>
-                </a:solidFill>
-                <a:effectLst/>
-                <a:latin typeface="Arial" panose="020B0604020202020204" pitchFamily="34" charset="0"/>
-              </a:rPr>
-              <a:t>manager</a:t>
-            </a:r>
-            <a:r>
-              <a:rPr kumimoji="0" lang="de-DE" altLang="de-DE" sz="1200" b="0" i="0" u="none" strike="noStrike" cap="none" normalizeH="0" baseline="0" dirty="0" smtClean="0">
-                <a:ln>
-                  <a:noFill/>
-                </a:ln>
-                <a:solidFill>
-                  <a:srgbClr val="000000"/>
-                </a:solidFill>
-                <a:effectLst/>
-                <a:latin typeface="Courier New" panose="02070309020205020404" pitchFamily="49" charset="0"/>
-                <a:cs typeface="Courier New" panose="02070309020205020404" pitchFamily="49" charset="0"/>
-              </a:rPr>
-              <a:t>, </a:t>
-            </a:r>
-            <a:r>
-              <a:rPr kumimoji="0" lang="de-DE" altLang="de-DE" sz="1200" b="0" i="0" u="none" strike="noStrike" cap="none" normalizeH="0" baseline="0" dirty="0" smtClean="0">
-                <a:ln>
-                  <a:noFill/>
-                </a:ln>
-                <a:solidFill>
-                  <a:schemeClr val="tx1"/>
-                </a:solidFill>
-                <a:effectLst/>
-                <a:latin typeface="Arial" panose="020B0604020202020204" pitchFamily="34" charset="0"/>
-              </a:rPr>
-              <a:t>SIGNAL</a:t>
-            </a:r>
-            <a:r>
-              <a:rPr kumimoji="0" lang="de-DE" altLang="de-DE" sz="1200" b="0" i="0" u="none" strike="noStrike" cap="none" normalizeH="0" baseline="0" dirty="0" smtClean="0">
-                <a:ln>
-                  <a:noFill/>
-                </a:ln>
-                <a:solidFill>
-                  <a:srgbClr val="000000"/>
-                </a:solidFill>
-                <a:effectLst/>
-                <a:latin typeface="Courier New" panose="02070309020205020404" pitchFamily="49" charset="0"/>
-                <a:cs typeface="Courier New" panose="02070309020205020404" pitchFamily="49" charset="0"/>
-              </a:rPr>
-              <a:t> (</a:t>
-            </a:r>
-            <a:r>
-              <a:rPr kumimoji="0" lang="de-DE" altLang="de-DE" sz="1200" b="0" i="0" u="none" strike="noStrike" cap="none" normalizeH="0" baseline="0" dirty="0" smtClean="0">
-                <a:ln>
-                  <a:noFill/>
-                </a:ln>
-                <a:solidFill>
-                  <a:schemeClr val="tx1"/>
-                </a:solidFill>
-                <a:effectLst/>
-                <a:latin typeface="Arial" panose="020B0604020202020204" pitchFamily="34" charset="0"/>
-              </a:rPr>
-              <a:t>tick</a:t>
-            </a:r>
-            <a:r>
-              <a:rPr kumimoji="0" lang="de-DE" altLang="de-DE" sz="1200" b="0" i="0" u="none" strike="noStrike" cap="none" normalizeH="0" baseline="0" dirty="0" smtClean="0">
-                <a:ln>
-                  <a:noFill/>
-                </a:ln>
-                <a:solidFill>
-                  <a:srgbClr val="000000"/>
-                </a:solidFill>
-                <a:effectLst/>
-                <a:latin typeface="Courier New" panose="02070309020205020404" pitchFamily="49" charset="0"/>
-                <a:cs typeface="Courier New" panose="02070309020205020404" pitchFamily="49" charset="0"/>
-              </a:rPr>
-              <a:t>(</a:t>
-            </a:r>
-            <a:r>
-              <a:rPr kumimoji="0" lang="de-DE" altLang="de-DE" sz="1200" b="0" i="0" u="none" strike="noStrike" cap="none" normalizeH="0" baseline="0" dirty="0" err="1" smtClean="0">
-                <a:ln>
-                  <a:noFill/>
-                </a:ln>
-                <a:solidFill>
-                  <a:srgbClr val="B00040"/>
-                </a:solidFill>
-                <a:effectLst/>
-                <a:latin typeface="Courier New" panose="02070309020205020404" pitchFamily="49" charset="0"/>
-                <a:cs typeface="Courier New" panose="02070309020205020404" pitchFamily="49" charset="0"/>
-              </a:rPr>
-              <a:t>int</a:t>
-            </a:r>
-            <a:r>
-              <a:rPr kumimoji="0" lang="de-DE" altLang="de-DE" sz="1200" b="0" i="0" u="none" strike="noStrike" cap="none" normalizeH="0" baseline="0" dirty="0" smtClean="0">
-                <a:ln>
-                  <a:noFill/>
-                </a:ln>
-                <a:solidFill>
-                  <a:srgbClr val="000000"/>
-                </a:solidFill>
-                <a:effectLst/>
-                <a:latin typeface="Courier New" panose="02070309020205020404" pitchFamily="49" charset="0"/>
-                <a:cs typeface="Courier New" panose="02070309020205020404" pitchFamily="49" charset="0"/>
-              </a:rPr>
-              <a:t>)), </a:t>
-            </a:r>
-            <a:r>
-              <a:rPr kumimoji="0" lang="de-DE" altLang="de-DE" sz="1200" b="0" i="0" u="none" strike="noStrike" cap="none" normalizeH="0" baseline="0" dirty="0" err="1" smtClean="0">
-                <a:ln>
-                  <a:noFill/>
-                </a:ln>
-                <a:solidFill>
-                  <a:schemeClr val="tx1"/>
-                </a:solidFill>
-                <a:effectLst/>
-                <a:latin typeface="Arial" panose="020B0604020202020204" pitchFamily="34" charset="0"/>
-              </a:rPr>
-              <a:t>progress</a:t>
-            </a:r>
-            <a:r>
-              <a:rPr kumimoji="0" lang="de-DE" altLang="de-DE" sz="1200" b="0" i="0" u="none" strike="noStrike" cap="none" normalizeH="0" baseline="0" dirty="0" smtClean="0">
-                <a:ln>
-                  <a:noFill/>
-                </a:ln>
-                <a:solidFill>
-                  <a:srgbClr val="000000"/>
-                </a:solidFill>
-                <a:effectLst/>
-                <a:latin typeface="Courier New" panose="02070309020205020404" pitchFamily="49" charset="0"/>
-                <a:cs typeface="Courier New" panose="02070309020205020404" pitchFamily="49" charset="0"/>
-              </a:rPr>
-              <a:t>, </a:t>
-            </a:r>
-            <a:r>
-              <a:rPr kumimoji="0" lang="de-DE" altLang="de-DE" sz="1200" b="0" i="0" u="none" strike="noStrike" cap="none" normalizeH="0" baseline="0" dirty="0" smtClean="0">
-                <a:ln>
-                  <a:noFill/>
-                </a:ln>
-                <a:solidFill>
-                  <a:schemeClr val="tx1"/>
-                </a:solidFill>
-                <a:effectLst/>
-                <a:latin typeface="Arial" panose="020B0604020202020204" pitchFamily="34" charset="0"/>
-              </a:rPr>
-              <a:t>SLOT</a:t>
-            </a:r>
-            <a:r>
-              <a:rPr kumimoji="0" lang="de-DE" altLang="de-DE" sz="1200" b="0" i="0" u="none" strike="noStrike" cap="none" normalizeH="0" baseline="0" dirty="0" smtClean="0">
-                <a:ln>
-                  <a:noFill/>
-                </a:ln>
-                <a:solidFill>
-                  <a:srgbClr val="000000"/>
-                </a:solidFill>
-                <a:effectLst/>
-                <a:latin typeface="Courier New" panose="02070309020205020404" pitchFamily="49" charset="0"/>
-                <a:cs typeface="Courier New" panose="02070309020205020404" pitchFamily="49" charset="0"/>
-              </a:rPr>
-              <a:t> (</a:t>
-            </a:r>
-            <a:r>
-              <a:rPr kumimoji="0" lang="de-DE" altLang="de-DE" sz="1200" b="0" i="0" u="none" strike="noStrike" cap="none" normalizeH="0" baseline="0" dirty="0" err="1" smtClean="0">
-                <a:ln>
-                  <a:noFill/>
-                </a:ln>
-                <a:solidFill>
-                  <a:schemeClr val="tx1"/>
-                </a:solidFill>
-                <a:effectLst/>
-                <a:latin typeface="Arial" panose="020B0604020202020204" pitchFamily="34" charset="0"/>
-              </a:rPr>
-              <a:t>setValue</a:t>
-            </a:r>
-            <a:r>
-              <a:rPr kumimoji="0" lang="de-DE" altLang="de-DE" sz="1200" b="0" i="0" u="none" strike="noStrike" cap="none" normalizeH="0" baseline="0" dirty="0" smtClean="0">
-                <a:ln>
-                  <a:noFill/>
-                </a:ln>
-                <a:solidFill>
-                  <a:srgbClr val="000000"/>
-                </a:solidFill>
-                <a:effectLst/>
-                <a:latin typeface="Courier New" panose="02070309020205020404" pitchFamily="49" charset="0"/>
-                <a:cs typeface="Courier New" panose="02070309020205020404" pitchFamily="49" charset="0"/>
-              </a:rPr>
-              <a:t>(</a:t>
-            </a:r>
-            <a:r>
-              <a:rPr kumimoji="0" lang="de-DE" altLang="de-DE" sz="1200" b="0" i="0" u="none" strike="noStrike" cap="none" normalizeH="0" baseline="0" dirty="0" err="1" smtClean="0">
-                <a:ln>
-                  <a:noFill/>
-                </a:ln>
-                <a:solidFill>
-                  <a:srgbClr val="B00040"/>
-                </a:solidFill>
-                <a:effectLst/>
-                <a:latin typeface="Courier New" panose="02070309020205020404" pitchFamily="49" charset="0"/>
-                <a:cs typeface="Courier New" panose="02070309020205020404" pitchFamily="49" charset="0"/>
-              </a:rPr>
-              <a:t>int</a:t>
-            </a:r>
-            <a:r>
-              <a:rPr kumimoji="0" lang="de-DE" altLang="de-DE" sz="1200" b="0" i="0" u="none" strike="noStrike" cap="none" normalizeH="0" baseline="0" dirty="0" smtClean="0">
-                <a:ln>
-                  <a:noFill/>
-                </a:ln>
-                <a:solidFill>
-                  <a:srgbClr val="000000"/>
-                </a:solidFill>
-                <a:effectLst/>
-                <a:latin typeface="Courier New" panose="02070309020205020404" pitchFamily="49" charset="0"/>
-                <a:cs typeface="Courier New" panose="02070309020205020404" pitchFamily="49" charset="0"/>
-              </a:rPr>
-              <a:t>)));</a:t>
-            </a:r>
-            <a:r>
-              <a:rPr kumimoji="0" lang="de-DE" altLang="de-DE" sz="600" b="0" i="0" u="none" strike="noStrike" cap="none" normalizeH="0" baseline="0" dirty="0" smtClean="0">
-                <a:ln>
-                  <a:noFill/>
-                </a:ln>
-                <a:solidFill>
-                  <a:schemeClr val="tx1"/>
-                </a:solidFill>
-                <a:effectLst/>
-              </a:rPr>
-              <a:t> </a:t>
-            </a:r>
-            <a:endParaRPr kumimoji="0" lang="de-DE" altLang="de-DE" sz="1200" b="0" i="0" u="none" strike="noStrike" cap="none" normalizeH="0" baseline="0" dirty="0" smtClean="0">
-              <a:ln>
-                <a:noFill/>
-              </a:ln>
-              <a:solidFill>
-                <a:schemeClr val="tx1"/>
-              </a:solidFill>
-              <a:effectLst/>
-              <a:latin typeface="Arial" panose="020B0604020202020204" pitchFamily="34" charset="0"/>
-            </a:endParaRPr>
-          </a:p>
-        </p:txBody>
-      </p:sp>
+      </p:pic>
     </p:spTree>
     <p:extLst>
       <p:ext uri="{BB962C8B-B14F-4D97-AF65-F5344CB8AC3E}">
-        <p14:creationId xmlns:p14="http://schemas.microsoft.com/office/powerpoint/2010/main" val="4261049543"/>
+        <p14:creationId xmlns:p14="http://schemas.microsoft.com/office/powerpoint/2010/main" val="8668168"/>
       </p:ext>
     </p:extLst>
   </p:cSld>
@@ -21549,7 +22203,7 @@
   <p:tag name="VARPPTTYPE" val="RXP"/>
   <p:tag name="VARPPTSLIDEFORMAT" val="RXP"/>
   <p:tag name="VARPPTCOMPATIBLE4" val="RXP"/>
-  <p:tag name="VARSAVEMESSAGETIMESTAMP" val="RXP07/10/2021"/>
+  <p:tag name="VARSAVEMESSAGETIMESTAMP" val="RXP02/11/2021"/>
 </p:tagLst>
 </file>
 
@@ -22337,15 +22991,6 @@
 </file>
 
 <file path=customXml/item1.xml><?xml version="1.0" encoding="utf-8"?>
-<?mso-contentType ?>
-<FormTemplates xmlns="http://schemas.microsoft.com/sharepoint/v3/contenttype/forms">
-  <Display>DocumentLibraryForm</Display>
-  <Edit>DocumentLibraryForm</Edit>
-  <New>DocumentLibraryForm</New>
-</FormTemplates>
-</file>
-
-<file path=customXml/item2.xml><?xml version="1.0" encoding="utf-8"?>
 <CustomXml>
   <Property name="Class" type="System.String" value=""/>
   <Property name="Category" type="System.String" value=""/>
@@ -22379,13 +23024,16 @@
 </CustomXml>
 </file>
 
-<file path=customXml/item3.xml><?xml version="1.0" encoding="utf-8"?>
-<p:properties xmlns:p="http://schemas.microsoft.com/office/2006/metadata/properties" xmlns:xsi="http://www.w3.org/2001/XMLSchema-instance" xmlns:pc="http://schemas.microsoft.com/office/infopath/2007/PartnerControls">
-  <documentManagement/>
-</p:properties>
+<file path=customXml/item2.xml><?xml version="1.0" encoding="utf-8"?>
+<?mso-contentType ?>
+<FormTemplates xmlns="http://schemas.microsoft.com/sharepoint/v3/contenttype/forms">
+  <Display>DocumentLibraryForm</Display>
+  <Edit>DocumentLibraryForm</Edit>
+  <New>DocumentLibraryForm</New>
+</FormTemplates>
 </file>
 
-<file path=customXml/item4.xml><?xml version="1.0" encoding="utf-8"?>
+<file path=customXml/item3.xml><?xml version="1.0" encoding="utf-8"?>
 <ct:contentTypeSchema xmlns:ct="http://schemas.microsoft.com/office/2006/metadata/contentType" xmlns:ma="http://schemas.microsoft.com/office/2006/metadata/properties/metaAttributes" ct:_="" ma:_="" ma:contentTypeName="Document" ma:contentTypeID="0x0101003F33868E9CD0BE4AB9201A5BD5A60447" ma:contentTypeVersion="13" ma:contentTypeDescription="Create a new document." ma:contentTypeScope="" ma:versionID="cd56127c3075ee64225f38956c658ba8">
   <xsd:schema xmlns:xsd="http://www.w3.org/2001/XMLSchema" xmlns:xs="http://www.w3.org/2001/XMLSchema" xmlns:p="http://schemas.microsoft.com/office/2006/metadata/properties" xmlns:ns2="00aae37a-a076-46a8-a799-636913c2bf3a" xmlns:ns3="ee3fd44b-5f56-491d-82fc-7506e1bd3334" targetNamespace="http://schemas.microsoft.com/office/2006/metadata/properties" ma:root="true" ma:fieldsID="b13f666e0264860d80cbdf429a036b30" ns2:_="" ns3:_="">
     <xsd:import namespace="00aae37a-a076-46a8-a799-636913c2bf3a"/>
@@ -22608,7 +23256,19 @@
 </ct:contentTypeSchema>
 </file>
 
+<file path=customXml/item4.xml><?xml version="1.0" encoding="utf-8"?>
+<p:properties xmlns:p="http://schemas.microsoft.com/office/2006/metadata/properties" xmlns:xsi="http://www.w3.org/2001/XMLSchema-instance" xmlns:pc="http://schemas.microsoft.com/office/infopath/2007/PartnerControls">
+  <documentManagement/>
+</p:properties>
+</file>
+
 <file path=customXml/itemProps1.xml><?xml version="1.0" encoding="utf-8"?>
+<ds:datastoreItem xmlns:ds="http://schemas.openxmlformats.org/officeDocument/2006/customXml" ds:itemID="{7BF720E4-E9A9-49F8-8BBA-647CC445A63C}">
+  <ds:schemaRefs/>
+</ds:datastoreItem>
+</file>
+
+<file path=customXml/itemProps2.xml><?xml version="1.0" encoding="utf-8"?>
 <ds:datastoreItem xmlns:ds="http://schemas.openxmlformats.org/officeDocument/2006/customXml" ds:itemID="{E5843BA1-24F5-4225-9B6D-72A6BE9E0A4F}">
   <ds:schemaRefs>
     <ds:schemaRef ds:uri="http://schemas.microsoft.com/sharepoint/v3/contenttype/forms"/>
@@ -22616,30 +23276,7 @@
 </ds:datastoreItem>
 </file>
 
-<file path=customXml/itemProps2.xml><?xml version="1.0" encoding="utf-8"?>
-<ds:datastoreItem xmlns:ds="http://schemas.openxmlformats.org/officeDocument/2006/customXml" ds:itemID="{7BF720E4-E9A9-49F8-8BBA-647CC445A63C}">
-  <ds:schemaRefs/>
-</ds:datastoreItem>
-</file>
-
 <file path=customXml/itemProps3.xml><?xml version="1.0" encoding="utf-8"?>
-<ds:datastoreItem xmlns:ds="http://schemas.openxmlformats.org/officeDocument/2006/customXml" ds:itemID="{E8BEBC91-32A8-4684-AED0-4A827B29CF48}">
-  <ds:schemaRefs>
-    <ds:schemaRef ds:uri="http://schemas.microsoft.com/office/2006/documentManagement/types"/>
-    <ds:schemaRef ds:uri="http://schemas.microsoft.com/office/infopath/2007/PartnerControls"/>
-    <ds:schemaRef ds:uri="http://purl.org/dc/elements/1.1/"/>
-    <ds:schemaRef ds:uri="http://schemas.microsoft.com/office/2006/metadata/properties"/>
-    <ds:schemaRef ds:uri="ee3fd44b-5f56-491d-82fc-7506e1bd3334"/>
-    <ds:schemaRef ds:uri="http://purl.org/dc/terms/"/>
-    <ds:schemaRef ds:uri="http://schemas.openxmlformats.org/package/2006/metadata/core-properties"/>
-    <ds:schemaRef ds:uri="00aae37a-a076-46a8-a799-636913c2bf3a"/>
-    <ds:schemaRef ds:uri="http://www.w3.org/XML/1998/namespace"/>
-    <ds:schemaRef ds:uri="http://purl.org/dc/dcmitype/"/>
-  </ds:schemaRefs>
-</ds:datastoreItem>
-</file>
-
-<file path=customXml/itemProps4.xml><?xml version="1.0" encoding="utf-8"?>
 <ds:datastoreItem xmlns:ds="http://schemas.openxmlformats.org/officeDocument/2006/customXml" ds:itemID="{35A338B3-3242-40DF-B0BA-3447A4CD9D5E}">
   <ds:schemaRefs>
     <ds:schemaRef ds:uri="http://schemas.microsoft.com/office/2006/metadata/contentType"/>
@@ -22656,4 +23293,21 @@
     <ds:schemaRef ds:uri="http://schemas.microsoft.com/internal/obd"/>
   </ds:schemaRefs>
 </ds:datastoreItem>
+</file>
+
+<file path=customXml/itemProps4.xml><?xml version="1.0" encoding="utf-8"?>
+<ds:datastoreItem xmlns:ds="http://schemas.openxmlformats.org/officeDocument/2006/customXml" ds:itemID="{E8BEBC91-32A8-4684-AED0-4A827B29CF48}">
+  <ds:schemaRefs>
+    <ds:schemaRef ds:uri="http://schemas.microsoft.com/office/2006/documentManagement/types"/>
+    <ds:schemaRef ds:uri="http://schemas.microsoft.com/office/infopath/2007/PartnerControls"/>
+    <ds:schemaRef ds:uri="http://purl.org/dc/elements/1.1/"/>
+    <ds:schemaRef ds:uri="http://schemas.microsoft.com/office/2006/metadata/properties"/>
+    <ds:schemaRef ds:uri="ee3fd44b-5f56-491d-82fc-7506e1bd3334"/>
+    <ds:schemaRef ds:uri="http://purl.org/dc/terms/"/>
+    <ds:schemaRef ds:uri="http://schemas.openxmlformats.org/package/2006/metadata/core-properties"/>
+    <ds:schemaRef ds:uri="00aae37a-a076-46a8-a799-636913c2bf3a"/>
+    <ds:schemaRef ds:uri="http://www.w3.org/XML/1998/namespace"/>
+    <ds:schemaRef ds:uri="http://purl.org/dc/dcmitype/"/>
+  </ds:schemaRefs>
+</ds:datastoreItem>
 </file>